--- a/DACK_Slide.pptx
+++ b/DACK_Slide.pptx
@@ -16,6 +16,15 @@
     <p:sldId id="263" r:id="rId10"/>
     <p:sldId id="264" r:id="rId11"/>
     <p:sldId id="266" r:id="rId12"/>
+    <p:sldId id="269" r:id="rId13"/>
+    <p:sldId id="281" r:id="rId14"/>
+    <p:sldId id="267" r:id="rId15"/>
+    <p:sldId id="270" r:id="rId16"/>
+    <p:sldId id="275" r:id="rId17"/>
+    <p:sldId id="272" r:id="rId18"/>
+    <p:sldId id="276" r:id="rId19"/>
+    <p:sldId id="278" r:id="rId20"/>
+    <p:sldId id="280" r:id="rId21"/>
   </p:sldIdLst>
   <p:sldSz cx="12192000" cy="6858000"/>
   <p:notesSz cx="6858000" cy="9144000"/>
@@ -114,6 +123,11 @@
       </a:defRPr>
     </a:lvl9pPr>
   </p:defaultTextStyle>
+  <p:extLst>
+    <p:ext uri="{EFAFB233-063F-42B5-8137-9DF3F51BA10A}">
+      <p15:sldGuideLst xmlns:p15="http://schemas.microsoft.com/office/powerpoint/2012/main"/>
+    </p:ext>
+  </p:extLst>
 </p:presentation>
 </file>
 
@@ -839,7 +853,7 @@
           <a:p>
             <a:fld id="{EFA771FA-4870-4215-963D-2BF934AE2618}" type="datetimeFigureOut">
               <a:rPr lang="en-US" smtClean="0"/>
-              <a:t>1/6/2020</a:t>
+              <a:t>1/9/2020</a:t>
             </a:fld>
             <a:endParaRPr lang="en-US"/>
           </a:p>
@@ -1090,7 +1104,7 @@
           <a:p>
             <a:fld id="{EFA771FA-4870-4215-963D-2BF934AE2618}" type="datetimeFigureOut">
               <a:rPr lang="en-US" smtClean="0"/>
-              <a:t>1/6/2020</a:t>
+              <a:t>1/9/2020</a:t>
             </a:fld>
             <a:endParaRPr lang="en-US"/>
           </a:p>
@@ -1404,7 +1418,7 @@
           <a:p>
             <a:fld id="{EFA771FA-4870-4215-963D-2BF934AE2618}" type="datetimeFigureOut">
               <a:rPr lang="en-US" smtClean="0"/>
-              <a:t>1/6/2020</a:t>
+              <a:t>1/9/2020</a:t>
             </a:fld>
             <a:endParaRPr lang="en-US"/>
           </a:p>
@@ -1745,7 +1759,7 @@
           <a:p>
             <a:fld id="{EFA771FA-4870-4215-963D-2BF934AE2618}" type="datetimeFigureOut">
               <a:rPr lang="en-US" smtClean="0"/>
-              <a:t>1/6/2020</a:t>
+              <a:t>1/9/2020</a:t>
             </a:fld>
             <a:endParaRPr lang="en-US"/>
           </a:p>
@@ -2059,7 +2073,7 @@
           <a:p>
             <a:fld id="{EFA771FA-4870-4215-963D-2BF934AE2618}" type="datetimeFigureOut">
               <a:rPr lang="en-US" smtClean="0"/>
-              <a:t>1/6/2020</a:t>
+              <a:t>1/9/2020</a:t>
             </a:fld>
             <a:endParaRPr lang="en-US"/>
           </a:p>
@@ -2452,7 +2466,7 @@
           <a:p>
             <a:fld id="{EFA771FA-4870-4215-963D-2BF934AE2618}" type="datetimeFigureOut">
               <a:rPr lang="en-US" smtClean="0"/>
-              <a:t>1/6/2020</a:t>
+              <a:t>1/9/2020</a:t>
             </a:fld>
             <a:endParaRPr lang="en-US"/>
           </a:p>
@@ -2622,7 +2636,7 @@
           <a:p>
             <a:fld id="{EFA771FA-4870-4215-963D-2BF934AE2618}" type="datetimeFigureOut">
               <a:rPr lang="en-US" smtClean="0"/>
-              <a:t>1/6/2020</a:t>
+              <a:t>1/9/2020</a:t>
             </a:fld>
             <a:endParaRPr lang="en-US"/>
           </a:p>
@@ -2802,7 +2816,7 @@
           <a:p>
             <a:fld id="{EFA771FA-4870-4215-963D-2BF934AE2618}" type="datetimeFigureOut">
               <a:rPr lang="en-US" smtClean="0"/>
-              <a:t>1/6/2020</a:t>
+              <a:t>1/9/2020</a:t>
             </a:fld>
             <a:endParaRPr lang="en-US"/>
           </a:p>
@@ -2978,7 +2992,7 @@
           <a:p>
             <a:fld id="{EFA771FA-4870-4215-963D-2BF934AE2618}" type="datetimeFigureOut">
               <a:rPr lang="en-US" smtClean="0"/>
-              <a:t>1/6/2020</a:t>
+              <a:t>1/9/2020</a:t>
             </a:fld>
             <a:endParaRPr lang="en-US"/>
           </a:p>
@@ -3225,7 +3239,7 @@
           <a:p>
             <a:fld id="{EFA771FA-4870-4215-963D-2BF934AE2618}" type="datetimeFigureOut">
               <a:rPr lang="en-US" smtClean="0"/>
-              <a:t>1/6/2020</a:t>
+              <a:t>1/9/2020</a:t>
             </a:fld>
             <a:endParaRPr lang="en-US"/>
           </a:p>
@@ -3457,7 +3471,7 @@
           <a:p>
             <a:fld id="{EFA771FA-4870-4215-963D-2BF934AE2618}" type="datetimeFigureOut">
               <a:rPr lang="en-US" smtClean="0"/>
-              <a:t>1/6/2020</a:t>
+              <a:t>1/9/2020</a:t>
             </a:fld>
             <a:endParaRPr lang="en-US"/>
           </a:p>
@@ -3831,7 +3845,7 @@
           <a:p>
             <a:fld id="{EFA771FA-4870-4215-963D-2BF934AE2618}" type="datetimeFigureOut">
               <a:rPr lang="en-US" smtClean="0"/>
-              <a:t>1/6/2020</a:t>
+              <a:t>1/9/2020</a:t>
             </a:fld>
             <a:endParaRPr lang="en-US"/>
           </a:p>
@@ -3954,7 +3968,7 @@
           <a:p>
             <a:fld id="{EFA771FA-4870-4215-963D-2BF934AE2618}" type="datetimeFigureOut">
               <a:rPr lang="en-US" smtClean="0"/>
-              <a:t>1/6/2020</a:t>
+              <a:t>1/9/2020</a:t>
             </a:fld>
             <a:endParaRPr lang="en-US"/>
           </a:p>
@@ -4049,7 +4063,7 @@
           <a:p>
             <a:fld id="{EFA771FA-4870-4215-963D-2BF934AE2618}" type="datetimeFigureOut">
               <a:rPr lang="en-US" smtClean="0"/>
-              <a:t>1/6/2020</a:t>
+              <a:t>1/9/2020</a:t>
             </a:fld>
             <a:endParaRPr lang="en-US"/>
           </a:p>
@@ -4304,7 +4318,7 @@
           <a:p>
             <a:fld id="{EFA771FA-4870-4215-963D-2BF934AE2618}" type="datetimeFigureOut">
               <a:rPr lang="en-US" smtClean="0"/>
-              <a:t>1/6/2020</a:t>
+              <a:t>1/9/2020</a:t>
             </a:fld>
             <a:endParaRPr lang="en-US"/>
           </a:p>
@@ -4567,7 +4581,7 @@
           <a:p>
             <a:fld id="{EFA771FA-4870-4215-963D-2BF934AE2618}" type="datetimeFigureOut">
               <a:rPr lang="en-US" smtClean="0"/>
-              <a:t>1/6/2020</a:t>
+              <a:t>1/9/2020</a:t>
             </a:fld>
             <a:endParaRPr lang="en-US"/>
           </a:p>
@@ -5310,7 +5324,7 @@
           <a:p>
             <a:fld id="{EFA771FA-4870-4215-963D-2BF934AE2618}" type="datetimeFigureOut">
               <a:rPr lang="en-US" smtClean="0"/>
-              <a:t>1/6/2020</a:t>
+              <a:t>1/9/2020</a:t>
             </a:fld>
             <a:endParaRPr lang="en-US"/>
           </a:p>
@@ -5856,12 +5870,58 @@
           <a:lstStyle/>
           <a:p>
             <a:r>
-              <a:rPr lang="en-US">
-                <a:latin typeface="Segoe UI" panose="020B0502040204020203" pitchFamily="34" charset="0"/>
-                <a:cs typeface="Segoe UI" panose="020B0502040204020203" pitchFamily="34" charset="0"/>
-              </a:rPr>
-              <a:t>Đồ án cuối kỳ</a:t>
-            </a:r>
+              <a:rPr lang="en-US" dirty="0" err="1">
+                <a:latin typeface="Segoe UI" panose="020B0502040204020203" pitchFamily="34" charset="0"/>
+                <a:cs typeface="Segoe UI" panose="020B0502040204020203" pitchFamily="34" charset="0"/>
+              </a:rPr>
+              <a:t>Đồ</a:t>
+            </a:r>
+            <a:r>
+              <a:rPr lang="en-US" dirty="0">
+                <a:latin typeface="Segoe UI" panose="020B0502040204020203" pitchFamily="34" charset="0"/>
+                <a:cs typeface="Segoe UI" panose="020B0502040204020203" pitchFamily="34" charset="0"/>
+              </a:rPr>
+              <a:t> </a:t>
+            </a:r>
+            <a:r>
+              <a:rPr lang="en-US" dirty="0" err="1">
+                <a:latin typeface="Segoe UI" panose="020B0502040204020203" pitchFamily="34" charset="0"/>
+                <a:cs typeface="Segoe UI" panose="020B0502040204020203" pitchFamily="34" charset="0"/>
+              </a:rPr>
+              <a:t>án</a:t>
+            </a:r>
+            <a:r>
+              <a:rPr lang="en-US" dirty="0">
+                <a:latin typeface="Segoe UI" panose="020B0502040204020203" pitchFamily="34" charset="0"/>
+                <a:cs typeface="Segoe UI" panose="020B0502040204020203" pitchFamily="34" charset="0"/>
+              </a:rPr>
+              <a:t> </a:t>
+            </a:r>
+            <a:r>
+              <a:rPr lang="en-US" dirty="0" err="1">
+                <a:latin typeface="Segoe UI" panose="020B0502040204020203" pitchFamily="34" charset="0"/>
+                <a:cs typeface="Segoe UI" panose="020B0502040204020203" pitchFamily="34" charset="0"/>
+              </a:rPr>
+              <a:t>cuối</a:t>
+            </a:r>
+            <a:r>
+              <a:rPr lang="en-US" dirty="0">
+                <a:latin typeface="Segoe UI" panose="020B0502040204020203" pitchFamily="34" charset="0"/>
+                <a:cs typeface="Segoe UI" panose="020B0502040204020203" pitchFamily="34" charset="0"/>
+              </a:rPr>
+              <a:t> </a:t>
+            </a:r>
+            <a:r>
+              <a:rPr lang="en-US" dirty="0" err="1">
+                <a:latin typeface="Segoe UI" panose="020B0502040204020203" pitchFamily="34" charset="0"/>
+                <a:cs typeface="Segoe UI" panose="020B0502040204020203" pitchFamily="34" charset="0"/>
+              </a:rPr>
+              <a:t>kỳ</a:t>
+            </a:r>
+            <a:endParaRPr lang="en-US" dirty="0">
+              <a:latin typeface="Segoe UI" panose="020B0502040204020203" pitchFamily="34" charset="0"/>
+              <a:cs typeface="Segoe UI" panose="020B0502040204020203" pitchFamily="34" charset="0"/>
+            </a:endParaRPr>
           </a:p>
         </p:txBody>
       </p:sp>
@@ -5889,49 +5949,144 @@
           <a:lstStyle/>
           <a:p>
             <a:r>
-              <a:rPr lang="en-US">
-                <a:latin typeface="Segoe UI" panose="020B0502040204020203" pitchFamily="34" charset="0"/>
-                <a:cs typeface="Segoe UI" panose="020B0502040204020203" pitchFamily="34" charset="0"/>
-              </a:rPr>
-              <a:t>Môn Khoa học dữ liệu</a:t>
-            </a:r>
-          </a:p>
-          <a:p>
-            <a:endParaRPr lang="en-US">
+              <a:rPr lang="en-US" dirty="0" err="1">
+                <a:latin typeface="Segoe UI" panose="020B0502040204020203" pitchFamily="34" charset="0"/>
+                <a:cs typeface="Segoe UI" panose="020B0502040204020203" pitchFamily="34" charset="0"/>
+              </a:rPr>
+              <a:t>Môn</a:t>
+            </a:r>
+            <a:r>
+              <a:rPr lang="en-US" dirty="0">
+                <a:latin typeface="Segoe UI" panose="020B0502040204020203" pitchFamily="34" charset="0"/>
+                <a:cs typeface="Segoe UI" panose="020B0502040204020203" pitchFamily="34" charset="0"/>
+              </a:rPr>
+              <a:t> Khoa </a:t>
+            </a:r>
+            <a:r>
+              <a:rPr lang="en-US" dirty="0" err="1">
+                <a:latin typeface="Segoe UI" panose="020B0502040204020203" pitchFamily="34" charset="0"/>
+                <a:cs typeface="Segoe UI" panose="020B0502040204020203" pitchFamily="34" charset="0"/>
+              </a:rPr>
+              <a:t>học</a:t>
+            </a:r>
+            <a:r>
+              <a:rPr lang="en-US" dirty="0">
+                <a:latin typeface="Segoe UI" panose="020B0502040204020203" pitchFamily="34" charset="0"/>
+                <a:cs typeface="Segoe UI" panose="020B0502040204020203" pitchFamily="34" charset="0"/>
+              </a:rPr>
+              <a:t> </a:t>
+            </a:r>
+            <a:r>
+              <a:rPr lang="en-US" dirty="0" err="1">
+                <a:latin typeface="Segoe UI" panose="020B0502040204020203" pitchFamily="34" charset="0"/>
+                <a:cs typeface="Segoe UI" panose="020B0502040204020203" pitchFamily="34" charset="0"/>
+              </a:rPr>
+              <a:t>dữ</a:t>
+            </a:r>
+            <a:r>
+              <a:rPr lang="en-US" dirty="0">
+                <a:latin typeface="Segoe UI" panose="020B0502040204020203" pitchFamily="34" charset="0"/>
+                <a:cs typeface="Segoe UI" panose="020B0502040204020203" pitchFamily="34" charset="0"/>
+              </a:rPr>
+              <a:t> </a:t>
+            </a:r>
+            <a:r>
+              <a:rPr lang="en-US" dirty="0" err="1">
+                <a:latin typeface="Segoe UI" panose="020B0502040204020203" pitchFamily="34" charset="0"/>
+                <a:cs typeface="Segoe UI" panose="020B0502040204020203" pitchFamily="34" charset="0"/>
+              </a:rPr>
+              <a:t>liệu</a:t>
+            </a:r>
+            <a:endParaRPr lang="en-US" dirty="0">
               <a:latin typeface="Segoe UI" panose="020B0502040204020203" pitchFamily="34" charset="0"/>
               <a:cs typeface="Segoe UI" panose="020B0502040204020203" pitchFamily="34" charset="0"/>
             </a:endParaRPr>
           </a:p>
           <a:p>
-            <a:r>
-              <a:rPr lang="en-US">
-                <a:latin typeface="Segoe UI" panose="020B0502040204020203" pitchFamily="34" charset="0"/>
-                <a:cs typeface="Segoe UI" panose="020B0502040204020203" pitchFamily="34" charset="0"/>
-              </a:rPr>
-              <a:t>Phạm Quang Ph</a:t>
-            </a:r>
-            <a:r>
-              <a:rPr lang="vi-VN">
+            <a:endParaRPr lang="en-US" dirty="0">
+              <a:latin typeface="Segoe UI" panose="020B0502040204020203" pitchFamily="34" charset="0"/>
+              <a:cs typeface="Segoe UI" panose="020B0502040204020203" pitchFamily="34" charset="0"/>
+            </a:endParaRPr>
+          </a:p>
+          <a:p>
+            <a:r>
+              <a:rPr lang="en-US" dirty="0" err="1">
+                <a:latin typeface="Segoe UI" panose="020B0502040204020203" pitchFamily="34" charset="0"/>
+                <a:cs typeface="Segoe UI" panose="020B0502040204020203" pitchFamily="34" charset="0"/>
+              </a:rPr>
+              <a:t>Phạm</a:t>
+            </a:r>
+            <a:r>
+              <a:rPr lang="en-US" dirty="0">
+                <a:latin typeface="Segoe UI" panose="020B0502040204020203" pitchFamily="34" charset="0"/>
+                <a:cs typeface="Segoe UI" panose="020B0502040204020203" pitchFamily="34" charset="0"/>
+              </a:rPr>
+              <a:t> Quang Ph</a:t>
+            </a:r>
+            <a:r>
+              <a:rPr lang="vi-VN" dirty="0">
                 <a:latin typeface="Segoe UI" panose="020B0502040204020203" pitchFamily="34" charset="0"/>
                 <a:cs typeface="Segoe UI" panose="020B0502040204020203" pitchFamily="34" charset="0"/>
               </a:rPr>
               <a:t>ư</a:t>
             </a:r>
             <a:r>
-              <a:rPr lang="en-US">
-                <a:latin typeface="Segoe UI" panose="020B0502040204020203" pitchFamily="34" charset="0"/>
-                <a:cs typeface="Segoe UI" panose="020B0502040204020203" pitchFamily="34" charset="0"/>
-              </a:rPr>
-              <a:t>ớc Nguyên – 1612441</a:t>
-            </a:r>
-          </a:p>
-          <a:p>
-            <a:r>
-              <a:rPr lang="en-US">
-                <a:latin typeface="Segoe UI" panose="020B0502040204020203" pitchFamily="34" charset="0"/>
-                <a:cs typeface="Segoe UI" panose="020B0502040204020203" pitchFamily="34" charset="0"/>
-              </a:rPr>
-              <a:t>Nguyễn Cao Nhân - 1612451</a:t>
+              <a:rPr lang="en-US" dirty="0" err="1">
+                <a:latin typeface="Segoe UI" panose="020B0502040204020203" pitchFamily="34" charset="0"/>
+                <a:cs typeface="Segoe UI" panose="020B0502040204020203" pitchFamily="34" charset="0"/>
+              </a:rPr>
+              <a:t>ớc</a:t>
+            </a:r>
+            <a:r>
+              <a:rPr lang="en-US" dirty="0">
+                <a:latin typeface="Segoe UI" panose="020B0502040204020203" pitchFamily="34" charset="0"/>
+                <a:cs typeface="Segoe UI" panose="020B0502040204020203" pitchFamily="34" charset="0"/>
+              </a:rPr>
+              <a:t> </a:t>
+            </a:r>
+            <a:r>
+              <a:rPr lang="en-US" dirty="0" err="1">
+                <a:latin typeface="Segoe UI" panose="020B0502040204020203" pitchFamily="34" charset="0"/>
+                <a:cs typeface="Segoe UI" panose="020B0502040204020203" pitchFamily="34" charset="0"/>
+              </a:rPr>
+              <a:t>Nguyên</a:t>
+            </a:r>
+            <a:r>
+              <a:rPr lang="en-US" dirty="0">
+                <a:latin typeface="Segoe UI" panose="020B0502040204020203" pitchFamily="34" charset="0"/>
+                <a:cs typeface="Segoe UI" panose="020B0502040204020203" pitchFamily="34" charset="0"/>
+              </a:rPr>
+              <a:t> – 1612441</a:t>
+            </a:r>
+          </a:p>
+          <a:p>
+            <a:r>
+              <a:rPr lang="en-US" dirty="0" err="1">
+                <a:latin typeface="Segoe UI" panose="020B0502040204020203" pitchFamily="34" charset="0"/>
+                <a:cs typeface="Segoe UI" panose="020B0502040204020203" pitchFamily="34" charset="0"/>
+              </a:rPr>
+              <a:t>Nguyễn</a:t>
+            </a:r>
+            <a:r>
+              <a:rPr lang="en-US" dirty="0">
+                <a:latin typeface="Segoe UI" panose="020B0502040204020203" pitchFamily="34" charset="0"/>
+                <a:cs typeface="Segoe UI" panose="020B0502040204020203" pitchFamily="34" charset="0"/>
+              </a:rPr>
+              <a:t> Cao </a:t>
+            </a:r>
+            <a:r>
+              <a:rPr lang="en-US" dirty="0" err="1">
+                <a:latin typeface="Segoe UI" panose="020B0502040204020203" pitchFamily="34" charset="0"/>
+                <a:cs typeface="Segoe UI" panose="020B0502040204020203" pitchFamily="34" charset="0"/>
+              </a:rPr>
+              <a:t>Nhân</a:t>
+            </a:r>
+            <a:r>
+              <a:rPr lang="en-US" dirty="0">
+                <a:latin typeface="Segoe UI" panose="020B0502040204020203" pitchFamily="34" charset="0"/>
+                <a:cs typeface="Segoe UI" panose="020B0502040204020203" pitchFamily="34" charset="0"/>
+              </a:rPr>
+              <a:t> - 1612451</a:t>
             </a:r>
           </a:p>
         </p:txBody>
@@ -5946,13 +6101,13 @@
   <p:clrMapOvr>
     <a:masterClrMapping/>
   </p:clrMapOvr>
-  <mc:AlternateContent xmlns:mc="http://schemas.openxmlformats.org/markup-compatibility/2006">
-    <mc:Choice xmlns:p14="http://schemas.microsoft.com/office/powerpoint/2010/main" Requires="p14">
+  <mc:AlternateContent xmlns:mc="http://schemas.openxmlformats.org/markup-compatibility/2006" xmlns:p14="http://schemas.microsoft.com/office/powerpoint/2010/main">
+    <mc:Choice Requires="p14">
       <p:transition spd="med" p14:dur="700">
         <p:fade/>
       </p:transition>
     </mc:Choice>
-    <mc:Fallback>
+    <mc:Fallback xmlns="">
       <p:transition spd="med">
         <p:fade/>
       </p:transition>
@@ -6064,13 +6219,13 @@
   <p:clrMapOvr>
     <a:masterClrMapping/>
   </p:clrMapOvr>
-  <mc:AlternateContent xmlns:mc="http://schemas.openxmlformats.org/markup-compatibility/2006">
-    <mc:Choice xmlns:p14="http://schemas.microsoft.com/office/powerpoint/2010/main" Requires="p14">
+  <mc:AlternateContent xmlns:mc="http://schemas.openxmlformats.org/markup-compatibility/2006" xmlns:p14="http://schemas.microsoft.com/office/powerpoint/2010/main">
+    <mc:Choice Requires="p14">
       <p:transition spd="med" p14:dur="700">
         <p:fade/>
       </p:transition>
     </mc:Choice>
-    <mc:Fallback>
+    <mc:Fallback xmlns="">
       <p:transition spd="med">
         <p:fade/>
       </p:transition>
@@ -6163,43 +6318,43 @@
           <a:lstStyle/>
           <a:p>
             <a:r>
-              <a:rPr lang="en-US">
+              <a:rPr lang="en-US" dirty="0">
                 <a:latin typeface="Segoe UI" panose="020B0502040204020203" pitchFamily="34" charset="0"/>
                 <a:cs typeface="Segoe UI" panose="020B0502040204020203" pitchFamily="34" charset="0"/>
               </a:rPr>
               <a:t>C</a:t>
             </a:r>
             <a:r>
-              <a:rPr lang="vi-VN">
+              <a:rPr lang="vi-VN" dirty="0">
                 <a:latin typeface="Segoe UI" panose="020B0502040204020203" pitchFamily="34" charset="0"/>
                 <a:cs typeface="Segoe UI" panose="020B0502040204020203" pitchFamily="34" charset="0"/>
               </a:rPr>
               <a:t>hia tập dữ liệu ban đầu thành 3 tập train, validation, test với tỉ lệ</a:t>
             </a:r>
             <a:r>
-              <a:rPr lang="en-US">
-                <a:latin typeface="Segoe UI" panose="020B0502040204020203" pitchFamily="34" charset="0"/>
-                <a:cs typeface="Segoe UI" panose="020B0502040204020203" pitchFamily="34" charset="0"/>
-              </a:rPr>
-              <a:t> 6/2/2</a:t>
-            </a:r>
-          </a:p>
-          <a:p>
-            <a:r>
-              <a:rPr lang="en-US">
+              <a:rPr lang="en-US" dirty="0">
+                <a:latin typeface="Segoe UI" panose="020B0502040204020203" pitchFamily="34" charset="0"/>
+                <a:cs typeface="Segoe UI" panose="020B0502040204020203" pitchFamily="34" charset="0"/>
+              </a:rPr>
+              <a:t> 0.56-0.14-0.3</a:t>
+            </a:r>
+          </a:p>
+          <a:p>
+            <a:r>
+              <a:rPr lang="en-US" dirty="0">
                 <a:latin typeface="Segoe UI" panose="020B0502040204020203" pitchFamily="34" charset="0"/>
                 <a:cs typeface="Segoe UI" panose="020B0502040204020203" pitchFamily="34" charset="0"/>
               </a:rPr>
               <a:t>N</a:t>
             </a:r>
             <a:r>
-              <a:rPr lang="vi-VN">
+              <a:rPr lang="vi-VN" dirty="0">
                 <a:latin typeface="Segoe UI" panose="020B0502040204020203" pitchFamily="34" charset="0"/>
                 <a:cs typeface="Segoe UI" panose="020B0502040204020203" pitchFamily="34" charset="0"/>
               </a:rPr>
               <a:t>hóm sẽ thực hiện các bước tiền xử lý sau: </a:t>
             </a:r>
-            <a:endParaRPr lang="en-US">
+            <a:endParaRPr lang="en-US" dirty="0">
               <a:latin typeface="Segoe UI" panose="020B0502040204020203" pitchFamily="34" charset="0"/>
               <a:cs typeface="Segoe UI" panose="020B0502040204020203" pitchFamily="34" charset="0"/>
             </a:endParaRPr>
@@ -6207,20 +6362,20 @@
           <a:p>
             <a:pPr lvl="1"/>
             <a:r>
-              <a:rPr lang="en-US">
+              <a:rPr lang="en-US" dirty="0">
                 <a:latin typeface="Segoe UI" panose="020B0502040204020203" pitchFamily="34" charset="0"/>
                 <a:cs typeface="Segoe UI" panose="020B0502040204020203" pitchFamily="34" charset="0"/>
               </a:rPr>
               <a:t>T</a:t>
             </a:r>
             <a:r>
-              <a:rPr lang="vi-VN">
+              <a:rPr lang="vi-VN" dirty="0">
                 <a:latin typeface="Segoe UI" panose="020B0502040204020203" pitchFamily="34" charset="0"/>
                 <a:cs typeface="Segoe UI" panose="020B0502040204020203" pitchFamily="34" charset="0"/>
               </a:rPr>
               <a:t>ạo "từ điển từ" từ tập train</a:t>
             </a:r>
-            <a:endParaRPr lang="en-US">
+            <a:endParaRPr lang="en-US" dirty="0">
               <a:latin typeface="Segoe UI" panose="020B0502040204020203" pitchFamily="34" charset="0"/>
               <a:cs typeface="Segoe UI" panose="020B0502040204020203" pitchFamily="34" charset="0"/>
             </a:endParaRPr>
@@ -6228,20 +6383,20 @@
           <a:p>
             <a:pPr lvl="1"/>
             <a:r>
-              <a:rPr lang="en-US">
+              <a:rPr lang="en-US" dirty="0">
                 <a:latin typeface="Segoe UI" panose="020B0502040204020203" pitchFamily="34" charset="0"/>
                 <a:cs typeface="Segoe UI" panose="020B0502040204020203" pitchFamily="34" charset="0"/>
               </a:rPr>
               <a:t>T</a:t>
             </a:r>
             <a:r>
-              <a:rPr lang="vi-VN">
+              <a:rPr lang="vi-VN" dirty="0">
                 <a:latin typeface="Segoe UI" panose="020B0502040204020203" pitchFamily="34" charset="0"/>
                 <a:cs typeface="Segoe UI" panose="020B0502040204020203" pitchFamily="34" charset="0"/>
               </a:rPr>
               <a:t>ạo danh sách stopword và loại bỏ các từ này trong danh sách câu hỏi</a:t>
             </a:r>
-            <a:endParaRPr lang="en-US">
+            <a:endParaRPr lang="en-US" dirty="0">
               <a:latin typeface="Segoe UI" panose="020B0502040204020203" pitchFamily="34" charset="0"/>
               <a:cs typeface="Segoe UI" panose="020B0502040204020203" pitchFamily="34" charset="0"/>
             </a:endParaRPr>
@@ -6249,48 +6404,48 @@
           <a:p>
             <a:pPr lvl="1"/>
             <a:r>
-              <a:rPr lang="en-US">
+              <a:rPr lang="en-US" dirty="0">
                 <a:latin typeface="Segoe UI" panose="020B0502040204020203" pitchFamily="34" charset="0"/>
                 <a:cs typeface="Segoe UI" panose="020B0502040204020203" pitchFamily="34" charset="0"/>
               </a:rPr>
               <a:t>C</a:t>
             </a:r>
             <a:r>
-              <a:rPr lang="vi-VN">
+              <a:rPr lang="vi-VN" dirty="0">
                 <a:latin typeface="Segoe UI" panose="020B0502040204020203" pitchFamily="34" charset="0"/>
                 <a:cs typeface="Segoe UI" panose="020B0502040204020203" pitchFamily="34" charset="0"/>
               </a:rPr>
               <a:t>huyển đổi từng câu hỏi thành dạng vecto</a:t>
             </a:r>
             <a:r>
-              <a:rPr lang="en-US">
+              <a:rPr lang="en-US" dirty="0">
                 <a:latin typeface="Segoe UI" panose="020B0502040204020203" pitchFamily="34" charset="0"/>
                 <a:cs typeface="Segoe UI" panose="020B0502040204020203" pitchFamily="34" charset="0"/>
               </a:rPr>
               <a:t>r</a:t>
             </a:r>
             <a:r>
-              <a:rPr lang="vi-VN">
+              <a:rPr lang="vi-VN" dirty="0">
                 <a:latin typeface="Segoe UI" panose="020B0502040204020203" pitchFamily="34" charset="0"/>
                 <a:cs typeface="Segoe UI" panose="020B0502040204020203" pitchFamily="34" charset="0"/>
               </a:rPr>
               <a:t> (bag of word), dùng một số phương pháp giảm số chiều do từ điển rất nhiều từ nên vecto</a:t>
             </a:r>
             <a:r>
-              <a:rPr lang="en-US">
+              <a:rPr lang="en-US" dirty="0">
                 <a:latin typeface="Segoe UI" panose="020B0502040204020203" pitchFamily="34" charset="0"/>
                 <a:cs typeface="Segoe UI" panose="020B0502040204020203" pitchFamily="34" charset="0"/>
               </a:rPr>
               <a:t>r</a:t>
             </a:r>
             <a:r>
-              <a:rPr lang="vi-VN">
+              <a:rPr lang="vi-VN" dirty="0">
                 <a:latin typeface="Segoe UI" panose="020B0502040204020203" pitchFamily="34" charset="0"/>
                 <a:cs typeface="Segoe UI" panose="020B0502040204020203" pitchFamily="34" charset="0"/>
               </a:rPr>
               <a:t> đặc trưng sẽ rất dài</a:t>
             </a:r>
-            <a:endParaRPr lang="en-US">
+            <a:endParaRPr lang="en-US" dirty="0">
               <a:latin typeface="Segoe UI" panose="020B0502040204020203" pitchFamily="34" charset="0"/>
               <a:cs typeface="Segoe UI" panose="020B0502040204020203" pitchFamily="34" charset="0"/>
             </a:endParaRPr>
@@ -6298,27 +6453,27 @@
           <a:p>
             <a:pPr lvl="1"/>
             <a:r>
-              <a:rPr lang="vi-VN">
+              <a:rPr lang="vi-VN" dirty="0">
                 <a:latin typeface="Segoe UI" panose="020B0502040204020203" pitchFamily="34" charset="0"/>
                 <a:cs typeface="Segoe UI" panose="020B0502040204020203" pitchFamily="34" charset="0"/>
               </a:rPr>
               <a:t>Khi có vecto</a:t>
             </a:r>
             <a:r>
-              <a:rPr lang="en-US">
+              <a:rPr lang="en-US" dirty="0">
                 <a:latin typeface="Segoe UI" panose="020B0502040204020203" pitchFamily="34" charset="0"/>
                 <a:cs typeface="Segoe UI" panose="020B0502040204020203" pitchFamily="34" charset="0"/>
               </a:rPr>
               <a:t>r</a:t>
             </a:r>
             <a:r>
-              <a:rPr lang="vi-VN">
+              <a:rPr lang="vi-VN" dirty="0">
                 <a:latin typeface="Segoe UI" panose="020B0502040204020203" pitchFamily="34" charset="0"/>
                 <a:cs typeface="Segoe UI" panose="020B0502040204020203" pitchFamily="34" charset="0"/>
               </a:rPr>
               <a:t> dạng số ta có thể chọn mô hình để huấn luyện</a:t>
             </a:r>
-            <a:endParaRPr lang="en-US">
+            <a:endParaRPr lang="en-US" dirty="0">
               <a:latin typeface="Segoe UI" panose="020B0502040204020203" pitchFamily="34" charset="0"/>
               <a:cs typeface="Segoe UI" panose="020B0502040204020203" pitchFamily="34" charset="0"/>
             </a:endParaRPr>
@@ -6335,18 +6490,5114 @@
   <p:clrMapOvr>
     <a:masterClrMapping/>
   </p:clrMapOvr>
-  <mc:AlternateContent xmlns:mc="http://schemas.openxmlformats.org/markup-compatibility/2006">
-    <mc:Choice xmlns:p14="http://schemas.microsoft.com/office/powerpoint/2010/main" Requires="p14">
+  <mc:AlternateContent xmlns:mc="http://schemas.openxmlformats.org/markup-compatibility/2006" xmlns:p14="http://schemas.microsoft.com/office/powerpoint/2010/main">
+    <mc:Choice Requires="p14">
       <p:transition spd="med" p14:dur="700">
         <p:fade/>
       </p:transition>
     </mc:Choice>
-    <mc:Fallback>
+    <mc:Fallback xmlns="">
       <p:transition spd="med">
         <p:fade/>
       </p:transition>
     </mc:Fallback>
   </mc:AlternateContent>
+</p:sld>
+</file>
+
+<file path=ppt/slides/slide12.xml><?xml version="1.0" encoding="utf-8"?>
+<p:sld xmlns:a="http://schemas.openxmlformats.org/drawingml/2006/main" xmlns:r="http://schemas.openxmlformats.org/officeDocument/2006/relationships" xmlns:p="http://schemas.openxmlformats.org/presentationml/2006/main">
+  <p:cSld>
+    <p:spTree>
+      <p:nvGrpSpPr>
+        <p:cNvPr id="1" name=""/>
+        <p:cNvGrpSpPr/>
+        <p:nvPr/>
+      </p:nvGrpSpPr>
+      <p:grpSpPr>
+        <a:xfrm>
+          <a:off x="0" y="0"/>
+          <a:ext cx="0" cy="0"/>
+          <a:chOff x="0" y="0"/>
+          <a:chExt cx="0" cy="0"/>
+        </a:xfrm>
+      </p:grpSpPr>
+      <p:sp>
+        <p:nvSpPr>
+          <p:cNvPr id="2" name="Title 1">
+            <a:extLst>
+              <a:ext uri="{FF2B5EF4-FFF2-40B4-BE49-F238E27FC236}">
+                <a16:creationId xmlns:a16="http://schemas.microsoft.com/office/drawing/2014/main" id="{6E001378-C14D-404C-9EE0-10E662667462}"/>
+              </a:ext>
+            </a:extLst>
+          </p:cNvPr>
+          <p:cNvSpPr>
+            <a:spLocks noGrp="1"/>
+          </p:cNvSpPr>
+          <p:nvPr>
+            <p:ph type="title"/>
+          </p:nvPr>
+        </p:nvSpPr>
+        <p:spPr/>
+        <p:txBody>
+          <a:bodyPr/>
+          <a:lstStyle/>
+          <a:p>
+            <a:r>
+              <a:rPr lang="en-US" dirty="0">
+                <a:latin typeface="Segoe UI" panose="020B0502040204020203" pitchFamily="34" charset="0"/>
+                <a:cs typeface="Segoe UI" panose="020B0502040204020203" pitchFamily="34" charset="0"/>
+              </a:rPr>
+              <a:t>TIỀN XỬ LÍ</a:t>
+            </a:r>
+          </a:p>
+        </p:txBody>
+      </p:sp>
+      <p:sp>
+        <p:nvSpPr>
+          <p:cNvPr id="3" name="Text Placeholder 2">
+            <a:extLst>
+              <a:ext uri="{FF2B5EF4-FFF2-40B4-BE49-F238E27FC236}">
+                <a16:creationId xmlns:a16="http://schemas.microsoft.com/office/drawing/2014/main" id="{048232F6-41E8-42CF-9E97-D24CA12EA114}"/>
+              </a:ext>
+            </a:extLst>
+          </p:cNvPr>
+          <p:cNvSpPr>
+            <a:spLocks noGrp="1"/>
+          </p:cNvSpPr>
+          <p:nvPr>
+            <p:ph type="body" idx="1"/>
+          </p:nvPr>
+        </p:nvSpPr>
+        <p:spPr/>
+        <p:txBody>
+          <a:bodyPr/>
+          <a:lstStyle/>
+          <a:p>
+            <a:endParaRPr lang="en-US"/>
+          </a:p>
+        </p:txBody>
+      </p:sp>
+    </p:spTree>
+    <p:extLst>
+      <p:ext uri="{BB962C8B-B14F-4D97-AF65-F5344CB8AC3E}">
+        <p14:creationId xmlns:p14="http://schemas.microsoft.com/office/powerpoint/2010/main" val="34456315"/>
+      </p:ext>
+    </p:extLst>
+  </p:cSld>
+  <p:clrMapOvr>
+    <a:masterClrMapping/>
+  </p:clrMapOvr>
+</p:sld>
+</file>
+
+<file path=ppt/slides/slide13.xml><?xml version="1.0" encoding="utf-8"?>
+<p:sld xmlns:a="http://schemas.openxmlformats.org/drawingml/2006/main" xmlns:r="http://schemas.openxmlformats.org/officeDocument/2006/relationships" xmlns:p="http://schemas.openxmlformats.org/presentationml/2006/main">
+  <p:cSld>
+    <p:spTree>
+      <p:nvGrpSpPr>
+        <p:cNvPr id="1" name=""/>
+        <p:cNvGrpSpPr/>
+        <p:nvPr/>
+      </p:nvGrpSpPr>
+      <p:grpSpPr>
+        <a:xfrm>
+          <a:off x="0" y="0"/>
+          <a:ext cx="0" cy="0"/>
+          <a:chOff x="0" y="0"/>
+          <a:chExt cx="0" cy="0"/>
+        </a:xfrm>
+      </p:grpSpPr>
+      <p:sp>
+        <p:nvSpPr>
+          <p:cNvPr id="2" name="Title 1">
+            <a:extLst>
+              <a:ext uri="{FF2B5EF4-FFF2-40B4-BE49-F238E27FC236}">
+                <a16:creationId xmlns:a16="http://schemas.microsoft.com/office/drawing/2014/main" id="{3DA45178-F917-4DED-93E6-12301FA88B5C}"/>
+              </a:ext>
+            </a:extLst>
+          </p:cNvPr>
+          <p:cNvSpPr>
+            <a:spLocks noGrp="1"/>
+          </p:cNvSpPr>
+          <p:nvPr>
+            <p:ph type="title"/>
+          </p:nvPr>
+        </p:nvSpPr>
+        <p:spPr/>
+        <p:txBody>
+          <a:bodyPr/>
+          <a:lstStyle/>
+          <a:p>
+            <a:r>
+              <a:rPr lang="en-US" dirty="0" err="1"/>
+              <a:t>Cách</a:t>
+            </a:r>
+            <a:r>
+              <a:rPr lang="en-US" dirty="0"/>
+              <a:t> chia </a:t>
+            </a:r>
+            <a:r>
+              <a:rPr lang="en-US" dirty="0" err="1"/>
+              <a:t>bộ</a:t>
+            </a:r>
+            <a:r>
+              <a:rPr lang="en-US" dirty="0"/>
+              <a:t> </a:t>
+            </a:r>
+            <a:r>
+              <a:rPr lang="en-US" dirty="0" err="1"/>
+              <a:t>dữ</a:t>
+            </a:r>
+            <a:r>
+              <a:rPr lang="en-US" dirty="0"/>
+              <a:t> </a:t>
+            </a:r>
+            <a:r>
+              <a:rPr lang="en-US" dirty="0" err="1"/>
+              <a:t>liệu</a:t>
+            </a:r>
+            <a:endParaRPr lang="en-US" dirty="0"/>
+          </a:p>
+        </p:txBody>
+      </p:sp>
+      <p:sp>
+        <p:nvSpPr>
+          <p:cNvPr id="3" name="Content Placeholder 2">
+            <a:extLst>
+              <a:ext uri="{FF2B5EF4-FFF2-40B4-BE49-F238E27FC236}">
+                <a16:creationId xmlns:a16="http://schemas.microsoft.com/office/drawing/2014/main" id="{D651B18C-FA9D-4208-B6E6-7B99A5522A5A}"/>
+              </a:ext>
+            </a:extLst>
+          </p:cNvPr>
+          <p:cNvSpPr>
+            <a:spLocks noGrp="1"/>
+          </p:cNvSpPr>
+          <p:nvPr>
+            <p:ph idx="1"/>
+          </p:nvPr>
+        </p:nvSpPr>
+        <p:spPr/>
+        <p:txBody>
+          <a:bodyPr/>
+          <a:lstStyle/>
+          <a:p>
+            <a:r>
+              <a:rPr lang="en-US" dirty="0"/>
+              <a:t>Chia </a:t>
+            </a:r>
+            <a:r>
+              <a:rPr lang="en-US" dirty="0" err="1"/>
+              <a:t>tập</a:t>
+            </a:r>
+            <a:r>
+              <a:rPr lang="en-US" dirty="0"/>
+              <a:t> </a:t>
+            </a:r>
+            <a:r>
+              <a:rPr lang="en-US" dirty="0" err="1"/>
+              <a:t>dữ</a:t>
+            </a:r>
+            <a:r>
+              <a:rPr lang="en-US" dirty="0"/>
+              <a:t> </a:t>
+            </a:r>
+            <a:r>
+              <a:rPr lang="en-US" dirty="0" err="1"/>
+              <a:t>liệu</a:t>
+            </a:r>
+            <a:r>
+              <a:rPr lang="en-US" dirty="0"/>
+              <a:t> </a:t>
+            </a:r>
+            <a:r>
+              <a:rPr lang="en-US" dirty="0" err="1"/>
+              <a:t>thành</a:t>
+            </a:r>
+            <a:r>
+              <a:rPr lang="en-US" dirty="0"/>
+              <a:t> 2 </a:t>
+            </a:r>
+            <a:r>
+              <a:rPr lang="en-US" dirty="0" err="1"/>
+              <a:t>phần</a:t>
+            </a:r>
+            <a:r>
+              <a:rPr lang="en-US" dirty="0"/>
+              <a:t>:</a:t>
+            </a:r>
+          </a:p>
+          <a:p>
+            <a:pPr lvl="1"/>
+            <a:r>
+              <a:rPr lang="en-US" dirty="0"/>
+              <a:t>30% </a:t>
+            </a:r>
+            <a:r>
+              <a:rPr lang="en-US" dirty="0" err="1"/>
+              <a:t>là</a:t>
+            </a:r>
+            <a:r>
+              <a:rPr lang="en-US" dirty="0"/>
+              <a:t> </a:t>
+            </a:r>
+            <a:r>
+              <a:rPr lang="en-US" dirty="0" err="1"/>
+              <a:t>tập</a:t>
+            </a:r>
+            <a:r>
+              <a:rPr lang="en-US" dirty="0"/>
+              <a:t> test</a:t>
+            </a:r>
+          </a:p>
+          <a:p>
+            <a:pPr lvl="1"/>
+            <a:r>
+              <a:rPr lang="en-US" dirty="0"/>
+              <a:t>70% </a:t>
+            </a:r>
+            <a:r>
+              <a:rPr lang="en-US" dirty="0" err="1"/>
+              <a:t>là</a:t>
+            </a:r>
+            <a:r>
+              <a:rPr lang="en-US" dirty="0"/>
+              <a:t> </a:t>
+            </a:r>
+            <a:r>
+              <a:rPr lang="en-US" dirty="0" err="1"/>
+              <a:t>tập</a:t>
+            </a:r>
+            <a:r>
+              <a:rPr lang="en-US" dirty="0"/>
+              <a:t> </a:t>
+            </a:r>
+            <a:r>
+              <a:rPr lang="en-US" dirty="0" err="1"/>
+              <a:t>train+validation</a:t>
+            </a:r>
+            <a:endParaRPr lang="en-US" dirty="0"/>
+          </a:p>
+          <a:p>
+            <a:pPr lvl="2"/>
+            <a:r>
+              <a:rPr lang="en-US" dirty="0"/>
+              <a:t>80% </a:t>
+            </a:r>
+            <a:r>
+              <a:rPr lang="en-US" dirty="0" err="1"/>
+              <a:t>trong</a:t>
+            </a:r>
+            <a:r>
+              <a:rPr lang="en-US" dirty="0"/>
+              <a:t> </a:t>
+            </a:r>
+            <a:r>
+              <a:rPr lang="en-US" dirty="0" err="1"/>
+              <a:t>số</a:t>
+            </a:r>
+            <a:r>
+              <a:rPr lang="en-US" dirty="0"/>
+              <a:t> </a:t>
+            </a:r>
+            <a:r>
+              <a:rPr lang="en-US" dirty="0" err="1"/>
+              <a:t>này</a:t>
+            </a:r>
+            <a:r>
+              <a:rPr lang="en-US" dirty="0"/>
+              <a:t> </a:t>
+            </a:r>
+            <a:r>
+              <a:rPr lang="en-US" dirty="0" err="1"/>
+              <a:t>là</a:t>
+            </a:r>
+            <a:r>
+              <a:rPr lang="en-US" dirty="0"/>
+              <a:t> </a:t>
+            </a:r>
+            <a:r>
+              <a:rPr lang="en-US" dirty="0" err="1"/>
+              <a:t>tập</a:t>
+            </a:r>
+            <a:r>
+              <a:rPr lang="en-US" dirty="0"/>
+              <a:t> train</a:t>
+            </a:r>
+          </a:p>
+          <a:p>
+            <a:pPr lvl="2"/>
+            <a:r>
+              <a:rPr lang="en-US" dirty="0"/>
+              <a:t>20% </a:t>
+            </a:r>
+            <a:r>
+              <a:rPr lang="en-US" dirty="0" err="1"/>
+              <a:t>còn</a:t>
+            </a:r>
+            <a:r>
+              <a:rPr lang="en-US" dirty="0"/>
+              <a:t> </a:t>
+            </a:r>
+            <a:r>
+              <a:rPr lang="en-US" dirty="0" err="1"/>
+              <a:t>lại</a:t>
+            </a:r>
+            <a:r>
+              <a:rPr lang="en-US" dirty="0"/>
+              <a:t> </a:t>
+            </a:r>
+            <a:r>
+              <a:rPr lang="en-US" dirty="0" err="1"/>
+              <a:t>là</a:t>
+            </a:r>
+            <a:r>
+              <a:rPr lang="en-US" dirty="0"/>
+              <a:t> </a:t>
+            </a:r>
+            <a:r>
+              <a:rPr lang="en-US" dirty="0" err="1"/>
+              <a:t>tập</a:t>
+            </a:r>
+            <a:r>
+              <a:rPr lang="en-US" dirty="0"/>
+              <a:t> validation</a:t>
+            </a:r>
+          </a:p>
+          <a:p>
+            <a:r>
+              <a:rPr lang="en-US" dirty="0" err="1"/>
+              <a:t>Tóm</a:t>
+            </a:r>
+            <a:r>
+              <a:rPr lang="en-US" dirty="0"/>
+              <a:t> </a:t>
+            </a:r>
+            <a:r>
+              <a:rPr lang="en-US" dirty="0" err="1"/>
+              <a:t>lại</a:t>
+            </a:r>
+            <a:r>
+              <a:rPr lang="en-US" dirty="0"/>
+              <a:t> </a:t>
+            </a:r>
+            <a:r>
+              <a:rPr lang="en-US" dirty="0" err="1"/>
+              <a:t>tỉ</a:t>
+            </a:r>
+            <a:r>
+              <a:rPr lang="en-US" dirty="0"/>
+              <a:t> </a:t>
+            </a:r>
+            <a:r>
+              <a:rPr lang="en-US" dirty="0" err="1"/>
+              <a:t>lệ</a:t>
+            </a:r>
+            <a:r>
+              <a:rPr lang="en-US" dirty="0"/>
+              <a:t> train-</a:t>
+            </a:r>
+            <a:r>
+              <a:rPr lang="en-US" dirty="0" err="1"/>
+              <a:t>val</a:t>
+            </a:r>
+            <a:r>
+              <a:rPr lang="en-US" dirty="0"/>
+              <a:t>-test </a:t>
+            </a:r>
+            <a:r>
+              <a:rPr lang="en-US" dirty="0" err="1"/>
+              <a:t>là</a:t>
+            </a:r>
+            <a:r>
+              <a:rPr lang="en-US" dirty="0"/>
+              <a:t>: 0.56, 0.14, 0.3</a:t>
+            </a:r>
+          </a:p>
+        </p:txBody>
+      </p:sp>
+    </p:spTree>
+    <p:extLst>
+      <p:ext uri="{BB962C8B-B14F-4D97-AF65-F5344CB8AC3E}">
+        <p14:creationId xmlns:p14="http://schemas.microsoft.com/office/powerpoint/2010/main" val="481553696"/>
+      </p:ext>
+    </p:extLst>
+  </p:cSld>
+  <p:clrMapOvr>
+    <a:masterClrMapping/>
+  </p:clrMapOvr>
+</p:sld>
+</file>
+
+<file path=ppt/slides/slide14.xml><?xml version="1.0" encoding="utf-8"?>
+<p:sld xmlns:a="http://schemas.openxmlformats.org/drawingml/2006/main" xmlns:r="http://schemas.openxmlformats.org/officeDocument/2006/relationships" xmlns:p="http://schemas.openxmlformats.org/presentationml/2006/main">
+  <p:cSld>
+    <p:spTree>
+      <p:nvGrpSpPr>
+        <p:cNvPr id="1" name=""/>
+        <p:cNvGrpSpPr/>
+        <p:nvPr/>
+      </p:nvGrpSpPr>
+      <p:grpSpPr>
+        <a:xfrm>
+          <a:off x="0" y="0"/>
+          <a:ext cx="0" cy="0"/>
+          <a:chOff x="0" y="0"/>
+          <a:chExt cx="0" cy="0"/>
+        </a:xfrm>
+      </p:grpSpPr>
+      <p:sp>
+        <p:nvSpPr>
+          <p:cNvPr id="2" name="Title 1">
+            <a:extLst>
+              <a:ext uri="{FF2B5EF4-FFF2-40B4-BE49-F238E27FC236}">
+                <a16:creationId xmlns:a16="http://schemas.microsoft.com/office/drawing/2014/main" id="{7B046E47-7052-4F4A-83F7-236E6FA20D8D}"/>
+              </a:ext>
+            </a:extLst>
+          </p:cNvPr>
+          <p:cNvSpPr>
+            <a:spLocks noGrp="1"/>
+          </p:cNvSpPr>
+          <p:nvPr>
+            <p:ph type="title"/>
+          </p:nvPr>
+        </p:nvSpPr>
+        <p:spPr/>
+        <p:txBody>
+          <a:bodyPr/>
+          <a:lstStyle/>
+          <a:p>
+            <a:r>
+              <a:rPr lang="en-US" dirty="0">
+                <a:latin typeface="Segoe UI" panose="020B0502040204020203" pitchFamily="34" charset="0"/>
+                <a:cs typeface="Segoe UI" panose="020B0502040204020203" pitchFamily="34" charset="0"/>
+              </a:rPr>
+              <a:t>B</a:t>
+            </a:r>
+            <a:r>
+              <a:rPr lang="vi-VN" dirty="0">
+                <a:latin typeface="Segoe UI" panose="020B0502040204020203" pitchFamily="34" charset="0"/>
+                <a:cs typeface="Segoe UI" panose="020B0502040204020203" pitchFamily="34" charset="0"/>
+              </a:rPr>
+              <a:t>ag of word</a:t>
+            </a:r>
+            <a:endParaRPr lang="en-US" dirty="0"/>
+          </a:p>
+        </p:txBody>
+      </p:sp>
+      <p:sp>
+        <p:nvSpPr>
+          <p:cNvPr id="3" name="Content Placeholder 2">
+            <a:extLst>
+              <a:ext uri="{FF2B5EF4-FFF2-40B4-BE49-F238E27FC236}">
+                <a16:creationId xmlns:a16="http://schemas.microsoft.com/office/drawing/2014/main" id="{55325ACF-369D-448B-BB69-E82A2843BAB6}"/>
+              </a:ext>
+            </a:extLst>
+          </p:cNvPr>
+          <p:cNvSpPr>
+            <a:spLocks noGrp="1"/>
+          </p:cNvSpPr>
+          <p:nvPr>
+            <p:ph idx="1"/>
+          </p:nvPr>
+        </p:nvSpPr>
+        <p:spPr/>
+        <p:txBody>
+          <a:bodyPr/>
+          <a:lstStyle/>
+          <a:p>
+            <a:r>
+              <a:rPr lang="en-US" dirty="0">
+                <a:latin typeface="Segoe UI" panose="020B0502040204020203" pitchFamily="34" charset="0"/>
+                <a:cs typeface="Segoe UI" panose="020B0502040204020203" pitchFamily="34" charset="0"/>
+              </a:rPr>
+              <a:t>FIT</a:t>
+            </a:r>
+          </a:p>
+          <a:p>
+            <a:pPr lvl="1"/>
+            <a:r>
+              <a:rPr lang="en-US" dirty="0">
+                <a:latin typeface="Segoe UI" panose="020B0502040204020203" pitchFamily="34" charset="0"/>
+                <a:cs typeface="Segoe UI" panose="020B0502040204020203" pitchFamily="34" charset="0"/>
+              </a:rPr>
+              <a:t>Input: </a:t>
+            </a:r>
+            <a:r>
+              <a:rPr lang="en-US" dirty="0" err="1">
+                <a:latin typeface="Segoe UI" panose="020B0502040204020203" pitchFamily="34" charset="0"/>
+                <a:cs typeface="Segoe UI" panose="020B0502040204020203" pitchFamily="34" charset="0"/>
+              </a:rPr>
+              <a:t>danh</a:t>
+            </a:r>
+            <a:r>
+              <a:rPr lang="en-US" dirty="0">
+                <a:latin typeface="Segoe UI" panose="020B0502040204020203" pitchFamily="34" charset="0"/>
+                <a:cs typeface="Segoe UI" panose="020B0502040204020203" pitchFamily="34" charset="0"/>
+              </a:rPr>
+              <a:t> </a:t>
+            </a:r>
+            <a:r>
+              <a:rPr lang="en-US" dirty="0" err="1">
+                <a:latin typeface="Segoe UI" panose="020B0502040204020203" pitchFamily="34" charset="0"/>
+                <a:cs typeface="Segoe UI" panose="020B0502040204020203" pitchFamily="34" charset="0"/>
+              </a:rPr>
+              <a:t>sách</a:t>
+            </a:r>
+            <a:r>
+              <a:rPr lang="en-US" dirty="0">
+                <a:latin typeface="Segoe UI" panose="020B0502040204020203" pitchFamily="34" charset="0"/>
+                <a:cs typeface="Segoe UI" panose="020B0502040204020203" pitchFamily="34" charset="0"/>
+              </a:rPr>
+              <a:t> </a:t>
+            </a:r>
+            <a:r>
+              <a:rPr lang="en-US" dirty="0" err="1">
+                <a:latin typeface="Segoe UI" panose="020B0502040204020203" pitchFamily="34" charset="0"/>
+                <a:cs typeface="Segoe UI" panose="020B0502040204020203" pitchFamily="34" charset="0"/>
+              </a:rPr>
+              <a:t>các</a:t>
+            </a:r>
+            <a:r>
+              <a:rPr lang="en-US" dirty="0">
+                <a:latin typeface="Segoe UI" panose="020B0502040204020203" pitchFamily="34" charset="0"/>
+                <a:cs typeface="Segoe UI" panose="020B0502040204020203" pitchFamily="34" charset="0"/>
+              </a:rPr>
+              <a:t> </a:t>
+            </a:r>
+            <a:r>
+              <a:rPr lang="en-US" dirty="0" err="1">
+                <a:latin typeface="Segoe UI" panose="020B0502040204020203" pitchFamily="34" charset="0"/>
+                <a:cs typeface="Segoe UI" panose="020B0502040204020203" pitchFamily="34" charset="0"/>
+              </a:rPr>
+              <a:t>câu</a:t>
+            </a:r>
+            <a:r>
+              <a:rPr lang="en-US" dirty="0">
+                <a:latin typeface="Segoe UI" panose="020B0502040204020203" pitchFamily="34" charset="0"/>
+                <a:cs typeface="Segoe UI" panose="020B0502040204020203" pitchFamily="34" charset="0"/>
+              </a:rPr>
+              <a:t> </a:t>
+            </a:r>
+            <a:r>
+              <a:rPr lang="en-US" dirty="0" err="1">
+                <a:latin typeface="Segoe UI" panose="020B0502040204020203" pitchFamily="34" charset="0"/>
+                <a:cs typeface="Segoe UI" panose="020B0502040204020203" pitchFamily="34" charset="0"/>
+              </a:rPr>
+              <a:t>hỏi</a:t>
+            </a:r>
+            <a:endParaRPr lang="en-US" dirty="0">
+              <a:latin typeface="Segoe UI" panose="020B0502040204020203" pitchFamily="34" charset="0"/>
+              <a:cs typeface="Segoe UI" panose="020B0502040204020203" pitchFamily="34" charset="0"/>
+            </a:endParaRPr>
+          </a:p>
+          <a:p>
+            <a:pPr lvl="1"/>
+            <a:r>
+              <a:rPr lang="en-US" dirty="0">
+                <a:latin typeface="Segoe UI" panose="020B0502040204020203" pitchFamily="34" charset="0"/>
+                <a:cs typeface="Segoe UI" panose="020B0502040204020203" pitchFamily="34" charset="0"/>
+              </a:rPr>
+              <a:t>Output: </a:t>
+            </a:r>
+            <a:r>
+              <a:rPr lang="en-US" dirty="0" err="1">
+                <a:latin typeface="Segoe UI" panose="020B0502040204020203" pitchFamily="34" charset="0"/>
+                <a:cs typeface="Segoe UI" panose="020B0502040204020203" pitchFamily="34" charset="0"/>
+              </a:rPr>
+              <a:t>danh</a:t>
+            </a:r>
+            <a:r>
+              <a:rPr lang="en-US" dirty="0">
+                <a:latin typeface="Segoe UI" panose="020B0502040204020203" pitchFamily="34" charset="0"/>
+                <a:cs typeface="Segoe UI" panose="020B0502040204020203" pitchFamily="34" charset="0"/>
+              </a:rPr>
+              <a:t> </a:t>
+            </a:r>
+            <a:r>
+              <a:rPr lang="en-US" dirty="0" err="1">
+                <a:latin typeface="Segoe UI" panose="020B0502040204020203" pitchFamily="34" charset="0"/>
+                <a:cs typeface="Segoe UI" panose="020B0502040204020203" pitchFamily="34" charset="0"/>
+              </a:rPr>
+              <a:t>sách</a:t>
+            </a:r>
+            <a:r>
+              <a:rPr lang="en-US" dirty="0">
+                <a:latin typeface="Segoe UI" panose="020B0502040204020203" pitchFamily="34" charset="0"/>
+                <a:cs typeface="Segoe UI" panose="020B0502040204020203" pitchFamily="34" charset="0"/>
+              </a:rPr>
+              <a:t> </a:t>
+            </a:r>
+            <a:r>
+              <a:rPr lang="en-US" dirty="0" err="1">
+                <a:latin typeface="Segoe UI" panose="020B0502040204020203" pitchFamily="34" charset="0"/>
+                <a:cs typeface="Segoe UI" panose="020B0502040204020203" pitchFamily="34" charset="0"/>
+              </a:rPr>
+              <a:t>các</a:t>
+            </a:r>
+            <a:r>
+              <a:rPr lang="en-US" dirty="0">
+                <a:latin typeface="Segoe UI" panose="020B0502040204020203" pitchFamily="34" charset="0"/>
+                <a:cs typeface="Segoe UI" panose="020B0502040204020203" pitchFamily="34" charset="0"/>
+              </a:rPr>
+              <a:t> </a:t>
+            </a:r>
+            <a:r>
+              <a:rPr lang="en-US" dirty="0" err="1">
+                <a:latin typeface="Segoe UI" panose="020B0502040204020203" pitchFamily="34" charset="0"/>
+                <a:cs typeface="Segoe UI" panose="020B0502040204020203" pitchFamily="34" charset="0"/>
+              </a:rPr>
+              <a:t>từ</a:t>
+            </a:r>
+            <a:r>
+              <a:rPr lang="en-US" dirty="0">
+                <a:latin typeface="Segoe UI" panose="020B0502040204020203" pitchFamily="34" charset="0"/>
+                <a:cs typeface="Segoe UI" panose="020B0502040204020203" pitchFamily="34" charset="0"/>
+              </a:rPr>
+              <a:t> (</a:t>
+            </a:r>
+            <a:r>
+              <a:rPr lang="en-US" dirty="0" err="1">
+                <a:latin typeface="Segoe UI" panose="020B0502040204020203" pitchFamily="34" charset="0"/>
+                <a:cs typeface="Segoe UI" panose="020B0502040204020203" pitchFamily="34" charset="0"/>
+              </a:rPr>
+              <a:t>đã</a:t>
+            </a:r>
+            <a:r>
+              <a:rPr lang="en-US" dirty="0">
+                <a:latin typeface="Segoe UI" panose="020B0502040204020203" pitchFamily="34" charset="0"/>
+                <a:cs typeface="Segoe UI" panose="020B0502040204020203" pitchFamily="34" charset="0"/>
+              </a:rPr>
+              <a:t> </a:t>
+            </a:r>
+            <a:r>
+              <a:rPr lang="en-US" dirty="0" err="1">
+                <a:latin typeface="Segoe UI" panose="020B0502040204020203" pitchFamily="34" charset="0"/>
+                <a:cs typeface="Segoe UI" panose="020B0502040204020203" pitchFamily="34" charset="0"/>
+              </a:rPr>
+              <a:t>chọn</a:t>
+            </a:r>
+            <a:r>
+              <a:rPr lang="en-US" dirty="0">
+                <a:latin typeface="Segoe UI" panose="020B0502040204020203" pitchFamily="34" charset="0"/>
+                <a:cs typeface="Segoe UI" panose="020B0502040204020203" pitchFamily="34" charset="0"/>
+              </a:rPr>
+              <a:t> </a:t>
+            </a:r>
+            <a:r>
+              <a:rPr lang="en-US" dirty="0" err="1">
+                <a:latin typeface="Segoe UI" panose="020B0502040204020203" pitchFamily="34" charset="0"/>
+                <a:cs typeface="Segoe UI" panose="020B0502040204020203" pitchFamily="34" charset="0"/>
+              </a:rPr>
+              <a:t>lọc</a:t>
+            </a:r>
+            <a:r>
+              <a:rPr lang="en-US" dirty="0">
+                <a:latin typeface="Segoe UI" panose="020B0502040204020203" pitchFamily="34" charset="0"/>
+                <a:cs typeface="Segoe UI" panose="020B0502040204020203" pitchFamily="34" charset="0"/>
+              </a:rPr>
+              <a:t>) </a:t>
+            </a:r>
+            <a:r>
+              <a:rPr lang="en-US" dirty="0" err="1">
+                <a:latin typeface="Segoe UI" panose="020B0502040204020203" pitchFamily="34" charset="0"/>
+                <a:cs typeface="Segoe UI" panose="020B0502040204020203" pitchFamily="34" charset="0"/>
+              </a:rPr>
+              <a:t>có</a:t>
+            </a:r>
+            <a:r>
+              <a:rPr lang="en-US" dirty="0">
+                <a:latin typeface="Segoe UI" panose="020B0502040204020203" pitchFamily="34" charset="0"/>
+                <a:cs typeface="Segoe UI" panose="020B0502040204020203" pitchFamily="34" charset="0"/>
+              </a:rPr>
+              <a:t> </a:t>
+            </a:r>
+            <a:r>
+              <a:rPr lang="en-US" dirty="0" err="1">
+                <a:latin typeface="Segoe UI" panose="020B0502040204020203" pitchFamily="34" charset="0"/>
+                <a:cs typeface="Segoe UI" panose="020B0502040204020203" pitchFamily="34" charset="0"/>
+              </a:rPr>
+              <a:t>xuất</a:t>
+            </a:r>
+            <a:r>
+              <a:rPr lang="en-US" dirty="0">
+                <a:latin typeface="Segoe UI" panose="020B0502040204020203" pitchFamily="34" charset="0"/>
+                <a:cs typeface="Segoe UI" panose="020B0502040204020203" pitchFamily="34" charset="0"/>
+              </a:rPr>
+              <a:t> </a:t>
+            </a:r>
+            <a:r>
+              <a:rPr lang="en-US" dirty="0" err="1">
+                <a:latin typeface="Segoe UI" panose="020B0502040204020203" pitchFamily="34" charset="0"/>
+                <a:cs typeface="Segoe UI" panose="020B0502040204020203" pitchFamily="34" charset="0"/>
+              </a:rPr>
+              <a:t>hiện</a:t>
+            </a:r>
+            <a:r>
+              <a:rPr lang="en-US" dirty="0">
+                <a:latin typeface="Segoe UI" panose="020B0502040204020203" pitchFamily="34" charset="0"/>
+                <a:cs typeface="Segoe UI" panose="020B0502040204020203" pitchFamily="34" charset="0"/>
+              </a:rPr>
+              <a:t> </a:t>
+            </a:r>
+            <a:r>
+              <a:rPr lang="en-US" dirty="0" err="1">
+                <a:latin typeface="Segoe UI" panose="020B0502040204020203" pitchFamily="34" charset="0"/>
+                <a:cs typeface="Segoe UI" panose="020B0502040204020203" pitchFamily="34" charset="0"/>
+              </a:rPr>
+              <a:t>trong</a:t>
+            </a:r>
+            <a:r>
+              <a:rPr lang="en-US" dirty="0">
+                <a:latin typeface="Segoe UI" panose="020B0502040204020203" pitchFamily="34" charset="0"/>
+                <a:cs typeface="Segoe UI" panose="020B0502040204020203" pitchFamily="34" charset="0"/>
+              </a:rPr>
+              <a:t> </a:t>
+            </a:r>
+            <a:r>
+              <a:rPr lang="en-US" dirty="0" err="1">
+                <a:latin typeface="Segoe UI" panose="020B0502040204020203" pitchFamily="34" charset="0"/>
+                <a:cs typeface="Segoe UI" panose="020B0502040204020203" pitchFamily="34" charset="0"/>
+              </a:rPr>
+              <a:t>các</a:t>
+            </a:r>
+            <a:r>
+              <a:rPr lang="en-US" dirty="0">
+                <a:latin typeface="Segoe UI" panose="020B0502040204020203" pitchFamily="34" charset="0"/>
+                <a:cs typeface="Segoe UI" panose="020B0502040204020203" pitchFamily="34" charset="0"/>
+              </a:rPr>
+              <a:t> </a:t>
+            </a:r>
+            <a:r>
+              <a:rPr lang="en-US" dirty="0" err="1">
+                <a:latin typeface="Segoe UI" panose="020B0502040204020203" pitchFamily="34" charset="0"/>
+                <a:cs typeface="Segoe UI" panose="020B0502040204020203" pitchFamily="34" charset="0"/>
+              </a:rPr>
+              <a:t>câu</a:t>
+            </a:r>
+            <a:r>
+              <a:rPr lang="en-US" dirty="0">
+                <a:latin typeface="Segoe UI" panose="020B0502040204020203" pitchFamily="34" charset="0"/>
+                <a:cs typeface="Segoe UI" panose="020B0502040204020203" pitchFamily="34" charset="0"/>
+              </a:rPr>
+              <a:t> </a:t>
+            </a:r>
+            <a:r>
+              <a:rPr lang="en-US" dirty="0" err="1">
+                <a:latin typeface="Segoe UI" panose="020B0502040204020203" pitchFamily="34" charset="0"/>
+                <a:cs typeface="Segoe UI" panose="020B0502040204020203" pitchFamily="34" charset="0"/>
+              </a:rPr>
+              <a:t>hỏi</a:t>
+            </a:r>
+            <a:endParaRPr lang="en-US" dirty="0">
+              <a:latin typeface="Segoe UI" panose="020B0502040204020203" pitchFamily="34" charset="0"/>
+              <a:cs typeface="Segoe UI" panose="020B0502040204020203" pitchFamily="34" charset="0"/>
+            </a:endParaRPr>
+          </a:p>
+          <a:p>
+            <a:pPr lvl="1"/>
+            <a:r>
+              <a:rPr lang="en-US" dirty="0" err="1">
+                <a:latin typeface="Segoe UI" panose="020B0502040204020203" pitchFamily="34" charset="0"/>
+                <a:cs typeface="Segoe UI" panose="020B0502040204020203" pitchFamily="34" charset="0"/>
+              </a:rPr>
+              <a:t>Cách</a:t>
+            </a:r>
+            <a:r>
+              <a:rPr lang="en-US" dirty="0">
+                <a:latin typeface="Segoe UI" panose="020B0502040204020203" pitchFamily="34" charset="0"/>
+                <a:cs typeface="Segoe UI" panose="020B0502040204020203" pitchFamily="34" charset="0"/>
+              </a:rPr>
+              <a:t> </a:t>
+            </a:r>
+            <a:r>
+              <a:rPr lang="en-US" dirty="0" err="1">
+                <a:latin typeface="Segoe UI" panose="020B0502040204020203" pitchFamily="34" charset="0"/>
+                <a:cs typeface="Segoe UI" panose="020B0502040204020203" pitchFamily="34" charset="0"/>
+              </a:rPr>
+              <a:t>thực</a:t>
+            </a:r>
+            <a:r>
+              <a:rPr lang="en-US" dirty="0">
+                <a:latin typeface="Segoe UI" panose="020B0502040204020203" pitchFamily="34" charset="0"/>
+                <a:cs typeface="Segoe UI" panose="020B0502040204020203" pitchFamily="34" charset="0"/>
+              </a:rPr>
+              <a:t> </a:t>
+            </a:r>
+            <a:r>
+              <a:rPr lang="en-US" dirty="0" err="1">
+                <a:latin typeface="Segoe UI" panose="020B0502040204020203" pitchFamily="34" charset="0"/>
+                <a:cs typeface="Segoe UI" panose="020B0502040204020203" pitchFamily="34" charset="0"/>
+              </a:rPr>
+              <a:t>hiện</a:t>
+            </a:r>
+            <a:r>
+              <a:rPr lang="en-US" dirty="0">
+                <a:latin typeface="Segoe UI" panose="020B0502040204020203" pitchFamily="34" charset="0"/>
+                <a:cs typeface="Segoe UI" panose="020B0502040204020203" pitchFamily="34" charset="0"/>
+              </a:rPr>
+              <a:t>:</a:t>
+            </a:r>
+          </a:p>
+          <a:p>
+            <a:pPr lvl="2"/>
+            <a:r>
+              <a:rPr lang="en-US" dirty="0" err="1">
+                <a:latin typeface="Segoe UI" panose="020B0502040204020203" pitchFamily="34" charset="0"/>
+                <a:cs typeface="Segoe UI" panose="020B0502040204020203" pitchFamily="34" charset="0"/>
+              </a:rPr>
+              <a:t>Mỗi</a:t>
+            </a:r>
+            <a:r>
+              <a:rPr lang="en-US" dirty="0">
+                <a:latin typeface="Segoe UI" panose="020B0502040204020203" pitchFamily="34" charset="0"/>
+                <a:cs typeface="Segoe UI" panose="020B0502040204020203" pitchFamily="34" charset="0"/>
+              </a:rPr>
+              <a:t> </a:t>
+            </a:r>
+            <a:r>
+              <a:rPr lang="en-US" dirty="0" err="1">
+                <a:latin typeface="Segoe UI" panose="020B0502040204020203" pitchFamily="34" charset="0"/>
+                <a:cs typeface="Segoe UI" panose="020B0502040204020203" pitchFamily="34" charset="0"/>
+              </a:rPr>
+              <a:t>câu</a:t>
+            </a:r>
+            <a:r>
+              <a:rPr lang="en-US" dirty="0">
+                <a:latin typeface="Segoe UI" panose="020B0502040204020203" pitchFamily="34" charset="0"/>
+                <a:cs typeface="Segoe UI" panose="020B0502040204020203" pitchFamily="34" charset="0"/>
+              </a:rPr>
+              <a:t> </a:t>
+            </a:r>
+            <a:r>
+              <a:rPr lang="en-US" dirty="0" err="1">
+                <a:latin typeface="Segoe UI" panose="020B0502040204020203" pitchFamily="34" charset="0"/>
+                <a:cs typeface="Segoe UI" panose="020B0502040204020203" pitchFamily="34" charset="0"/>
+              </a:rPr>
+              <a:t>hỏi</a:t>
+            </a:r>
+            <a:r>
+              <a:rPr lang="en-US" dirty="0">
+                <a:latin typeface="Segoe UI" panose="020B0502040204020203" pitchFamily="34" charset="0"/>
+                <a:cs typeface="Segoe UI" panose="020B0502040204020203" pitchFamily="34" charset="0"/>
+              </a:rPr>
+              <a:t> đ</a:t>
+            </a:r>
+            <a:r>
+              <a:rPr lang="vi-VN" dirty="0">
+                <a:latin typeface="Segoe UI" panose="020B0502040204020203" pitchFamily="34" charset="0"/>
+                <a:cs typeface="Segoe UI" panose="020B0502040204020203" pitchFamily="34" charset="0"/>
+              </a:rPr>
+              <a:t>ư</a:t>
+            </a:r>
+            <a:r>
+              <a:rPr lang="en-US" dirty="0" err="1">
+                <a:latin typeface="Segoe UI" panose="020B0502040204020203" pitchFamily="34" charset="0"/>
+                <a:cs typeface="Segoe UI" panose="020B0502040204020203" pitchFamily="34" charset="0"/>
+              </a:rPr>
+              <a:t>ợc</a:t>
+            </a:r>
+            <a:r>
+              <a:rPr lang="en-US" dirty="0">
+                <a:latin typeface="Segoe UI" panose="020B0502040204020203" pitchFamily="34" charset="0"/>
+                <a:cs typeface="Segoe UI" panose="020B0502040204020203" pitchFamily="34" charset="0"/>
+              </a:rPr>
+              <a:t> </a:t>
+            </a:r>
+            <a:r>
+              <a:rPr lang="en-US" dirty="0" err="1">
+                <a:latin typeface="Segoe UI" panose="020B0502040204020203" pitchFamily="34" charset="0"/>
+                <a:cs typeface="Segoe UI" panose="020B0502040204020203" pitchFamily="34" charset="0"/>
+              </a:rPr>
+              <a:t>tách</a:t>
+            </a:r>
+            <a:r>
+              <a:rPr lang="en-US" dirty="0">
+                <a:latin typeface="Segoe UI" panose="020B0502040204020203" pitchFamily="34" charset="0"/>
+                <a:cs typeface="Segoe UI" panose="020B0502040204020203" pitchFamily="34" charset="0"/>
+              </a:rPr>
+              <a:t> ra </a:t>
+            </a:r>
+            <a:r>
+              <a:rPr lang="en-US" dirty="0" err="1">
+                <a:latin typeface="Segoe UI" panose="020B0502040204020203" pitchFamily="34" charset="0"/>
+                <a:cs typeface="Segoe UI" panose="020B0502040204020203" pitchFamily="34" charset="0"/>
+              </a:rPr>
+              <a:t>thành</a:t>
+            </a:r>
+            <a:r>
+              <a:rPr lang="en-US" dirty="0">
+                <a:latin typeface="Segoe UI" panose="020B0502040204020203" pitchFamily="34" charset="0"/>
+                <a:cs typeface="Segoe UI" panose="020B0502040204020203" pitchFamily="34" charset="0"/>
+              </a:rPr>
+              <a:t> </a:t>
+            </a:r>
+            <a:r>
+              <a:rPr lang="en-US" dirty="0" err="1">
+                <a:latin typeface="Segoe UI" panose="020B0502040204020203" pitchFamily="34" charset="0"/>
+                <a:cs typeface="Segoe UI" panose="020B0502040204020203" pitchFamily="34" charset="0"/>
+              </a:rPr>
+              <a:t>các</a:t>
+            </a:r>
+            <a:r>
+              <a:rPr lang="en-US" dirty="0">
+                <a:latin typeface="Segoe UI" panose="020B0502040204020203" pitchFamily="34" charset="0"/>
+                <a:cs typeface="Segoe UI" panose="020B0502040204020203" pitchFamily="34" charset="0"/>
+              </a:rPr>
+              <a:t> </a:t>
+            </a:r>
+            <a:r>
+              <a:rPr lang="en-US" dirty="0" err="1">
+                <a:latin typeface="Segoe UI" panose="020B0502040204020203" pitchFamily="34" charset="0"/>
+                <a:cs typeface="Segoe UI" panose="020B0502040204020203" pitchFamily="34" charset="0"/>
+              </a:rPr>
+              <a:t>từ</a:t>
+            </a:r>
+            <a:r>
+              <a:rPr lang="en-US" dirty="0">
+                <a:latin typeface="Segoe UI" panose="020B0502040204020203" pitchFamily="34" charset="0"/>
+                <a:cs typeface="Segoe UI" panose="020B0502040204020203" pitchFamily="34" charset="0"/>
+              </a:rPr>
+              <a:t>, </a:t>
+            </a:r>
+            <a:r>
+              <a:rPr lang="en-US" dirty="0" err="1">
+                <a:latin typeface="Segoe UI" panose="020B0502040204020203" pitchFamily="34" charset="0"/>
+                <a:cs typeface="Segoe UI" panose="020B0502040204020203" pitchFamily="34" charset="0"/>
+              </a:rPr>
+              <a:t>phân</a:t>
+            </a:r>
+            <a:r>
+              <a:rPr lang="en-US" dirty="0">
+                <a:latin typeface="Segoe UI" panose="020B0502040204020203" pitchFamily="34" charset="0"/>
+                <a:cs typeface="Segoe UI" panose="020B0502040204020203" pitchFamily="34" charset="0"/>
+              </a:rPr>
+              <a:t> </a:t>
+            </a:r>
+            <a:r>
+              <a:rPr lang="en-US" dirty="0" err="1">
+                <a:latin typeface="Segoe UI" panose="020B0502040204020203" pitchFamily="34" charset="0"/>
+                <a:cs typeface="Segoe UI" panose="020B0502040204020203" pitchFamily="34" charset="0"/>
+              </a:rPr>
+              <a:t>cách</a:t>
+            </a:r>
+            <a:r>
+              <a:rPr lang="en-US" dirty="0">
+                <a:latin typeface="Segoe UI" panose="020B0502040204020203" pitchFamily="34" charset="0"/>
+                <a:cs typeface="Segoe UI" panose="020B0502040204020203" pitchFamily="34" charset="0"/>
+              </a:rPr>
+              <a:t> </a:t>
+            </a:r>
+            <a:r>
+              <a:rPr lang="en-US" dirty="0" err="1">
+                <a:latin typeface="Segoe UI" panose="020B0502040204020203" pitchFamily="34" charset="0"/>
+                <a:cs typeface="Segoe UI" panose="020B0502040204020203" pitchFamily="34" charset="0"/>
+              </a:rPr>
+              <a:t>bởi</a:t>
+            </a:r>
+            <a:r>
+              <a:rPr lang="en-US" dirty="0">
+                <a:latin typeface="Segoe UI" panose="020B0502040204020203" pitchFamily="34" charset="0"/>
+                <a:cs typeface="Segoe UI" panose="020B0502040204020203" pitchFamily="34" charset="0"/>
+              </a:rPr>
+              <a:t> </a:t>
+            </a:r>
+            <a:r>
+              <a:rPr lang="en-US" dirty="0" err="1">
+                <a:latin typeface="Segoe UI" panose="020B0502040204020203" pitchFamily="34" charset="0"/>
+                <a:cs typeface="Segoe UI" panose="020B0502040204020203" pitchFamily="34" charset="0"/>
+              </a:rPr>
+              <a:t>khoảng</a:t>
+            </a:r>
+            <a:r>
+              <a:rPr lang="en-US" dirty="0">
+                <a:latin typeface="Segoe UI" panose="020B0502040204020203" pitchFamily="34" charset="0"/>
+                <a:cs typeface="Segoe UI" panose="020B0502040204020203" pitchFamily="34" charset="0"/>
+              </a:rPr>
+              <a:t> </a:t>
+            </a:r>
+            <a:r>
+              <a:rPr lang="en-US" dirty="0" err="1">
+                <a:latin typeface="Segoe UI" panose="020B0502040204020203" pitchFamily="34" charset="0"/>
+                <a:cs typeface="Segoe UI" panose="020B0502040204020203" pitchFamily="34" charset="0"/>
+              </a:rPr>
+              <a:t>trắng</a:t>
+            </a:r>
+            <a:r>
+              <a:rPr lang="en-US" dirty="0">
+                <a:latin typeface="Segoe UI" panose="020B0502040204020203" pitchFamily="34" charset="0"/>
+                <a:cs typeface="Segoe UI" panose="020B0502040204020203" pitchFamily="34" charset="0"/>
+              </a:rPr>
+              <a:t> </a:t>
+            </a:r>
+            <a:r>
+              <a:rPr lang="en-US" dirty="0" err="1">
+                <a:latin typeface="Segoe UI" panose="020B0502040204020203" pitchFamily="34" charset="0"/>
+                <a:cs typeface="Segoe UI" panose="020B0502040204020203" pitchFamily="34" charset="0"/>
+              </a:rPr>
+              <a:t>và</a:t>
+            </a:r>
+            <a:r>
+              <a:rPr lang="en-US" dirty="0">
+                <a:latin typeface="Segoe UI" panose="020B0502040204020203" pitchFamily="34" charset="0"/>
+                <a:cs typeface="Segoe UI" panose="020B0502040204020203" pitchFamily="34" charset="0"/>
+              </a:rPr>
+              <a:t> </a:t>
+            </a:r>
+            <a:r>
+              <a:rPr lang="en-US" dirty="0" err="1">
+                <a:latin typeface="Segoe UI" panose="020B0502040204020203" pitchFamily="34" charset="0"/>
+                <a:cs typeface="Segoe UI" panose="020B0502040204020203" pitchFamily="34" charset="0"/>
+              </a:rPr>
+              <a:t>các</a:t>
+            </a:r>
+            <a:r>
+              <a:rPr lang="en-US" dirty="0">
+                <a:latin typeface="Segoe UI" panose="020B0502040204020203" pitchFamily="34" charset="0"/>
+                <a:cs typeface="Segoe UI" panose="020B0502040204020203" pitchFamily="34" charset="0"/>
+              </a:rPr>
+              <a:t> </a:t>
+            </a:r>
+            <a:r>
+              <a:rPr lang="en-US" dirty="0" err="1">
+                <a:latin typeface="Segoe UI" panose="020B0502040204020203" pitchFamily="34" charset="0"/>
+                <a:cs typeface="Segoe UI" panose="020B0502040204020203" pitchFamily="34" charset="0"/>
+              </a:rPr>
+              <a:t>dấu</a:t>
+            </a:r>
+            <a:r>
+              <a:rPr lang="en-US" dirty="0">
+                <a:latin typeface="Segoe UI" panose="020B0502040204020203" pitchFamily="34" charset="0"/>
+                <a:cs typeface="Segoe UI" panose="020B0502040204020203" pitchFamily="34" charset="0"/>
+              </a:rPr>
+              <a:t> </a:t>
+            </a:r>
+            <a:r>
+              <a:rPr lang="en-US" dirty="0" err="1">
+                <a:latin typeface="Segoe UI" panose="020B0502040204020203" pitchFamily="34" charset="0"/>
+                <a:cs typeface="Segoe UI" panose="020B0502040204020203" pitchFamily="34" charset="0"/>
+              </a:rPr>
+              <a:t>câu</a:t>
+            </a:r>
+            <a:endParaRPr lang="en-US" dirty="0">
+              <a:latin typeface="Segoe UI" panose="020B0502040204020203" pitchFamily="34" charset="0"/>
+              <a:cs typeface="Segoe UI" panose="020B0502040204020203" pitchFamily="34" charset="0"/>
+            </a:endParaRPr>
+          </a:p>
+          <a:p>
+            <a:pPr lvl="2"/>
+            <a:r>
+              <a:rPr lang="en-US" dirty="0" err="1">
+                <a:latin typeface="Segoe UI" panose="020B0502040204020203" pitchFamily="34" charset="0"/>
+                <a:cs typeface="Segoe UI" panose="020B0502040204020203" pitchFamily="34" charset="0"/>
+              </a:rPr>
+              <a:t>Các</a:t>
+            </a:r>
+            <a:r>
+              <a:rPr lang="en-US" dirty="0">
+                <a:latin typeface="Segoe UI" panose="020B0502040204020203" pitchFamily="34" charset="0"/>
+                <a:cs typeface="Segoe UI" panose="020B0502040204020203" pitchFamily="34" charset="0"/>
+              </a:rPr>
+              <a:t> </a:t>
+            </a:r>
+            <a:r>
+              <a:rPr lang="en-US" dirty="0" err="1">
+                <a:latin typeface="Segoe UI" panose="020B0502040204020203" pitchFamily="34" charset="0"/>
+                <a:cs typeface="Segoe UI" panose="020B0502040204020203" pitchFamily="34" charset="0"/>
+              </a:rPr>
+              <a:t>từ</a:t>
+            </a:r>
+            <a:r>
+              <a:rPr lang="en-US" dirty="0">
+                <a:latin typeface="Segoe UI" panose="020B0502040204020203" pitchFamily="34" charset="0"/>
+                <a:cs typeface="Segoe UI" panose="020B0502040204020203" pitchFamily="34" charset="0"/>
+              </a:rPr>
+              <a:t> đ</a:t>
+            </a:r>
+            <a:r>
+              <a:rPr lang="vi-VN" dirty="0">
+                <a:latin typeface="Segoe UI" panose="020B0502040204020203" pitchFamily="34" charset="0"/>
+                <a:cs typeface="Segoe UI" panose="020B0502040204020203" pitchFamily="34" charset="0"/>
+              </a:rPr>
+              <a:t>ư</a:t>
+            </a:r>
+            <a:r>
+              <a:rPr lang="en-US" dirty="0" err="1">
+                <a:latin typeface="Segoe UI" panose="020B0502040204020203" pitchFamily="34" charset="0"/>
+                <a:cs typeface="Segoe UI" panose="020B0502040204020203" pitchFamily="34" charset="0"/>
+              </a:rPr>
+              <a:t>ợc</a:t>
+            </a:r>
+            <a:r>
+              <a:rPr lang="en-US" dirty="0">
+                <a:latin typeface="Segoe UI" panose="020B0502040204020203" pitchFamily="34" charset="0"/>
+                <a:cs typeface="Segoe UI" panose="020B0502040204020203" pitchFamily="34" charset="0"/>
+              </a:rPr>
+              <a:t> </a:t>
+            </a:r>
+            <a:r>
+              <a:rPr lang="en-US" dirty="0" err="1">
+                <a:latin typeface="Segoe UI" panose="020B0502040204020203" pitchFamily="34" charset="0"/>
+                <a:cs typeface="Segoe UI" panose="020B0502040204020203" pitchFamily="34" charset="0"/>
+              </a:rPr>
+              <a:t>chuẩn</a:t>
+            </a:r>
+            <a:r>
+              <a:rPr lang="en-US" dirty="0">
+                <a:latin typeface="Segoe UI" panose="020B0502040204020203" pitchFamily="34" charset="0"/>
+                <a:cs typeface="Segoe UI" panose="020B0502040204020203" pitchFamily="34" charset="0"/>
+              </a:rPr>
+              <a:t> </a:t>
+            </a:r>
+            <a:r>
+              <a:rPr lang="en-US" dirty="0" err="1">
+                <a:latin typeface="Segoe UI" panose="020B0502040204020203" pitchFamily="34" charset="0"/>
+                <a:cs typeface="Segoe UI" panose="020B0502040204020203" pitchFamily="34" charset="0"/>
+              </a:rPr>
+              <a:t>hóa</a:t>
+            </a:r>
+            <a:r>
+              <a:rPr lang="en-US" dirty="0">
+                <a:latin typeface="Segoe UI" panose="020B0502040204020203" pitchFamily="34" charset="0"/>
+                <a:cs typeface="Segoe UI" panose="020B0502040204020203" pitchFamily="34" charset="0"/>
+              </a:rPr>
+              <a:t> </a:t>
+            </a:r>
+            <a:r>
+              <a:rPr lang="en-US" dirty="0" err="1">
+                <a:latin typeface="Segoe UI" panose="020B0502040204020203" pitchFamily="34" charset="0"/>
+                <a:cs typeface="Segoe UI" panose="020B0502040204020203" pitchFamily="34" charset="0"/>
+              </a:rPr>
+              <a:t>về</a:t>
+            </a:r>
+            <a:r>
+              <a:rPr lang="en-US" dirty="0">
+                <a:latin typeface="Segoe UI" panose="020B0502040204020203" pitchFamily="34" charset="0"/>
+                <a:cs typeface="Segoe UI" panose="020B0502040204020203" pitchFamily="34" charset="0"/>
+              </a:rPr>
+              <a:t> </a:t>
+            </a:r>
+            <a:r>
+              <a:rPr lang="en-US" dirty="0" err="1">
+                <a:latin typeface="Segoe UI" panose="020B0502040204020203" pitchFamily="34" charset="0"/>
+                <a:cs typeface="Segoe UI" panose="020B0502040204020203" pitchFamily="34" charset="0"/>
+              </a:rPr>
+              <a:t>dạng</a:t>
+            </a:r>
+            <a:r>
+              <a:rPr lang="en-US" dirty="0">
+                <a:latin typeface="Segoe UI" panose="020B0502040204020203" pitchFamily="34" charset="0"/>
+                <a:cs typeface="Segoe UI" panose="020B0502040204020203" pitchFamily="34" charset="0"/>
+              </a:rPr>
+              <a:t> </a:t>
+            </a:r>
+            <a:r>
+              <a:rPr lang="en-US" dirty="0" err="1">
+                <a:latin typeface="Segoe UI" panose="020B0502040204020203" pitchFamily="34" charset="0"/>
+                <a:cs typeface="Segoe UI" panose="020B0502040204020203" pitchFamily="34" charset="0"/>
+              </a:rPr>
+              <a:t>viết</a:t>
+            </a:r>
+            <a:r>
+              <a:rPr lang="en-US" dirty="0">
+                <a:latin typeface="Segoe UI" panose="020B0502040204020203" pitchFamily="34" charset="0"/>
+                <a:cs typeface="Segoe UI" panose="020B0502040204020203" pitchFamily="34" charset="0"/>
+              </a:rPr>
+              <a:t> </a:t>
+            </a:r>
+            <a:r>
+              <a:rPr lang="en-US" dirty="0" err="1">
+                <a:latin typeface="Segoe UI" panose="020B0502040204020203" pitchFamily="34" charset="0"/>
+                <a:cs typeface="Segoe UI" panose="020B0502040204020203" pitchFamily="34" charset="0"/>
+              </a:rPr>
+              <a:t>th</a:t>
+            </a:r>
+            <a:r>
+              <a:rPr lang="vi-VN" dirty="0">
+                <a:latin typeface="Segoe UI" panose="020B0502040204020203" pitchFamily="34" charset="0"/>
+                <a:cs typeface="Segoe UI" panose="020B0502040204020203" pitchFamily="34" charset="0"/>
+              </a:rPr>
+              <a:t>ư</a:t>
+            </a:r>
+            <a:r>
+              <a:rPr lang="en-US" dirty="0" err="1">
+                <a:latin typeface="Segoe UI" panose="020B0502040204020203" pitchFamily="34" charset="0"/>
+                <a:cs typeface="Segoe UI" panose="020B0502040204020203" pitchFamily="34" charset="0"/>
+              </a:rPr>
+              <a:t>ờng</a:t>
+            </a:r>
+            <a:endParaRPr lang="en-US" dirty="0">
+              <a:latin typeface="Segoe UI" panose="020B0502040204020203" pitchFamily="34" charset="0"/>
+              <a:cs typeface="Segoe UI" panose="020B0502040204020203" pitchFamily="34" charset="0"/>
+            </a:endParaRPr>
+          </a:p>
+          <a:p>
+            <a:pPr lvl="2"/>
+            <a:r>
+              <a:rPr lang="en-US" dirty="0" err="1">
+                <a:latin typeface="Segoe UI" panose="020B0502040204020203" pitchFamily="34" charset="0"/>
+                <a:cs typeface="Segoe UI" panose="020B0502040204020203" pitchFamily="34" charset="0"/>
+              </a:rPr>
+              <a:t>Mỗi</a:t>
+            </a:r>
+            <a:r>
+              <a:rPr lang="en-US" dirty="0">
+                <a:latin typeface="Segoe UI" panose="020B0502040204020203" pitchFamily="34" charset="0"/>
+                <a:cs typeface="Segoe UI" panose="020B0502040204020203" pitchFamily="34" charset="0"/>
+              </a:rPr>
+              <a:t> </a:t>
+            </a:r>
+            <a:r>
+              <a:rPr lang="en-US" dirty="0" err="1">
+                <a:latin typeface="Segoe UI" panose="020B0502040204020203" pitchFamily="34" charset="0"/>
+                <a:cs typeface="Segoe UI" panose="020B0502040204020203" pitchFamily="34" charset="0"/>
+              </a:rPr>
+              <a:t>từ</a:t>
+            </a:r>
+            <a:r>
+              <a:rPr lang="en-US" dirty="0">
+                <a:latin typeface="Segoe UI" panose="020B0502040204020203" pitchFamily="34" charset="0"/>
+                <a:cs typeface="Segoe UI" panose="020B0502040204020203" pitchFamily="34" charset="0"/>
+              </a:rPr>
+              <a:t> </a:t>
+            </a:r>
+            <a:r>
+              <a:rPr lang="en-US" dirty="0" err="1">
+                <a:latin typeface="Segoe UI" panose="020B0502040204020203" pitchFamily="34" charset="0"/>
+                <a:cs typeface="Segoe UI" panose="020B0502040204020203" pitchFamily="34" charset="0"/>
+              </a:rPr>
+              <a:t>nếu</a:t>
+            </a:r>
+            <a:r>
+              <a:rPr lang="en-US" dirty="0">
+                <a:latin typeface="Segoe UI" panose="020B0502040204020203" pitchFamily="34" charset="0"/>
+                <a:cs typeface="Segoe UI" panose="020B0502040204020203" pitchFamily="34" charset="0"/>
+              </a:rPr>
+              <a:t> </a:t>
+            </a:r>
+            <a:r>
+              <a:rPr lang="en-US" dirty="0" err="1">
+                <a:latin typeface="Segoe UI" panose="020B0502040204020203" pitchFamily="34" charset="0"/>
+                <a:cs typeface="Segoe UI" panose="020B0502040204020203" pitchFamily="34" charset="0"/>
+              </a:rPr>
+              <a:t>không</a:t>
+            </a:r>
+            <a:r>
+              <a:rPr lang="en-US" dirty="0">
+                <a:latin typeface="Segoe UI" panose="020B0502040204020203" pitchFamily="34" charset="0"/>
+                <a:cs typeface="Segoe UI" panose="020B0502040204020203" pitchFamily="34" charset="0"/>
+              </a:rPr>
+              <a:t> </a:t>
+            </a:r>
+            <a:r>
+              <a:rPr lang="en-US" dirty="0" err="1">
+                <a:latin typeface="Segoe UI" panose="020B0502040204020203" pitchFamily="34" charset="0"/>
+                <a:cs typeface="Segoe UI" panose="020B0502040204020203" pitchFamily="34" charset="0"/>
+              </a:rPr>
+              <a:t>phải</a:t>
+            </a:r>
+            <a:r>
+              <a:rPr lang="en-US" dirty="0">
+                <a:latin typeface="Segoe UI" panose="020B0502040204020203" pitchFamily="34" charset="0"/>
+                <a:cs typeface="Segoe UI" panose="020B0502040204020203" pitchFamily="34" charset="0"/>
+              </a:rPr>
+              <a:t> </a:t>
+            </a:r>
+            <a:r>
+              <a:rPr lang="en-US" dirty="0" err="1">
+                <a:latin typeface="Segoe UI" panose="020B0502040204020203" pitchFamily="34" charset="0"/>
+                <a:cs typeface="Segoe UI" panose="020B0502040204020203" pitchFamily="34" charset="0"/>
+              </a:rPr>
+              <a:t>là</a:t>
+            </a:r>
+            <a:r>
+              <a:rPr lang="en-US" dirty="0">
+                <a:latin typeface="Segoe UI" panose="020B0502040204020203" pitchFamily="34" charset="0"/>
+                <a:cs typeface="Segoe UI" panose="020B0502040204020203" pitchFamily="34" charset="0"/>
+              </a:rPr>
+              <a:t> stop-word, </a:t>
+            </a:r>
+            <a:r>
+              <a:rPr lang="en-US" dirty="0" err="1">
+                <a:latin typeface="Segoe UI" panose="020B0502040204020203" pitchFamily="34" charset="0"/>
+                <a:cs typeface="Segoe UI" panose="020B0502040204020203" pitchFamily="34" charset="0"/>
+              </a:rPr>
+              <a:t>không</a:t>
+            </a:r>
+            <a:r>
+              <a:rPr lang="en-US" dirty="0">
+                <a:latin typeface="Segoe UI" panose="020B0502040204020203" pitchFamily="34" charset="0"/>
+                <a:cs typeface="Segoe UI" panose="020B0502040204020203" pitchFamily="34" charset="0"/>
+              </a:rPr>
+              <a:t> </a:t>
+            </a:r>
+            <a:r>
+              <a:rPr lang="en-US" dirty="0" err="1">
+                <a:latin typeface="Segoe UI" panose="020B0502040204020203" pitchFamily="34" charset="0"/>
+                <a:cs typeface="Segoe UI" panose="020B0502040204020203" pitchFamily="34" charset="0"/>
+              </a:rPr>
+              <a:t>chứa</a:t>
+            </a:r>
+            <a:r>
+              <a:rPr lang="en-US" dirty="0">
+                <a:latin typeface="Segoe UI" panose="020B0502040204020203" pitchFamily="34" charset="0"/>
+                <a:cs typeface="Segoe UI" panose="020B0502040204020203" pitchFamily="34" charset="0"/>
+              </a:rPr>
+              <a:t> </a:t>
+            </a:r>
+            <a:r>
+              <a:rPr lang="en-US" dirty="0" err="1">
+                <a:latin typeface="Segoe UI" panose="020B0502040204020203" pitchFamily="34" charset="0"/>
+                <a:cs typeface="Segoe UI" panose="020B0502040204020203" pitchFamily="34" charset="0"/>
+              </a:rPr>
+              <a:t>số</a:t>
+            </a:r>
+            <a:r>
+              <a:rPr lang="en-US" dirty="0">
+                <a:latin typeface="Segoe UI" panose="020B0502040204020203" pitchFamily="34" charset="0"/>
+                <a:cs typeface="Segoe UI" panose="020B0502040204020203" pitchFamily="34" charset="0"/>
+              </a:rPr>
+              <a:t> </a:t>
+            </a:r>
+            <a:r>
+              <a:rPr lang="en-US" dirty="0" err="1">
+                <a:latin typeface="Segoe UI" panose="020B0502040204020203" pitchFamily="34" charset="0"/>
+                <a:cs typeface="Segoe UI" panose="020B0502040204020203" pitchFamily="34" charset="0"/>
+              </a:rPr>
+              <a:t>và</a:t>
+            </a:r>
+            <a:r>
+              <a:rPr lang="en-US" dirty="0">
+                <a:latin typeface="Segoe UI" panose="020B0502040204020203" pitchFamily="34" charset="0"/>
+                <a:cs typeface="Segoe UI" panose="020B0502040204020203" pitchFamily="34" charset="0"/>
+              </a:rPr>
+              <a:t> </a:t>
+            </a:r>
+            <a:r>
+              <a:rPr lang="en-US" dirty="0" err="1">
+                <a:latin typeface="Segoe UI" panose="020B0502040204020203" pitchFamily="34" charset="0"/>
+                <a:cs typeface="Segoe UI" panose="020B0502040204020203" pitchFamily="34" charset="0"/>
+              </a:rPr>
+              <a:t>có</a:t>
+            </a:r>
+            <a:r>
+              <a:rPr lang="en-US" dirty="0">
+                <a:latin typeface="Segoe UI" panose="020B0502040204020203" pitchFamily="34" charset="0"/>
+                <a:cs typeface="Segoe UI" panose="020B0502040204020203" pitchFamily="34" charset="0"/>
+              </a:rPr>
+              <a:t> </a:t>
+            </a:r>
+            <a:r>
+              <a:rPr lang="en-US" dirty="0" err="1">
+                <a:latin typeface="Segoe UI" panose="020B0502040204020203" pitchFamily="34" charset="0"/>
+                <a:cs typeface="Segoe UI" panose="020B0502040204020203" pitchFamily="34" charset="0"/>
+              </a:rPr>
+              <a:t>độ</a:t>
+            </a:r>
+            <a:r>
+              <a:rPr lang="en-US" dirty="0">
+                <a:latin typeface="Segoe UI" panose="020B0502040204020203" pitchFamily="34" charset="0"/>
+                <a:cs typeface="Segoe UI" panose="020B0502040204020203" pitchFamily="34" charset="0"/>
+              </a:rPr>
+              <a:t> </a:t>
+            </a:r>
+            <a:r>
+              <a:rPr lang="en-US" dirty="0" err="1">
+                <a:latin typeface="Segoe UI" panose="020B0502040204020203" pitchFamily="34" charset="0"/>
+                <a:cs typeface="Segoe UI" panose="020B0502040204020203" pitchFamily="34" charset="0"/>
+              </a:rPr>
+              <a:t>dài</a:t>
+            </a:r>
+            <a:r>
+              <a:rPr lang="en-US" dirty="0">
+                <a:latin typeface="Segoe UI" panose="020B0502040204020203" pitchFamily="34" charset="0"/>
+                <a:cs typeface="Segoe UI" panose="020B0502040204020203" pitchFamily="34" charset="0"/>
+              </a:rPr>
+              <a:t> </a:t>
+            </a:r>
+            <a:r>
+              <a:rPr lang="en-US" dirty="0" err="1">
+                <a:latin typeface="Segoe UI" panose="020B0502040204020203" pitchFamily="34" charset="0"/>
+                <a:cs typeface="Segoe UI" panose="020B0502040204020203" pitchFamily="34" charset="0"/>
+              </a:rPr>
+              <a:t>lớn</a:t>
+            </a:r>
+            <a:r>
+              <a:rPr lang="en-US" dirty="0">
+                <a:latin typeface="Segoe UI" panose="020B0502040204020203" pitchFamily="34" charset="0"/>
+                <a:cs typeface="Segoe UI" panose="020B0502040204020203" pitchFamily="34" charset="0"/>
+              </a:rPr>
+              <a:t> h</a:t>
+            </a:r>
+            <a:r>
+              <a:rPr lang="vi-VN" dirty="0">
+                <a:latin typeface="Segoe UI" panose="020B0502040204020203" pitchFamily="34" charset="0"/>
+                <a:cs typeface="Segoe UI" panose="020B0502040204020203" pitchFamily="34" charset="0"/>
+              </a:rPr>
+              <a:t>ơ</a:t>
+            </a:r>
+            <a:r>
+              <a:rPr lang="en-US" dirty="0">
+                <a:latin typeface="Segoe UI" panose="020B0502040204020203" pitchFamily="34" charset="0"/>
+                <a:cs typeface="Segoe UI" panose="020B0502040204020203" pitchFamily="34" charset="0"/>
+              </a:rPr>
+              <a:t>n 1 </a:t>
+            </a:r>
+            <a:r>
+              <a:rPr lang="en-US" dirty="0" err="1">
+                <a:latin typeface="Segoe UI" panose="020B0502040204020203" pitchFamily="34" charset="0"/>
+                <a:cs typeface="Segoe UI" panose="020B0502040204020203" pitchFamily="34" charset="0"/>
+              </a:rPr>
+              <a:t>thì</a:t>
+            </a:r>
+            <a:r>
+              <a:rPr lang="en-US" dirty="0">
+                <a:latin typeface="Segoe UI" panose="020B0502040204020203" pitchFamily="34" charset="0"/>
+                <a:cs typeface="Segoe UI" panose="020B0502040204020203" pitchFamily="34" charset="0"/>
+              </a:rPr>
+              <a:t> </a:t>
+            </a:r>
+            <a:r>
+              <a:rPr lang="en-US" dirty="0" err="1">
+                <a:latin typeface="Segoe UI" panose="020B0502040204020203" pitchFamily="34" charset="0"/>
+                <a:cs typeface="Segoe UI" panose="020B0502040204020203" pitchFamily="34" charset="0"/>
+              </a:rPr>
+              <a:t>sẽ</a:t>
+            </a:r>
+            <a:r>
+              <a:rPr lang="en-US" dirty="0">
+                <a:latin typeface="Segoe UI" panose="020B0502040204020203" pitchFamily="34" charset="0"/>
+                <a:cs typeface="Segoe UI" panose="020B0502040204020203" pitchFamily="34" charset="0"/>
+              </a:rPr>
+              <a:t> đ</a:t>
+            </a:r>
+            <a:r>
+              <a:rPr lang="vi-VN" dirty="0">
+                <a:latin typeface="Segoe UI" panose="020B0502040204020203" pitchFamily="34" charset="0"/>
+                <a:cs typeface="Segoe UI" panose="020B0502040204020203" pitchFamily="34" charset="0"/>
+              </a:rPr>
+              <a:t>ư</a:t>
+            </a:r>
+            <a:r>
+              <a:rPr lang="en-US" dirty="0" err="1">
+                <a:latin typeface="Segoe UI" panose="020B0502040204020203" pitchFamily="34" charset="0"/>
+                <a:cs typeface="Segoe UI" panose="020B0502040204020203" pitchFamily="34" charset="0"/>
+              </a:rPr>
+              <a:t>ợc</a:t>
+            </a:r>
+            <a:r>
+              <a:rPr lang="en-US" dirty="0">
+                <a:latin typeface="Segoe UI" panose="020B0502040204020203" pitchFamily="34" charset="0"/>
+                <a:cs typeface="Segoe UI" panose="020B0502040204020203" pitchFamily="34" charset="0"/>
+              </a:rPr>
+              <a:t> </a:t>
+            </a:r>
+            <a:r>
+              <a:rPr lang="en-US" dirty="0" err="1">
+                <a:latin typeface="Segoe UI" panose="020B0502040204020203" pitchFamily="34" charset="0"/>
+                <a:cs typeface="Segoe UI" panose="020B0502040204020203" pitchFamily="34" charset="0"/>
+              </a:rPr>
+              <a:t>cập</a:t>
+            </a:r>
+            <a:r>
+              <a:rPr lang="en-US" dirty="0">
+                <a:latin typeface="Segoe UI" panose="020B0502040204020203" pitchFamily="34" charset="0"/>
+                <a:cs typeface="Segoe UI" panose="020B0502040204020203" pitchFamily="34" charset="0"/>
+              </a:rPr>
+              <a:t> </a:t>
+            </a:r>
+            <a:r>
+              <a:rPr lang="en-US" dirty="0" err="1">
+                <a:latin typeface="Segoe UI" panose="020B0502040204020203" pitchFamily="34" charset="0"/>
+                <a:cs typeface="Segoe UI" panose="020B0502040204020203" pitchFamily="34" charset="0"/>
+              </a:rPr>
+              <a:t>nhật</a:t>
+            </a:r>
+            <a:r>
+              <a:rPr lang="en-US" dirty="0">
+                <a:latin typeface="Segoe UI" panose="020B0502040204020203" pitchFamily="34" charset="0"/>
+                <a:cs typeface="Segoe UI" panose="020B0502040204020203" pitchFamily="34" charset="0"/>
+              </a:rPr>
+              <a:t> </a:t>
+            </a:r>
+            <a:r>
+              <a:rPr lang="en-US" dirty="0" err="1">
+                <a:latin typeface="Segoe UI" panose="020B0502040204020203" pitchFamily="34" charset="0"/>
+                <a:cs typeface="Segoe UI" panose="020B0502040204020203" pitchFamily="34" charset="0"/>
+              </a:rPr>
+              <a:t>vào</a:t>
+            </a:r>
+            <a:r>
+              <a:rPr lang="en-US" dirty="0">
+                <a:latin typeface="Segoe UI" panose="020B0502040204020203" pitchFamily="34" charset="0"/>
+                <a:cs typeface="Segoe UI" panose="020B0502040204020203" pitchFamily="34" charset="0"/>
+              </a:rPr>
+              <a:t> </a:t>
+            </a:r>
+            <a:r>
+              <a:rPr lang="en-US" dirty="0" err="1">
+                <a:latin typeface="Segoe UI" panose="020B0502040204020203" pitchFamily="34" charset="0"/>
+                <a:cs typeface="Segoe UI" panose="020B0502040204020203" pitchFamily="34" charset="0"/>
+              </a:rPr>
+              <a:t>bảng</a:t>
+            </a:r>
+            <a:r>
+              <a:rPr lang="en-US" dirty="0">
+                <a:latin typeface="Segoe UI" panose="020B0502040204020203" pitchFamily="34" charset="0"/>
+                <a:cs typeface="Segoe UI" panose="020B0502040204020203" pitchFamily="34" charset="0"/>
+              </a:rPr>
+              <a:t> </a:t>
+            </a:r>
+            <a:r>
+              <a:rPr lang="en-US" dirty="0" err="1">
+                <a:latin typeface="Segoe UI" panose="020B0502040204020203" pitchFamily="34" charset="0"/>
+                <a:cs typeface="Segoe UI" panose="020B0502040204020203" pitchFamily="34" charset="0"/>
+              </a:rPr>
+              <a:t>tần</a:t>
+            </a:r>
+            <a:r>
+              <a:rPr lang="en-US" dirty="0">
+                <a:latin typeface="Segoe UI" panose="020B0502040204020203" pitchFamily="34" charset="0"/>
+                <a:cs typeface="Segoe UI" panose="020B0502040204020203" pitchFamily="34" charset="0"/>
+              </a:rPr>
+              <a:t> </a:t>
+            </a:r>
+            <a:r>
+              <a:rPr lang="en-US" dirty="0" err="1">
+                <a:latin typeface="Segoe UI" panose="020B0502040204020203" pitchFamily="34" charset="0"/>
+                <a:cs typeface="Segoe UI" panose="020B0502040204020203" pitchFamily="34" charset="0"/>
+              </a:rPr>
+              <a:t>số</a:t>
+            </a:r>
+            <a:endParaRPr lang="en-US" dirty="0">
+              <a:latin typeface="Segoe UI" panose="020B0502040204020203" pitchFamily="34" charset="0"/>
+              <a:cs typeface="Segoe UI" panose="020B0502040204020203" pitchFamily="34" charset="0"/>
+            </a:endParaRPr>
+          </a:p>
+          <a:p>
+            <a:pPr lvl="2"/>
+            <a:r>
+              <a:rPr lang="en-US" dirty="0" err="1">
+                <a:latin typeface="Segoe UI" panose="020B0502040204020203" pitchFamily="34" charset="0"/>
+                <a:cs typeface="Segoe UI" panose="020B0502040204020203" pitchFamily="34" charset="0"/>
+              </a:rPr>
+              <a:t>Từ</a:t>
+            </a:r>
+            <a:r>
+              <a:rPr lang="en-US" dirty="0">
+                <a:latin typeface="Segoe UI" panose="020B0502040204020203" pitchFamily="34" charset="0"/>
+                <a:cs typeface="Segoe UI" panose="020B0502040204020203" pitchFamily="34" charset="0"/>
+              </a:rPr>
+              <a:t> </a:t>
+            </a:r>
+            <a:r>
+              <a:rPr lang="en-US" dirty="0" err="1">
+                <a:latin typeface="Segoe UI" panose="020B0502040204020203" pitchFamily="34" charset="0"/>
+                <a:cs typeface="Segoe UI" panose="020B0502040204020203" pitchFamily="34" charset="0"/>
+              </a:rPr>
+              <a:t>bảng</a:t>
+            </a:r>
+            <a:r>
+              <a:rPr lang="en-US" dirty="0">
+                <a:latin typeface="Segoe UI" panose="020B0502040204020203" pitchFamily="34" charset="0"/>
+                <a:cs typeface="Segoe UI" panose="020B0502040204020203" pitchFamily="34" charset="0"/>
+              </a:rPr>
+              <a:t> </a:t>
+            </a:r>
+            <a:r>
+              <a:rPr lang="en-US" dirty="0" err="1">
+                <a:latin typeface="Segoe UI" panose="020B0502040204020203" pitchFamily="34" charset="0"/>
+                <a:cs typeface="Segoe UI" panose="020B0502040204020203" pitchFamily="34" charset="0"/>
+              </a:rPr>
+              <a:t>tần</a:t>
+            </a:r>
+            <a:r>
+              <a:rPr lang="en-US" dirty="0">
+                <a:latin typeface="Segoe UI" panose="020B0502040204020203" pitchFamily="34" charset="0"/>
+                <a:cs typeface="Segoe UI" panose="020B0502040204020203" pitchFamily="34" charset="0"/>
+              </a:rPr>
+              <a:t> </a:t>
+            </a:r>
+            <a:r>
+              <a:rPr lang="en-US" dirty="0" err="1">
+                <a:latin typeface="Segoe UI" panose="020B0502040204020203" pitchFamily="34" charset="0"/>
+                <a:cs typeface="Segoe UI" panose="020B0502040204020203" pitchFamily="34" charset="0"/>
+              </a:rPr>
+              <a:t>số</a:t>
+            </a:r>
+            <a:r>
+              <a:rPr lang="en-US" dirty="0">
+                <a:latin typeface="Segoe UI" panose="020B0502040204020203" pitchFamily="34" charset="0"/>
+                <a:cs typeface="Segoe UI" panose="020B0502040204020203" pitchFamily="34" charset="0"/>
+              </a:rPr>
+              <a:t> </a:t>
+            </a:r>
+            <a:r>
+              <a:rPr lang="en-US" dirty="0" err="1">
+                <a:latin typeface="Segoe UI" panose="020B0502040204020203" pitchFamily="34" charset="0"/>
+                <a:cs typeface="Segoe UI" panose="020B0502040204020203" pitchFamily="34" charset="0"/>
+              </a:rPr>
+              <a:t>lọc</a:t>
+            </a:r>
+            <a:r>
+              <a:rPr lang="en-US" dirty="0">
+                <a:latin typeface="Segoe UI" panose="020B0502040204020203" pitchFamily="34" charset="0"/>
+                <a:cs typeface="Segoe UI" panose="020B0502040204020203" pitchFamily="34" charset="0"/>
+              </a:rPr>
+              <a:t> ra </a:t>
+            </a:r>
+            <a:r>
+              <a:rPr lang="en-US" dirty="0" err="1">
+                <a:latin typeface="Segoe UI" panose="020B0502040204020203" pitchFamily="34" charset="0"/>
+                <a:cs typeface="Segoe UI" panose="020B0502040204020203" pitchFamily="34" charset="0"/>
+              </a:rPr>
+              <a:t>các</a:t>
+            </a:r>
+            <a:r>
+              <a:rPr lang="en-US" dirty="0">
+                <a:latin typeface="Segoe UI" panose="020B0502040204020203" pitchFamily="34" charset="0"/>
+                <a:cs typeface="Segoe UI" panose="020B0502040204020203" pitchFamily="34" charset="0"/>
+              </a:rPr>
+              <a:t> </a:t>
+            </a:r>
+            <a:r>
+              <a:rPr lang="en-US" dirty="0" err="1">
+                <a:latin typeface="Segoe UI" panose="020B0502040204020203" pitchFamily="34" charset="0"/>
+                <a:cs typeface="Segoe UI" panose="020B0502040204020203" pitchFamily="34" charset="0"/>
+              </a:rPr>
+              <a:t>từ</a:t>
+            </a:r>
+            <a:r>
+              <a:rPr lang="en-US" dirty="0">
+                <a:latin typeface="Segoe UI" panose="020B0502040204020203" pitchFamily="34" charset="0"/>
+                <a:cs typeface="Segoe UI" panose="020B0502040204020203" pitchFamily="34" charset="0"/>
+              </a:rPr>
+              <a:t> </a:t>
+            </a:r>
+            <a:r>
+              <a:rPr lang="en-US" dirty="0" err="1">
+                <a:latin typeface="Segoe UI" panose="020B0502040204020203" pitchFamily="34" charset="0"/>
+                <a:cs typeface="Segoe UI" panose="020B0502040204020203" pitchFamily="34" charset="0"/>
+              </a:rPr>
+              <a:t>có</a:t>
+            </a:r>
+            <a:r>
+              <a:rPr lang="en-US" dirty="0">
+                <a:latin typeface="Segoe UI" panose="020B0502040204020203" pitchFamily="34" charset="0"/>
+                <a:cs typeface="Segoe UI" panose="020B0502040204020203" pitchFamily="34" charset="0"/>
+              </a:rPr>
+              <a:t> </a:t>
+            </a:r>
+            <a:r>
+              <a:rPr lang="en-US" dirty="0" err="1">
+                <a:latin typeface="Segoe UI" panose="020B0502040204020203" pitchFamily="34" charset="0"/>
+                <a:cs typeface="Segoe UI" panose="020B0502040204020203" pitchFamily="34" charset="0"/>
+              </a:rPr>
+              <a:t>tần</a:t>
+            </a:r>
+            <a:r>
+              <a:rPr lang="en-US" dirty="0">
+                <a:latin typeface="Segoe UI" panose="020B0502040204020203" pitchFamily="34" charset="0"/>
+                <a:cs typeface="Segoe UI" panose="020B0502040204020203" pitchFamily="34" charset="0"/>
+              </a:rPr>
+              <a:t> </a:t>
+            </a:r>
+            <a:r>
+              <a:rPr lang="en-US" dirty="0" err="1">
+                <a:latin typeface="Segoe UI" panose="020B0502040204020203" pitchFamily="34" charset="0"/>
+                <a:cs typeface="Segoe UI" panose="020B0502040204020203" pitchFamily="34" charset="0"/>
+              </a:rPr>
+              <a:t>số</a:t>
+            </a:r>
+            <a:r>
+              <a:rPr lang="en-US" dirty="0">
+                <a:latin typeface="Segoe UI" panose="020B0502040204020203" pitchFamily="34" charset="0"/>
+                <a:cs typeface="Segoe UI" panose="020B0502040204020203" pitchFamily="34" charset="0"/>
+              </a:rPr>
+              <a:t> </a:t>
+            </a:r>
+            <a:r>
+              <a:rPr lang="en-US" dirty="0" err="1">
+                <a:latin typeface="Segoe UI" panose="020B0502040204020203" pitchFamily="34" charset="0"/>
+                <a:cs typeface="Segoe UI" panose="020B0502040204020203" pitchFamily="34" charset="0"/>
+              </a:rPr>
+              <a:t>xuất</a:t>
+            </a:r>
+            <a:r>
+              <a:rPr lang="en-US" dirty="0">
+                <a:latin typeface="Segoe UI" panose="020B0502040204020203" pitchFamily="34" charset="0"/>
+                <a:cs typeface="Segoe UI" panose="020B0502040204020203" pitchFamily="34" charset="0"/>
+              </a:rPr>
+              <a:t> </a:t>
+            </a:r>
+            <a:r>
+              <a:rPr lang="en-US" dirty="0" err="1">
+                <a:latin typeface="Segoe UI" panose="020B0502040204020203" pitchFamily="34" charset="0"/>
+                <a:cs typeface="Segoe UI" panose="020B0502040204020203" pitchFamily="34" charset="0"/>
+              </a:rPr>
+              <a:t>hiện</a:t>
+            </a:r>
+            <a:r>
+              <a:rPr lang="en-US" dirty="0">
+                <a:latin typeface="Segoe UI" panose="020B0502040204020203" pitchFamily="34" charset="0"/>
+                <a:cs typeface="Segoe UI" panose="020B0502040204020203" pitchFamily="34" charset="0"/>
+              </a:rPr>
+              <a:t> </a:t>
+            </a:r>
+            <a:r>
+              <a:rPr lang="en-US" dirty="0" err="1">
+                <a:latin typeface="Segoe UI" panose="020B0502040204020203" pitchFamily="34" charset="0"/>
+                <a:cs typeface="Segoe UI" panose="020B0502040204020203" pitchFamily="34" charset="0"/>
+              </a:rPr>
+              <a:t>thấp</a:t>
+            </a:r>
+            <a:r>
+              <a:rPr lang="en-US" dirty="0">
+                <a:latin typeface="Segoe UI" panose="020B0502040204020203" pitchFamily="34" charset="0"/>
+                <a:cs typeface="Segoe UI" panose="020B0502040204020203" pitchFamily="34" charset="0"/>
+              </a:rPr>
+              <a:t> (</a:t>
+            </a:r>
+            <a:r>
+              <a:rPr lang="en-US" dirty="0" err="1">
+                <a:latin typeface="Segoe UI" panose="020B0502040204020203" pitchFamily="34" charset="0"/>
+                <a:cs typeface="Segoe UI" panose="020B0502040204020203" pitchFamily="34" charset="0"/>
+              </a:rPr>
+              <a:t>từ</a:t>
+            </a:r>
+            <a:r>
+              <a:rPr lang="en-US" dirty="0">
+                <a:latin typeface="Segoe UI" panose="020B0502040204020203" pitchFamily="34" charset="0"/>
+                <a:cs typeface="Segoe UI" panose="020B0502040204020203" pitchFamily="34" charset="0"/>
+              </a:rPr>
+              <a:t> 15 </a:t>
+            </a:r>
+            <a:r>
+              <a:rPr lang="en-US" dirty="0" err="1">
+                <a:latin typeface="Segoe UI" panose="020B0502040204020203" pitchFamily="34" charset="0"/>
+                <a:cs typeface="Segoe UI" panose="020B0502040204020203" pitchFamily="34" charset="0"/>
+              </a:rPr>
+              <a:t>trở</a:t>
+            </a:r>
+            <a:r>
+              <a:rPr lang="en-US" dirty="0">
+                <a:latin typeface="Segoe UI" panose="020B0502040204020203" pitchFamily="34" charset="0"/>
+                <a:cs typeface="Segoe UI" panose="020B0502040204020203" pitchFamily="34" charset="0"/>
+              </a:rPr>
+              <a:t> </a:t>
+            </a:r>
+            <a:r>
+              <a:rPr lang="en-US" dirty="0" err="1">
+                <a:latin typeface="Segoe UI" panose="020B0502040204020203" pitchFamily="34" charset="0"/>
+                <a:cs typeface="Segoe UI" panose="020B0502040204020203" pitchFamily="34" charset="0"/>
+              </a:rPr>
+              <a:t>xuống</a:t>
+            </a:r>
+            <a:r>
+              <a:rPr lang="en-US" dirty="0">
+                <a:latin typeface="Segoe UI" panose="020B0502040204020203" pitchFamily="34" charset="0"/>
+                <a:cs typeface="Segoe UI" panose="020B0502040204020203" pitchFamily="34" charset="0"/>
+              </a:rPr>
+              <a:t>) ta đ</a:t>
+            </a:r>
+            <a:r>
+              <a:rPr lang="vi-VN" dirty="0">
+                <a:latin typeface="Segoe UI" panose="020B0502040204020203" pitchFamily="34" charset="0"/>
+                <a:cs typeface="Segoe UI" panose="020B0502040204020203" pitchFamily="34" charset="0"/>
+              </a:rPr>
+              <a:t>ư</a:t>
+            </a:r>
+            <a:r>
+              <a:rPr lang="en-US" dirty="0" err="1">
+                <a:latin typeface="Segoe UI" panose="020B0502040204020203" pitchFamily="34" charset="0"/>
+                <a:cs typeface="Segoe UI" panose="020B0502040204020203" pitchFamily="34" charset="0"/>
+              </a:rPr>
+              <a:t>ợc</a:t>
+            </a:r>
+            <a:r>
+              <a:rPr lang="en-US" dirty="0">
+                <a:latin typeface="Segoe UI" panose="020B0502040204020203" pitchFamily="34" charset="0"/>
+                <a:cs typeface="Segoe UI" panose="020B0502040204020203" pitchFamily="34" charset="0"/>
+              </a:rPr>
+              <a:t> </a:t>
+            </a:r>
+            <a:r>
+              <a:rPr lang="en-US" dirty="0" err="1">
+                <a:latin typeface="Segoe UI" panose="020B0502040204020203" pitchFamily="34" charset="0"/>
+                <a:cs typeface="Segoe UI" panose="020B0502040204020203" pitchFamily="34" charset="0"/>
+              </a:rPr>
+              <a:t>danh</a:t>
+            </a:r>
+            <a:r>
+              <a:rPr lang="en-US" dirty="0">
+                <a:latin typeface="Segoe UI" panose="020B0502040204020203" pitchFamily="34" charset="0"/>
+                <a:cs typeface="Segoe UI" panose="020B0502040204020203" pitchFamily="34" charset="0"/>
+              </a:rPr>
+              <a:t> </a:t>
+            </a:r>
+            <a:r>
+              <a:rPr lang="en-US" dirty="0" err="1">
+                <a:latin typeface="Segoe UI" panose="020B0502040204020203" pitchFamily="34" charset="0"/>
+                <a:cs typeface="Segoe UI" panose="020B0502040204020203" pitchFamily="34" charset="0"/>
+              </a:rPr>
+              <a:t>sách</a:t>
+            </a:r>
+            <a:r>
+              <a:rPr lang="en-US" dirty="0">
+                <a:latin typeface="Segoe UI" panose="020B0502040204020203" pitchFamily="34" charset="0"/>
+                <a:cs typeface="Segoe UI" panose="020B0502040204020203" pitchFamily="34" charset="0"/>
+              </a:rPr>
+              <a:t> </a:t>
+            </a:r>
+            <a:r>
+              <a:rPr lang="en-US" dirty="0" err="1">
+                <a:latin typeface="Segoe UI" panose="020B0502040204020203" pitchFamily="34" charset="0"/>
+                <a:cs typeface="Segoe UI" panose="020B0502040204020203" pitchFamily="34" charset="0"/>
+              </a:rPr>
+              <a:t>các</a:t>
+            </a:r>
+            <a:r>
+              <a:rPr lang="en-US" dirty="0">
+                <a:latin typeface="Segoe UI" panose="020B0502040204020203" pitchFamily="34" charset="0"/>
+                <a:cs typeface="Segoe UI" panose="020B0502040204020203" pitchFamily="34" charset="0"/>
+              </a:rPr>
+              <a:t> </a:t>
+            </a:r>
+            <a:r>
+              <a:rPr lang="en-US" dirty="0" err="1">
+                <a:latin typeface="Segoe UI" panose="020B0502040204020203" pitchFamily="34" charset="0"/>
+                <a:cs typeface="Segoe UI" panose="020B0502040204020203" pitchFamily="34" charset="0"/>
+              </a:rPr>
+              <a:t>từ</a:t>
+            </a:r>
+            <a:endParaRPr lang="en-US" dirty="0">
+              <a:latin typeface="Segoe UI" panose="020B0502040204020203" pitchFamily="34" charset="0"/>
+              <a:cs typeface="Segoe UI" panose="020B0502040204020203" pitchFamily="34" charset="0"/>
+            </a:endParaRPr>
+          </a:p>
+          <a:p>
+            <a:pPr lvl="1"/>
+            <a:r>
+              <a:rPr lang="en-US" dirty="0" err="1">
+                <a:latin typeface="Segoe UI" panose="020B0502040204020203" pitchFamily="34" charset="0"/>
+                <a:cs typeface="Segoe UI" panose="020B0502040204020203" pitchFamily="34" charset="0"/>
+              </a:rPr>
+              <a:t>Với</a:t>
+            </a:r>
+            <a:r>
+              <a:rPr lang="en-US" dirty="0">
+                <a:latin typeface="Segoe UI" panose="020B0502040204020203" pitchFamily="34" charset="0"/>
+                <a:cs typeface="Segoe UI" panose="020B0502040204020203" pitchFamily="34" charset="0"/>
+              </a:rPr>
+              <a:t> </a:t>
+            </a:r>
+            <a:r>
+              <a:rPr lang="en-US" dirty="0" err="1">
+                <a:latin typeface="Segoe UI" panose="020B0502040204020203" pitchFamily="34" charset="0"/>
+                <a:cs typeface="Segoe UI" panose="020B0502040204020203" pitchFamily="34" charset="0"/>
+              </a:rPr>
+              <a:t>tập</a:t>
+            </a:r>
+            <a:r>
+              <a:rPr lang="en-US" dirty="0">
+                <a:latin typeface="Segoe UI" panose="020B0502040204020203" pitchFamily="34" charset="0"/>
+                <a:cs typeface="Segoe UI" panose="020B0502040204020203" pitchFamily="34" charset="0"/>
+              </a:rPr>
+              <a:t> train </a:t>
+            </a:r>
+            <a:r>
+              <a:rPr lang="en-US" dirty="0" err="1">
+                <a:latin typeface="Segoe UI" panose="020B0502040204020203" pitchFamily="34" charset="0"/>
+                <a:cs typeface="Segoe UI" panose="020B0502040204020203" pitchFamily="34" charset="0"/>
+              </a:rPr>
+              <a:t>của</a:t>
+            </a:r>
+            <a:r>
+              <a:rPr lang="en-US" dirty="0">
+                <a:latin typeface="Segoe UI" panose="020B0502040204020203" pitchFamily="34" charset="0"/>
+                <a:cs typeface="Segoe UI" panose="020B0502040204020203" pitchFamily="34" charset="0"/>
+              </a:rPr>
+              <a:t> </a:t>
+            </a:r>
+            <a:r>
+              <a:rPr lang="en-US" dirty="0" err="1">
+                <a:latin typeface="Segoe UI" panose="020B0502040204020203" pitchFamily="34" charset="0"/>
+                <a:cs typeface="Segoe UI" panose="020B0502040204020203" pitchFamily="34" charset="0"/>
+              </a:rPr>
+              <a:t>nhóm</a:t>
+            </a:r>
+            <a:r>
+              <a:rPr lang="en-US" dirty="0">
+                <a:latin typeface="Segoe UI" panose="020B0502040204020203" pitchFamily="34" charset="0"/>
+                <a:cs typeface="Segoe UI" panose="020B0502040204020203" pitchFamily="34" charset="0"/>
+              </a:rPr>
+              <a:t> </a:t>
+            </a:r>
+            <a:r>
+              <a:rPr lang="en-US" dirty="0" err="1">
+                <a:latin typeface="Segoe UI" panose="020B0502040204020203" pitchFamily="34" charset="0"/>
+                <a:cs typeface="Segoe UI" panose="020B0502040204020203" pitchFamily="34" charset="0"/>
+              </a:rPr>
+              <a:t>thì</a:t>
+            </a:r>
+            <a:r>
+              <a:rPr lang="en-US" dirty="0">
+                <a:latin typeface="Segoe UI" panose="020B0502040204020203" pitchFamily="34" charset="0"/>
+                <a:cs typeface="Segoe UI" panose="020B0502040204020203" pitchFamily="34" charset="0"/>
+              </a:rPr>
+              <a:t> </a:t>
+            </a:r>
+            <a:r>
+              <a:rPr lang="en-US" dirty="0" err="1">
+                <a:latin typeface="Segoe UI" panose="020B0502040204020203" pitchFamily="34" charset="0"/>
+                <a:cs typeface="Segoe UI" panose="020B0502040204020203" pitchFamily="34" charset="0"/>
+              </a:rPr>
+              <a:t>gồm</a:t>
+            </a:r>
+            <a:r>
+              <a:rPr lang="en-US" dirty="0">
+                <a:latin typeface="Segoe UI" panose="020B0502040204020203" pitchFamily="34" charset="0"/>
+                <a:cs typeface="Segoe UI" panose="020B0502040204020203" pitchFamily="34" charset="0"/>
+              </a:rPr>
+              <a:t> 450 </a:t>
+            </a:r>
+            <a:r>
+              <a:rPr lang="en-US" dirty="0" err="1">
+                <a:latin typeface="Segoe UI" panose="020B0502040204020203" pitchFamily="34" charset="0"/>
+                <a:cs typeface="Segoe UI" panose="020B0502040204020203" pitchFamily="34" charset="0"/>
+              </a:rPr>
+              <a:t>từ</a:t>
+            </a:r>
+            <a:endParaRPr lang="en-US" dirty="0">
+              <a:latin typeface="Segoe UI" panose="020B0502040204020203" pitchFamily="34" charset="0"/>
+              <a:cs typeface="Segoe UI" panose="020B0502040204020203" pitchFamily="34" charset="0"/>
+            </a:endParaRPr>
+          </a:p>
+        </p:txBody>
+      </p:sp>
+    </p:spTree>
+    <p:extLst>
+      <p:ext uri="{BB962C8B-B14F-4D97-AF65-F5344CB8AC3E}">
+        <p14:creationId xmlns:p14="http://schemas.microsoft.com/office/powerpoint/2010/main" val="3272595648"/>
+      </p:ext>
+    </p:extLst>
+  </p:cSld>
+  <p:clrMapOvr>
+    <a:masterClrMapping/>
+  </p:clrMapOvr>
+</p:sld>
+</file>
+
+<file path=ppt/slides/slide15.xml><?xml version="1.0" encoding="utf-8"?>
+<p:sld xmlns:a="http://schemas.openxmlformats.org/drawingml/2006/main" xmlns:r="http://schemas.openxmlformats.org/officeDocument/2006/relationships" xmlns:p="http://schemas.openxmlformats.org/presentationml/2006/main">
+  <p:cSld>
+    <p:spTree>
+      <p:nvGrpSpPr>
+        <p:cNvPr id="1" name=""/>
+        <p:cNvGrpSpPr/>
+        <p:nvPr/>
+      </p:nvGrpSpPr>
+      <p:grpSpPr>
+        <a:xfrm>
+          <a:off x="0" y="0"/>
+          <a:ext cx="0" cy="0"/>
+          <a:chOff x="0" y="0"/>
+          <a:chExt cx="0" cy="0"/>
+        </a:xfrm>
+      </p:grpSpPr>
+      <p:sp>
+        <p:nvSpPr>
+          <p:cNvPr id="2" name="Title 1">
+            <a:extLst>
+              <a:ext uri="{FF2B5EF4-FFF2-40B4-BE49-F238E27FC236}">
+                <a16:creationId xmlns:a16="http://schemas.microsoft.com/office/drawing/2014/main" id="{7B046E47-7052-4F4A-83F7-236E6FA20D8D}"/>
+              </a:ext>
+            </a:extLst>
+          </p:cNvPr>
+          <p:cNvSpPr>
+            <a:spLocks noGrp="1"/>
+          </p:cNvSpPr>
+          <p:nvPr>
+            <p:ph type="title"/>
+          </p:nvPr>
+        </p:nvSpPr>
+        <p:spPr/>
+        <p:txBody>
+          <a:bodyPr/>
+          <a:lstStyle/>
+          <a:p>
+            <a:r>
+              <a:rPr lang="en-US" dirty="0">
+                <a:latin typeface="Segoe UI" panose="020B0502040204020203" pitchFamily="34" charset="0"/>
+                <a:cs typeface="Segoe UI" panose="020B0502040204020203" pitchFamily="34" charset="0"/>
+              </a:rPr>
+              <a:t>B</a:t>
+            </a:r>
+            <a:r>
+              <a:rPr lang="vi-VN" dirty="0">
+                <a:latin typeface="Segoe UI" panose="020B0502040204020203" pitchFamily="34" charset="0"/>
+                <a:cs typeface="Segoe UI" panose="020B0502040204020203" pitchFamily="34" charset="0"/>
+              </a:rPr>
+              <a:t>ag of word</a:t>
+            </a:r>
+            <a:endParaRPr lang="en-US" dirty="0"/>
+          </a:p>
+        </p:txBody>
+      </p:sp>
+      <p:sp>
+        <p:nvSpPr>
+          <p:cNvPr id="3" name="Content Placeholder 2">
+            <a:extLst>
+              <a:ext uri="{FF2B5EF4-FFF2-40B4-BE49-F238E27FC236}">
+                <a16:creationId xmlns:a16="http://schemas.microsoft.com/office/drawing/2014/main" id="{55325ACF-369D-448B-BB69-E82A2843BAB6}"/>
+              </a:ext>
+            </a:extLst>
+          </p:cNvPr>
+          <p:cNvSpPr>
+            <a:spLocks noGrp="1"/>
+          </p:cNvSpPr>
+          <p:nvPr>
+            <p:ph idx="1"/>
+          </p:nvPr>
+        </p:nvSpPr>
+        <p:spPr/>
+        <p:txBody>
+          <a:bodyPr/>
+          <a:lstStyle/>
+          <a:p>
+            <a:r>
+              <a:rPr lang="en-US" dirty="0">
+                <a:latin typeface="Segoe UI" panose="020B0502040204020203" pitchFamily="34" charset="0"/>
+                <a:cs typeface="Segoe UI" panose="020B0502040204020203" pitchFamily="34" charset="0"/>
+              </a:rPr>
+              <a:t>TRANSFORM</a:t>
+            </a:r>
+          </a:p>
+          <a:p>
+            <a:pPr lvl="1"/>
+            <a:r>
+              <a:rPr lang="en-US" dirty="0">
+                <a:latin typeface="Segoe UI" panose="020B0502040204020203" pitchFamily="34" charset="0"/>
+                <a:cs typeface="Segoe UI" panose="020B0502040204020203" pitchFamily="34" charset="0"/>
+              </a:rPr>
+              <a:t>Input: </a:t>
+            </a:r>
+            <a:r>
+              <a:rPr lang="en-US" dirty="0" err="1">
+                <a:latin typeface="Segoe UI" panose="020B0502040204020203" pitchFamily="34" charset="0"/>
+                <a:cs typeface="Segoe UI" panose="020B0502040204020203" pitchFamily="34" charset="0"/>
+              </a:rPr>
+              <a:t>danh</a:t>
+            </a:r>
+            <a:r>
+              <a:rPr lang="en-US" dirty="0">
+                <a:latin typeface="Segoe UI" panose="020B0502040204020203" pitchFamily="34" charset="0"/>
+                <a:cs typeface="Segoe UI" panose="020B0502040204020203" pitchFamily="34" charset="0"/>
+              </a:rPr>
+              <a:t> </a:t>
+            </a:r>
+            <a:r>
+              <a:rPr lang="en-US" dirty="0" err="1">
+                <a:latin typeface="Segoe UI" panose="020B0502040204020203" pitchFamily="34" charset="0"/>
+                <a:cs typeface="Segoe UI" panose="020B0502040204020203" pitchFamily="34" charset="0"/>
+              </a:rPr>
+              <a:t>sách</a:t>
+            </a:r>
+            <a:r>
+              <a:rPr lang="en-US" dirty="0">
+                <a:latin typeface="Segoe UI" panose="020B0502040204020203" pitchFamily="34" charset="0"/>
+                <a:cs typeface="Segoe UI" panose="020B0502040204020203" pitchFamily="34" charset="0"/>
+              </a:rPr>
+              <a:t> </a:t>
+            </a:r>
+            <a:r>
+              <a:rPr lang="en-US" dirty="0" err="1">
+                <a:latin typeface="Segoe UI" panose="020B0502040204020203" pitchFamily="34" charset="0"/>
+                <a:cs typeface="Segoe UI" panose="020B0502040204020203" pitchFamily="34" charset="0"/>
+              </a:rPr>
+              <a:t>các</a:t>
+            </a:r>
+            <a:r>
+              <a:rPr lang="en-US" dirty="0">
+                <a:latin typeface="Segoe UI" panose="020B0502040204020203" pitchFamily="34" charset="0"/>
+                <a:cs typeface="Segoe UI" panose="020B0502040204020203" pitchFamily="34" charset="0"/>
+              </a:rPr>
+              <a:t> </a:t>
+            </a:r>
+            <a:r>
+              <a:rPr lang="en-US" dirty="0" err="1">
+                <a:latin typeface="Segoe UI" panose="020B0502040204020203" pitchFamily="34" charset="0"/>
+                <a:cs typeface="Segoe UI" panose="020B0502040204020203" pitchFamily="34" charset="0"/>
+              </a:rPr>
+              <a:t>câu</a:t>
+            </a:r>
+            <a:r>
+              <a:rPr lang="en-US" dirty="0">
+                <a:latin typeface="Segoe UI" panose="020B0502040204020203" pitchFamily="34" charset="0"/>
+                <a:cs typeface="Segoe UI" panose="020B0502040204020203" pitchFamily="34" charset="0"/>
+              </a:rPr>
+              <a:t> </a:t>
+            </a:r>
+            <a:r>
+              <a:rPr lang="en-US" dirty="0" err="1">
+                <a:latin typeface="Segoe UI" panose="020B0502040204020203" pitchFamily="34" charset="0"/>
+                <a:cs typeface="Segoe UI" panose="020B0502040204020203" pitchFamily="34" charset="0"/>
+              </a:rPr>
+              <a:t>hỏi</a:t>
+            </a:r>
+            <a:endParaRPr lang="en-US" dirty="0">
+              <a:latin typeface="Segoe UI" panose="020B0502040204020203" pitchFamily="34" charset="0"/>
+              <a:cs typeface="Segoe UI" panose="020B0502040204020203" pitchFamily="34" charset="0"/>
+            </a:endParaRPr>
+          </a:p>
+          <a:p>
+            <a:pPr lvl="1"/>
+            <a:r>
+              <a:rPr lang="en-US" dirty="0">
+                <a:latin typeface="Segoe UI" panose="020B0502040204020203" pitchFamily="34" charset="0"/>
+                <a:cs typeface="Segoe UI" panose="020B0502040204020203" pitchFamily="34" charset="0"/>
+              </a:rPr>
+              <a:t>Output: ma </a:t>
+            </a:r>
+            <a:r>
+              <a:rPr lang="en-US" dirty="0" err="1">
+                <a:latin typeface="Segoe UI" panose="020B0502040204020203" pitchFamily="34" charset="0"/>
+                <a:cs typeface="Segoe UI" panose="020B0502040204020203" pitchFamily="34" charset="0"/>
+              </a:rPr>
+              <a:t>trận</a:t>
+            </a:r>
+            <a:r>
+              <a:rPr lang="en-US" dirty="0">
+                <a:latin typeface="Segoe UI" panose="020B0502040204020203" pitchFamily="34" charset="0"/>
+                <a:cs typeface="Segoe UI" panose="020B0502040204020203" pitchFamily="34" charset="0"/>
+              </a:rPr>
+              <a:t> </a:t>
+            </a:r>
+            <a:r>
+              <a:rPr lang="en-US" dirty="0" err="1">
+                <a:latin typeface="Segoe UI" panose="020B0502040204020203" pitchFamily="34" charset="0"/>
+                <a:cs typeface="Segoe UI" panose="020B0502040204020203" pitchFamily="34" charset="0"/>
+              </a:rPr>
+              <a:t>nhị</a:t>
+            </a:r>
+            <a:r>
+              <a:rPr lang="en-US" dirty="0">
+                <a:latin typeface="Segoe UI" panose="020B0502040204020203" pitchFamily="34" charset="0"/>
+                <a:cs typeface="Segoe UI" panose="020B0502040204020203" pitchFamily="34" charset="0"/>
+              </a:rPr>
+              <a:t> </a:t>
+            </a:r>
+            <a:r>
+              <a:rPr lang="en-US" dirty="0" err="1">
+                <a:latin typeface="Segoe UI" panose="020B0502040204020203" pitchFamily="34" charset="0"/>
+                <a:cs typeface="Segoe UI" panose="020B0502040204020203" pitchFamily="34" charset="0"/>
+              </a:rPr>
+              <a:t>phân</a:t>
+            </a:r>
+            <a:r>
+              <a:rPr lang="en-US" dirty="0">
+                <a:latin typeface="Segoe UI" panose="020B0502040204020203" pitchFamily="34" charset="0"/>
+                <a:cs typeface="Segoe UI" panose="020B0502040204020203" pitchFamily="34" charset="0"/>
+              </a:rPr>
+              <a:t>, </a:t>
+            </a:r>
+            <a:r>
+              <a:rPr lang="en-US" dirty="0" err="1">
+                <a:latin typeface="Segoe UI" panose="020B0502040204020203" pitchFamily="34" charset="0"/>
+                <a:cs typeface="Segoe UI" panose="020B0502040204020203" pitchFamily="34" charset="0"/>
+              </a:rPr>
+              <a:t>mỗi</a:t>
+            </a:r>
+            <a:r>
+              <a:rPr lang="en-US" dirty="0">
+                <a:latin typeface="Segoe UI" panose="020B0502040204020203" pitchFamily="34" charset="0"/>
+                <a:cs typeface="Segoe UI" panose="020B0502040204020203" pitchFamily="34" charset="0"/>
+              </a:rPr>
+              <a:t> </a:t>
+            </a:r>
+            <a:r>
+              <a:rPr lang="en-US" dirty="0" err="1">
+                <a:latin typeface="Segoe UI" panose="020B0502040204020203" pitchFamily="34" charset="0"/>
+                <a:cs typeface="Segoe UI" panose="020B0502040204020203" pitchFamily="34" charset="0"/>
+              </a:rPr>
+              <a:t>dòng</a:t>
+            </a:r>
+            <a:r>
+              <a:rPr lang="en-US" dirty="0">
+                <a:latin typeface="Segoe UI" panose="020B0502040204020203" pitchFamily="34" charset="0"/>
+                <a:cs typeface="Segoe UI" panose="020B0502040204020203" pitchFamily="34" charset="0"/>
+              </a:rPr>
+              <a:t> </a:t>
+            </a:r>
+            <a:r>
+              <a:rPr lang="en-US" dirty="0" err="1">
+                <a:latin typeface="Segoe UI" panose="020B0502040204020203" pitchFamily="34" charset="0"/>
+                <a:cs typeface="Segoe UI" panose="020B0502040204020203" pitchFamily="34" charset="0"/>
+              </a:rPr>
+              <a:t>ứng</a:t>
+            </a:r>
+            <a:r>
+              <a:rPr lang="en-US" dirty="0">
+                <a:latin typeface="Segoe UI" panose="020B0502040204020203" pitchFamily="34" charset="0"/>
+                <a:cs typeface="Segoe UI" panose="020B0502040204020203" pitchFamily="34" charset="0"/>
+              </a:rPr>
+              <a:t> </a:t>
+            </a:r>
+            <a:r>
+              <a:rPr lang="en-US" dirty="0" err="1">
+                <a:latin typeface="Segoe UI" panose="020B0502040204020203" pitchFamily="34" charset="0"/>
+                <a:cs typeface="Segoe UI" panose="020B0502040204020203" pitchFamily="34" charset="0"/>
+              </a:rPr>
+              <a:t>với</a:t>
+            </a:r>
+            <a:r>
+              <a:rPr lang="en-US" dirty="0">
+                <a:latin typeface="Segoe UI" panose="020B0502040204020203" pitchFamily="34" charset="0"/>
+                <a:cs typeface="Segoe UI" panose="020B0502040204020203" pitchFamily="34" charset="0"/>
+              </a:rPr>
+              <a:t> </a:t>
+            </a:r>
+            <a:r>
+              <a:rPr lang="en-US" dirty="0" err="1">
+                <a:latin typeface="Segoe UI" panose="020B0502040204020203" pitchFamily="34" charset="0"/>
+                <a:cs typeface="Segoe UI" panose="020B0502040204020203" pitchFamily="34" charset="0"/>
+              </a:rPr>
+              <a:t>một</a:t>
+            </a:r>
+            <a:r>
+              <a:rPr lang="en-US" dirty="0">
+                <a:latin typeface="Segoe UI" panose="020B0502040204020203" pitchFamily="34" charset="0"/>
+                <a:cs typeface="Segoe UI" panose="020B0502040204020203" pitchFamily="34" charset="0"/>
+              </a:rPr>
+              <a:t> </a:t>
+            </a:r>
+            <a:r>
+              <a:rPr lang="en-US" dirty="0" err="1">
+                <a:latin typeface="Segoe UI" panose="020B0502040204020203" pitchFamily="34" charset="0"/>
+                <a:cs typeface="Segoe UI" panose="020B0502040204020203" pitchFamily="34" charset="0"/>
+              </a:rPr>
+              <a:t>câu</a:t>
+            </a:r>
+            <a:r>
+              <a:rPr lang="en-US" dirty="0">
+                <a:latin typeface="Segoe UI" panose="020B0502040204020203" pitchFamily="34" charset="0"/>
+                <a:cs typeface="Segoe UI" panose="020B0502040204020203" pitchFamily="34" charset="0"/>
+              </a:rPr>
+              <a:t>, </a:t>
+            </a:r>
+            <a:r>
+              <a:rPr lang="en-US" dirty="0" err="1">
+                <a:latin typeface="Segoe UI" panose="020B0502040204020203" pitchFamily="34" charset="0"/>
+                <a:cs typeface="Segoe UI" panose="020B0502040204020203" pitchFamily="34" charset="0"/>
+              </a:rPr>
+              <a:t>một</a:t>
+            </a:r>
+            <a:r>
+              <a:rPr lang="en-US" dirty="0">
+                <a:latin typeface="Segoe UI" panose="020B0502040204020203" pitchFamily="34" charset="0"/>
+                <a:cs typeface="Segoe UI" panose="020B0502040204020203" pitchFamily="34" charset="0"/>
+              </a:rPr>
+              <a:t> </a:t>
+            </a:r>
+            <a:r>
+              <a:rPr lang="en-US" dirty="0" err="1">
+                <a:latin typeface="Segoe UI" panose="020B0502040204020203" pitchFamily="34" charset="0"/>
+                <a:cs typeface="Segoe UI" panose="020B0502040204020203" pitchFamily="34" charset="0"/>
+              </a:rPr>
+              <a:t>cột</a:t>
+            </a:r>
+            <a:r>
+              <a:rPr lang="en-US" dirty="0">
+                <a:latin typeface="Segoe UI" panose="020B0502040204020203" pitchFamily="34" charset="0"/>
+                <a:cs typeface="Segoe UI" panose="020B0502040204020203" pitchFamily="34" charset="0"/>
+              </a:rPr>
+              <a:t> </a:t>
+            </a:r>
+            <a:r>
+              <a:rPr lang="en-US" dirty="0" err="1">
+                <a:latin typeface="Segoe UI" panose="020B0502040204020203" pitchFamily="34" charset="0"/>
+                <a:cs typeface="Segoe UI" panose="020B0502040204020203" pitchFamily="34" charset="0"/>
+              </a:rPr>
+              <a:t>ứng</a:t>
+            </a:r>
+            <a:r>
+              <a:rPr lang="en-US" dirty="0">
+                <a:latin typeface="Segoe UI" panose="020B0502040204020203" pitchFamily="34" charset="0"/>
+                <a:cs typeface="Segoe UI" panose="020B0502040204020203" pitchFamily="34" charset="0"/>
+              </a:rPr>
+              <a:t> </a:t>
+            </a:r>
+            <a:r>
+              <a:rPr lang="en-US" dirty="0" err="1">
+                <a:latin typeface="Segoe UI" panose="020B0502040204020203" pitchFamily="34" charset="0"/>
+                <a:cs typeface="Segoe UI" panose="020B0502040204020203" pitchFamily="34" charset="0"/>
+              </a:rPr>
+              <a:t>với</a:t>
+            </a:r>
+            <a:r>
+              <a:rPr lang="en-US" dirty="0">
+                <a:latin typeface="Segoe UI" panose="020B0502040204020203" pitchFamily="34" charset="0"/>
+                <a:cs typeface="Segoe UI" panose="020B0502040204020203" pitchFamily="34" charset="0"/>
+              </a:rPr>
+              <a:t> </a:t>
+            </a:r>
+            <a:r>
+              <a:rPr lang="en-US" dirty="0" err="1">
+                <a:latin typeface="Segoe UI" panose="020B0502040204020203" pitchFamily="34" charset="0"/>
+                <a:cs typeface="Segoe UI" panose="020B0502040204020203" pitchFamily="34" charset="0"/>
+              </a:rPr>
+              <a:t>một</a:t>
+            </a:r>
+            <a:r>
+              <a:rPr lang="en-US" dirty="0">
+                <a:latin typeface="Segoe UI" panose="020B0502040204020203" pitchFamily="34" charset="0"/>
+                <a:cs typeface="Segoe UI" panose="020B0502040204020203" pitchFamily="34" charset="0"/>
+              </a:rPr>
+              <a:t> </a:t>
+            </a:r>
+            <a:r>
+              <a:rPr lang="en-US" dirty="0" err="1">
+                <a:latin typeface="Segoe UI" panose="020B0502040204020203" pitchFamily="34" charset="0"/>
+                <a:cs typeface="Segoe UI" panose="020B0502040204020203" pitchFamily="34" charset="0"/>
+              </a:rPr>
+              <a:t>từ</a:t>
+            </a:r>
+            <a:r>
+              <a:rPr lang="en-US" dirty="0">
+                <a:latin typeface="Segoe UI" panose="020B0502040204020203" pitchFamily="34" charset="0"/>
+                <a:cs typeface="Segoe UI" panose="020B0502040204020203" pitchFamily="34" charset="0"/>
+              </a:rPr>
+              <a:t>, </a:t>
+            </a:r>
+            <a:r>
+              <a:rPr lang="en-US" dirty="0" err="1">
+                <a:latin typeface="Segoe UI" panose="020B0502040204020203" pitchFamily="34" charset="0"/>
+                <a:cs typeface="Segoe UI" panose="020B0502040204020203" pitchFamily="34" charset="0"/>
+              </a:rPr>
+              <a:t>từ</a:t>
+            </a:r>
+            <a:r>
+              <a:rPr lang="en-US" dirty="0">
+                <a:latin typeface="Segoe UI" panose="020B0502040204020203" pitchFamily="34" charset="0"/>
+                <a:cs typeface="Segoe UI" panose="020B0502040204020203" pitchFamily="34" charset="0"/>
+              </a:rPr>
+              <a:t> </a:t>
+            </a:r>
+            <a:r>
+              <a:rPr lang="en-US" dirty="0" err="1">
+                <a:latin typeface="Segoe UI" panose="020B0502040204020203" pitchFamily="34" charset="0"/>
+                <a:cs typeface="Segoe UI" panose="020B0502040204020203" pitchFamily="34" charset="0"/>
+              </a:rPr>
+              <a:t>nào</a:t>
+            </a:r>
+            <a:r>
+              <a:rPr lang="en-US" dirty="0">
+                <a:latin typeface="Segoe UI" panose="020B0502040204020203" pitchFamily="34" charset="0"/>
+                <a:cs typeface="Segoe UI" panose="020B0502040204020203" pitchFamily="34" charset="0"/>
+              </a:rPr>
+              <a:t> </a:t>
+            </a:r>
+            <a:r>
+              <a:rPr lang="en-US" dirty="0" err="1">
+                <a:latin typeface="Segoe UI" panose="020B0502040204020203" pitchFamily="34" charset="0"/>
+                <a:cs typeface="Segoe UI" panose="020B0502040204020203" pitchFamily="34" charset="0"/>
+              </a:rPr>
+              <a:t>có</a:t>
+            </a:r>
+            <a:r>
+              <a:rPr lang="en-US" dirty="0">
+                <a:latin typeface="Segoe UI" panose="020B0502040204020203" pitchFamily="34" charset="0"/>
+                <a:cs typeface="Segoe UI" panose="020B0502040204020203" pitchFamily="34" charset="0"/>
+              </a:rPr>
+              <a:t> </a:t>
+            </a:r>
+            <a:r>
+              <a:rPr lang="en-US" dirty="0" err="1">
+                <a:latin typeface="Segoe UI" panose="020B0502040204020203" pitchFamily="34" charset="0"/>
+                <a:cs typeface="Segoe UI" panose="020B0502040204020203" pitchFamily="34" charset="0"/>
+              </a:rPr>
+              <a:t>xuất</a:t>
+            </a:r>
+            <a:r>
+              <a:rPr lang="en-US" dirty="0">
+                <a:latin typeface="Segoe UI" panose="020B0502040204020203" pitchFamily="34" charset="0"/>
+                <a:cs typeface="Segoe UI" panose="020B0502040204020203" pitchFamily="34" charset="0"/>
+              </a:rPr>
+              <a:t> </a:t>
+            </a:r>
+            <a:r>
+              <a:rPr lang="en-US" dirty="0" err="1">
+                <a:latin typeface="Segoe UI" panose="020B0502040204020203" pitchFamily="34" charset="0"/>
+                <a:cs typeface="Segoe UI" panose="020B0502040204020203" pitchFamily="34" charset="0"/>
+              </a:rPr>
+              <a:t>hiện</a:t>
+            </a:r>
+            <a:r>
+              <a:rPr lang="en-US" dirty="0">
+                <a:latin typeface="Segoe UI" panose="020B0502040204020203" pitchFamily="34" charset="0"/>
+                <a:cs typeface="Segoe UI" panose="020B0502040204020203" pitchFamily="34" charset="0"/>
+              </a:rPr>
+              <a:t> </a:t>
+            </a:r>
+            <a:r>
+              <a:rPr lang="en-US" dirty="0" err="1">
+                <a:latin typeface="Segoe UI" panose="020B0502040204020203" pitchFamily="34" charset="0"/>
+                <a:cs typeface="Segoe UI" panose="020B0502040204020203" pitchFamily="34" charset="0"/>
+              </a:rPr>
+              <a:t>trong</a:t>
+            </a:r>
+            <a:r>
+              <a:rPr lang="en-US" dirty="0">
+                <a:latin typeface="Segoe UI" panose="020B0502040204020203" pitchFamily="34" charset="0"/>
+                <a:cs typeface="Segoe UI" panose="020B0502040204020203" pitchFamily="34" charset="0"/>
+              </a:rPr>
+              <a:t> </a:t>
+            </a:r>
+            <a:r>
+              <a:rPr lang="en-US" dirty="0" err="1">
+                <a:latin typeface="Segoe UI" panose="020B0502040204020203" pitchFamily="34" charset="0"/>
+                <a:cs typeface="Segoe UI" panose="020B0502040204020203" pitchFamily="34" charset="0"/>
+              </a:rPr>
+              <a:t>câu</a:t>
+            </a:r>
+            <a:r>
+              <a:rPr lang="en-US" dirty="0">
+                <a:latin typeface="Segoe UI" panose="020B0502040204020203" pitchFamily="34" charset="0"/>
+                <a:cs typeface="Segoe UI" panose="020B0502040204020203" pitchFamily="34" charset="0"/>
+              </a:rPr>
+              <a:t> </a:t>
+            </a:r>
+            <a:r>
+              <a:rPr lang="en-US" dirty="0" err="1">
+                <a:latin typeface="Segoe UI" panose="020B0502040204020203" pitchFamily="34" charset="0"/>
+                <a:cs typeface="Segoe UI" panose="020B0502040204020203" pitchFamily="34" charset="0"/>
+              </a:rPr>
+              <a:t>thì</a:t>
+            </a:r>
+            <a:r>
+              <a:rPr lang="en-US" dirty="0">
+                <a:latin typeface="Segoe UI" panose="020B0502040204020203" pitchFamily="34" charset="0"/>
+                <a:cs typeface="Segoe UI" panose="020B0502040204020203" pitchFamily="34" charset="0"/>
+              </a:rPr>
+              <a:t> </a:t>
+            </a:r>
+            <a:r>
+              <a:rPr lang="en-US" dirty="0" err="1">
+                <a:latin typeface="Segoe UI" panose="020B0502040204020203" pitchFamily="34" charset="0"/>
+                <a:cs typeface="Segoe UI" panose="020B0502040204020203" pitchFamily="34" charset="0"/>
+              </a:rPr>
+              <a:t>cột</a:t>
+            </a:r>
+            <a:r>
+              <a:rPr lang="en-US" dirty="0">
+                <a:latin typeface="Segoe UI" panose="020B0502040204020203" pitchFamily="34" charset="0"/>
+                <a:cs typeface="Segoe UI" panose="020B0502040204020203" pitchFamily="34" charset="0"/>
+              </a:rPr>
+              <a:t> </a:t>
+            </a:r>
+            <a:r>
+              <a:rPr lang="en-US" dirty="0" err="1">
+                <a:latin typeface="Segoe UI" panose="020B0502040204020203" pitchFamily="34" charset="0"/>
+                <a:cs typeface="Segoe UI" panose="020B0502040204020203" pitchFamily="34" charset="0"/>
+              </a:rPr>
+              <a:t>đó</a:t>
+            </a:r>
+            <a:r>
+              <a:rPr lang="en-US" dirty="0">
+                <a:latin typeface="Segoe UI" panose="020B0502040204020203" pitchFamily="34" charset="0"/>
+                <a:cs typeface="Segoe UI" panose="020B0502040204020203" pitchFamily="34" charset="0"/>
+              </a:rPr>
+              <a:t> </a:t>
+            </a:r>
+            <a:r>
+              <a:rPr lang="en-US" dirty="0" err="1">
+                <a:latin typeface="Segoe UI" panose="020B0502040204020203" pitchFamily="34" charset="0"/>
+                <a:cs typeface="Segoe UI" panose="020B0502040204020203" pitchFamily="34" charset="0"/>
+              </a:rPr>
+              <a:t>có</a:t>
+            </a:r>
+            <a:r>
+              <a:rPr lang="en-US" dirty="0">
+                <a:latin typeface="Segoe UI" panose="020B0502040204020203" pitchFamily="34" charset="0"/>
+                <a:cs typeface="Segoe UI" panose="020B0502040204020203" pitchFamily="34" charset="0"/>
+              </a:rPr>
+              <a:t> </a:t>
+            </a:r>
+            <a:r>
+              <a:rPr lang="en-US" dirty="0" err="1">
+                <a:latin typeface="Segoe UI" panose="020B0502040204020203" pitchFamily="34" charset="0"/>
+                <a:cs typeface="Segoe UI" panose="020B0502040204020203" pitchFamily="34" charset="0"/>
+              </a:rPr>
+              <a:t>giá</a:t>
+            </a:r>
+            <a:r>
+              <a:rPr lang="en-US" dirty="0">
+                <a:latin typeface="Segoe UI" panose="020B0502040204020203" pitchFamily="34" charset="0"/>
+                <a:cs typeface="Segoe UI" panose="020B0502040204020203" pitchFamily="34" charset="0"/>
+              </a:rPr>
+              <a:t> </a:t>
+            </a:r>
+            <a:r>
+              <a:rPr lang="en-US" dirty="0" err="1">
+                <a:latin typeface="Segoe UI" panose="020B0502040204020203" pitchFamily="34" charset="0"/>
+                <a:cs typeface="Segoe UI" panose="020B0502040204020203" pitchFamily="34" charset="0"/>
+              </a:rPr>
+              <a:t>trị</a:t>
+            </a:r>
+            <a:r>
+              <a:rPr lang="en-US" dirty="0">
+                <a:latin typeface="Segoe UI" panose="020B0502040204020203" pitchFamily="34" charset="0"/>
+                <a:cs typeface="Segoe UI" panose="020B0502040204020203" pitchFamily="34" charset="0"/>
+              </a:rPr>
+              <a:t> 1, ng</a:t>
+            </a:r>
+            <a:r>
+              <a:rPr lang="vi-VN" dirty="0">
+                <a:latin typeface="Segoe UI" panose="020B0502040204020203" pitchFamily="34" charset="0"/>
+                <a:cs typeface="Segoe UI" panose="020B0502040204020203" pitchFamily="34" charset="0"/>
+              </a:rPr>
+              <a:t>ư</a:t>
+            </a:r>
+            <a:r>
+              <a:rPr lang="en-US" dirty="0" err="1">
+                <a:latin typeface="Segoe UI" panose="020B0502040204020203" pitchFamily="34" charset="0"/>
+                <a:cs typeface="Segoe UI" panose="020B0502040204020203" pitchFamily="34" charset="0"/>
+              </a:rPr>
+              <a:t>ợc</a:t>
+            </a:r>
+            <a:r>
+              <a:rPr lang="en-US" dirty="0">
+                <a:latin typeface="Segoe UI" panose="020B0502040204020203" pitchFamily="34" charset="0"/>
+                <a:cs typeface="Segoe UI" panose="020B0502040204020203" pitchFamily="34" charset="0"/>
+              </a:rPr>
+              <a:t> </a:t>
+            </a:r>
+            <a:r>
+              <a:rPr lang="en-US" dirty="0" err="1">
+                <a:latin typeface="Segoe UI" panose="020B0502040204020203" pitchFamily="34" charset="0"/>
+                <a:cs typeface="Segoe UI" panose="020B0502040204020203" pitchFamily="34" charset="0"/>
+              </a:rPr>
+              <a:t>lại</a:t>
+            </a:r>
+            <a:r>
+              <a:rPr lang="en-US" dirty="0">
+                <a:latin typeface="Segoe UI" panose="020B0502040204020203" pitchFamily="34" charset="0"/>
+                <a:cs typeface="Segoe UI" panose="020B0502040204020203" pitchFamily="34" charset="0"/>
+              </a:rPr>
+              <a:t> </a:t>
+            </a:r>
+            <a:r>
+              <a:rPr lang="en-US" dirty="0" err="1">
+                <a:latin typeface="Segoe UI" panose="020B0502040204020203" pitchFamily="34" charset="0"/>
+                <a:cs typeface="Segoe UI" panose="020B0502040204020203" pitchFamily="34" charset="0"/>
+              </a:rPr>
+              <a:t>không</a:t>
+            </a:r>
+            <a:r>
+              <a:rPr lang="en-US" dirty="0">
+                <a:latin typeface="Segoe UI" panose="020B0502040204020203" pitchFamily="34" charset="0"/>
+                <a:cs typeface="Segoe UI" panose="020B0502040204020203" pitchFamily="34" charset="0"/>
+              </a:rPr>
+              <a:t> </a:t>
+            </a:r>
+            <a:r>
+              <a:rPr lang="en-US" dirty="0" err="1">
+                <a:latin typeface="Segoe UI" panose="020B0502040204020203" pitchFamily="34" charset="0"/>
+                <a:cs typeface="Segoe UI" panose="020B0502040204020203" pitchFamily="34" charset="0"/>
+              </a:rPr>
+              <a:t>có</a:t>
+            </a:r>
+            <a:r>
+              <a:rPr lang="en-US" dirty="0">
+                <a:latin typeface="Segoe UI" panose="020B0502040204020203" pitchFamily="34" charset="0"/>
+                <a:cs typeface="Segoe UI" panose="020B0502040204020203" pitchFamily="34" charset="0"/>
+              </a:rPr>
+              <a:t> </a:t>
+            </a:r>
+            <a:r>
+              <a:rPr lang="en-US" dirty="0" err="1">
+                <a:latin typeface="Segoe UI" panose="020B0502040204020203" pitchFamily="34" charset="0"/>
+                <a:cs typeface="Segoe UI" panose="020B0502040204020203" pitchFamily="34" charset="0"/>
+              </a:rPr>
+              <a:t>thì</a:t>
+            </a:r>
+            <a:r>
+              <a:rPr lang="en-US" dirty="0">
+                <a:latin typeface="Segoe UI" panose="020B0502040204020203" pitchFamily="34" charset="0"/>
+                <a:cs typeface="Segoe UI" panose="020B0502040204020203" pitchFamily="34" charset="0"/>
+              </a:rPr>
+              <a:t> </a:t>
+            </a:r>
+            <a:r>
+              <a:rPr lang="en-US" dirty="0" err="1">
+                <a:latin typeface="Segoe UI" panose="020B0502040204020203" pitchFamily="34" charset="0"/>
+                <a:cs typeface="Segoe UI" panose="020B0502040204020203" pitchFamily="34" charset="0"/>
+              </a:rPr>
+              <a:t>là</a:t>
+            </a:r>
+            <a:r>
+              <a:rPr lang="en-US" dirty="0">
+                <a:latin typeface="Segoe UI" panose="020B0502040204020203" pitchFamily="34" charset="0"/>
+                <a:cs typeface="Segoe UI" panose="020B0502040204020203" pitchFamily="34" charset="0"/>
+              </a:rPr>
+              <a:t> 0</a:t>
+            </a:r>
+          </a:p>
+          <a:p>
+            <a:pPr lvl="1"/>
+            <a:r>
+              <a:rPr lang="en-US" dirty="0" err="1">
+                <a:latin typeface="Segoe UI" panose="020B0502040204020203" pitchFamily="34" charset="0"/>
+                <a:cs typeface="Segoe UI" panose="020B0502040204020203" pitchFamily="34" charset="0"/>
+              </a:rPr>
+              <a:t>Cách</a:t>
+            </a:r>
+            <a:r>
+              <a:rPr lang="en-US" dirty="0">
+                <a:latin typeface="Segoe UI" panose="020B0502040204020203" pitchFamily="34" charset="0"/>
+                <a:cs typeface="Segoe UI" panose="020B0502040204020203" pitchFamily="34" charset="0"/>
+              </a:rPr>
+              <a:t> </a:t>
+            </a:r>
+            <a:r>
+              <a:rPr lang="en-US" dirty="0" err="1">
+                <a:latin typeface="Segoe UI" panose="020B0502040204020203" pitchFamily="34" charset="0"/>
+                <a:cs typeface="Segoe UI" panose="020B0502040204020203" pitchFamily="34" charset="0"/>
+              </a:rPr>
+              <a:t>thực</a:t>
+            </a:r>
+            <a:r>
+              <a:rPr lang="en-US" dirty="0">
+                <a:latin typeface="Segoe UI" panose="020B0502040204020203" pitchFamily="34" charset="0"/>
+                <a:cs typeface="Segoe UI" panose="020B0502040204020203" pitchFamily="34" charset="0"/>
+              </a:rPr>
+              <a:t> </a:t>
+            </a:r>
+            <a:r>
+              <a:rPr lang="en-US" dirty="0" err="1">
+                <a:latin typeface="Segoe UI" panose="020B0502040204020203" pitchFamily="34" charset="0"/>
+                <a:cs typeface="Segoe UI" panose="020B0502040204020203" pitchFamily="34" charset="0"/>
+              </a:rPr>
+              <a:t>hiện</a:t>
+            </a:r>
+            <a:r>
+              <a:rPr lang="en-US" dirty="0">
+                <a:latin typeface="Segoe UI" panose="020B0502040204020203" pitchFamily="34" charset="0"/>
+                <a:cs typeface="Segoe UI" panose="020B0502040204020203" pitchFamily="34" charset="0"/>
+              </a:rPr>
+              <a:t>:</a:t>
+            </a:r>
+          </a:p>
+          <a:p>
+            <a:pPr lvl="2"/>
+            <a:r>
+              <a:rPr lang="en-US" dirty="0" err="1">
+                <a:latin typeface="Segoe UI" panose="020B0502040204020203" pitchFamily="34" charset="0"/>
+                <a:cs typeface="Segoe UI" panose="020B0502040204020203" pitchFamily="34" charset="0"/>
+              </a:rPr>
+              <a:t>Khởi</a:t>
+            </a:r>
+            <a:r>
+              <a:rPr lang="en-US" dirty="0">
+                <a:latin typeface="Segoe UI" panose="020B0502040204020203" pitchFamily="34" charset="0"/>
+                <a:cs typeface="Segoe UI" panose="020B0502040204020203" pitchFamily="34" charset="0"/>
+              </a:rPr>
+              <a:t> </a:t>
+            </a:r>
+            <a:r>
+              <a:rPr lang="en-US" dirty="0" err="1">
+                <a:latin typeface="Segoe UI" panose="020B0502040204020203" pitchFamily="34" charset="0"/>
+                <a:cs typeface="Segoe UI" panose="020B0502040204020203" pitchFamily="34" charset="0"/>
+              </a:rPr>
+              <a:t>tạo</a:t>
+            </a:r>
+            <a:r>
+              <a:rPr lang="en-US" dirty="0">
+                <a:latin typeface="Segoe UI" panose="020B0502040204020203" pitchFamily="34" charset="0"/>
+                <a:cs typeface="Segoe UI" panose="020B0502040204020203" pitchFamily="34" charset="0"/>
+              </a:rPr>
+              <a:t> matrix </a:t>
+            </a:r>
+            <a:r>
+              <a:rPr lang="en-US" dirty="0" err="1">
+                <a:latin typeface="Segoe UI" panose="020B0502040204020203" pitchFamily="34" charset="0"/>
+                <a:cs typeface="Segoe UI" panose="020B0502040204020203" pitchFamily="34" charset="0"/>
+              </a:rPr>
+              <a:t>chỉ</a:t>
+            </a:r>
+            <a:r>
+              <a:rPr lang="en-US" dirty="0">
+                <a:latin typeface="Segoe UI" panose="020B0502040204020203" pitchFamily="34" charset="0"/>
+                <a:cs typeface="Segoe UI" panose="020B0502040204020203" pitchFamily="34" charset="0"/>
+              </a:rPr>
+              <a:t> </a:t>
+            </a:r>
+            <a:r>
+              <a:rPr lang="en-US" dirty="0" err="1">
+                <a:latin typeface="Segoe UI" panose="020B0502040204020203" pitchFamily="34" charset="0"/>
+                <a:cs typeface="Segoe UI" panose="020B0502040204020203" pitchFamily="34" charset="0"/>
+              </a:rPr>
+              <a:t>toàn</a:t>
+            </a:r>
+            <a:r>
+              <a:rPr lang="en-US" dirty="0">
+                <a:latin typeface="Segoe UI" panose="020B0502040204020203" pitchFamily="34" charset="0"/>
+                <a:cs typeface="Segoe UI" panose="020B0502040204020203" pitchFamily="34" charset="0"/>
+              </a:rPr>
+              <a:t> </a:t>
+            </a:r>
+            <a:r>
+              <a:rPr lang="en-US" dirty="0" err="1">
+                <a:latin typeface="Segoe UI" panose="020B0502040204020203" pitchFamily="34" charset="0"/>
+                <a:cs typeface="Segoe UI" panose="020B0502040204020203" pitchFamily="34" charset="0"/>
+              </a:rPr>
+              <a:t>số</a:t>
+            </a:r>
+            <a:r>
+              <a:rPr lang="en-US" dirty="0">
+                <a:latin typeface="Segoe UI" panose="020B0502040204020203" pitchFamily="34" charset="0"/>
+                <a:cs typeface="Segoe UI" panose="020B0502040204020203" pitchFamily="34" charset="0"/>
+              </a:rPr>
+              <a:t> 0, </a:t>
+            </a:r>
+            <a:r>
+              <a:rPr lang="en-US" dirty="0" err="1">
+                <a:latin typeface="Segoe UI" panose="020B0502040204020203" pitchFamily="34" charset="0"/>
+                <a:cs typeface="Segoe UI" panose="020B0502040204020203" pitchFamily="34" charset="0"/>
+              </a:rPr>
+              <a:t>số</a:t>
+            </a:r>
+            <a:r>
+              <a:rPr lang="en-US" dirty="0">
+                <a:latin typeface="Segoe UI" panose="020B0502040204020203" pitchFamily="34" charset="0"/>
+                <a:cs typeface="Segoe UI" panose="020B0502040204020203" pitchFamily="34" charset="0"/>
+              </a:rPr>
+              <a:t> </a:t>
+            </a:r>
+            <a:r>
+              <a:rPr lang="en-US" dirty="0" err="1">
+                <a:latin typeface="Segoe UI" panose="020B0502040204020203" pitchFamily="34" charset="0"/>
+                <a:cs typeface="Segoe UI" panose="020B0502040204020203" pitchFamily="34" charset="0"/>
+              </a:rPr>
+              <a:t>dòng</a:t>
+            </a:r>
+            <a:r>
+              <a:rPr lang="en-US" dirty="0">
+                <a:latin typeface="Segoe UI" panose="020B0502040204020203" pitchFamily="34" charset="0"/>
+                <a:cs typeface="Segoe UI" panose="020B0502040204020203" pitchFamily="34" charset="0"/>
+              </a:rPr>
+              <a:t> </a:t>
+            </a:r>
+            <a:r>
+              <a:rPr lang="en-US" dirty="0" err="1">
+                <a:latin typeface="Segoe UI" panose="020B0502040204020203" pitchFamily="34" charset="0"/>
+                <a:cs typeface="Segoe UI" panose="020B0502040204020203" pitchFamily="34" charset="0"/>
+              </a:rPr>
+              <a:t>là</a:t>
+            </a:r>
+            <a:r>
+              <a:rPr lang="en-US" dirty="0">
+                <a:latin typeface="Segoe UI" panose="020B0502040204020203" pitchFamily="34" charset="0"/>
+                <a:cs typeface="Segoe UI" panose="020B0502040204020203" pitchFamily="34" charset="0"/>
+              </a:rPr>
+              <a:t> </a:t>
+            </a:r>
+            <a:r>
+              <a:rPr lang="en-US" dirty="0" err="1">
+                <a:latin typeface="Segoe UI" panose="020B0502040204020203" pitchFamily="34" charset="0"/>
+                <a:cs typeface="Segoe UI" panose="020B0502040204020203" pitchFamily="34" charset="0"/>
+              </a:rPr>
+              <a:t>số</a:t>
+            </a:r>
+            <a:r>
+              <a:rPr lang="en-US" dirty="0">
+                <a:latin typeface="Segoe UI" panose="020B0502040204020203" pitchFamily="34" charset="0"/>
+                <a:cs typeface="Segoe UI" panose="020B0502040204020203" pitchFamily="34" charset="0"/>
+              </a:rPr>
+              <a:t> </a:t>
+            </a:r>
+            <a:r>
+              <a:rPr lang="en-US" dirty="0" err="1">
+                <a:latin typeface="Segoe UI" panose="020B0502040204020203" pitchFamily="34" charset="0"/>
+                <a:cs typeface="Segoe UI" panose="020B0502040204020203" pitchFamily="34" charset="0"/>
+              </a:rPr>
+              <a:t>câu</a:t>
+            </a:r>
+            <a:r>
+              <a:rPr lang="en-US" dirty="0">
+                <a:latin typeface="Segoe UI" panose="020B0502040204020203" pitchFamily="34" charset="0"/>
+                <a:cs typeface="Segoe UI" panose="020B0502040204020203" pitchFamily="34" charset="0"/>
+              </a:rPr>
+              <a:t> </a:t>
+            </a:r>
+            <a:r>
+              <a:rPr lang="en-US" dirty="0" err="1">
+                <a:latin typeface="Segoe UI" panose="020B0502040204020203" pitchFamily="34" charset="0"/>
+                <a:cs typeface="Segoe UI" panose="020B0502040204020203" pitchFamily="34" charset="0"/>
+              </a:rPr>
+              <a:t>hỏi</a:t>
+            </a:r>
+            <a:r>
+              <a:rPr lang="en-US" dirty="0">
+                <a:latin typeface="Segoe UI" panose="020B0502040204020203" pitchFamily="34" charset="0"/>
+                <a:cs typeface="Segoe UI" panose="020B0502040204020203" pitchFamily="34" charset="0"/>
+              </a:rPr>
+              <a:t>, </a:t>
+            </a:r>
+            <a:r>
+              <a:rPr lang="en-US" dirty="0" err="1">
+                <a:latin typeface="Segoe UI" panose="020B0502040204020203" pitchFamily="34" charset="0"/>
+                <a:cs typeface="Segoe UI" panose="020B0502040204020203" pitchFamily="34" charset="0"/>
+              </a:rPr>
+              <a:t>số</a:t>
+            </a:r>
+            <a:r>
+              <a:rPr lang="en-US" dirty="0">
+                <a:latin typeface="Segoe UI" panose="020B0502040204020203" pitchFamily="34" charset="0"/>
+                <a:cs typeface="Segoe UI" panose="020B0502040204020203" pitchFamily="34" charset="0"/>
+              </a:rPr>
+              <a:t> </a:t>
+            </a:r>
+            <a:r>
+              <a:rPr lang="en-US" dirty="0" err="1">
+                <a:latin typeface="Segoe UI" panose="020B0502040204020203" pitchFamily="34" charset="0"/>
+                <a:cs typeface="Segoe UI" panose="020B0502040204020203" pitchFamily="34" charset="0"/>
+              </a:rPr>
+              <a:t>cột</a:t>
+            </a:r>
+            <a:r>
+              <a:rPr lang="en-US" dirty="0">
+                <a:latin typeface="Segoe UI" panose="020B0502040204020203" pitchFamily="34" charset="0"/>
+                <a:cs typeface="Segoe UI" panose="020B0502040204020203" pitchFamily="34" charset="0"/>
+              </a:rPr>
+              <a:t> </a:t>
+            </a:r>
+            <a:r>
+              <a:rPr lang="en-US" dirty="0" err="1">
+                <a:latin typeface="Segoe UI" panose="020B0502040204020203" pitchFamily="34" charset="0"/>
+                <a:cs typeface="Segoe UI" panose="020B0502040204020203" pitchFamily="34" charset="0"/>
+              </a:rPr>
+              <a:t>là</a:t>
+            </a:r>
+            <a:r>
+              <a:rPr lang="en-US" dirty="0">
+                <a:latin typeface="Segoe UI" panose="020B0502040204020203" pitchFamily="34" charset="0"/>
+                <a:cs typeface="Segoe UI" panose="020B0502040204020203" pitchFamily="34" charset="0"/>
+              </a:rPr>
+              <a:t> </a:t>
+            </a:r>
+            <a:r>
+              <a:rPr lang="en-US" dirty="0" err="1">
+                <a:latin typeface="Segoe UI" panose="020B0502040204020203" pitchFamily="34" charset="0"/>
+                <a:cs typeface="Segoe UI" panose="020B0502040204020203" pitchFamily="34" charset="0"/>
+              </a:rPr>
+              <a:t>số</a:t>
+            </a:r>
+            <a:r>
+              <a:rPr lang="en-US" dirty="0">
+                <a:latin typeface="Segoe UI" panose="020B0502040204020203" pitchFamily="34" charset="0"/>
+                <a:cs typeface="Segoe UI" panose="020B0502040204020203" pitchFamily="34" charset="0"/>
+              </a:rPr>
+              <a:t> l</a:t>
+            </a:r>
+            <a:r>
+              <a:rPr lang="vi-VN" dirty="0">
+                <a:latin typeface="Segoe UI" panose="020B0502040204020203" pitchFamily="34" charset="0"/>
+                <a:cs typeface="Segoe UI" panose="020B0502040204020203" pitchFamily="34" charset="0"/>
+              </a:rPr>
+              <a:t>ư</a:t>
+            </a:r>
+            <a:r>
+              <a:rPr lang="en-US" dirty="0" err="1">
+                <a:latin typeface="Segoe UI" panose="020B0502040204020203" pitchFamily="34" charset="0"/>
+                <a:cs typeface="Segoe UI" panose="020B0502040204020203" pitchFamily="34" charset="0"/>
+              </a:rPr>
+              <a:t>ợng</a:t>
+            </a:r>
+            <a:r>
+              <a:rPr lang="en-US" dirty="0">
+                <a:latin typeface="Segoe UI" panose="020B0502040204020203" pitchFamily="34" charset="0"/>
+                <a:cs typeface="Segoe UI" panose="020B0502040204020203" pitchFamily="34" charset="0"/>
+              </a:rPr>
+              <a:t> </a:t>
+            </a:r>
+            <a:r>
+              <a:rPr lang="en-US" dirty="0" err="1">
+                <a:latin typeface="Segoe UI" panose="020B0502040204020203" pitchFamily="34" charset="0"/>
+                <a:cs typeface="Segoe UI" panose="020B0502040204020203" pitchFamily="34" charset="0"/>
+              </a:rPr>
+              <a:t>từ</a:t>
+            </a:r>
+            <a:r>
+              <a:rPr lang="en-US" dirty="0">
+                <a:latin typeface="Segoe UI" panose="020B0502040204020203" pitchFamily="34" charset="0"/>
+                <a:cs typeface="Segoe UI" panose="020B0502040204020203" pitchFamily="34" charset="0"/>
+              </a:rPr>
+              <a:t> đ</a:t>
+            </a:r>
+            <a:r>
+              <a:rPr lang="vi-VN" dirty="0">
+                <a:latin typeface="Segoe UI" panose="020B0502040204020203" pitchFamily="34" charset="0"/>
+                <a:cs typeface="Segoe UI" panose="020B0502040204020203" pitchFamily="34" charset="0"/>
+              </a:rPr>
+              <a:t>ư</a:t>
+            </a:r>
+            <a:r>
+              <a:rPr lang="en-US" dirty="0" err="1">
+                <a:latin typeface="Segoe UI" panose="020B0502040204020203" pitchFamily="34" charset="0"/>
+                <a:cs typeface="Segoe UI" panose="020B0502040204020203" pitchFamily="34" charset="0"/>
+              </a:rPr>
+              <a:t>ợc</a:t>
+            </a:r>
+            <a:r>
+              <a:rPr lang="en-US" dirty="0">
+                <a:latin typeface="Segoe UI" panose="020B0502040204020203" pitchFamily="34" charset="0"/>
+                <a:cs typeface="Segoe UI" panose="020B0502040204020203" pitchFamily="34" charset="0"/>
+              </a:rPr>
+              <a:t> </a:t>
+            </a:r>
+            <a:r>
+              <a:rPr lang="en-US" dirty="0" err="1">
+                <a:latin typeface="Segoe UI" panose="020B0502040204020203" pitchFamily="34" charset="0"/>
+                <a:cs typeface="Segoe UI" panose="020B0502040204020203" pitchFamily="34" charset="0"/>
+              </a:rPr>
+              <a:t>chọn</a:t>
+            </a:r>
+            <a:r>
+              <a:rPr lang="en-US" dirty="0">
+                <a:latin typeface="Segoe UI" panose="020B0502040204020203" pitchFamily="34" charset="0"/>
+                <a:cs typeface="Segoe UI" panose="020B0502040204020203" pitchFamily="34" charset="0"/>
+              </a:rPr>
+              <a:t> ở b</a:t>
+            </a:r>
+            <a:r>
+              <a:rPr lang="vi-VN" dirty="0">
+                <a:latin typeface="Segoe UI" panose="020B0502040204020203" pitchFamily="34" charset="0"/>
+                <a:cs typeface="Segoe UI" panose="020B0502040204020203" pitchFamily="34" charset="0"/>
+              </a:rPr>
+              <a:t>ư</a:t>
+            </a:r>
+            <a:r>
+              <a:rPr lang="en-US" dirty="0" err="1">
+                <a:latin typeface="Segoe UI" panose="020B0502040204020203" pitchFamily="34" charset="0"/>
+                <a:cs typeface="Segoe UI" panose="020B0502040204020203" pitchFamily="34" charset="0"/>
+              </a:rPr>
+              <a:t>ớc</a:t>
+            </a:r>
+            <a:r>
+              <a:rPr lang="en-US" dirty="0">
+                <a:latin typeface="Segoe UI" panose="020B0502040204020203" pitchFamily="34" charset="0"/>
+                <a:cs typeface="Segoe UI" panose="020B0502040204020203" pitchFamily="34" charset="0"/>
+              </a:rPr>
+              <a:t> fit</a:t>
+            </a:r>
+          </a:p>
+          <a:p>
+            <a:pPr lvl="2"/>
+            <a:r>
+              <a:rPr lang="en-US" dirty="0" err="1">
+                <a:latin typeface="Segoe UI" panose="020B0502040204020203" pitchFamily="34" charset="0"/>
+                <a:cs typeface="Segoe UI" panose="020B0502040204020203" pitchFamily="34" charset="0"/>
+              </a:rPr>
+              <a:t>Duyệt</a:t>
+            </a:r>
+            <a:r>
+              <a:rPr lang="en-US" dirty="0">
+                <a:latin typeface="Segoe UI" panose="020B0502040204020203" pitchFamily="34" charset="0"/>
+                <a:cs typeface="Segoe UI" panose="020B0502040204020203" pitchFamily="34" charset="0"/>
+              </a:rPr>
+              <a:t> </a:t>
+            </a:r>
+            <a:r>
+              <a:rPr lang="en-US" dirty="0" err="1">
+                <a:latin typeface="Segoe UI" panose="020B0502040204020203" pitchFamily="34" charset="0"/>
+                <a:cs typeface="Segoe UI" panose="020B0502040204020203" pitchFamily="34" charset="0"/>
+              </a:rPr>
+              <a:t>từng</a:t>
+            </a:r>
+            <a:r>
+              <a:rPr lang="en-US" dirty="0">
+                <a:latin typeface="Segoe UI" panose="020B0502040204020203" pitchFamily="34" charset="0"/>
+                <a:cs typeface="Segoe UI" panose="020B0502040204020203" pitchFamily="34" charset="0"/>
+              </a:rPr>
+              <a:t> </a:t>
+            </a:r>
+            <a:r>
+              <a:rPr lang="en-US" dirty="0" err="1">
+                <a:latin typeface="Segoe UI" panose="020B0502040204020203" pitchFamily="34" charset="0"/>
+                <a:cs typeface="Segoe UI" panose="020B0502040204020203" pitchFamily="34" charset="0"/>
+              </a:rPr>
+              <a:t>câu</a:t>
+            </a:r>
+            <a:endParaRPr lang="en-US" dirty="0">
+              <a:latin typeface="Segoe UI" panose="020B0502040204020203" pitchFamily="34" charset="0"/>
+              <a:cs typeface="Segoe UI" panose="020B0502040204020203" pitchFamily="34" charset="0"/>
+            </a:endParaRPr>
+          </a:p>
+          <a:p>
+            <a:pPr lvl="2"/>
+            <a:r>
+              <a:rPr lang="en-US" dirty="0" err="1">
+                <a:latin typeface="Segoe UI" panose="020B0502040204020203" pitchFamily="34" charset="0"/>
+                <a:cs typeface="Segoe UI" panose="020B0502040204020203" pitchFamily="34" charset="0"/>
+              </a:rPr>
+              <a:t>Tách</a:t>
+            </a:r>
+            <a:r>
+              <a:rPr lang="en-US" dirty="0">
+                <a:latin typeface="Segoe UI" panose="020B0502040204020203" pitchFamily="34" charset="0"/>
+                <a:cs typeface="Segoe UI" panose="020B0502040204020203" pitchFamily="34" charset="0"/>
+              </a:rPr>
+              <a:t> </a:t>
+            </a:r>
+            <a:r>
+              <a:rPr lang="en-US" dirty="0" err="1">
+                <a:latin typeface="Segoe UI" panose="020B0502040204020203" pitchFamily="34" charset="0"/>
+                <a:cs typeface="Segoe UI" panose="020B0502040204020203" pitchFamily="34" charset="0"/>
+              </a:rPr>
+              <a:t>các</a:t>
+            </a:r>
+            <a:r>
+              <a:rPr lang="en-US" dirty="0">
+                <a:latin typeface="Segoe UI" panose="020B0502040204020203" pitchFamily="34" charset="0"/>
+                <a:cs typeface="Segoe UI" panose="020B0502040204020203" pitchFamily="34" charset="0"/>
+              </a:rPr>
+              <a:t> </a:t>
+            </a:r>
+            <a:r>
+              <a:rPr lang="en-US" dirty="0" err="1">
+                <a:latin typeface="Segoe UI" panose="020B0502040204020203" pitchFamily="34" charset="0"/>
+                <a:cs typeface="Segoe UI" panose="020B0502040204020203" pitchFamily="34" charset="0"/>
+              </a:rPr>
+              <a:t>từ</a:t>
+            </a:r>
+            <a:r>
+              <a:rPr lang="en-US" dirty="0">
+                <a:latin typeface="Segoe UI" panose="020B0502040204020203" pitchFamily="34" charset="0"/>
+                <a:cs typeface="Segoe UI" panose="020B0502040204020203" pitchFamily="34" charset="0"/>
+              </a:rPr>
+              <a:t> </a:t>
+            </a:r>
+            <a:r>
+              <a:rPr lang="en-US" dirty="0" err="1">
+                <a:latin typeface="Segoe UI" panose="020B0502040204020203" pitchFamily="34" charset="0"/>
+                <a:cs typeface="Segoe UI" panose="020B0502040204020203" pitchFamily="34" charset="0"/>
+              </a:rPr>
+              <a:t>trong</a:t>
+            </a:r>
+            <a:r>
+              <a:rPr lang="en-US" dirty="0">
+                <a:latin typeface="Segoe UI" panose="020B0502040204020203" pitchFamily="34" charset="0"/>
+                <a:cs typeface="Segoe UI" panose="020B0502040204020203" pitchFamily="34" charset="0"/>
+              </a:rPr>
+              <a:t> </a:t>
+            </a:r>
+            <a:r>
+              <a:rPr lang="en-US" dirty="0" err="1">
+                <a:latin typeface="Segoe UI" panose="020B0502040204020203" pitchFamily="34" charset="0"/>
+                <a:cs typeface="Segoe UI" panose="020B0502040204020203" pitchFamily="34" charset="0"/>
+              </a:rPr>
+              <a:t>câu</a:t>
+            </a:r>
+            <a:r>
+              <a:rPr lang="en-US" dirty="0">
+                <a:latin typeface="Segoe UI" panose="020B0502040204020203" pitchFamily="34" charset="0"/>
+                <a:cs typeface="Segoe UI" panose="020B0502040204020203" pitchFamily="34" charset="0"/>
+              </a:rPr>
+              <a:t>, </a:t>
+            </a:r>
+            <a:r>
+              <a:rPr lang="en-US" dirty="0" err="1">
+                <a:latin typeface="Segoe UI" panose="020B0502040204020203" pitchFamily="34" charset="0"/>
+                <a:cs typeface="Segoe UI" panose="020B0502040204020203" pitchFamily="34" charset="0"/>
+              </a:rPr>
+              <a:t>phân</a:t>
+            </a:r>
+            <a:r>
+              <a:rPr lang="en-US" dirty="0">
+                <a:latin typeface="Segoe UI" panose="020B0502040204020203" pitchFamily="34" charset="0"/>
+                <a:cs typeface="Segoe UI" panose="020B0502040204020203" pitchFamily="34" charset="0"/>
+              </a:rPr>
+              <a:t> </a:t>
+            </a:r>
+            <a:r>
+              <a:rPr lang="en-US" dirty="0" err="1">
+                <a:latin typeface="Segoe UI" panose="020B0502040204020203" pitchFamily="34" charset="0"/>
+                <a:cs typeface="Segoe UI" panose="020B0502040204020203" pitchFamily="34" charset="0"/>
+              </a:rPr>
+              <a:t>cách</a:t>
+            </a:r>
+            <a:r>
+              <a:rPr lang="en-US" dirty="0">
+                <a:latin typeface="Segoe UI" panose="020B0502040204020203" pitchFamily="34" charset="0"/>
+                <a:cs typeface="Segoe UI" panose="020B0502040204020203" pitchFamily="34" charset="0"/>
+              </a:rPr>
+              <a:t> </a:t>
+            </a:r>
+            <a:r>
+              <a:rPr lang="en-US" dirty="0" err="1">
+                <a:latin typeface="Segoe UI" panose="020B0502040204020203" pitchFamily="34" charset="0"/>
+                <a:cs typeface="Segoe UI" panose="020B0502040204020203" pitchFamily="34" charset="0"/>
+              </a:rPr>
+              <a:t>bởi</a:t>
+            </a:r>
+            <a:r>
+              <a:rPr lang="en-US" dirty="0">
+                <a:latin typeface="Segoe UI" panose="020B0502040204020203" pitchFamily="34" charset="0"/>
+                <a:cs typeface="Segoe UI" panose="020B0502040204020203" pitchFamily="34" charset="0"/>
+              </a:rPr>
+              <a:t> </a:t>
+            </a:r>
+            <a:r>
+              <a:rPr lang="en-US" dirty="0" err="1">
+                <a:latin typeface="Segoe UI" panose="020B0502040204020203" pitchFamily="34" charset="0"/>
+                <a:cs typeface="Segoe UI" panose="020B0502040204020203" pitchFamily="34" charset="0"/>
+              </a:rPr>
+              <a:t>khoảng</a:t>
+            </a:r>
+            <a:r>
+              <a:rPr lang="en-US" dirty="0">
+                <a:latin typeface="Segoe UI" panose="020B0502040204020203" pitchFamily="34" charset="0"/>
+                <a:cs typeface="Segoe UI" panose="020B0502040204020203" pitchFamily="34" charset="0"/>
+              </a:rPr>
+              <a:t> </a:t>
+            </a:r>
+            <a:r>
+              <a:rPr lang="en-US" dirty="0" err="1">
+                <a:latin typeface="Segoe UI" panose="020B0502040204020203" pitchFamily="34" charset="0"/>
+                <a:cs typeface="Segoe UI" panose="020B0502040204020203" pitchFamily="34" charset="0"/>
+              </a:rPr>
+              <a:t>trắng</a:t>
+            </a:r>
+            <a:r>
+              <a:rPr lang="en-US" dirty="0">
+                <a:latin typeface="Segoe UI" panose="020B0502040204020203" pitchFamily="34" charset="0"/>
+                <a:cs typeface="Segoe UI" panose="020B0502040204020203" pitchFamily="34" charset="0"/>
+              </a:rPr>
+              <a:t> </a:t>
+            </a:r>
+            <a:r>
+              <a:rPr lang="en-US" dirty="0" err="1">
+                <a:latin typeface="Segoe UI" panose="020B0502040204020203" pitchFamily="34" charset="0"/>
+                <a:cs typeface="Segoe UI" panose="020B0502040204020203" pitchFamily="34" charset="0"/>
+              </a:rPr>
+              <a:t>và</a:t>
+            </a:r>
+            <a:r>
+              <a:rPr lang="en-US" dirty="0">
+                <a:latin typeface="Segoe UI" panose="020B0502040204020203" pitchFamily="34" charset="0"/>
+                <a:cs typeface="Segoe UI" panose="020B0502040204020203" pitchFamily="34" charset="0"/>
+              </a:rPr>
+              <a:t> </a:t>
+            </a:r>
+            <a:r>
+              <a:rPr lang="en-US" dirty="0" err="1">
+                <a:latin typeface="Segoe UI" panose="020B0502040204020203" pitchFamily="34" charset="0"/>
+                <a:cs typeface="Segoe UI" panose="020B0502040204020203" pitchFamily="34" charset="0"/>
+              </a:rPr>
+              <a:t>các</a:t>
+            </a:r>
+            <a:r>
+              <a:rPr lang="en-US" dirty="0">
+                <a:latin typeface="Segoe UI" panose="020B0502040204020203" pitchFamily="34" charset="0"/>
+                <a:cs typeface="Segoe UI" panose="020B0502040204020203" pitchFamily="34" charset="0"/>
+              </a:rPr>
+              <a:t> </a:t>
+            </a:r>
+            <a:r>
+              <a:rPr lang="en-US" dirty="0" err="1">
+                <a:latin typeface="Segoe UI" panose="020B0502040204020203" pitchFamily="34" charset="0"/>
+                <a:cs typeface="Segoe UI" panose="020B0502040204020203" pitchFamily="34" charset="0"/>
+              </a:rPr>
+              <a:t>dấu</a:t>
+            </a:r>
+            <a:r>
+              <a:rPr lang="en-US" dirty="0">
+                <a:latin typeface="Segoe UI" panose="020B0502040204020203" pitchFamily="34" charset="0"/>
+                <a:cs typeface="Segoe UI" panose="020B0502040204020203" pitchFamily="34" charset="0"/>
+              </a:rPr>
+              <a:t> </a:t>
+            </a:r>
+            <a:r>
+              <a:rPr lang="en-US" dirty="0" err="1">
+                <a:latin typeface="Segoe UI" panose="020B0502040204020203" pitchFamily="34" charset="0"/>
+                <a:cs typeface="Segoe UI" panose="020B0502040204020203" pitchFamily="34" charset="0"/>
+              </a:rPr>
+              <a:t>câu</a:t>
+            </a:r>
+            <a:endParaRPr lang="en-US" dirty="0">
+              <a:latin typeface="Segoe UI" panose="020B0502040204020203" pitchFamily="34" charset="0"/>
+              <a:cs typeface="Segoe UI" panose="020B0502040204020203" pitchFamily="34" charset="0"/>
+            </a:endParaRPr>
+          </a:p>
+          <a:p>
+            <a:pPr lvl="2"/>
+            <a:r>
+              <a:rPr lang="en-US" dirty="0" err="1">
+                <a:latin typeface="Segoe UI" panose="020B0502040204020203" pitchFamily="34" charset="0"/>
+                <a:cs typeface="Segoe UI" panose="020B0502040204020203" pitchFamily="34" charset="0"/>
+              </a:rPr>
+              <a:t>Nếu</a:t>
+            </a:r>
+            <a:r>
+              <a:rPr lang="en-US" dirty="0">
+                <a:latin typeface="Segoe UI" panose="020B0502040204020203" pitchFamily="34" charset="0"/>
+                <a:cs typeface="Segoe UI" panose="020B0502040204020203" pitchFamily="34" charset="0"/>
+              </a:rPr>
+              <a:t> </a:t>
+            </a:r>
+            <a:r>
+              <a:rPr lang="en-US" dirty="0" err="1">
+                <a:latin typeface="Segoe UI" panose="020B0502040204020203" pitchFamily="34" charset="0"/>
+                <a:cs typeface="Segoe UI" panose="020B0502040204020203" pitchFamily="34" charset="0"/>
+              </a:rPr>
+              <a:t>từ</a:t>
+            </a:r>
+            <a:r>
+              <a:rPr lang="en-US" dirty="0">
+                <a:latin typeface="Segoe UI" panose="020B0502040204020203" pitchFamily="34" charset="0"/>
+                <a:cs typeface="Segoe UI" panose="020B0502040204020203" pitchFamily="34" charset="0"/>
+              </a:rPr>
+              <a:t> </a:t>
+            </a:r>
+            <a:r>
+              <a:rPr lang="en-US" dirty="0" err="1">
+                <a:latin typeface="Segoe UI" panose="020B0502040204020203" pitchFamily="34" charset="0"/>
+                <a:cs typeface="Segoe UI" panose="020B0502040204020203" pitchFamily="34" charset="0"/>
+              </a:rPr>
+              <a:t>nằm</a:t>
+            </a:r>
+            <a:r>
+              <a:rPr lang="en-US" dirty="0">
+                <a:latin typeface="Segoe UI" panose="020B0502040204020203" pitchFamily="34" charset="0"/>
+                <a:cs typeface="Segoe UI" panose="020B0502040204020203" pitchFamily="34" charset="0"/>
+              </a:rPr>
+              <a:t> </a:t>
+            </a:r>
+            <a:r>
+              <a:rPr lang="en-US" dirty="0" err="1">
+                <a:latin typeface="Segoe UI" panose="020B0502040204020203" pitchFamily="34" charset="0"/>
+                <a:cs typeface="Segoe UI" panose="020B0502040204020203" pitchFamily="34" charset="0"/>
+              </a:rPr>
+              <a:t>trong</a:t>
+            </a:r>
+            <a:r>
+              <a:rPr lang="en-US" dirty="0">
+                <a:latin typeface="Segoe UI" panose="020B0502040204020203" pitchFamily="34" charset="0"/>
+                <a:cs typeface="Segoe UI" panose="020B0502040204020203" pitchFamily="34" charset="0"/>
+              </a:rPr>
+              <a:t> </a:t>
+            </a:r>
+            <a:r>
+              <a:rPr lang="en-US" dirty="0" err="1">
+                <a:latin typeface="Segoe UI" panose="020B0502040204020203" pitchFamily="34" charset="0"/>
+                <a:cs typeface="Segoe UI" panose="020B0502040204020203" pitchFamily="34" charset="0"/>
+              </a:rPr>
+              <a:t>danh</a:t>
+            </a:r>
+            <a:r>
+              <a:rPr lang="en-US" dirty="0">
+                <a:latin typeface="Segoe UI" panose="020B0502040204020203" pitchFamily="34" charset="0"/>
+                <a:cs typeface="Segoe UI" panose="020B0502040204020203" pitchFamily="34" charset="0"/>
+              </a:rPr>
+              <a:t> </a:t>
+            </a:r>
+            <a:r>
+              <a:rPr lang="en-US" dirty="0" err="1">
+                <a:latin typeface="Segoe UI" panose="020B0502040204020203" pitchFamily="34" charset="0"/>
+                <a:cs typeface="Segoe UI" panose="020B0502040204020203" pitchFamily="34" charset="0"/>
+              </a:rPr>
+              <a:t>sách</a:t>
+            </a:r>
+            <a:r>
+              <a:rPr lang="en-US" dirty="0">
+                <a:latin typeface="Segoe UI" panose="020B0502040204020203" pitchFamily="34" charset="0"/>
+                <a:cs typeface="Segoe UI" panose="020B0502040204020203" pitchFamily="34" charset="0"/>
+              </a:rPr>
+              <a:t> </a:t>
+            </a:r>
+            <a:r>
+              <a:rPr lang="en-US" dirty="0" err="1">
+                <a:latin typeface="Segoe UI" panose="020B0502040204020203" pitchFamily="34" charset="0"/>
+                <a:cs typeface="Segoe UI" panose="020B0502040204020203" pitchFamily="34" charset="0"/>
+              </a:rPr>
+              <a:t>các</a:t>
+            </a:r>
+            <a:r>
+              <a:rPr lang="en-US" dirty="0">
+                <a:latin typeface="Segoe UI" panose="020B0502040204020203" pitchFamily="34" charset="0"/>
+                <a:cs typeface="Segoe UI" panose="020B0502040204020203" pitchFamily="34" charset="0"/>
+              </a:rPr>
+              <a:t> </a:t>
+            </a:r>
+            <a:r>
+              <a:rPr lang="en-US" dirty="0" err="1">
+                <a:latin typeface="Segoe UI" panose="020B0502040204020203" pitchFamily="34" charset="0"/>
+                <a:cs typeface="Segoe UI" panose="020B0502040204020203" pitchFamily="34" charset="0"/>
+              </a:rPr>
+              <a:t>từ</a:t>
+            </a:r>
+            <a:r>
+              <a:rPr lang="en-US" dirty="0">
+                <a:latin typeface="Segoe UI" panose="020B0502040204020203" pitchFamily="34" charset="0"/>
+                <a:cs typeface="Segoe UI" panose="020B0502040204020203" pitchFamily="34" charset="0"/>
+              </a:rPr>
+              <a:t> đ</a:t>
+            </a:r>
+            <a:r>
+              <a:rPr lang="vi-VN" dirty="0">
+                <a:latin typeface="Segoe UI" panose="020B0502040204020203" pitchFamily="34" charset="0"/>
+                <a:cs typeface="Segoe UI" panose="020B0502040204020203" pitchFamily="34" charset="0"/>
+              </a:rPr>
+              <a:t>ư</a:t>
+            </a:r>
+            <a:r>
+              <a:rPr lang="en-US" dirty="0" err="1">
+                <a:latin typeface="Segoe UI" panose="020B0502040204020203" pitchFamily="34" charset="0"/>
+                <a:cs typeface="Segoe UI" panose="020B0502040204020203" pitchFamily="34" charset="0"/>
+              </a:rPr>
+              <a:t>ợc</a:t>
+            </a:r>
+            <a:r>
+              <a:rPr lang="en-US" dirty="0">
+                <a:latin typeface="Segoe UI" panose="020B0502040204020203" pitchFamily="34" charset="0"/>
+                <a:cs typeface="Segoe UI" panose="020B0502040204020203" pitchFamily="34" charset="0"/>
+              </a:rPr>
+              <a:t> </a:t>
+            </a:r>
+            <a:r>
+              <a:rPr lang="en-US" dirty="0" err="1">
+                <a:latin typeface="Segoe UI" panose="020B0502040204020203" pitchFamily="34" charset="0"/>
+                <a:cs typeface="Segoe UI" panose="020B0502040204020203" pitchFamily="34" charset="0"/>
+              </a:rPr>
+              <a:t>chọn</a:t>
+            </a:r>
+            <a:r>
+              <a:rPr lang="en-US" dirty="0">
+                <a:latin typeface="Segoe UI" panose="020B0502040204020203" pitchFamily="34" charset="0"/>
+                <a:cs typeface="Segoe UI" panose="020B0502040204020203" pitchFamily="34" charset="0"/>
+              </a:rPr>
+              <a:t> </a:t>
+            </a:r>
+            <a:r>
+              <a:rPr lang="en-US" dirty="0" err="1">
+                <a:latin typeface="Segoe UI" panose="020B0502040204020203" pitchFamily="34" charset="0"/>
+                <a:cs typeface="Segoe UI" panose="020B0502040204020203" pitchFamily="34" charset="0"/>
+              </a:rPr>
+              <a:t>thì</a:t>
+            </a:r>
+            <a:r>
+              <a:rPr lang="en-US" dirty="0">
+                <a:latin typeface="Segoe UI" panose="020B0502040204020203" pitchFamily="34" charset="0"/>
+                <a:cs typeface="Segoe UI" panose="020B0502040204020203" pitchFamily="34" charset="0"/>
+              </a:rPr>
+              <a:t> </a:t>
+            </a:r>
+            <a:r>
+              <a:rPr lang="en-US" dirty="0" err="1">
+                <a:latin typeface="Segoe UI" panose="020B0502040204020203" pitchFamily="34" charset="0"/>
+                <a:cs typeface="Segoe UI" panose="020B0502040204020203" pitchFamily="34" charset="0"/>
+              </a:rPr>
+              <a:t>bật</a:t>
+            </a:r>
+            <a:r>
+              <a:rPr lang="en-US" dirty="0">
+                <a:latin typeface="Segoe UI" panose="020B0502040204020203" pitchFamily="34" charset="0"/>
+                <a:cs typeface="Segoe UI" panose="020B0502040204020203" pitchFamily="34" charset="0"/>
+              </a:rPr>
+              <a:t> </a:t>
+            </a:r>
+            <a:r>
+              <a:rPr lang="en-US" dirty="0" err="1">
+                <a:latin typeface="Segoe UI" panose="020B0502040204020203" pitchFamily="34" charset="0"/>
+                <a:cs typeface="Segoe UI" panose="020B0502040204020203" pitchFamily="34" charset="0"/>
+              </a:rPr>
+              <a:t>giá</a:t>
+            </a:r>
+            <a:r>
+              <a:rPr lang="en-US" dirty="0">
+                <a:latin typeface="Segoe UI" panose="020B0502040204020203" pitchFamily="34" charset="0"/>
+                <a:cs typeface="Segoe UI" panose="020B0502040204020203" pitchFamily="34" charset="0"/>
+              </a:rPr>
+              <a:t> </a:t>
+            </a:r>
+            <a:r>
+              <a:rPr lang="en-US" dirty="0" err="1">
+                <a:latin typeface="Segoe UI" panose="020B0502040204020203" pitchFamily="34" charset="0"/>
+                <a:cs typeface="Segoe UI" panose="020B0502040204020203" pitchFamily="34" charset="0"/>
+              </a:rPr>
+              <a:t>trị</a:t>
+            </a:r>
+            <a:r>
+              <a:rPr lang="en-US" dirty="0">
+                <a:latin typeface="Segoe UI" panose="020B0502040204020203" pitchFamily="34" charset="0"/>
+                <a:cs typeface="Segoe UI" panose="020B0502040204020203" pitchFamily="34" charset="0"/>
+              </a:rPr>
+              <a:t> </a:t>
+            </a:r>
+            <a:r>
+              <a:rPr lang="en-US" dirty="0" err="1">
+                <a:latin typeface="Segoe UI" panose="020B0502040204020203" pitchFamily="34" charset="0"/>
+                <a:cs typeface="Segoe UI" panose="020B0502040204020203" pitchFamily="34" charset="0"/>
+              </a:rPr>
+              <a:t>tại</a:t>
+            </a:r>
+            <a:r>
+              <a:rPr lang="en-US" dirty="0">
+                <a:latin typeface="Segoe UI" panose="020B0502040204020203" pitchFamily="34" charset="0"/>
+                <a:cs typeface="Segoe UI" panose="020B0502040204020203" pitchFamily="34" charset="0"/>
+              </a:rPr>
+              <a:t> </a:t>
+            </a:r>
+            <a:r>
+              <a:rPr lang="en-US" dirty="0" err="1">
+                <a:latin typeface="Segoe UI" panose="020B0502040204020203" pitchFamily="34" charset="0"/>
+                <a:cs typeface="Segoe UI" panose="020B0502040204020203" pitchFamily="34" charset="0"/>
+              </a:rPr>
+              <a:t>cột</a:t>
+            </a:r>
+            <a:r>
+              <a:rPr lang="en-US" dirty="0">
+                <a:latin typeface="Segoe UI" panose="020B0502040204020203" pitchFamily="34" charset="0"/>
+                <a:cs typeface="Segoe UI" panose="020B0502040204020203" pitchFamily="34" charset="0"/>
+              </a:rPr>
+              <a:t> t</a:t>
+            </a:r>
+            <a:r>
+              <a:rPr lang="vi-VN" dirty="0">
+                <a:latin typeface="Segoe UI" panose="020B0502040204020203" pitchFamily="34" charset="0"/>
+                <a:cs typeface="Segoe UI" panose="020B0502040204020203" pitchFamily="34" charset="0"/>
+              </a:rPr>
+              <a:t>ư</a:t>
+            </a:r>
+            <a:r>
+              <a:rPr lang="en-US" dirty="0" err="1">
+                <a:latin typeface="Segoe UI" panose="020B0502040204020203" pitchFamily="34" charset="0"/>
+                <a:cs typeface="Segoe UI" panose="020B0502040204020203" pitchFamily="34" charset="0"/>
+              </a:rPr>
+              <a:t>ơng</a:t>
+            </a:r>
+            <a:r>
+              <a:rPr lang="en-US" dirty="0">
+                <a:latin typeface="Segoe UI" panose="020B0502040204020203" pitchFamily="34" charset="0"/>
+                <a:cs typeface="Segoe UI" panose="020B0502040204020203" pitchFamily="34" charset="0"/>
+              </a:rPr>
+              <a:t> </a:t>
+            </a:r>
+            <a:r>
+              <a:rPr lang="en-US" dirty="0" err="1">
+                <a:latin typeface="Segoe UI" panose="020B0502040204020203" pitchFamily="34" charset="0"/>
+                <a:cs typeface="Segoe UI" panose="020B0502040204020203" pitchFamily="34" charset="0"/>
+              </a:rPr>
+              <a:t>ứng</a:t>
+            </a:r>
+            <a:r>
+              <a:rPr lang="en-US" dirty="0">
+                <a:latin typeface="Segoe UI" panose="020B0502040204020203" pitchFamily="34" charset="0"/>
+                <a:cs typeface="Segoe UI" panose="020B0502040204020203" pitchFamily="34" charset="0"/>
+              </a:rPr>
+              <a:t> </a:t>
+            </a:r>
+            <a:r>
+              <a:rPr lang="en-US" dirty="0" err="1">
+                <a:latin typeface="Segoe UI" panose="020B0502040204020203" pitchFamily="34" charset="0"/>
+                <a:cs typeface="Segoe UI" panose="020B0502040204020203" pitchFamily="34" charset="0"/>
+              </a:rPr>
+              <a:t>là</a:t>
+            </a:r>
+            <a:r>
+              <a:rPr lang="en-US" dirty="0">
+                <a:latin typeface="Segoe UI" panose="020B0502040204020203" pitchFamily="34" charset="0"/>
+                <a:cs typeface="Segoe UI" panose="020B0502040204020203" pitchFamily="34" charset="0"/>
+              </a:rPr>
+              <a:t> 1</a:t>
+            </a:r>
+          </a:p>
+          <a:p>
+            <a:pPr lvl="2"/>
+            <a:endParaRPr lang="en-US" dirty="0">
+              <a:latin typeface="Segoe UI" panose="020B0502040204020203" pitchFamily="34" charset="0"/>
+              <a:cs typeface="Segoe UI" panose="020B0502040204020203" pitchFamily="34" charset="0"/>
+            </a:endParaRPr>
+          </a:p>
+        </p:txBody>
+      </p:sp>
+    </p:spTree>
+    <p:extLst>
+      <p:ext uri="{BB962C8B-B14F-4D97-AF65-F5344CB8AC3E}">
+        <p14:creationId xmlns:p14="http://schemas.microsoft.com/office/powerpoint/2010/main" val="3163073853"/>
+      </p:ext>
+    </p:extLst>
+  </p:cSld>
+  <p:clrMapOvr>
+    <a:masterClrMapping/>
+  </p:clrMapOvr>
+</p:sld>
+</file>
+
+<file path=ppt/slides/slide16.xml><?xml version="1.0" encoding="utf-8"?>
+<p:sld xmlns:a="http://schemas.openxmlformats.org/drawingml/2006/main" xmlns:r="http://schemas.openxmlformats.org/officeDocument/2006/relationships" xmlns:p="http://schemas.openxmlformats.org/presentationml/2006/main">
+  <p:cSld>
+    <p:spTree>
+      <p:nvGrpSpPr>
+        <p:cNvPr id="1" name=""/>
+        <p:cNvGrpSpPr/>
+        <p:nvPr/>
+      </p:nvGrpSpPr>
+      <p:grpSpPr>
+        <a:xfrm>
+          <a:off x="0" y="0"/>
+          <a:ext cx="0" cy="0"/>
+          <a:chOff x="0" y="0"/>
+          <a:chExt cx="0" cy="0"/>
+        </a:xfrm>
+      </p:grpSpPr>
+      <p:sp>
+        <p:nvSpPr>
+          <p:cNvPr id="2" name="Title 1">
+            <a:extLst>
+              <a:ext uri="{FF2B5EF4-FFF2-40B4-BE49-F238E27FC236}">
+                <a16:creationId xmlns:a16="http://schemas.microsoft.com/office/drawing/2014/main" id="{83456CA7-EF49-49DC-B54F-7089576FC52D}"/>
+              </a:ext>
+            </a:extLst>
+          </p:cNvPr>
+          <p:cNvSpPr>
+            <a:spLocks noGrp="1"/>
+          </p:cNvSpPr>
+          <p:nvPr>
+            <p:ph type="title"/>
+          </p:nvPr>
+        </p:nvSpPr>
+        <p:spPr/>
+        <p:txBody>
+          <a:bodyPr/>
+          <a:lstStyle/>
+          <a:p>
+            <a:r>
+              <a:rPr lang="en-US" dirty="0">
+                <a:latin typeface="Segoe UI" panose="020B0502040204020203" pitchFamily="34" charset="0"/>
+                <a:cs typeface="Segoe UI" panose="020B0502040204020203" pitchFamily="34" charset="0"/>
+              </a:rPr>
+              <a:t>TẠO PIPELINE</a:t>
+            </a:r>
+          </a:p>
+        </p:txBody>
+      </p:sp>
+      <p:sp>
+        <p:nvSpPr>
+          <p:cNvPr id="3" name="Content Placeholder 2">
+            <a:extLst>
+              <a:ext uri="{FF2B5EF4-FFF2-40B4-BE49-F238E27FC236}">
+                <a16:creationId xmlns:a16="http://schemas.microsoft.com/office/drawing/2014/main" id="{441B2E2D-D6E8-4E47-9503-D77AD7C5C851}"/>
+              </a:ext>
+            </a:extLst>
+          </p:cNvPr>
+          <p:cNvSpPr>
+            <a:spLocks noGrp="1"/>
+          </p:cNvSpPr>
+          <p:nvPr>
+            <p:ph idx="1"/>
+          </p:nvPr>
+        </p:nvSpPr>
+        <p:spPr/>
+        <p:txBody>
+          <a:bodyPr/>
+          <a:lstStyle/>
+          <a:p>
+            <a:r>
+              <a:rPr lang="en-US" dirty="0" err="1">
+                <a:latin typeface="Segoe UI" panose="020B0502040204020203" pitchFamily="34" charset="0"/>
+                <a:cs typeface="Segoe UI" panose="020B0502040204020203" pitchFamily="34" charset="0"/>
+              </a:rPr>
+              <a:t>Gồm</a:t>
+            </a:r>
+            <a:r>
+              <a:rPr lang="en-US" dirty="0">
+                <a:latin typeface="Segoe UI" panose="020B0502040204020203" pitchFamily="34" charset="0"/>
+                <a:cs typeface="Segoe UI" panose="020B0502040204020203" pitchFamily="34" charset="0"/>
+              </a:rPr>
+              <a:t> </a:t>
+            </a:r>
+            <a:r>
+              <a:rPr lang="en-US" dirty="0" err="1">
+                <a:latin typeface="Segoe UI" panose="020B0502040204020203" pitchFamily="34" charset="0"/>
+                <a:cs typeface="Segoe UI" panose="020B0502040204020203" pitchFamily="34" charset="0"/>
+              </a:rPr>
+              <a:t>các</a:t>
+            </a:r>
+            <a:r>
+              <a:rPr lang="en-US" dirty="0">
+                <a:latin typeface="Segoe UI" panose="020B0502040204020203" pitchFamily="34" charset="0"/>
+                <a:cs typeface="Segoe UI" panose="020B0502040204020203" pitchFamily="34" charset="0"/>
+              </a:rPr>
+              <a:t> b</a:t>
+            </a:r>
+            <a:r>
+              <a:rPr lang="vi-VN" dirty="0">
+                <a:latin typeface="Segoe UI" panose="020B0502040204020203" pitchFamily="34" charset="0"/>
+                <a:cs typeface="Segoe UI" panose="020B0502040204020203" pitchFamily="34" charset="0"/>
+              </a:rPr>
+              <a:t>ư</a:t>
+            </a:r>
+            <a:r>
+              <a:rPr lang="en-US" dirty="0" err="1">
+                <a:latin typeface="Segoe UI" panose="020B0502040204020203" pitchFamily="34" charset="0"/>
+                <a:cs typeface="Segoe UI" panose="020B0502040204020203" pitchFamily="34" charset="0"/>
+              </a:rPr>
+              <a:t>ớc</a:t>
+            </a:r>
+            <a:r>
+              <a:rPr lang="en-US" dirty="0">
+                <a:latin typeface="Segoe UI" panose="020B0502040204020203" pitchFamily="34" charset="0"/>
+                <a:cs typeface="Segoe UI" panose="020B0502040204020203" pitchFamily="34" charset="0"/>
+              </a:rPr>
+              <a:t>:</a:t>
+            </a:r>
+          </a:p>
+          <a:p>
+            <a:pPr lvl="1"/>
+            <a:r>
+              <a:rPr lang="en-US" dirty="0" err="1">
+                <a:latin typeface="Segoe UI" panose="020B0502040204020203" pitchFamily="34" charset="0"/>
+                <a:cs typeface="Segoe UI" panose="020B0502040204020203" pitchFamily="34" charset="0"/>
+              </a:rPr>
+              <a:t>BagOfWord</a:t>
+            </a:r>
+            <a:r>
+              <a:rPr lang="en-US" dirty="0">
+                <a:latin typeface="Segoe UI" panose="020B0502040204020203" pitchFamily="34" charset="0"/>
+                <a:cs typeface="Segoe UI" panose="020B0502040204020203" pitchFamily="34" charset="0"/>
+              </a:rPr>
+              <a:t>(): </a:t>
+            </a:r>
+            <a:r>
+              <a:rPr lang="en-US" dirty="0" err="1">
+                <a:latin typeface="Segoe UI" panose="020B0502040204020203" pitchFamily="34" charset="0"/>
+                <a:cs typeface="Segoe UI" panose="020B0502040204020203" pitchFamily="34" charset="0"/>
+              </a:rPr>
+              <a:t>là</a:t>
+            </a:r>
+            <a:r>
+              <a:rPr lang="en-US" dirty="0">
+                <a:latin typeface="Segoe UI" panose="020B0502040204020203" pitchFamily="34" charset="0"/>
+                <a:cs typeface="Segoe UI" panose="020B0502040204020203" pitchFamily="34" charset="0"/>
+              </a:rPr>
+              <a:t> </a:t>
+            </a:r>
+            <a:r>
+              <a:rPr lang="en-US" dirty="0" err="1">
+                <a:latin typeface="Segoe UI" panose="020B0502040204020203" pitchFamily="34" charset="0"/>
+                <a:cs typeface="Segoe UI" panose="020B0502040204020203" pitchFamily="34" charset="0"/>
+              </a:rPr>
+              <a:t>lớp</a:t>
+            </a:r>
+            <a:r>
+              <a:rPr lang="en-US" dirty="0">
+                <a:latin typeface="Segoe UI" panose="020B0502040204020203" pitchFamily="34" charset="0"/>
+                <a:cs typeface="Segoe UI" panose="020B0502040204020203" pitchFamily="34" charset="0"/>
+              </a:rPr>
+              <a:t> </a:t>
+            </a:r>
+            <a:r>
+              <a:rPr lang="en-US" dirty="0" err="1">
+                <a:latin typeface="Segoe UI" panose="020B0502040204020203" pitchFamily="34" charset="0"/>
+                <a:cs typeface="Segoe UI" panose="020B0502040204020203" pitchFamily="34" charset="0"/>
+              </a:rPr>
+              <a:t>nhóm</a:t>
+            </a:r>
+            <a:r>
+              <a:rPr lang="en-US" dirty="0">
+                <a:latin typeface="Segoe UI" panose="020B0502040204020203" pitchFamily="34" charset="0"/>
+                <a:cs typeface="Segoe UI" panose="020B0502040204020203" pitchFamily="34" charset="0"/>
+              </a:rPr>
+              <a:t> </a:t>
+            </a:r>
+            <a:r>
+              <a:rPr lang="en-US" dirty="0" err="1">
+                <a:latin typeface="Segoe UI" panose="020B0502040204020203" pitchFamily="34" charset="0"/>
+                <a:cs typeface="Segoe UI" panose="020B0502040204020203" pitchFamily="34" charset="0"/>
+              </a:rPr>
+              <a:t>tự</a:t>
+            </a:r>
+            <a:r>
+              <a:rPr lang="en-US" dirty="0">
+                <a:latin typeface="Segoe UI" panose="020B0502040204020203" pitchFamily="34" charset="0"/>
+                <a:cs typeface="Segoe UI" panose="020B0502040204020203" pitchFamily="34" charset="0"/>
+              </a:rPr>
+              <a:t> </a:t>
+            </a:r>
+            <a:r>
+              <a:rPr lang="en-US" dirty="0" err="1">
+                <a:latin typeface="Segoe UI" panose="020B0502040204020203" pitchFamily="34" charset="0"/>
+                <a:cs typeface="Segoe UI" panose="020B0502040204020203" pitchFamily="34" charset="0"/>
+              </a:rPr>
+              <a:t>định</a:t>
+            </a:r>
+            <a:r>
+              <a:rPr lang="en-US" dirty="0">
+                <a:latin typeface="Segoe UI" panose="020B0502040204020203" pitchFamily="34" charset="0"/>
+                <a:cs typeface="Segoe UI" panose="020B0502040204020203" pitchFamily="34" charset="0"/>
+              </a:rPr>
+              <a:t> </a:t>
+            </a:r>
+            <a:r>
+              <a:rPr lang="en-US" dirty="0" err="1">
+                <a:latin typeface="Segoe UI" panose="020B0502040204020203" pitchFamily="34" charset="0"/>
+                <a:cs typeface="Segoe UI" panose="020B0502040204020203" pitchFamily="34" charset="0"/>
+              </a:rPr>
+              <a:t>nghĩa</a:t>
+            </a:r>
+            <a:r>
+              <a:rPr lang="en-US" dirty="0">
+                <a:latin typeface="Segoe UI" panose="020B0502040204020203" pitchFamily="34" charset="0"/>
+                <a:cs typeface="Segoe UI" panose="020B0502040204020203" pitchFamily="34" charset="0"/>
+              </a:rPr>
+              <a:t>, </a:t>
+            </a:r>
+            <a:r>
+              <a:rPr lang="en-US" dirty="0" err="1">
+                <a:latin typeface="Segoe UI" panose="020B0502040204020203" pitchFamily="34" charset="0"/>
+                <a:cs typeface="Segoe UI" panose="020B0502040204020203" pitchFamily="34" charset="0"/>
+              </a:rPr>
+              <a:t>chuyển</a:t>
+            </a:r>
+            <a:r>
+              <a:rPr lang="en-US" dirty="0">
+                <a:latin typeface="Segoe UI" panose="020B0502040204020203" pitchFamily="34" charset="0"/>
+                <a:cs typeface="Segoe UI" panose="020B0502040204020203" pitchFamily="34" charset="0"/>
+              </a:rPr>
+              <a:t> </a:t>
+            </a:r>
+            <a:r>
+              <a:rPr lang="en-US" dirty="0" err="1">
+                <a:latin typeface="Segoe UI" panose="020B0502040204020203" pitchFamily="34" charset="0"/>
+                <a:cs typeface="Segoe UI" panose="020B0502040204020203" pitchFamily="34" charset="0"/>
+              </a:rPr>
+              <a:t>câu</a:t>
+            </a:r>
+            <a:r>
+              <a:rPr lang="en-US" dirty="0">
+                <a:latin typeface="Segoe UI" panose="020B0502040204020203" pitchFamily="34" charset="0"/>
+                <a:cs typeface="Segoe UI" panose="020B0502040204020203" pitchFamily="34" charset="0"/>
+              </a:rPr>
+              <a:t> </a:t>
+            </a:r>
+            <a:r>
+              <a:rPr lang="en-US" dirty="0" err="1">
+                <a:latin typeface="Segoe UI" panose="020B0502040204020203" pitchFamily="34" charset="0"/>
+                <a:cs typeface="Segoe UI" panose="020B0502040204020203" pitchFamily="34" charset="0"/>
+              </a:rPr>
+              <a:t>hỏi</a:t>
+            </a:r>
+            <a:r>
+              <a:rPr lang="en-US" dirty="0">
+                <a:latin typeface="Segoe UI" panose="020B0502040204020203" pitchFamily="34" charset="0"/>
+                <a:cs typeface="Segoe UI" panose="020B0502040204020203" pitchFamily="34" charset="0"/>
+              </a:rPr>
+              <a:t> </a:t>
+            </a:r>
+            <a:r>
+              <a:rPr lang="en-US" dirty="0" err="1">
+                <a:latin typeface="Segoe UI" panose="020B0502040204020203" pitchFamily="34" charset="0"/>
+                <a:cs typeface="Segoe UI" panose="020B0502040204020203" pitchFamily="34" charset="0"/>
+              </a:rPr>
+              <a:t>dạng</a:t>
+            </a:r>
+            <a:r>
+              <a:rPr lang="en-US" dirty="0">
+                <a:latin typeface="Segoe UI" panose="020B0502040204020203" pitchFamily="34" charset="0"/>
+                <a:cs typeface="Segoe UI" panose="020B0502040204020203" pitchFamily="34" charset="0"/>
+              </a:rPr>
+              <a:t> </a:t>
+            </a:r>
+            <a:r>
+              <a:rPr lang="en-US" dirty="0" err="1">
+                <a:latin typeface="Segoe UI" panose="020B0502040204020203" pitchFamily="34" charset="0"/>
+                <a:cs typeface="Segoe UI" panose="020B0502040204020203" pitchFamily="34" charset="0"/>
+              </a:rPr>
+              <a:t>từ</a:t>
+            </a:r>
+            <a:r>
+              <a:rPr lang="en-US" dirty="0">
+                <a:latin typeface="Segoe UI" panose="020B0502040204020203" pitchFamily="34" charset="0"/>
+                <a:cs typeface="Segoe UI" panose="020B0502040204020203" pitchFamily="34" charset="0"/>
+              </a:rPr>
+              <a:t> sang </a:t>
+            </a:r>
+            <a:r>
+              <a:rPr lang="en-US" dirty="0" err="1">
+                <a:latin typeface="Segoe UI" panose="020B0502040204020203" pitchFamily="34" charset="0"/>
+                <a:cs typeface="Segoe UI" panose="020B0502040204020203" pitchFamily="34" charset="0"/>
+              </a:rPr>
+              <a:t>vecto</a:t>
+            </a:r>
+            <a:r>
+              <a:rPr lang="en-US" dirty="0">
+                <a:latin typeface="Segoe UI" panose="020B0502040204020203" pitchFamily="34" charset="0"/>
+                <a:cs typeface="Segoe UI" panose="020B0502040204020203" pitchFamily="34" charset="0"/>
+              </a:rPr>
+              <a:t> </a:t>
+            </a:r>
+            <a:r>
+              <a:rPr lang="en-US" dirty="0" err="1">
+                <a:latin typeface="Segoe UI" panose="020B0502040204020203" pitchFamily="34" charset="0"/>
+                <a:cs typeface="Segoe UI" panose="020B0502040204020203" pitchFamily="34" charset="0"/>
+              </a:rPr>
+              <a:t>nhị</a:t>
+            </a:r>
+            <a:r>
+              <a:rPr lang="en-US" dirty="0">
+                <a:latin typeface="Segoe UI" panose="020B0502040204020203" pitchFamily="34" charset="0"/>
+                <a:cs typeface="Segoe UI" panose="020B0502040204020203" pitchFamily="34" charset="0"/>
+              </a:rPr>
+              <a:t> </a:t>
+            </a:r>
+            <a:r>
+              <a:rPr lang="en-US" dirty="0" err="1">
+                <a:latin typeface="Segoe UI" panose="020B0502040204020203" pitchFamily="34" charset="0"/>
+                <a:cs typeface="Segoe UI" panose="020B0502040204020203" pitchFamily="34" charset="0"/>
+              </a:rPr>
+              <a:t>phân</a:t>
+            </a:r>
+            <a:endParaRPr lang="en-US" dirty="0">
+              <a:latin typeface="Segoe UI" panose="020B0502040204020203" pitchFamily="34" charset="0"/>
+              <a:cs typeface="Segoe UI" panose="020B0502040204020203" pitchFamily="34" charset="0"/>
+            </a:endParaRPr>
+          </a:p>
+          <a:p>
+            <a:pPr lvl="1"/>
+            <a:r>
+              <a:rPr lang="en-US" dirty="0">
+                <a:latin typeface="Segoe UI" panose="020B0502040204020203" pitchFamily="34" charset="0"/>
+                <a:cs typeface="Segoe UI" panose="020B0502040204020203" pitchFamily="34" charset="0"/>
+              </a:rPr>
+              <a:t>PCA(): </a:t>
+            </a:r>
+            <a:r>
+              <a:rPr lang="en-US" dirty="0" err="1">
+                <a:latin typeface="Segoe UI" panose="020B0502040204020203" pitchFamily="34" charset="0"/>
+                <a:cs typeface="Segoe UI" panose="020B0502040204020203" pitchFamily="34" charset="0"/>
+              </a:rPr>
+              <a:t>Giảm</a:t>
+            </a:r>
+            <a:r>
+              <a:rPr lang="en-US" dirty="0">
+                <a:latin typeface="Segoe UI" panose="020B0502040204020203" pitchFamily="34" charset="0"/>
+                <a:cs typeface="Segoe UI" panose="020B0502040204020203" pitchFamily="34" charset="0"/>
+              </a:rPr>
+              <a:t> </a:t>
+            </a:r>
+            <a:r>
+              <a:rPr lang="en-US" dirty="0" err="1">
+                <a:latin typeface="Segoe UI" panose="020B0502040204020203" pitchFamily="34" charset="0"/>
+                <a:cs typeface="Segoe UI" panose="020B0502040204020203" pitchFamily="34" charset="0"/>
+              </a:rPr>
+              <a:t>số</a:t>
+            </a:r>
+            <a:r>
+              <a:rPr lang="en-US" dirty="0">
+                <a:latin typeface="Segoe UI" panose="020B0502040204020203" pitchFamily="34" charset="0"/>
+                <a:cs typeface="Segoe UI" panose="020B0502040204020203" pitchFamily="34" charset="0"/>
+              </a:rPr>
+              <a:t> </a:t>
+            </a:r>
+            <a:r>
+              <a:rPr lang="en-US" dirty="0" err="1">
+                <a:latin typeface="Segoe UI" panose="020B0502040204020203" pitchFamily="34" charset="0"/>
+                <a:cs typeface="Segoe UI" panose="020B0502040204020203" pitchFamily="34" charset="0"/>
+              </a:rPr>
+              <a:t>chiều</a:t>
+            </a:r>
+            <a:r>
+              <a:rPr lang="en-US" dirty="0">
+                <a:latin typeface="Segoe UI" panose="020B0502040204020203" pitchFamily="34" charset="0"/>
+                <a:cs typeface="Segoe UI" panose="020B0502040204020203" pitchFamily="34" charset="0"/>
+              </a:rPr>
+              <a:t> </a:t>
+            </a:r>
+            <a:r>
+              <a:rPr lang="en-US" dirty="0" err="1">
+                <a:latin typeface="Segoe UI" panose="020B0502040204020203" pitchFamily="34" charset="0"/>
+                <a:cs typeface="Segoe UI" panose="020B0502040204020203" pitchFamily="34" charset="0"/>
+              </a:rPr>
+              <a:t>của</a:t>
+            </a:r>
+            <a:r>
+              <a:rPr lang="en-US" dirty="0">
+                <a:latin typeface="Segoe UI" panose="020B0502040204020203" pitchFamily="34" charset="0"/>
+                <a:cs typeface="Segoe UI" panose="020B0502040204020203" pitchFamily="34" charset="0"/>
+              </a:rPr>
+              <a:t> </a:t>
+            </a:r>
+            <a:r>
+              <a:rPr lang="en-US" dirty="0" err="1">
+                <a:latin typeface="Segoe UI" panose="020B0502040204020203" pitchFamily="34" charset="0"/>
+                <a:cs typeface="Segoe UI" panose="020B0502040204020203" pitchFamily="34" charset="0"/>
+              </a:rPr>
+              <a:t>vecto</a:t>
+            </a:r>
+            <a:r>
+              <a:rPr lang="en-US" dirty="0">
+                <a:latin typeface="Segoe UI" panose="020B0502040204020203" pitchFamily="34" charset="0"/>
+                <a:cs typeface="Segoe UI" panose="020B0502040204020203" pitchFamily="34" charset="0"/>
+              </a:rPr>
+              <a:t> </a:t>
+            </a:r>
+            <a:r>
+              <a:rPr lang="en-US" dirty="0" err="1">
+                <a:latin typeface="Segoe UI" panose="020B0502040204020203" pitchFamily="34" charset="0"/>
+                <a:cs typeface="Segoe UI" panose="020B0502040204020203" pitchFamily="34" charset="0"/>
+              </a:rPr>
+              <a:t>nhị</a:t>
+            </a:r>
+            <a:r>
+              <a:rPr lang="en-US" dirty="0">
+                <a:latin typeface="Segoe UI" panose="020B0502040204020203" pitchFamily="34" charset="0"/>
+                <a:cs typeface="Segoe UI" panose="020B0502040204020203" pitchFamily="34" charset="0"/>
+              </a:rPr>
+              <a:t> </a:t>
+            </a:r>
+            <a:r>
+              <a:rPr lang="en-US" dirty="0" err="1">
+                <a:latin typeface="Segoe UI" panose="020B0502040204020203" pitchFamily="34" charset="0"/>
+                <a:cs typeface="Segoe UI" panose="020B0502040204020203" pitchFamily="34" charset="0"/>
+              </a:rPr>
+              <a:t>phân</a:t>
+            </a:r>
+            <a:r>
+              <a:rPr lang="en-US" dirty="0">
+                <a:latin typeface="Segoe UI" panose="020B0502040204020203" pitchFamily="34" charset="0"/>
+                <a:cs typeface="Segoe UI" panose="020B0502040204020203" pitchFamily="34" charset="0"/>
+              </a:rPr>
+              <a:t> </a:t>
+            </a:r>
+            <a:r>
+              <a:rPr lang="en-US" dirty="0" err="1">
+                <a:latin typeface="Segoe UI" panose="020B0502040204020203" pitchFamily="34" charset="0"/>
+                <a:cs typeface="Segoe UI" panose="020B0502040204020203" pitchFamily="34" charset="0"/>
+              </a:rPr>
+              <a:t>trên</a:t>
+            </a:r>
+            <a:endParaRPr lang="en-US" dirty="0">
+              <a:latin typeface="Segoe UI" panose="020B0502040204020203" pitchFamily="34" charset="0"/>
+              <a:cs typeface="Segoe UI" panose="020B0502040204020203" pitchFamily="34" charset="0"/>
+            </a:endParaRPr>
+          </a:p>
+          <a:p>
+            <a:pPr lvl="1"/>
+            <a:r>
+              <a:rPr lang="en-US" dirty="0">
+                <a:latin typeface="Segoe UI" panose="020B0502040204020203" pitchFamily="34" charset="0"/>
+                <a:cs typeface="Segoe UI" panose="020B0502040204020203" pitchFamily="34" charset="0"/>
+              </a:rPr>
+              <a:t>NN(): </a:t>
+            </a:r>
+            <a:r>
+              <a:rPr lang="en-US" dirty="0" err="1">
+                <a:latin typeface="Segoe UI" panose="020B0502040204020203" pitchFamily="34" charset="0"/>
+                <a:cs typeface="Segoe UI" panose="020B0502040204020203" pitchFamily="34" charset="0"/>
+              </a:rPr>
+              <a:t>Mô</a:t>
+            </a:r>
+            <a:r>
+              <a:rPr lang="en-US" dirty="0">
+                <a:latin typeface="Segoe UI" panose="020B0502040204020203" pitchFamily="34" charset="0"/>
+                <a:cs typeface="Segoe UI" panose="020B0502040204020203" pitchFamily="34" charset="0"/>
+              </a:rPr>
+              <a:t> </a:t>
+            </a:r>
+            <a:r>
+              <a:rPr lang="en-US" dirty="0" err="1">
+                <a:latin typeface="Segoe UI" panose="020B0502040204020203" pitchFamily="34" charset="0"/>
+                <a:cs typeface="Segoe UI" panose="020B0502040204020203" pitchFamily="34" charset="0"/>
+              </a:rPr>
+              <a:t>hình</a:t>
+            </a:r>
+            <a:r>
+              <a:rPr lang="en-US" dirty="0">
+                <a:latin typeface="Segoe UI" panose="020B0502040204020203" pitchFamily="34" charset="0"/>
+                <a:cs typeface="Segoe UI" panose="020B0502040204020203" pitchFamily="34" charset="0"/>
+              </a:rPr>
+              <a:t> </a:t>
+            </a:r>
+            <a:r>
+              <a:rPr lang="en-US" dirty="0" err="1">
+                <a:latin typeface="Segoe UI" panose="020B0502040204020203" pitchFamily="34" charset="0"/>
+                <a:cs typeface="Segoe UI" panose="020B0502040204020203" pitchFamily="34" charset="0"/>
+              </a:rPr>
+              <a:t>phân</a:t>
+            </a:r>
+            <a:r>
+              <a:rPr lang="en-US" dirty="0">
+                <a:latin typeface="Segoe UI" panose="020B0502040204020203" pitchFamily="34" charset="0"/>
+                <a:cs typeface="Segoe UI" panose="020B0502040204020203" pitchFamily="34" charset="0"/>
+              </a:rPr>
+              <a:t> </a:t>
+            </a:r>
+            <a:r>
+              <a:rPr lang="en-US" dirty="0" err="1">
+                <a:latin typeface="Segoe UI" panose="020B0502040204020203" pitchFamily="34" charset="0"/>
+                <a:cs typeface="Segoe UI" panose="020B0502040204020203" pitchFamily="34" charset="0"/>
+              </a:rPr>
+              <a:t>lớp</a:t>
+            </a:r>
+            <a:r>
+              <a:rPr lang="en-US" dirty="0">
+                <a:latin typeface="Segoe UI" panose="020B0502040204020203" pitchFamily="34" charset="0"/>
+                <a:cs typeface="Segoe UI" panose="020B0502040204020203" pitchFamily="34" charset="0"/>
+              </a:rPr>
+              <a:t> MLP </a:t>
+            </a:r>
+          </a:p>
+          <a:p>
+            <a:pPr marL="457200" lvl="1" indent="0">
+              <a:buNone/>
+            </a:pPr>
+            <a:endParaRPr lang="en-US" dirty="0">
+              <a:latin typeface="Segoe UI" panose="020B0502040204020203" pitchFamily="34" charset="0"/>
+              <a:cs typeface="Segoe UI" panose="020B0502040204020203" pitchFamily="34" charset="0"/>
+            </a:endParaRPr>
+          </a:p>
+        </p:txBody>
+      </p:sp>
+    </p:spTree>
+    <p:extLst>
+      <p:ext uri="{BB962C8B-B14F-4D97-AF65-F5344CB8AC3E}">
+        <p14:creationId xmlns:p14="http://schemas.microsoft.com/office/powerpoint/2010/main" val="2286469402"/>
+      </p:ext>
+    </p:extLst>
+  </p:cSld>
+  <p:clrMapOvr>
+    <a:masterClrMapping/>
+  </p:clrMapOvr>
+</p:sld>
+</file>
+
+<file path=ppt/slides/slide17.xml><?xml version="1.0" encoding="utf-8"?>
+<p:sld xmlns:a="http://schemas.openxmlformats.org/drawingml/2006/main" xmlns:r="http://schemas.openxmlformats.org/officeDocument/2006/relationships" xmlns:p="http://schemas.openxmlformats.org/presentationml/2006/main">
+  <p:cSld>
+    <p:spTree>
+      <p:nvGrpSpPr>
+        <p:cNvPr id="1" name=""/>
+        <p:cNvGrpSpPr/>
+        <p:nvPr/>
+      </p:nvGrpSpPr>
+      <p:grpSpPr>
+        <a:xfrm>
+          <a:off x="0" y="0"/>
+          <a:ext cx="0" cy="0"/>
+          <a:chOff x="0" y="0"/>
+          <a:chExt cx="0" cy="0"/>
+        </a:xfrm>
+      </p:grpSpPr>
+      <p:sp>
+        <p:nvSpPr>
+          <p:cNvPr id="2" name="Title 1">
+            <a:extLst>
+              <a:ext uri="{FF2B5EF4-FFF2-40B4-BE49-F238E27FC236}">
+                <a16:creationId xmlns:a16="http://schemas.microsoft.com/office/drawing/2014/main" id="{8857B5A0-47EC-4295-9764-0CD017F4EC69}"/>
+              </a:ext>
+            </a:extLst>
+          </p:cNvPr>
+          <p:cNvSpPr>
+            <a:spLocks noGrp="1"/>
+          </p:cNvSpPr>
+          <p:nvPr>
+            <p:ph type="title"/>
+          </p:nvPr>
+        </p:nvSpPr>
+        <p:spPr/>
+        <p:txBody>
+          <a:bodyPr/>
+          <a:lstStyle/>
+          <a:p>
+            <a:r>
+              <a:rPr lang="en-US" dirty="0">
+                <a:latin typeface="Segoe UI" panose="020B0502040204020203" pitchFamily="34" charset="0"/>
+                <a:cs typeface="Segoe UI" panose="020B0502040204020203" pitchFamily="34" charset="0"/>
+              </a:rPr>
+              <a:t>LỰA CHỌN MÔ HÌNH</a:t>
+            </a:r>
+          </a:p>
+        </p:txBody>
+      </p:sp>
+      <p:sp>
+        <p:nvSpPr>
+          <p:cNvPr id="3" name="Text Placeholder 2">
+            <a:extLst>
+              <a:ext uri="{FF2B5EF4-FFF2-40B4-BE49-F238E27FC236}">
+                <a16:creationId xmlns:a16="http://schemas.microsoft.com/office/drawing/2014/main" id="{B81AEEE2-0573-4501-9907-775EF4D621FC}"/>
+              </a:ext>
+            </a:extLst>
+          </p:cNvPr>
+          <p:cNvSpPr>
+            <a:spLocks noGrp="1"/>
+          </p:cNvSpPr>
+          <p:nvPr>
+            <p:ph type="body" idx="1"/>
+          </p:nvPr>
+        </p:nvSpPr>
+        <p:spPr/>
+        <p:txBody>
+          <a:bodyPr/>
+          <a:lstStyle/>
+          <a:p>
+            <a:endParaRPr lang="en-US"/>
+          </a:p>
+        </p:txBody>
+      </p:sp>
+    </p:spTree>
+    <p:extLst>
+      <p:ext uri="{BB962C8B-B14F-4D97-AF65-F5344CB8AC3E}">
+        <p14:creationId xmlns:p14="http://schemas.microsoft.com/office/powerpoint/2010/main" val="3049024097"/>
+      </p:ext>
+    </p:extLst>
+  </p:cSld>
+  <p:clrMapOvr>
+    <a:masterClrMapping/>
+  </p:clrMapOvr>
+</p:sld>
+</file>
+
+<file path=ppt/slides/slide18.xml><?xml version="1.0" encoding="utf-8"?>
+<p:sld xmlns:a="http://schemas.openxmlformats.org/drawingml/2006/main" xmlns:r="http://schemas.openxmlformats.org/officeDocument/2006/relationships" xmlns:p="http://schemas.openxmlformats.org/presentationml/2006/main">
+  <p:cSld>
+    <p:spTree>
+      <p:nvGrpSpPr>
+        <p:cNvPr id="1" name=""/>
+        <p:cNvGrpSpPr/>
+        <p:nvPr/>
+      </p:nvGrpSpPr>
+      <p:grpSpPr>
+        <a:xfrm>
+          <a:off x="0" y="0"/>
+          <a:ext cx="0" cy="0"/>
+          <a:chOff x="0" y="0"/>
+          <a:chExt cx="0" cy="0"/>
+        </a:xfrm>
+      </p:grpSpPr>
+      <p:sp>
+        <p:nvSpPr>
+          <p:cNvPr id="2" name="Title 1">
+            <a:extLst>
+              <a:ext uri="{FF2B5EF4-FFF2-40B4-BE49-F238E27FC236}">
+                <a16:creationId xmlns:a16="http://schemas.microsoft.com/office/drawing/2014/main" id="{A928474C-ABE0-4D5A-A311-914D490EEEFB}"/>
+              </a:ext>
+            </a:extLst>
+          </p:cNvPr>
+          <p:cNvSpPr>
+            <a:spLocks noGrp="1"/>
+          </p:cNvSpPr>
+          <p:nvPr>
+            <p:ph type="title"/>
+          </p:nvPr>
+        </p:nvSpPr>
+        <p:spPr/>
+        <p:txBody>
+          <a:bodyPr/>
+          <a:lstStyle/>
+          <a:p>
+            <a:r>
+              <a:rPr lang="en-US" dirty="0">
+                <a:latin typeface="Segoe UI" panose="020B0502040204020203" pitchFamily="34" charset="0"/>
+                <a:cs typeface="Segoe UI" panose="020B0502040204020203" pitchFamily="34" charset="0"/>
+              </a:rPr>
+              <a:t>LỰA CHỌN MÔ HÌNH</a:t>
+            </a:r>
+          </a:p>
+        </p:txBody>
+      </p:sp>
+      <p:sp>
+        <p:nvSpPr>
+          <p:cNvPr id="3" name="Content Placeholder 2">
+            <a:extLst>
+              <a:ext uri="{FF2B5EF4-FFF2-40B4-BE49-F238E27FC236}">
+                <a16:creationId xmlns:a16="http://schemas.microsoft.com/office/drawing/2014/main" id="{18606ED0-F345-4E44-B51A-55938495833C}"/>
+              </a:ext>
+            </a:extLst>
+          </p:cNvPr>
+          <p:cNvSpPr>
+            <a:spLocks noGrp="1"/>
+          </p:cNvSpPr>
+          <p:nvPr>
+            <p:ph idx="1"/>
+          </p:nvPr>
+        </p:nvSpPr>
+        <p:spPr/>
+        <p:txBody>
+          <a:bodyPr/>
+          <a:lstStyle/>
+          <a:p>
+            <a:r>
+              <a:rPr lang="en-US" dirty="0" err="1">
+                <a:latin typeface="Segoe UI" panose="020B0502040204020203" pitchFamily="34" charset="0"/>
+                <a:cs typeface="Segoe UI" panose="020B0502040204020203" pitchFamily="34" charset="0"/>
+              </a:rPr>
+              <a:t>Thay</a:t>
+            </a:r>
+            <a:r>
+              <a:rPr lang="en-US" dirty="0">
+                <a:latin typeface="Segoe UI" panose="020B0502040204020203" pitchFamily="34" charset="0"/>
+                <a:cs typeface="Segoe UI" panose="020B0502040204020203" pitchFamily="34" charset="0"/>
+              </a:rPr>
+              <a:t> </a:t>
+            </a:r>
+            <a:r>
+              <a:rPr lang="en-US" dirty="0" err="1">
+                <a:latin typeface="Segoe UI" panose="020B0502040204020203" pitchFamily="34" charset="0"/>
+                <a:cs typeface="Segoe UI" panose="020B0502040204020203" pitchFamily="34" charset="0"/>
+              </a:rPr>
+              <a:t>đổi</a:t>
+            </a:r>
+            <a:r>
+              <a:rPr lang="en-US" dirty="0">
+                <a:latin typeface="Segoe UI" panose="020B0502040204020203" pitchFamily="34" charset="0"/>
+                <a:cs typeface="Segoe UI" panose="020B0502040204020203" pitchFamily="34" charset="0"/>
+              </a:rPr>
+              <a:t> </a:t>
+            </a:r>
+            <a:r>
+              <a:rPr lang="en-US" dirty="0" err="1">
+                <a:latin typeface="Segoe UI" panose="020B0502040204020203" pitchFamily="34" charset="0"/>
+                <a:cs typeface="Segoe UI" panose="020B0502040204020203" pitchFamily="34" charset="0"/>
+              </a:rPr>
+              <a:t>các</a:t>
+            </a:r>
+            <a:r>
+              <a:rPr lang="en-US" dirty="0">
+                <a:latin typeface="Segoe UI" panose="020B0502040204020203" pitchFamily="34" charset="0"/>
+                <a:cs typeface="Segoe UI" panose="020B0502040204020203" pitchFamily="34" charset="0"/>
+              </a:rPr>
+              <a:t> </a:t>
+            </a:r>
+            <a:r>
+              <a:rPr lang="en-US" dirty="0" err="1">
+                <a:latin typeface="Segoe UI" panose="020B0502040204020203" pitchFamily="34" charset="0"/>
+                <a:cs typeface="Segoe UI" panose="020B0502040204020203" pitchFamily="34" charset="0"/>
+              </a:rPr>
+              <a:t>siêu</a:t>
+            </a:r>
+            <a:r>
+              <a:rPr lang="en-US" dirty="0">
+                <a:latin typeface="Segoe UI" panose="020B0502040204020203" pitchFamily="34" charset="0"/>
+                <a:cs typeface="Segoe UI" panose="020B0502040204020203" pitchFamily="34" charset="0"/>
+              </a:rPr>
+              <a:t> </a:t>
+            </a:r>
+            <a:r>
+              <a:rPr lang="en-US" dirty="0" err="1">
+                <a:latin typeface="Segoe UI" panose="020B0502040204020203" pitchFamily="34" charset="0"/>
+                <a:cs typeface="Segoe UI" panose="020B0502040204020203" pitchFamily="34" charset="0"/>
+              </a:rPr>
+              <a:t>tham</a:t>
+            </a:r>
+            <a:r>
+              <a:rPr lang="en-US" dirty="0">
+                <a:latin typeface="Segoe UI" panose="020B0502040204020203" pitchFamily="34" charset="0"/>
+                <a:cs typeface="Segoe UI" panose="020B0502040204020203" pitchFamily="34" charset="0"/>
+              </a:rPr>
+              <a:t> </a:t>
+            </a:r>
+            <a:r>
+              <a:rPr lang="en-US" dirty="0" err="1">
+                <a:latin typeface="Segoe UI" panose="020B0502040204020203" pitchFamily="34" charset="0"/>
+                <a:cs typeface="Segoe UI" panose="020B0502040204020203" pitchFamily="34" charset="0"/>
+              </a:rPr>
+              <a:t>số</a:t>
+            </a:r>
+            <a:r>
+              <a:rPr lang="en-US" dirty="0">
+                <a:latin typeface="Segoe UI" panose="020B0502040204020203" pitchFamily="34" charset="0"/>
+                <a:cs typeface="Segoe UI" panose="020B0502040204020203" pitchFamily="34" charset="0"/>
+              </a:rPr>
+              <a:t> </a:t>
+            </a:r>
+            <a:r>
+              <a:rPr lang="en-US" dirty="0" err="1">
+                <a:latin typeface="Segoe UI" panose="020B0502040204020203" pitchFamily="34" charset="0"/>
+                <a:cs typeface="Segoe UI" panose="020B0502040204020203" pitchFamily="34" charset="0"/>
+              </a:rPr>
+              <a:t>sau</a:t>
+            </a:r>
+            <a:r>
+              <a:rPr lang="en-US" dirty="0">
+                <a:latin typeface="Segoe UI" panose="020B0502040204020203" pitchFamily="34" charset="0"/>
+                <a:cs typeface="Segoe UI" panose="020B0502040204020203" pitchFamily="34" charset="0"/>
+              </a:rPr>
+              <a:t> </a:t>
+            </a:r>
+            <a:r>
+              <a:rPr lang="en-US" dirty="0" err="1">
+                <a:latin typeface="Segoe UI" panose="020B0502040204020203" pitchFamily="34" charset="0"/>
+                <a:cs typeface="Segoe UI" panose="020B0502040204020203" pitchFamily="34" charset="0"/>
+              </a:rPr>
+              <a:t>để</a:t>
+            </a:r>
+            <a:r>
+              <a:rPr lang="en-US" dirty="0">
+                <a:latin typeface="Segoe UI" panose="020B0502040204020203" pitchFamily="34" charset="0"/>
+                <a:cs typeface="Segoe UI" panose="020B0502040204020203" pitchFamily="34" charset="0"/>
+              </a:rPr>
+              <a:t> </a:t>
+            </a:r>
+            <a:r>
+              <a:rPr lang="en-US" dirty="0" err="1">
+                <a:latin typeface="Segoe UI" panose="020B0502040204020203" pitchFamily="34" charset="0"/>
+                <a:cs typeface="Segoe UI" panose="020B0502040204020203" pitchFamily="34" charset="0"/>
+              </a:rPr>
+              <a:t>lựa</a:t>
+            </a:r>
+            <a:r>
+              <a:rPr lang="en-US" dirty="0">
+                <a:latin typeface="Segoe UI" panose="020B0502040204020203" pitchFamily="34" charset="0"/>
+                <a:cs typeface="Segoe UI" panose="020B0502040204020203" pitchFamily="34" charset="0"/>
+              </a:rPr>
+              <a:t> </a:t>
+            </a:r>
+            <a:r>
+              <a:rPr lang="en-US" dirty="0" err="1">
+                <a:latin typeface="Segoe UI" panose="020B0502040204020203" pitchFamily="34" charset="0"/>
+                <a:cs typeface="Segoe UI" panose="020B0502040204020203" pitchFamily="34" charset="0"/>
+              </a:rPr>
+              <a:t>chọn</a:t>
+            </a:r>
+            <a:r>
+              <a:rPr lang="en-US" dirty="0">
+                <a:latin typeface="Segoe UI" panose="020B0502040204020203" pitchFamily="34" charset="0"/>
+                <a:cs typeface="Segoe UI" panose="020B0502040204020203" pitchFamily="34" charset="0"/>
+              </a:rPr>
+              <a:t> </a:t>
+            </a:r>
+            <a:r>
+              <a:rPr lang="en-US" dirty="0" err="1">
+                <a:latin typeface="Segoe UI" panose="020B0502040204020203" pitchFamily="34" charset="0"/>
+                <a:cs typeface="Segoe UI" panose="020B0502040204020203" pitchFamily="34" charset="0"/>
+              </a:rPr>
+              <a:t>mô</a:t>
+            </a:r>
+            <a:r>
+              <a:rPr lang="en-US" dirty="0">
+                <a:latin typeface="Segoe UI" panose="020B0502040204020203" pitchFamily="34" charset="0"/>
+                <a:cs typeface="Segoe UI" panose="020B0502040204020203" pitchFamily="34" charset="0"/>
+              </a:rPr>
+              <a:t> </a:t>
+            </a:r>
+            <a:r>
+              <a:rPr lang="en-US" dirty="0" err="1">
+                <a:latin typeface="Segoe UI" panose="020B0502040204020203" pitchFamily="34" charset="0"/>
+                <a:cs typeface="Segoe UI" panose="020B0502040204020203" pitchFamily="34" charset="0"/>
+              </a:rPr>
+              <a:t>hình</a:t>
+            </a:r>
+            <a:r>
+              <a:rPr lang="en-US" dirty="0">
+                <a:latin typeface="Segoe UI" panose="020B0502040204020203" pitchFamily="34" charset="0"/>
+                <a:cs typeface="Segoe UI" panose="020B0502040204020203" pitchFamily="34" charset="0"/>
+              </a:rPr>
+              <a:t> </a:t>
+            </a:r>
+            <a:r>
+              <a:rPr lang="en-US" dirty="0" err="1">
+                <a:latin typeface="Segoe UI" panose="020B0502040204020203" pitchFamily="34" charset="0"/>
+                <a:cs typeface="Segoe UI" panose="020B0502040204020203" pitchFamily="34" charset="0"/>
+              </a:rPr>
+              <a:t>có</a:t>
+            </a:r>
+            <a:r>
+              <a:rPr lang="en-US" dirty="0">
+                <a:latin typeface="Segoe UI" panose="020B0502040204020203" pitchFamily="34" charset="0"/>
+                <a:cs typeface="Segoe UI" panose="020B0502040204020203" pitchFamily="34" charset="0"/>
+              </a:rPr>
+              <a:t> </a:t>
+            </a:r>
+            <a:r>
+              <a:rPr lang="en-US" dirty="0" err="1">
+                <a:latin typeface="Segoe UI" panose="020B0502040204020203" pitchFamily="34" charset="0"/>
+                <a:cs typeface="Segoe UI" panose="020B0502040204020203" pitchFamily="34" charset="0"/>
+              </a:rPr>
+              <a:t>độ</a:t>
+            </a:r>
+            <a:r>
+              <a:rPr lang="en-US" dirty="0">
+                <a:latin typeface="Segoe UI" panose="020B0502040204020203" pitchFamily="34" charset="0"/>
+                <a:cs typeface="Segoe UI" panose="020B0502040204020203" pitchFamily="34" charset="0"/>
+              </a:rPr>
+              <a:t> </a:t>
+            </a:r>
+            <a:r>
+              <a:rPr lang="en-US" dirty="0" err="1">
+                <a:latin typeface="Segoe UI" panose="020B0502040204020203" pitchFamily="34" charset="0"/>
+                <a:cs typeface="Segoe UI" panose="020B0502040204020203" pitchFamily="34" charset="0"/>
+              </a:rPr>
+              <a:t>lỗi</a:t>
+            </a:r>
+            <a:r>
+              <a:rPr lang="en-US" dirty="0">
+                <a:latin typeface="Segoe UI" panose="020B0502040204020203" pitchFamily="34" charset="0"/>
+                <a:cs typeface="Segoe UI" panose="020B0502040204020203" pitchFamily="34" charset="0"/>
+              </a:rPr>
+              <a:t> </a:t>
+            </a:r>
+            <a:r>
+              <a:rPr lang="en-US" dirty="0" err="1">
+                <a:latin typeface="Segoe UI" panose="020B0502040204020203" pitchFamily="34" charset="0"/>
+                <a:cs typeface="Segoe UI" panose="020B0502040204020203" pitchFamily="34" charset="0"/>
+              </a:rPr>
+              <a:t>trên</a:t>
+            </a:r>
+            <a:r>
+              <a:rPr lang="en-US" dirty="0">
+                <a:latin typeface="Segoe UI" panose="020B0502040204020203" pitchFamily="34" charset="0"/>
+                <a:cs typeface="Segoe UI" panose="020B0502040204020203" pitchFamily="34" charset="0"/>
+              </a:rPr>
+              <a:t> </a:t>
+            </a:r>
+            <a:r>
+              <a:rPr lang="en-US" dirty="0" err="1">
+                <a:latin typeface="Segoe UI" panose="020B0502040204020203" pitchFamily="34" charset="0"/>
+                <a:cs typeface="Segoe UI" panose="020B0502040204020203" pitchFamily="34" charset="0"/>
+              </a:rPr>
+              <a:t>tập</a:t>
+            </a:r>
+            <a:r>
+              <a:rPr lang="en-US" dirty="0">
+                <a:latin typeface="Segoe UI" panose="020B0502040204020203" pitchFamily="34" charset="0"/>
+                <a:cs typeface="Segoe UI" panose="020B0502040204020203" pitchFamily="34" charset="0"/>
+              </a:rPr>
+              <a:t> validation </a:t>
+            </a:r>
+            <a:r>
+              <a:rPr lang="en-US" dirty="0" err="1">
+                <a:latin typeface="Segoe UI" panose="020B0502040204020203" pitchFamily="34" charset="0"/>
+                <a:cs typeface="Segoe UI" panose="020B0502040204020203" pitchFamily="34" charset="0"/>
+              </a:rPr>
+              <a:t>thấp</a:t>
+            </a:r>
+            <a:r>
+              <a:rPr lang="en-US" dirty="0">
+                <a:latin typeface="Segoe UI" panose="020B0502040204020203" pitchFamily="34" charset="0"/>
+                <a:cs typeface="Segoe UI" panose="020B0502040204020203" pitchFamily="34" charset="0"/>
+              </a:rPr>
+              <a:t> </a:t>
+            </a:r>
+            <a:r>
+              <a:rPr lang="en-US" dirty="0" err="1">
+                <a:latin typeface="Segoe UI" panose="020B0502040204020203" pitchFamily="34" charset="0"/>
+                <a:cs typeface="Segoe UI" panose="020B0502040204020203" pitchFamily="34" charset="0"/>
+              </a:rPr>
+              <a:t>nhất</a:t>
+            </a:r>
+            <a:r>
+              <a:rPr lang="en-US" dirty="0">
+                <a:latin typeface="Segoe UI" panose="020B0502040204020203" pitchFamily="34" charset="0"/>
+                <a:cs typeface="Segoe UI" panose="020B0502040204020203" pitchFamily="34" charset="0"/>
+              </a:rPr>
+              <a:t>:</a:t>
+            </a:r>
+          </a:p>
+          <a:p>
+            <a:pPr lvl="1"/>
+            <a:r>
+              <a:rPr lang="en-US" dirty="0" err="1">
+                <a:latin typeface="Segoe UI" panose="020B0502040204020203" pitchFamily="34" charset="0"/>
+                <a:cs typeface="Segoe UI" panose="020B0502040204020203" pitchFamily="34" charset="0"/>
+              </a:rPr>
+              <a:t>Số</a:t>
+            </a:r>
+            <a:r>
+              <a:rPr lang="en-US" dirty="0">
+                <a:latin typeface="Segoe UI" panose="020B0502040204020203" pitchFamily="34" charset="0"/>
+                <a:cs typeface="Segoe UI" panose="020B0502040204020203" pitchFamily="34" charset="0"/>
+              </a:rPr>
+              <a:t> </a:t>
+            </a:r>
+            <a:r>
+              <a:rPr lang="en-US" dirty="0" err="1">
+                <a:latin typeface="Segoe UI" panose="020B0502040204020203" pitchFamily="34" charset="0"/>
+                <a:cs typeface="Segoe UI" panose="020B0502040204020203" pitchFamily="34" charset="0"/>
+              </a:rPr>
+              <a:t>chiều</a:t>
+            </a:r>
+            <a:r>
+              <a:rPr lang="en-US" dirty="0">
+                <a:latin typeface="Segoe UI" panose="020B0502040204020203" pitchFamily="34" charset="0"/>
+                <a:cs typeface="Segoe UI" panose="020B0502040204020203" pitchFamily="34" charset="0"/>
+              </a:rPr>
+              <a:t> </a:t>
+            </a:r>
+            <a:r>
+              <a:rPr lang="en-US" dirty="0" err="1">
+                <a:latin typeface="Segoe UI" panose="020B0502040204020203" pitchFamily="34" charset="0"/>
+                <a:cs typeface="Segoe UI" panose="020B0502040204020203" pitchFamily="34" charset="0"/>
+              </a:rPr>
+              <a:t>của</a:t>
+            </a:r>
+            <a:r>
+              <a:rPr lang="en-US" dirty="0">
+                <a:latin typeface="Segoe UI" panose="020B0502040204020203" pitchFamily="34" charset="0"/>
+                <a:cs typeface="Segoe UI" panose="020B0502040204020203" pitchFamily="34" charset="0"/>
+              </a:rPr>
+              <a:t> PCA: 50, 100, 150, 200</a:t>
+            </a:r>
+          </a:p>
+          <a:p>
+            <a:pPr lvl="1"/>
+            <a:r>
+              <a:rPr lang="en-US" dirty="0">
+                <a:latin typeface="Segoe UI" panose="020B0502040204020203" pitchFamily="34" charset="0"/>
+                <a:cs typeface="Segoe UI" panose="020B0502040204020203" pitchFamily="34" charset="0"/>
+              </a:rPr>
+              <a:t>Alpha </a:t>
+            </a:r>
+            <a:r>
+              <a:rPr lang="en-US" dirty="0" err="1">
+                <a:latin typeface="Segoe UI" panose="020B0502040204020203" pitchFamily="34" charset="0"/>
+                <a:cs typeface="Segoe UI" panose="020B0502040204020203" pitchFamily="34" charset="0"/>
+              </a:rPr>
+              <a:t>trong</a:t>
+            </a:r>
+            <a:r>
+              <a:rPr lang="en-US" dirty="0">
+                <a:latin typeface="Segoe UI" panose="020B0502040204020203" pitchFamily="34" charset="0"/>
+                <a:cs typeface="Segoe UI" panose="020B0502040204020203" pitchFamily="34" charset="0"/>
+              </a:rPr>
+              <a:t> MLP: 0.1, 1, 10, 100</a:t>
+            </a:r>
+          </a:p>
+          <a:p>
+            <a:r>
+              <a:rPr lang="en-US" dirty="0">
+                <a:latin typeface="Segoe UI" panose="020B0502040204020203" pitchFamily="34" charset="0"/>
+                <a:cs typeface="Segoe UI" panose="020B0502040204020203" pitchFamily="34" charset="0"/>
+              </a:rPr>
+              <a:t>Sau </a:t>
+            </a:r>
+            <a:r>
+              <a:rPr lang="en-US" dirty="0" err="1">
+                <a:latin typeface="Segoe UI" panose="020B0502040204020203" pitchFamily="34" charset="0"/>
+                <a:cs typeface="Segoe UI" panose="020B0502040204020203" pitchFamily="34" charset="0"/>
+              </a:rPr>
+              <a:t>khi</a:t>
+            </a:r>
+            <a:r>
+              <a:rPr lang="en-US" dirty="0">
+                <a:latin typeface="Segoe UI" panose="020B0502040204020203" pitchFamily="34" charset="0"/>
+                <a:cs typeface="Segoe UI" panose="020B0502040204020203" pitchFamily="34" charset="0"/>
+              </a:rPr>
+              <a:t> </a:t>
+            </a:r>
+            <a:r>
+              <a:rPr lang="en-US" dirty="0" err="1">
+                <a:latin typeface="Segoe UI" panose="020B0502040204020203" pitchFamily="34" charset="0"/>
+                <a:cs typeface="Segoe UI" panose="020B0502040204020203" pitchFamily="34" charset="0"/>
+              </a:rPr>
+              <a:t>chạy</a:t>
+            </a:r>
+            <a:r>
+              <a:rPr lang="en-US" dirty="0">
+                <a:latin typeface="Segoe UI" panose="020B0502040204020203" pitchFamily="34" charset="0"/>
+                <a:cs typeface="Segoe UI" panose="020B0502040204020203" pitchFamily="34" charset="0"/>
+              </a:rPr>
+              <a:t> </a:t>
+            </a:r>
+            <a:r>
+              <a:rPr lang="en-US" dirty="0" err="1">
+                <a:latin typeface="Segoe UI" panose="020B0502040204020203" pitchFamily="34" charset="0"/>
+                <a:cs typeface="Segoe UI" panose="020B0502040204020203" pitchFamily="34" charset="0"/>
+              </a:rPr>
+              <a:t>tất</a:t>
+            </a:r>
+            <a:r>
+              <a:rPr lang="en-US" dirty="0">
+                <a:latin typeface="Segoe UI" panose="020B0502040204020203" pitchFamily="34" charset="0"/>
+                <a:cs typeface="Segoe UI" panose="020B0502040204020203" pitchFamily="34" charset="0"/>
+              </a:rPr>
+              <a:t> </a:t>
+            </a:r>
+            <a:r>
+              <a:rPr lang="en-US" dirty="0" err="1">
+                <a:latin typeface="Segoe UI" panose="020B0502040204020203" pitchFamily="34" charset="0"/>
+                <a:cs typeface="Segoe UI" panose="020B0502040204020203" pitchFamily="34" charset="0"/>
+              </a:rPr>
+              <a:t>cả</a:t>
+            </a:r>
+            <a:r>
+              <a:rPr lang="en-US" dirty="0">
+                <a:latin typeface="Segoe UI" panose="020B0502040204020203" pitchFamily="34" charset="0"/>
+                <a:cs typeface="Segoe UI" panose="020B0502040204020203" pitchFamily="34" charset="0"/>
+              </a:rPr>
+              <a:t> </a:t>
+            </a:r>
+            <a:r>
+              <a:rPr lang="en-US" dirty="0" err="1">
+                <a:latin typeface="Segoe UI" panose="020B0502040204020203" pitchFamily="34" charset="0"/>
+                <a:cs typeface="Segoe UI" panose="020B0502040204020203" pitchFamily="34" charset="0"/>
+              </a:rPr>
+              <a:t>các</a:t>
+            </a:r>
+            <a:r>
+              <a:rPr lang="en-US" dirty="0">
+                <a:latin typeface="Segoe UI" panose="020B0502040204020203" pitchFamily="34" charset="0"/>
+                <a:cs typeface="Segoe UI" panose="020B0502040204020203" pitchFamily="34" charset="0"/>
+              </a:rPr>
+              <a:t> </a:t>
+            </a:r>
+            <a:r>
+              <a:rPr lang="en-US" dirty="0" err="1">
+                <a:latin typeface="Segoe UI" panose="020B0502040204020203" pitchFamily="34" charset="0"/>
+                <a:cs typeface="Segoe UI" panose="020B0502040204020203" pitchFamily="34" charset="0"/>
+              </a:rPr>
+              <a:t>bộ</a:t>
+            </a:r>
+            <a:r>
+              <a:rPr lang="en-US" dirty="0">
+                <a:latin typeface="Segoe UI" panose="020B0502040204020203" pitchFamily="34" charset="0"/>
+                <a:cs typeface="Segoe UI" panose="020B0502040204020203" pitchFamily="34" charset="0"/>
+              </a:rPr>
+              <a:t> </a:t>
+            </a:r>
+            <a:r>
+              <a:rPr lang="en-US" dirty="0" err="1">
+                <a:latin typeface="Segoe UI" panose="020B0502040204020203" pitchFamily="34" charset="0"/>
+                <a:cs typeface="Segoe UI" panose="020B0502040204020203" pitchFamily="34" charset="0"/>
+              </a:rPr>
+              <a:t>siêu</a:t>
+            </a:r>
+            <a:r>
+              <a:rPr lang="en-US" dirty="0">
+                <a:latin typeface="Segoe UI" panose="020B0502040204020203" pitchFamily="34" charset="0"/>
+                <a:cs typeface="Segoe UI" panose="020B0502040204020203" pitchFamily="34" charset="0"/>
+              </a:rPr>
+              <a:t> </a:t>
+            </a:r>
+            <a:r>
+              <a:rPr lang="en-US" dirty="0" err="1">
+                <a:latin typeface="Segoe UI" panose="020B0502040204020203" pitchFamily="34" charset="0"/>
+                <a:cs typeface="Segoe UI" panose="020B0502040204020203" pitchFamily="34" charset="0"/>
+              </a:rPr>
+              <a:t>tham</a:t>
+            </a:r>
+            <a:r>
+              <a:rPr lang="en-US" dirty="0">
+                <a:latin typeface="Segoe UI" panose="020B0502040204020203" pitchFamily="34" charset="0"/>
+                <a:cs typeface="Segoe UI" panose="020B0502040204020203" pitchFamily="34" charset="0"/>
+              </a:rPr>
+              <a:t> </a:t>
+            </a:r>
+            <a:r>
+              <a:rPr lang="en-US" dirty="0" err="1">
+                <a:latin typeface="Segoe UI" panose="020B0502040204020203" pitchFamily="34" charset="0"/>
+                <a:cs typeface="Segoe UI" panose="020B0502040204020203" pitchFamily="34" charset="0"/>
+              </a:rPr>
+              <a:t>số</a:t>
+            </a:r>
+            <a:r>
+              <a:rPr lang="en-US" dirty="0">
+                <a:latin typeface="Segoe UI" panose="020B0502040204020203" pitchFamily="34" charset="0"/>
+                <a:cs typeface="Segoe UI" panose="020B0502040204020203" pitchFamily="34" charset="0"/>
+              </a:rPr>
+              <a:t> </a:t>
+            </a:r>
+            <a:r>
+              <a:rPr lang="en-US" dirty="0" err="1">
+                <a:latin typeface="Segoe UI" panose="020B0502040204020203" pitchFamily="34" charset="0"/>
+                <a:cs typeface="Segoe UI" panose="020B0502040204020203" pitchFamily="34" charset="0"/>
+              </a:rPr>
+              <a:t>trên</a:t>
+            </a:r>
+            <a:r>
+              <a:rPr lang="en-US" dirty="0">
+                <a:latin typeface="Segoe UI" panose="020B0502040204020203" pitchFamily="34" charset="0"/>
+                <a:cs typeface="Segoe UI" panose="020B0502040204020203" pitchFamily="34" charset="0"/>
+              </a:rPr>
+              <a:t> </a:t>
+            </a:r>
+            <a:r>
+              <a:rPr lang="en-US" dirty="0" err="1">
+                <a:latin typeface="Segoe UI" panose="020B0502040204020203" pitchFamily="34" charset="0"/>
+                <a:cs typeface="Segoe UI" panose="020B0502040204020203" pitchFamily="34" charset="0"/>
+              </a:rPr>
+              <a:t>thì</a:t>
+            </a:r>
+            <a:r>
+              <a:rPr lang="en-US" dirty="0">
+                <a:latin typeface="Segoe UI" panose="020B0502040204020203" pitchFamily="34" charset="0"/>
+                <a:cs typeface="Segoe UI" panose="020B0502040204020203" pitchFamily="34" charset="0"/>
+              </a:rPr>
+              <a:t> </a:t>
+            </a:r>
+            <a:r>
+              <a:rPr lang="en-US" dirty="0" err="1">
+                <a:latin typeface="Segoe UI" panose="020B0502040204020203" pitchFamily="34" charset="0"/>
+                <a:cs typeface="Segoe UI" panose="020B0502040204020203" pitchFamily="34" charset="0"/>
+              </a:rPr>
+              <a:t>thu</a:t>
+            </a:r>
+            <a:r>
+              <a:rPr lang="en-US" dirty="0">
+                <a:latin typeface="Segoe UI" panose="020B0502040204020203" pitchFamily="34" charset="0"/>
+                <a:cs typeface="Segoe UI" panose="020B0502040204020203" pitchFamily="34" charset="0"/>
+              </a:rPr>
+              <a:t> đ</a:t>
+            </a:r>
+            <a:r>
+              <a:rPr lang="vi-VN" dirty="0">
+                <a:latin typeface="Segoe UI" panose="020B0502040204020203" pitchFamily="34" charset="0"/>
+                <a:cs typeface="Segoe UI" panose="020B0502040204020203" pitchFamily="34" charset="0"/>
+              </a:rPr>
+              <a:t>ư</a:t>
+            </a:r>
+            <a:r>
+              <a:rPr lang="en-US" dirty="0" err="1">
+                <a:latin typeface="Segoe UI" panose="020B0502040204020203" pitchFamily="34" charset="0"/>
+                <a:cs typeface="Segoe UI" panose="020B0502040204020203" pitchFamily="34" charset="0"/>
+              </a:rPr>
+              <a:t>ợc</a:t>
+            </a:r>
+            <a:r>
+              <a:rPr lang="en-US" dirty="0">
+                <a:latin typeface="Segoe UI" panose="020B0502040204020203" pitchFamily="34" charset="0"/>
+                <a:cs typeface="Segoe UI" panose="020B0502040204020203" pitchFamily="34" charset="0"/>
+              </a:rPr>
+              <a:t> </a:t>
+            </a:r>
+            <a:r>
+              <a:rPr lang="en-US" dirty="0" err="1">
+                <a:latin typeface="Segoe UI" panose="020B0502040204020203" pitchFamily="34" charset="0"/>
+                <a:cs typeface="Segoe UI" panose="020B0502040204020203" pitchFamily="34" charset="0"/>
+              </a:rPr>
+              <a:t>kết</a:t>
+            </a:r>
+            <a:r>
+              <a:rPr lang="en-US" dirty="0">
+                <a:latin typeface="Segoe UI" panose="020B0502040204020203" pitchFamily="34" charset="0"/>
+                <a:cs typeface="Segoe UI" panose="020B0502040204020203" pitchFamily="34" charset="0"/>
+              </a:rPr>
+              <a:t> </a:t>
+            </a:r>
+            <a:r>
+              <a:rPr lang="en-US" dirty="0" err="1">
+                <a:latin typeface="Segoe UI" panose="020B0502040204020203" pitchFamily="34" charset="0"/>
+                <a:cs typeface="Segoe UI" panose="020B0502040204020203" pitchFamily="34" charset="0"/>
+              </a:rPr>
+              <a:t>quả</a:t>
+            </a:r>
+            <a:r>
+              <a:rPr lang="en-US" dirty="0">
+                <a:latin typeface="Segoe UI" panose="020B0502040204020203" pitchFamily="34" charset="0"/>
+                <a:cs typeface="Segoe UI" panose="020B0502040204020203" pitchFamily="34" charset="0"/>
+              </a:rPr>
+              <a:t> </a:t>
+            </a:r>
+            <a:r>
+              <a:rPr lang="en-US" dirty="0" err="1">
+                <a:latin typeface="Segoe UI" panose="020B0502040204020203" pitchFamily="34" charset="0"/>
+                <a:cs typeface="Segoe UI" panose="020B0502040204020203" pitchFamily="34" charset="0"/>
+              </a:rPr>
+              <a:t>tốt</a:t>
+            </a:r>
+            <a:r>
+              <a:rPr lang="en-US" dirty="0">
+                <a:latin typeface="Segoe UI" panose="020B0502040204020203" pitchFamily="34" charset="0"/>
+                <a:cs typeface="Segoe UI" panose="020B0502040204020203" pitchFamily="34" charset="0"/>
+              </a:rPr>
+              <a:t> </a:t>
+            </a:r>
+            <a:r>
+              <a:rPr lang="en-US" dirty="0" err="1">
+                <a:latin typeface="Segoe UI" panose="020B0502040204020203" pitchFamily="34" charset="0"/>
+                <a:cs typeface="Segoe UI" panose="020B0502040204020203" pitchFamily="34" charset="0"/>
+              </a:rPr>
+              <a:t>nhất</a:t>
+            </a:r>
+            <a:r>
+              <a:rPr lang="en-US" dirty="0">
+                <a:latin typeface="Segoe UI" panose="020B0502040204020203" pitchFamily="34" charset="0"/>
+                <a:cs typeface="Segoe UI" panose="020B0502040204020203" pitchFamily="34" charset="0"/>
+              </a:rPr>
+              <a:t> </a:t>
+            </a:r>
+            <a:r>
+              <a:rPr lang="en-US" dirty="0" err="1">
+                <a:latin typeface="Segoe UI" panose="020B0502040204020203" pitchFamily="34" charset="0"/>
+                <a:cs typeface="Segoe UI" panose="020B0502040204020203" pitchFamily="34" charset="0"/>
+              </a:rPr>
+              <a:t>là</a:t>
+            </a:r>
+            <a:r>
+              <a:rPr lang="en-US" dirty="0">
+                <a:latin typeface="Segoe UI" panose="020B0502040204020203" pitchFamily="34" charset="0"/>
+                <a:cs typeface="Segoe UI" panose="020B0502040204020203" pitchFamily="34" charset="0"/>
+              </a:rPr>
+              <a:t> </a:t>
+            </a:r>
+            <a:r>
+              <a:rPr lang="en-US" dirty="0" err="1">
+                <a:latin typeface="Segoe UI" panose="020B0502040204020203" pitchFamily="34" charset="0"/>
+                <a:cs typeface="Segoe UI" panose="020B0502040204020203" pitchFamily="34" charset="0"/>
+              </a:rPr>
+              <a:t>số</a:t>
+            </a:r>
+            <a:r>
+              <a:rPr lang="en-US" dirty="0">
+                <a:latin typeface="Segoe UI" panose="020B0502040204020203" pitchFamily="34" charset="0"/>
+                <a:cs typeface="Segoe UI" panose="020B0502040204020203" pitchFamily="34" charset="0"/>
+              </a:rPr>
+              <a:t> </a:t>
+            </a:r>
+            <a:r>
+              <a:rPr lang="en-US" dirty="0" err="1">
+                <a:latin typeface="Segoe UI" panose="020B0502040204020203" pitchFamily="34" charset="0"/>
+                <a:cs typeface="Segoe UI" panose="020B0502040204020203" pitchFamily="34" charset="0"/>
+              </a:rPr>
+              <a:t>chiều</a:t>
+            </a:r>
+            <a:r>
+              <a:rPr lang="en-US" dirty="0">
+                <a:latin typeface="Segoe UI" panose="020B0502040204020203" pitchFamily="34" charset="0"/>
+                <a:cs typeface="Segoe UI" panose="020B0502040204020203" pitchFamily="34" charset="0"/>
+              </a:rPr>
+              <a:t> = 200, alpha = 10</a:t>
+            </a:r>
+          </a:p>
+          <a:p>
+            <a:endParaRPr lang="en-US" dirty="0">
+              <a:latin typeface="Segoe UI" panose="020B0502040204020203" pitchFamily="34" charset="0"/>
+              <a:cs typeface="Segoe UI" panose="020B0502040204020203" pitchFamily="34" charset="0"/>
+            </a:endParaRPr>
+          </a:p>
+        </p:txBody>
+      </p:sp>
+    </p:spTree>
+    <p:extLst>
+      <p:ext uri="{BB962C8B-B14F-4D97-AF65-F5344CB8AC3E}">
+        <p14:creationId xmlns:p14="http://schemas.microsoft.com/office/powerpoint/2010/main" val="226968814"/>
+      </p:ext>
+    </p:extLst>
+  </p:cSld>
+  <p:clrMapOvr>
+    <a:masterClrMapping/>
+  </p:clrMapOvr>
+</p:sld>
+</file>
+
+<file path=ppt/slides/slide19.xml><?xml version="1.0" encoding="utf-8"?>
+<p:sld xmlns:a="http://schemas.openxmlformats.org/drawingml/2006/main" xmlns:r="http://schemas.openxmlformats.org/officeDocument/2006/relationships" xmlns:p="http://schemas.openxmlformats.org/presentationml/2006/main">
+  <p:cSld>
+    <p:spTree>
+      <p:nvGrpSpPr>
+        <p:cNvPr id="1" name=""/>
+        <p:cNvGrpSpPr/>
+        <p:nvPr/>
+      </p:nvGrpSpPr>
+      <p:grpSpPr>
+        <a:xfrm>
+          <a:off x="0" y="0"/>
+          <a:ext cx="0" cy="0"/>
+          <a:chOff x="0" y="0"/>
+          <a:chExt cx="0" cy="0"/>
+        </a:xfrm>
+      </p:grpSpPr>
+      <p:sp>
+        <p:nvSpPr>
+          <p:cNvPr id="2" name="Title 1">
+            <a:extLst>
+              <a:ext uri="{FF2B5EF4-FFF2-40B4-BE49-F238E27FC236}">
+                <a16:creationId xmlns:a16="http://schemas.microsoft.com/office/drawing/2014/main" id="{16A5732F-4DA9-439D-9A09-EDE9EA613D70}"/>
+              </a:ext>
+            </a:extLst>
+          </p:cNvPr>
+          <p:cNvSpPr>
+            <a:spLocks noGrp="1"/>
+          </p:cNvSpPr>
+          <p:nvPr>
+            <p:ph type="title"/>
+          </p:nvPr>
+        </p:nvSpPr>
+        <p:spPr/>
+        <p:txBody>
+          <a:bodyPr/>
+          <a:lstStyle/>
+          <a:p>
+            <a:r>
+              <a:rPr lang="en-US" dirty="0">
+                <a:latin typeface="Segoe UI" panose="020B0502040204020203" pitchFamily="34" charset="0"/>
+                <a:cs typeface="Segoe UI" panose="020B0502040204020203" pitchFamily="34" charset="0"/>
+              </a:rPr>
+              <a:t>LỰA CHỌN MÔ HÌNH</a:t>
+            </a:r>
+          </a:p>
+        </p:txBody>
+      </p:sp>
+      <p:sp>
+        <p:nvSpPr>
+          <p:cNvPr id="3" name="Content Placeholder 2">
+            <a:extLst>
+              <a:ext uri="{FF2B5EF4-FFF2-40B4-BE49-F238E27FC236}">
+                <a16:creationId xmlns:a16="http://schemas.microsoft.com/office/drawing/2014/main" id="{21265576-7584-414E-9F68-9E68B721E842}"/>
+              </a:ext>
+            </a:extLst>
+          </p:cNvPr>
+          <p:cNvSpPr>
+            <a:spLocks noGrp="1"/>
+          </p:cNvSpPr>
+          <p:nvPr>
+            <p:ph idx="1"/>
+          </p:nvPr>
+        </p:nvSpPr>
+        <p:spPr>
+          <a:xfrm>
+            <a:off x="517314" y="1488613"/>
+            <a:ext cx="8596668" cy="3880773"/>
+          </a:xfrm>
+        </p:spPr>
+        <p:txBody>
+          <a:bodyPr/>
+          <a:lstStyle/>
+          <a:p>
+            <a:r>
+              <a:rPr lang="en-US" dirty="0" err="1">
+                <a:latin typeface="Segoe UI" panose="020B0502040204020203" pitchFamily="34" charset="0"/>
+                <a:cs typeface="Segoe UI" panose="020B0502040204020203" pitchFamily="34" charset="0"/>
+              </a:rPr>
+              <a:t>Kết</a:t>
+            </a:r>
+            <a:r>
+              <a:rPr lang="en-US" dirty="0">
+                <a:latin typeface="Segoe UI" panose="020B0502040204020203" pitchFamily="34" charset="0"/>
+                <a:cs typeface="Segoe UI" panose="020B0502040204020203" pitchFamily="34" charset="0"/>
+              </a:rPr>
+              <a:t> </a:t>
+            </a:r>
+            <a:r>
+              <a:rPr lang="en-US" dirty="0" err="1">
+                <a:latin typeface="Segoe UI" panose="020B0502040204020203" pitchFamily="34" charset="0"/>
+                <a:cs typeface="Segoe UI" panose="020B0502040204020203" pitchFamily="34" charset="0"/>
+              </a:rPr>
+              <a:t>quả</a:t>
+            </a:r>
+            <a:r>
+              <a:rPr lang="en-US" dirty="0">
+                <a:latin typeface="Segoe UI" panose="020B0502040204020203" pitchFamily="34" charset="0"/>
+                <a:cs typeface="Segoe UI" panose="020B0502040204020203" pitchFamily="34" charset="0"/>
+              </a:rPr>
+              <a:t> </a:t>
+            </a:r>
+            <a:r>
+              <a:rPr lang="en-US" dirty="0" err="1">
+                <a:latin typeface="Segoe UI" panose="020B0502040204020203" pitchFamily="34" charset="0"/>
+                <a:cs typeface="Segoe UI" panose="020B0502040204020203" pitchFamily="34" charset="0"/>
+              </a:rPr>
+              <a:t>cụ</a:t>
+            </a:r>
+            <a:r>
+              <a:rPr lang="en-US" dirty="0">
+                <a:latin typeface="Segoe UI" panose="020B0502040204020203" pitchFamily="34" charset="0"/>
+                <a:cs typeface="Segoe UI" panose="020B0502040204020203" pitchFamily="34" charset="0"/>
+              </a:rPr>
+              <a:t> </a:t>
+            </a:r>
+            <a:r>
+              <a:rPr lang="en-US" dirty="0" err="1">
+                <a:latin typeface="Segoe UI" panose="020B0502040204020203" pitchFamily="34" charset="0"/>
+                <a:cs typeface="Segoe UI" panose="020B0502040204020203" pitchFamily="34" charset="0"/>
+              </a:rPr>
+              <a:t>thể</a:t>
+            </a:r>
+            <a:r>
+              <a:rPr lang="en-US" dirty="0">
+                <a:latin typeface="Segoe UI" panose="020B0502040204020203" pitchFamily="34" charset="0"/>
+                <a:cs typeface="Segoe UI" panose="020B0502040204020203" pitchFamily="34" charset="0"/>
+              </a:rPr>
+              <a:t> </a:t>
+            </a:r>
+            <a:r>
+              <a:rPr lang="en-US" dirty="0" err="1">
+                <a:latin typeface="Segoe UI" panose="020B0502040204020203" pitchFamily="34" charset="0"/>
+                <a:cs typeface="Segoe UI" panose="020B0502040204020203" pitchFamily="34" charset="0"/>
+              </a:rPr>
+              <a:t>nh</a:t>
+            </a:r>
+            <a:r>
+              <a:rPr lang="vi-VN" dirty="0">
+                <a:latin typeface="Segoe UI" panose="020B0502040204020203" pitchFamily="34" charset="0"/>
+                <a:cs typeface="Segoe UI" panose="020B0502040204020203" pitchFamily="34" charset="0"/>
+              </a:rPr>
+              <a:t>ư</a:t>
+            </a:r>
+            <a:r>
+              <a:rPr lang="en-US" dirty="0">
+                <a:latin typeface="Segoe UI" panose="020B0502040204020203" pitchFamily="34" charset="0"/>
+                <a:cs typeface="Segoe UI" panose="020B0502040204020203" pitchFamily="34" charset="0"/>
+              </a:rPr>
+              <a:t> </a:t>
+            </a:r>
+            <a:r>
+              <a:rPr lang="en-US" dirty="0" err="1">
+                <a:latin typeface="Segoe UI" panose="020B0502040204020203" pitchFamily="34" charset="0"/>
+                <a:cs typeface="Segoe UI" panose="020B0502040204020203" pitchFamily="34" charset="0"/>
+              </a:rPr>
+              <a:t>sau</a:t>
+            </a:r>
+            <a:r>
+              <a:rPr lang="en-US" dirty="0">
+                <a:latin typeface="Segoe UI" panose="020B0502040204020203" pitchFamily="34" charset="0"/>
+                <a:cs typeface="Segoe UI" panose="020B0502040204020203" pitchFamily="34" charset="0"/>
+              </a:rPr>
+              <a:t>:</a:t>
+            </a:r>
+          </a:p>
+          <a:p>
+            <a:pPr marL="0" indent="0">
+              <a:buNone/>
+            </a:pPr>
+            <a:endParaRPr lang="en-US" dirty="0">
+              <a:latin typeface="Segoe UI" panose="020B0502040204020203" pitchFamily="34" charset="0"/>
+              <a:cs typeface="Segoe UI" panose="020B0502040204020203" pitchFamily="34" charset="0"/>
+            </a:endParaRPr>
+          </a:p>
+        </p:txBody>
+      </p:sp>
+      <p:pic>
+        <p:nvPicPr>
+          <p:cNvPr id="4" name="Content Placeholder 3">
+            <a:extLst>
+              <a:ext uri="{FF2B5EF4-FFF2-40B4-BE49-F238E27FC236}">
+                <a16:creationId xmlns:a16="http://schemas.microsoft.com/office/drawing/2014/main" id="{53E8C87B-BCCD-4D72-B46E-A9E59F3A6491}"/>
+              </a:ext>
+            </a:extLst>
+          </p:cNvPr>
+          <p:cNvPicPr>
+            <a:picLocks noChangeAspect="1"/>
+          </p:cNvPicPr>
+          <p:nvPr/>
+        </p:nvPicPr>
+        <p:blipFill>
+          <a:blip r:embed="rId2"/>
+          <a:stretch>
+            <a:fillRect/>
+          </a:stretch>
+        </p:blipFill>
+        <p:spPr>
+          <a:xfrm>
+            <a:off x="757344" y="2213089"/>
+            <a:ext cx="9012680" cy="4644911"/>
+          </a:xfrm>
+          <a:prstGeom prst="rect">
+            <a:avLst/>
+          </a:prstGeom>
+        </p:spPr>
+      </p:pic>
+    </p:spTree>
+    <p:extLst>
+      <p:ext uri="{BB962C8B-B14F-4D97-AF65-F5344CB8AC3E}">
+        <p14:creationId xmlns:p14="http://schemas.microsoft.com/office/powerpoint/2010/main" val="3445921598"/>
+      </p:ext>
+    </p:extLst>
+  </p:cSld>
+  <p:clrMapOvr>
+    <a:masterClrMapping/>
+  </p:clrMapOvr>
 </p:sld>
 </file>
 
@@ -6422,131 +11673,159 @@
           <a:lstStyle/>
           <a:p>
             <a:r>
-              <a:rPr lang="vi-VN">
-                <a:latin typeface="Segoe UI" panose="020B0502040204020203" pitchFamily="34" charset="0"/>
-                <a:cs typeface="Segoe UI" panose="020B0502040204020203" pitchFamily="34" charset="0"/>
-              </a:rPr>
-              <a:t>Phân loại câu hỏi trong hệ thống hỏi và đáp của bệnh viện Đại học Y dược Thành phố Hồ Chí Minh. </a:t>
-            </a:r>
-            <a:endParaRPr lang="en-US">
+              <a:rPr lang="vi-VN" dirty="0">
+                <a:latin typeface="Segoe UI" panose="020B0502040204020203" pitchFamily="34" charset="0"/>
+                <a:cs typeface="Segoe UI" panose="020B0502040204020203" pitchFamily="34" charset="0"/>
+              </a:rPr>
+              <a:t>Phân loại câu hỏi trong hệ thống hỏi và đáp của bệnh việ</a:t>
+            </a:r>
+            <a:r>
+              <a:rPr lang="en-US" dirty="0">
+                <a:latin typeface="Segoe UI" panose="020B0502040204020203" pitchFamily="34" charset="0"/>
+                <a:cs typeface="Segoe UI" panose="020B0502040204020203" pitchFamily="34" charset="0"/>
+              </a:rPr>
+              <a:t>n.</a:t>
+            </a:r>
+          </a:p>
+          <a:p>
+            <a:r>
+              <a:rPr lang="en-US" dirty="0">
+                <a:latin typeface="Segoe UI" panose="020B0502040204020203" pitchFamily="34" charset="0"/>
+                <a:cs typeface="Segoe UI" panose="020B0502040204020203" pitchFamily="34" charset="0"/>
+              </a:rPr>
+              <a:t>Trang web </a:t>
+            </a:r>
+            <a:r>
+              <a:rPr lang="en-US" dirty="0" err="1">
+                <a:latin typeface="Segoe UI" panose="020B0502040204020203" pitchFamily="34" charset="0"/>
+                <a:cs typeface="Segoe UI" panose="020B0502040204020203" pitchFamily="34" charset="0"/>
+              </a:rPr>
+              <a:t>lấy</a:t>
+            </a:r>
+            <a:r>
+              <a:rPr lang="en-US" dirty="0">
+                <a:latin typeface="Segoe UI" panose="020B0502040204020203" pitchFamily="34" charset="0"/>
+                <a:cs typeface="Segoe UI" panose="020B0502040204020203" pitchFamily="34" charset="0"/>
+              </a:rPr>
+              <a:t> </a:t>
+            </a:r>
+            <a:r>
+              <a:rPr lang="en-US" dirty="0" err="1">
+                <a:latin typeface="Segoe UI" panose="020B0502040204020203" pitchFamily="34" charset="0"/>
+                <a:cs typeface="Segoe UI" panose="020B0502040204020203" pitchFamily="34" charset="0"/>
+              </a:rPr>
+              <a:t>dữ</a:t>
+            </a:r>
+            <a:r>
+              <a:rPr lang="en-US" dirty="0">
+                <a:latin typeface="Segoe UI" panose="020B0502040204020203" pitchFamily="34" charset="0"/>
+                <a:cs typeface="Segoe UI" panose="020B0502040204020203" pitchFamily="34" charset="0"/>
+              </a:rPr>
+              <a:t> </a:t>
+            </a:r>
+            <a:r>
+              <a:rPr lang="en-US" dirty="0" err="1">
+                <a:latin typeface="Segoe UI" panose="020B0502040204020203" pitchFamily="34" charset="0"/>
+                <a:cs typeface="Segoe UI" panose="020B0502040204020203" pitchFamily="34" charset="0"/>
+              </a:rPr>
+              <a:t>liệu</a:t>
+            </a:r>
+            <a:r>
+              <a:rPr lang="en-US" dirty="0">
+                <a:latin typeface="Segoe UI" panose="020B0502040204020203" pitchFamily="34" charset="0"/>
+                <a:cs typeface="Segoe UI" panose="020B0502040204020203" pitchFamily="34" charset="0"/>
+              </a:rPr>
+              <a:t>:</a:t>
+            </a:r>
+            <a:r>
+              <a:rPr lang="vi-VN" dirty="0">
+                <a:latin typeface="Segoe UI" panose="020B0502040204020203" pitchFamily="34" charset="0"/>
+                <a:cs typeface="Segoe UI" panose="020B0502040204020203" pitchFamily="34" charset="0"/>
+              </a:rPr>
+              <a:t> </a:t>
+            </a:r>
+            <a:r>
+              <a:rPr lang="en-US" dirty="0">
+                <a:hlinkClick r:id="rId2"/>
+              </a:rPr>
+              <a:t>http://gd1.bvdaihoc.com.vn/faqs_all.asp</a:t>
+            </a:r>
+            <a:endParaRPr lang="en-US" dirty="0">
               <a:latin typeface="Segoe UI" panose="020B0502040204020203" pitchFamily="34" charset="0"/>
               <a:cs typeface="Segoe UI" panose="020B0502040204020203" pitchFamily="34" charset="0"/>
             </a:endParaRPr>
           </a:p>
           <a:p>
             <a:r>
-              <a:rPr lang="vi-VN">
-                <a:latin typeface="Segoe UI" panose="020B0502040204020203" pitchFamily="34" charset="0"/>
-                <a:cs typeface="Segoe UI" panose="020B0502040204020203" pitchFamily="34" charset="0"/>
-              </a:rPr>
-              <a:t>Các câu hỏi này được khách, người bệnh, người thân của người bệnh gửi đến bệnh viện thông qua nhiều kênh khác nhau: email, hỏi trực tiếp, fanpage, ... và được tổng hợp ở trang chủ của bệnh viện </a:t>
-            </a:r>
-            <a:r>
-              <a:rPr lang="vi-VN">
-                <a:latin typeface="Segoe UI" panose="020B0502040204020203" pitchFamily="34" charset="0"/>
-                <a:cs typeface="Segoe UI" panose="020B0502040204020203" pitchFamily="34" charset="0"/>
-                <a:hlinkClick r:id="rId2"/>
-              </a:rPr>
-              <a:t>http://www.bvdaihoc.com.vn/</a:t>
-            </a:r>
-            <a:r>
-              <a:rPr lang="vi-VN">
-                <a:latin typeface="Segoe UI" panose="020B0502040204020203" pitchFamily="34" charset="0"/>
-                <a:cs typeface="Segoe UI" panose="020B0502040204020203" pitchFamily="34" charset="0"/>
-              </a:rPr>
-              <a:t>, vào mục Giải đáp &amp; Tư vấn </a:t>
-            </a:r>
-            <a:r>
-              <a:rPr lang="vi-VN">
-                <a:latin typeface="Segoe UI" panose="020B0502040204020203" pitchFamily="34" charset="0"/>
-                <a:cs typeface="Segoe UI" panose="020B0502040204020203" pitchFamily="34" charset="0"/>
-                <a:hlinkClick r:id="rId3"/>
-              </a:rPr>
-              <a:t>http://gd1.bvdaihoc.com.vn/faqs_all.asp</a:t>
-            </a:r>
-            <a:r>
-              <a:rPr lang="vi-VN">
-                <a:latin typeface="Segoe UI" panose="020B0502040204020203" pitchFamily="34" charset="0"/>
-                <a:cs typeface="Segoe UI" panose="020B0502040204020203" pitchFamily="34" charset="0"/>
-              </a:rPr>
-              <a:t>. </a:t>
-            </a:r>
-            <a:endParaRPr lang="en-US">
+              <a:rPr lang="vi-VN" dirty="0">
+                <a:latin typeface="Segoe UI" panose="020B0502040204020203" pitchFamily="34" charset="0"/>
+                <a:cs typeface="Segoe UI" panose="020B0502040204020203" pitchFamily="34" charset="0"/>
+              </a:rPr>
+              <a:t>Trong trang web này người ta phân các câu hỏi thành 30 danh mục khác nhau </a:t>
+            </a:r>
+            <a:endParaRPr lang="en-US" dirty="0">
               <a:latin typeface="Segoe UI" panose="020B0502040204020203" pitchFamily="34" charset="0"/>
               <a:cs typeface="Segoe UI" panose="020B0502040204020203" pitchFamily="34" charset="0"/>
             </a:endParaRPr>
           </a:p>
           <a:p>
             <a:r>
-              <a:rPr lang="vi-VN">
-                <a:latin typeface="Segoe UI" panose="020B0502040204020203" pitchFamily="34" charset="0"/>
-                <a:cs typeface="Segoe UI" panose="020B0502040204020203" pitchFamily="34" charset="0"/>
-              </a:rPr>
-              <a:t>Trong trang web này người ta phân các câu hỏi thành 30 danh mục khác nhau </a:t>
-            </a:r>
-            <a:endParaRPr lang="en-US">
-              <a:latin typeface="Segoe UI" panose="020B0502040204020203" pitchFamily="34" charset="0"/>
-              <a:cs typeface="Segoe UI" panose="020B0502040204020203" pitchFamily="34" charset="0"/>
-            </a:endParaRPr>
-          </a:p>
-          <a:p>
-            <a:r>
-              <a:rPr lang="en-US">
+              <a:rPr lang="en-US" dirty="0">
                 <a:latin typeface="Segoe UI" panose="020B0502040204020203" pitchFamily="34" charset="0"/>
                 <a:cs typeface="Segoe UI" panose="020B0502040204020203" pitchFamily="34" charset="0"/>
               </a:rPr>
               <a:t>N</a:t>
             </a:r>
             <a:r>
-              <a:rPr lang="vi-VN">
+              <a:rPr lang="vi-VN" dirty="0">
                 <a:latin typeface="Segoe UI" panose="020B0502040204020203" pitchFamily="34" charset="0"/>
                 <a:cs typeface="Segoe UI" panose="020B0502040204020203" pitchFamily="34" charset="0"/>
               </a:rPr>
               <a:t>hóm chỉ giải quyết câu hỏi trên 3 nhóm là </a:t>
             </a:r>
             <a:r>
-              <a:rPr lang="vi-VN" b="1">
+              <a:rPr lang="vi-VN" b="1" dirty="0">
                 <a:latin typeface="Segoe UI" panose="020B0502040204020203" pitchFamily="34" charset="0"/>
                 <a:cs typeface="Segoe UI" panose="020B0502040204020203" pitchFamily="34" charset="0"/>
               </a:rPr>
               <a:t>Dị ứng - Miễn dịch lâm sàng</a:t>
             </a:r>
             <a:r>
-              <a:rPr lang="vi-VN">
+              <a:rPr lang="vi-VN" dirty="0">
                 <a:latin typeface="Segoe UI" panose="020B0502040204020203" pitchFamily="34" charset="0"/>
                 <a:cs typeface="Segoe UI" panose="020B0502040204020203" pitchFamily="34" charset="0"/>
               </a:rPr>
               <a:t>, </a:t>
             </a:r>
             <a:r>
-              <a:rPr lang="vi-VN" b="1">
+              <a:rPr lang="vi-VN" b="1" dirty="0">
                 <a:latin typeface="Segoe UI" panose="020B0502040204020203" pitchFamily="34" charset="0"/>
                 <a:cs typeface="Segoe UI" panose="020B0502040204020203" pitchFamily="34" charset="0"/>
               </a:rPr>
               <a:t>Phổi</a:t>
             </a:r>
             <a:r>
-              <a:rPr lang="vi-VN">
+              <a:rPr lang="vi-VN" dirty="0">
                 <a:latin typeface="Segoe UI" panose="020B0502040204020203" pitchFamily="34" charset="0"/>
                 <a:cs typeface="Segoe UI" panose="020B0502040204020203" pitchFamily="34" charset="0"/>
               </a:rPr>
               <a:t> và </a:t>
             </a:r>
             <a:r>
-              <a:rPr lang="vi-VN" b="1">
+              <a:rPr lang="vi-VN" b="1" dirty="0">
                 <a:latin typeface="Segoe UI" panose="020B0502040204020203" pitchFamily="34" charset="0"/>
                 <a:cs typeface="Segoe UI" panose="020B0502040204020203" pitchFamily="34" charset="0"/>
               </a:rPr>
               <a:t>Tai mũi họng</a:t>
             </a:r>
             <a:r>
-              <a:rPr lang="vi-VN">
+              <a:rPr lang="vi-VN" dirty="0">
                 <a:latin typeface="Segoe UI" panose="020B0502040204020203" pitchFamily="34" charset="0"/>
                 <a:cs typeface="Segoe UI" panose="020B0502040204020203" pitchFamily="34" charset="0"/>
               </a:rPr>
               <a:t>.</a:t>
             </a:r>
-            <a:endParaRPr lang="en-US">
+            <a:endParaRPr lang="en-US" dirty="0">
               <a:latin typeface="Segoe UI" panose="020B0502040204020203" pitchFamily="34" charset="0"/>
               <a:cs typeface="Segoe UI" panose="020B0502040204020203" pitchFamily="34" charset="0"/>
             </a:endParaRPr>
@@ -6563,18 +11842,449 @@
   <p:clrMapOvr>
     <a:masterClrMapping/>
   </p:clrMapOvr>
-  <mc:AlternateContent xmlns:mc="http://schemas.openxmlformats.org/markup-compatibility/2006">
-    <mc:Choice xmlns:p14="http://schemas.microsoft.com/office/powerpoint/2010/main" Requires="p14">
+  <mc:AlternateContent xmlns:mc="http://schemas.openxmlformats.org/markup-compatibility/2006" xmlns:p14="http://schemas.microsoft.com/office/powerpoint/2010/main">
+    <mc:Choice Requires="p14">
       <p:transition spd="med" p14:dur="700">
         <p:fade/>
       </p:transition>
     </mc:Choice>
-    <mc:Fallback>
+    <mc:Fallback xmlns="">
       <p:transition spd="med">
         <p:fade/>
       </p:transition>
     </mc:Fallback>
   </mc:AlternateContent>
+</p:sld>
+</file>
+
+<file path=ppt/slides/slide20.xml><?xml version="1.0" encoding="utf-8"?>
+<p:sld xmlns:a="http://schemas.openxmlformats.org/drawingml/2006/main" xmlns:r="http://schemas.openxmlformats.org/officeDocument/2006/relationships" xmlns:p="http://schemas.openxmlformats.org/presentationml/2006/main">
+  <p:cSld>
+    <p:spTree>
+      <p:nvGrpSpPr>
+        <p:cNvPr id="1" name=""/>
+        <p:cNvGrpSpPr/>
+        <p:nvPr/>
+      </p:nvGrpSpPr>
+      <p:grpSpPr>
+        <a:xfrm>
+          <a:off x="0" y="0"/>
+          <a:ext cx="0" cy="0"/>
+          <a:chOff x="0" y="0"/>
+          <a:chExt cx="0" cy="0"/>
+        </a:xfrm>
+      </p:grpSpPr>
+      <p:sp>
+        <p:nvSpPr>
+          <p:cNvPr id="2" name="Title 1">
+            <a:extLst>
+              <a:ext uri="{FF2B5EF4-FFF2-40B4-BE49-F238E27FC236}">
+                <a16:creationId xmlns:a16="http://schemas.microsoft.com/office/drawing/2014/main" id="{489062D6-34FF-4776-ABE3-AEB48AAE1910}"/>
+              </a:ext>
+            </a:extLst>
+          </p:cNvPr>
+          <p:cNvSpPr>
+            <a:spLocks noGrp="1"/>
+          </p:cNvSpPr>
+          <p:nvPr>
+            <p:ph type="title"/>
+          </p:nvPr>
+        </p:nvSpPr>
+        <p:spPr/>
+        <p:txBody>
+          <a:bodyPr/>
+          <a:lstStyle/>
+          <a:p>
+            <a:r>
+              <a:rPr lang="en-US" dirty="0">
+                <a:latin typeface="Segoe UI" panose="020B0502040204020203" pitchFamily="34" charset="0"/>
+                <a:cs typeface="Segoe UI" panose="020B0502040204020203" pitchFamily="34" charset="0"/>
+              </a:rPr>
+              <a:t>THỬ TRÊN TẬP TEST</a:t>
+            </a:r>
+          </a:p>
+        </p:txBody>
+      </p:sp>
+      <p:sp>
+        <p:nvSpPr>
+          <p:cNvPr id="3" name="Content Placeholder 2">
+            <a:extLst>
+              <a:ext uri="{FF2B5EF4-FFF2-40B4-BE49-F238E27FC236}">
+                <a16:creationId xmlns:a16="http://schemas.microsoft.com/office/drawing/2014/main" id="{5A48D5DC-13D8-40DC-99B5-9ECE0B68CE1C}"/>
+              </a:ext>
+            </a:extLst>
+          </p:cNvPr>
+          <p:cNvSpPr>
+            <a:spLocks noGrp="1"/>
+          </p:cNvSpPr>
+          <p:nvPr>
+            <p:ph idx="1"/>
+          </p:nvPr>
+        </p:nvSpPr>
+        <p:spPr/>
+        <p:txBody>
+          <a:bodyPr/>
+          <a:lstStyle/>
+          <a:p>
+            <a:r>
+              <a:rPr lang="en-US" dirty="0">
+                <a:latin typeface="Segoe UI" panose="020B0502040204020203" pitchFamily="34" charset="0"/>
+                <a:cs typeface="Segoe UI" panose="020B0502040204020203" pitchFamily="34" charset="0"/>
+              </a:rPr>
+              <a:t>Fit </a:t>
+            </a:r>
+            <a:r>
+              <a:rPr lang="en-US" dirty="0" err="1">
+                <a:latin typeface="Segoe UI" panose="020B0502040204020203" pitchFamily="34" charset="0"/>
+                <a:cs typeface="Segoe UI" panose="020B0502040204020203" pitchFamily="34" charset="0"/>
+              </a:rPr>
+              <a:t>Pipline</a:t>
+            </a:r>
+            <a:r>
+              <a:rPr lang="en-US" dirty="0">
+                <a:latin typeface="Segoe UI" panose="020B0502040204020203" pitchFamily="34" charset="0"/>
+                <a:cs typeface="Segoe UI" panose="020B0502040204020203" pitchFamily="34" charset="0"/>
+              </a:rPr>
+              <a:t> </a:t>
+            </a:r>
+            <a:r>
+              <a:rPr lang="en-US" dirty="0" err="1">
+                <a:latin typeface="Segoe UI" panose="020B0502040204020203" pitchFamily="34" charset="0"/>
+                <a:cs typeface="Segoe UI" panose="020B0502040204020203" pitchFamily="34" charset="0"/>
+              </a:rPr>
+              <a:t>với</a:t>
+            </a:r>
+            <a:r>
+              <a:rPr lang="en-US" dirty="0">
+                <a:latin typeface="Segoe UI" panose="020B0502040204020203" pitchFamily="34" charset="0"/>
+                <a:cs typeface="Segoe UI" panose="020B0502040204020203" pitchFamily="34" charset="0"/>
+              </a:rPr>
+              <a:t> </a:t>
+            </a:r>
+            <a:r>
+              <a:rPr lang="en-US" dirty="0" err="1">
+                <a:latin typeface="Segoe UI" panose="020B0502040204020203" pitchFamily="34" charset="0"/>
+                <a:cs typeface="Segoe UI" panose="020B0502040204020203" pitchFamily="34" charset="0"/>
+              </a:rPr>
+              <a:t>siêu</a:t>
+            </a:r>
+            <a:r>
+              <a:rPr lang="en-US" dirty="0">
+                <a:latin typeface="Segoe UI" panose="020B0502040204020203" pitchFamily="34" charset="0"/>
+                <a:cs typeface="Segoe UI" panose="020B0502040204020203" pitchFamily="34" charset="0"/>
+              </a:rPr>
+              <a:t> </a:t>
+            </a:r>
+            <a:r>
+              <a:rPr lang="en-US" dirty="0" err="1">
+                <a:latin typeface="Segoe UI" panose="020B0502040204020203" pitchFamily="34" charset="0"/>
+                <a:cs typeface="Segoe UI" panose="020B0502040204020203" pitchFamily="34" charset="0"/>
+              </a:rPr>
+              <a:t>tham</a:t>
+            </a:r>
+            <a:r>
+              <a:rPr lang="en-US" dirty="0">
+                <a:latin typeface="Segoe UI" panose="020B0502040204020203" pitchFamily="34" charset="0"/>
+                <a:cs typeface="Segoe UI" panose="020B0502040204020203" pitchFamily="34" charset="0"/>
+              </a:rPr>
+              <a:t> </a:t>
+            </a:r>
+            <a:r>
+              <a:rPr lang="en-US" dirty="0" err="1">
+                <a:latin typeface="Segoe UI" panose="020B0502040204020203" pitchFamily="34" charset="0"/>
+                <a:cs typeface="Segoe UI" panose="020B0502040204020203" pitchFamily="34" charset="0"/>
+              </a:rPr>
+              <a:t>số</a:t>
+            </a:r>
+            <a:r>
+              <a:rPr lang="en-US" dirty="0">
+                <a:latin typeface="Segoe UI" panose="020B0502040204020203" pitchFamily="34" charset="0"/>
+                <a:cs typeface="Segoe UI" panose="020B0502040204020203" pitchFamily="34" charset="0"/>
+              </a:rPr>
+              <a:t> </a:t>
+            </a:r>
+            <a:r>
+              <a:rPr lang="en-US" dirty="0" err="1">
+                <a:latin typeface="Segoe UI" panose="020B0502040204020203" pitchFamily="34" charset="0"/>
+                <a:cs typeface="Segoe UI" panose="020B0502040204020203" pitchFamily="34" charset="0"/>
+              </a:rPr>
+              <a:t>tốt</a:t>
+            </a:r>
+            <a:r>
+              <a:rPr lang="en-US" dirty="0">
+                <a:latin typeface="Segoe UI" panose="020B0502040204020203" pitchFamily="34" charset="0"/>
+                <a:cs typeface="Segoe UI" panose="020B0502040204020203" pitchFamily="34" charset="0"/>
+              </a:rPr>
+              <a:t> </a:t>
+            </a:r>
+            <a:r>
+              <a:rPr lang="en-US" dirty="0" err="1">
+                <a:latin typeface="Segoe UI" panose="020B0502040204020203" pitchFamily="34" charset="0"/>
+                <a:cs typeface="Segoe UI" panose="020B0502040204020203" pitchFamily="34" charset="0"/>
+              </a:rPr>
+              <a:t>nhất</a:t>
+            </a:r>
+            <a:r>
+              <a:rPr lang="en-US" dirty="0">
+                <a:latin typeface="Segoe UI" panose="020B0502040204020203" pitchFamily="34" charset="0"/>
+                <a:cs typeface="Segoe UI" panose="020B0502040204020203" pitchFamily="34" charset="0"/>
+              </a:rPr>
+              <a:t> </a:t>
+            </a:r>
+            <a:r>
+              <a:rPr lang="en-US" dirty="0" err="1">
+                <a:latin typeface="Segoe UI" panose="020B0502040204020203" pitchFamily="34" charset="0"/>
+                <a:cs typeface="Segoe UI" panose="020B0502040204020203" pitchFamily="34" charset="0"/>
+              </a:rPr>
+              <a:t>vừa</a:t>
+            </a:r>
+            <a:r>
+              <a:rPr lang="en-US" dirty="0">
+                <a:latin typeface="Segoe UI" panose="020B0502040204020203" pitchFamily="34" charset="0"/>
+                <a:cs typeface="Segoe UI" panose="020B0502040204020203" pitchFamily="34" charset="0"/>
+              </a:rPr>
+              <a:t> </a:t>
+            </a:r>
+            <a:r>
+              <a:rPr lang="en-US" dirty="0" err="1">
+                <a:latin typeface="Segoe UI" panose="020B0502040204020203" pitchFamily="34" charset="0"/>
+                <a:cs typeface="Segoe UI" panose="020B0502040204020203" pitchFamily="34" charset="0"/>
+              </a:rPr>
+              <a:t>tìm</a:t>
+            </a:r>
+            <a:r>
+              <a:rPr lang="en-US" dirty="0">
+                <a:latin typeface="Segoe UI" panose="020B0502040204020203" pitchFamily="34" charset="0"/>
+                <a:cs typeface="Segoe UI" panose="020B0502040204020203" pitchFamily="34" charset="0"/>
+              </a:rPr>
+              <a:t> đ</a:t>
+            </a:r>
+            <a:r>
+              <a:rPr lang="vi-VN" dirty="0">
+                <a:latin typeface="Segoe UI" panose="020B0502040204020203" pitchFamily="34" charset="0"/>
+                <a:cs typeface="Segoe UI" panose="020B0502040204020203" pitchFamily="34" charset="0"/>
+              </a:rPr>
+              <a:t>ư</a:t>
+            </a:r>
+            <a:r>
+              <a:rPr lang="en-US" dirty="0" err="1">
+                <a:latin typeface="Segoe UI" panose="020B0502040204020203" pitchFamily="34" charset="0"/>
+                <a:cs typeface="Segoe UI" panose="020B0502040204020203" pitchFamily="34" charset="0"/>
+              </a:rPr>
+              <a:t>ợc</a:t>
+            </a:r>
+            <a:r>
+              <a:rPr lang="en-US" dirty="0">
+                <a:latin typeface="Segoe UI" panose="020B0502040204020203" pitchFamily="34" charset="0"/>
+                <a:cs typeface="Segoe UI" panose="020B0502040204020203" pitchFamily="34" charset="0"/>
+              </a:rPr>
+              <a:t> </a:t>
+            </a:r>
+            <a:r>
+              <a:rPr lang="en-US" dirty="0" err="1">
+                <a:latin typeface="Segoe UI" panose="020B0502040204020203" pitchFamily="34" charset="0"/>
+                <a:cs typeface="Segoe UI" panose="020B0502040204020203" pitchFamily="34" charset="0"/>
+              </a:rPr>
+              <a:t>vào</a:t>
+            </a:r>
+            <a:r>
+              <a:rPr lang="en-US" dirty="0">
+                <a:latin typeface="Segoe UI" panose="020B0502040204020203" pitchFamily="34" charset="0"/>
+                <a:cs typeface="Segoe UI" panose="020B0502040204020203" pitchFamily="34" charset="0"/>
+              </a:rPr>
+              <a:t> </a:t>
+            </a:r>
+            <a:r>
+              <a:rPr lang="en-US" dirty="0" err="1">
+                <a:latin typeface="Segoe UI" panose="020B0502040204020203" pitchFamily="34" charset="0"/>
+                <a:cs typeface="Segoe UI" panose="020B0502040204020203" pitchFamily="34" charset="0"/>
+              </a:rPr>
+              <a:t>tập</a:t>
+            </a:r>
+            <a:r>
+              <a:rPr lang="en-US" dirty="0">
+                <a:latin typeface="Segoe UI" panose="020B0502040204020203" pitchFamily="34" charset="0"/>
+                <a:cs typeface="Segoe UI" panose="020B0502040204020203" pitchFamily="34" charset="0"/>
+              </a:rPr>
+              <a:t> train + validation</a:t>
+            </a:r>
+          </a:p>
+          <a:p>
+            <a:r>
+              <a:rPr lang="en-US" dirty="0">
+                <a:latin typeface="Segoe UI" panose="020B0502040204020203" pitchFamily="34" charset="0"/>
+                <a:cs typeface="Segoe UI" panose="020B0502040204020203" pitchFamily="34" charset="0"/>
+              </a:rPr>
+              <a:t>Sau </a:t>
+            </a:r>
+            <a:r>
+              <a:rPr lang="en-US" dirty="0" err="1">
+                <a:latin typeface="Segoe UI" panose="020B0502040204020203" pitchFamily="34" charset="0"/>
+                <a:cs typeface="Segoe UI" panose="020B0502040204020203" pitchFamily="34" charset="0"/>
+              </a:rPr>
+              <a:t>đó</a:t>
+            </a:r>
+            <a:r>
+              <a:rPr lang="en-US" dirty="0">
+                <a:latin typeface="Segoe UI" panose="020B0502040204020203" pitchFamily="34" charset="0"/>
+                <a:cs typeface="Segoe UI" panose="020B0502040204020203" pitchFamily="34" charset="0"/>
+              </a:rPr>
+              <a:t> predict </a:t>
+            </a:r>
+            <a:r>
+              <a:rPr lang="en-US" dirty="0" err="1">
+                <a:latin typeface="Segoe UI" panose="020B0502040204020203" pitchFamily="34" charset="0"/>
+                <a:cs typeface="Segoe UI" panose="020B0502040204020203" pitchFamily="34" charset="0"/>
+              </a:rPr>
+              <a:t>trên</a:t>
+            </a:r>
+            <a:r>
+              <a:rPr lang="en-US" dirty="0">
+                <a:latin typeface="Segoe UI" panose="020B0502040204020203" pitchFamily="34" charset="0"/>
+                <a:cs typeface="Segoe UI" panose="020B0502040204020203" pitchFamily="34" charset="0"/>
+              </a:rPr>
+              <a:t> </a:t>
+            </a:r>
+            <a:r>
+              <a:rPr lang="en-US" dirty="0" err="1">
+                <a:latin typeface="Segoe UI" panose="020B0502040204020203" pitchFamily="34" charset="0"/>
+                <a:cs typeface="Segoe UI" panose="020B0502040204020203" pitchFamily="34" charset="0"/>
+              </a:rPr>
+              <a:t>tập</a:t>
+            </a:r>
+            <a:r>
+              <a:rPr lang="en-US" dirty="0">
+                <a:latin typeface="Segoe UI" panose="020B0502040204020203" pitchFamily="34" charset="0"/>
+                <a:cs typeface="Segoe UI" panose="020B0502040204020203" pitchFamily="34" charset="0"/>
+              </a:rPr>
+              <a:t> test, </a:t>
+            </a:r>
+            <a:r>
+              <a:rPr lang="en-US" dirty="0" err="1">
+                <a:latin typeface="Segoe UI" panose="020B0502040204020203" pitchFamily="34" charset="0"/>
+                <a:cs typeface="Segoe UI" panose="020B0502040204020203" pitchFamily="34" charset="0"/>
+              </a:rPr>
+              <a:t>thu</a:t>
+            </a:r>
+            <a:r>
+              <a:rPr lang="en-US" dirty="0">
+                <a:latin typeface="Segoe UI" panose="020B0502040204020203" pitchFamily="34" charset="0"/>
+                <a:cs typeface="Segoe UI" panose="020B0502040204020203" pitchFamily="34" charset="0"/>
+              </a:rPr>
+              <a:t> đ</a:t>
+            </a:r>
+            <a:r>
+              <a:rPr lang="vi-VN" dirty="0">
+                <a:latin typeface="Segoe UI" panose="020B0502040204020203" pitchFamily="34" charset="0"/>
+                <a:cs typeface="Segoe UI" panose="020B0502040204020203" pitchFamily="34" charset="0"/>
+              </a:rPr>
+              <a:t>ư</a:t>
+            </a:r>
+            <a:r>
+              <a:rPr lang="en-US" dirty="0" err="1">
+                <a:latin typeface="Segoe UI" panose="020B0502040204020203" pitchFamily="34" charset="0"/>
+                <a:cs typeface="Segoe UI" panose="020B0502040204020203" pitchFamily="34" charset="0"/>
+              </a:rPr>
+              <a:t>ợc</a:t>
+            </a:r>
+            <a:r>
+              <a:rPr lang="en-US" dirty="0">
+                <a:latin typeface="Segoe UI" panose="020B0502040204020203" pitchFamily="34" charset="0"/>
+                <a:cs typeface="Segoe UI" panose="020B0502040204020203" pitchFamily="34" charset="0"/>
+              </a:rPr>
+              <a:t> </a:t>
+            </a:r>
+            <a:r>
+              <a:rPr lang="en-US" dirty="0" err="1">
+                <a:latin typeface="Segoe UI" panose="020B0502040204020203" pitchFamily="34" charset="0"/>
+                <a:cs typeface="Segoe UI" panose="020B0502040204020203" pitchFamily="34" charset="0"/>
+              </a:rPr>
+              <a:t>kết</a:t>
+            </a:r>
+            <a:r>
+              <a:rPr lang="en-US" dirty="0">
+                <a:latin typeface="Segoe UI" panose="020B0502040204020203" pitchFamily="34" charset="0"/>
+                <a:cs typeface="Segoe UI" panose="020B0502040204020203" pitchFamily="34" charset="0"/>
+              </a:rPr>
+              <a:t> </a:t>
+            </a:r>
+            <a:r>
+              <a:rPr lang="en-US" dirty="0" err="1">
+                <a:latin typeface="Segoe UI" panose="020B0502040204020203" pitchFamily="34" charset="0"/>
+                <a:cs typeface="Segoe UI" panose="020B0502040204020203" pitchFamily="34" charset="0"/>
+              </a:rPr>
+              <a:t>quả</a:t>
+            </a:r>
+            <a:r>
+              <a:rPr lang="en-US" dirty="0">
+                <a:latin typeface="Segoe UI" panose="020B0502040204020203" pitchFamily="34" charset="0"/>
+                <a:cs typeface="Segoe UI" panose="020B0502040204020203" pitchFamily="34" charset="0"/>
+              </a:rPr>
+              <a:t> </a:t>
+            </a:r>
+            <a:r>
+              <a:rPr lang="en-US" dirty="0" err="1">
+                <a:latin typeface="Segoe UI" panose="020B0502040204020203" pitchFamily="34" charset="0"/>
+                <a:cs typeface="Segoe UI" panose="020B0502040204020203" pitchFamily="34" charset="0"/>
+              </a:rPr>
+              <a:t>sau</a:t>
+            </a:r>
+            <a:r>
+              <a:rPr lang="en-US" dirty="0">
+                <a:latin typeface="Segoe UI" panose="020B0502040204020203" pitchFamily="34" charset="0"/>
+                <a:cs typeface="Segoe UI" panose="020B0502040204020203" pitchFamily="34" charset="0"/>
+              </a:rPr>
+              <a:t>:</a:t>
+            </a:r>
+          </a:p>
+          <a:p>
+            <a:endParaRPr lang="en-US" dirty="0">
+              <a:latin typeface="Segoe UI" panose="020B0502040204020203" pitchFamily="34" charset="0"/>
+              <a:cs typeface="Segoe UI" panose="020B0502040204020203" pitchFamily="34" charset="0"/>
+            </a:endParaRPr>
+          </a:p>
+        </p:txBody>
+      </p:sp>
+      <p:pic>
+        <p:nvPicPr>
+          <p:cNvPr id="4" name="Picture 3">
+            <a:extLst>
+              <a:ext uri="{FF2B5EF4-FFF2-40B4-BE49-F238E27FC236}">
+                <a16:creationId xmlns:a16="http://schemas.microsoft.com/office/drawing/2014/main" id="{11DE3486-52C8-4320-8899-0F42A461897D}"/>
+              </a:ext>
+            </a:extLst>
+          </p:cNvPr>
+          <p:cNvPicPr>
+            <a:picLocks noChangeAspect="1"/>
+          </p:cNvPicPr>
+          <p:nvPr/>
+        </p:nvPicPr>
+        <p:blipFill>
+          <a:blip r:embed="rId2"/>
+          <a:stretch>
+            <a:fillRect/>
+          </a:stretch>
+        </p:blipFill>
+        <p:spPr>
+          <a:xfrm>
+            <a:off x="1184262" y="3194115"/>
+            <a:ext cx="6862458" cy="2974138"/>
+          </a:xfrm>
+          <a:prstGeom prst="rect">
+            <a:avLst/>
+          </a:prstGeom>
+        </p:spPr>
+      </p:pic>
+    </p:spTree>
+    <p:extLst>
+      <p:ext uri="{BB962C8B-B14F-4D97-AF65-F5344CB8AC3E}">
+        <p14:creationId xmlns:p14="http://schemas.microsoft.com/office/powerpoint/2010/main" val="4139751284"/>
+      </p:ext>
+    </p:extLst>
+  </p:cSld>
+  <p:clrMapOvr>
+    <a:masterClrMapping/>
+  </p:clrMapOvr>
 </p:sld>
 </file>
 
@@ -6650,8 +12360,8 @@
         </p:blipFill>
         <p:spPr>
           <a:xfrm>
-            <a:off x="2800204" y="2160588"/>
-            <a:ext cx="4351629" cy="3881437"/>
+            <a:off x="1948151" y="1828738"/>
+            <a:ext cx="5180013" cy="4620314"/>
           </a:xfrm>
           <a:prstGeom prst="rect">
             <a:avLst/>
@@ -6672,7 +12382,7 @@
         </p:nvSpPr>
         <p:spPr>
           <a:xfrm>
-            <a:off x="2835479" y="1489046"/>
+            <a:off x="2409452" y="1270000"/>
             <a:ext cx="4643306" cy="369332"/>
           </a:xfrm>
           <a:prstGeom prst="rect">
@@ -6687,7 +12397,7 @@
           <a:lstStyle/>
           <a:p>
             <a:r>
-              <a:rPr lang="en-US">
+              <a:rPr lang="en-US" dirty="0">
                 <a:latin typeface="Segoe UI" panose="020B0502040204020203" pitchFamily="34" charset="0"/>
                 <a:cs typeface="Segoe UI" panose="020B0502040204020203" pitchFamily="34" charset="0"/>
               </a:rPr>
@@ -6706,13 +12416,13 @@
   <p:clrMapOvr>
     <a:masterClrMapping/>
   </p:clrMapOvr>
-  <mc:AlternateContent xmlns:mc="http://schemas.openxmlformats.org/markup-compatibility/2006">
-    <mc:Choice xmlns:p14="http://schemas.microsoft.com/office/powerpoint/2010/main" Requires="p14">
+  <mc:AlternateContent xmlns:mc="http://schemas.openxmlformats.org/markup-compatibility/2006" xmlns:p14="http://schemas.microsoft.com/office/powerpoint/2010/main">
+    <mc:Choice Requires="p14">
       <p:transition spd="med" p14:dur="700">
         <p:fade/>
       </p:transition>
     </mc:Choice>
-    <mc:Fallback>
+    <mc:Fallback xmlns="">
       <p:transition spd="med">
         <p:fade/>
       </p:transition>
@@ -6791,69 +12501,137 @@
           <a:lstStyle/>
           <a:p>
             <a:r>
-              <a:rPr lang="en-US">
-                <a:latin typeface="Segoe UI" panose="020B0502040204020203" pitchFamily="34" charset="0"/>
-                <a:cs typeface="Segoe UI" panose="020B0502040204020203" pitchFamily="34" charset="0"/>
-              </a:rPr>
-              <a:t>Hiện tại sẽ có </a:t>
-            </a:r>
-            <a:r>
-              <a:rPr lang="vi-VN">
-                <a:latin typeface="Segoe UI" panose="020B0502040204020203" pitchFamily="34" charset="0"/>
-                <a:cs typeface="Segoe UI" panose="020B0502040204020203" pitchFamily="34" charset="0"/>
-              </a:rPr>
-              <a:t>một người chịu trách nhiệm tiếp nhận câu hỏi sau đó đọc câu hỏi và chuyển tới đúng bác sĩ chuyên khoa để giải đáp </a:t>
-            </a:r>
-            <a:endParaRPr lang="en-US">
-              <a:latin typeface="Segoe UI" panose="020B0502040204020203" pitchFamily="34" charset="0"/>
-              <a:cs typeface="Segoe UI" panose="020B0502040204020203" pitchFamily="34" charset="0"/>
-            </a:endParaRPr>
-          </a:p>
-          <a:p>
-            <a:r>
-              <a:rPr lang="en-US">
-                <a:latin typeface="Segoe UI" panose="020B0502040204020203" pitchFamily="34" charset="0"/>
-                <a:cs typeface="Segoe UI" panose="020B0502040204020203" pitchFamily="34" charset="0"/>
-              </a:rPr>
-              <a:t>C</a:t>
-            </a:r>
-            <a:r>
-              <a:rPr lang="vi-VN">
-                <a:latin typeface="Segoe UI" panose="020B0502040204020203" pitchFamily="34" charset="0"/>
-                <a:cs typeface="Segoe UI" panose="020B0502040204020203" pitchFamily="34" charset="0"/>
-              </a:rPr>
-              <a:t>ó thể có ngày nào đó lượng câu hỏi đến khá nhiều khiến cho việc giải đáp không được kịp thời nhanh chóng</a:t>
-            </a:r>
-            <a:endParaRPr lang="en-US">
-              <a:latin typeface="Segoe UI" panose="020B0502040204020203" pitchFamily="34" charset="0"/>
-              <a:cs typeface="Segoe UI" panose="020B0502040204020203" pitchFamily="34" charset="0"/>
-            </a:endParaRPr>
-          </a:p>
-          <a:p>
-            <a:r>
-              <a:rPr lang="vi-VN">
+              <a:rPr lang="en-US" dirty="0" err="1">
+                <a:latin typeface="Segoe UI" panose="020B0502040204020203" pitchFamily="34" charset="0"/>
+                <a:cs typeface="Segoe UI" panose="020B0502040204020203" pitchFamily="34" charset="0"/>
+              </a:rPr>
+              <a:t>Hiện</a:t>
+            </a:r>
+            <a:r>
+              <a:rPr lang="en-US" dirty="0">
+                <a:latin typeface="Segoe UI" panose="020B0502040204020203" pitchFamily="34" charset="0"/>
+                <a:cs typeface="Segoe UI" panose="020B0502040204020203" pitchFamily="34" charset="0"/>
+              </a:rPr>
+              <a:t> </a:t>
+            </a:r>
+            <a:r>
+              <a:rPr lang="en-US" dirty="0" err="1">
+                <a:latin typeface="Segoe UI" panose="020B0502040204020203" pitchFamily="34" charset="0"/>
+                <a:cs typeface="Segoe UI" panose="020B0502040204020203" pitchFamily="34" charset="0"/>
+              </a:rPr>
+              <a:t>tại</a:t>
+            </a:r>
+            <a:r>
+              <a:rPr lang="en-US" dirty="0">
+                <a:latin typeface="Segoe UI" panose="020B0502040204020203" pitchFamily="34" charset="0"/>
+                <a:cs typeface="Segoe UI" panose="020B0502040204020203" pitchFamily="34" charset="0"/>
+              </a:rPr>
+              <a:t> </a:t>
+            </a:r>
+            <a:r>
+              <a:rPr lang="en-US" dirty="0" err="1">
+                <a:latin typeface="Segoe UI" panose="020B0502040204020203" pitchFamily="34" charset="0"/>
+                <a:cs typeface="Segoe UI" panose="020B0502040204020203" pitchFamily="34" charset="0"/>
+              </a:rPr>
+              <a:t>sẽ</a:t>
+            </a:r>
+            <a:r>
+              <a:rPr lang="en-US" dirty="0">
+                <a:latin typeface="Segoe UI" panose="020B0502040204020203" pitchFamily="34" charset="0"/>
+                <a:cs typeface="Segoe UI" panose="020B0502040204020203" pitchFamily="34" charset="0"/>
+              </a:rPr>
+              <a:t> </a:t>
+            </a:r>
+            <a:r>
+              <a:rPr lang="en-US" dirty="0" err="1">
+                <a:latin typeface="Segoe UI" panose="020B0502040204020203" pitchFamily="34" charset="0"/>
+                <a:cs typeface="Segoe UI" panose="020B0502040204020203" pitchFamily="34" charset="0"/>
+              </a:rPr>
+              <a:t>có</a:t>
+            </a:r>
+            <a:r>
+              <a:rPr lang="en-US" dirty="0">
+                <a:latin typeface="Segoe UI" panose="020B0502040204020203" pitchFamily="34" charset="0"/>
+                <a:cs typeface="Segoe UI" panose="020B0502040204020203" pitchFamily="34" charset="0"/>
+              </a:rPr>
+              <a:t> </a:t>
+            </a:r>
+            <a:r>
+              <a:rPr lang="vi-VN" dirty="0">
+                <a:latin typeface="Segoe UI" panose="020B0502040204020203" pitchFamily="34" charset="0"/>
+                <a:cs typeface="Segoe UI" panose="020B0502040204020203" pitchFamily="34" charset="0"/>
+              </a:rPr>
+              <a:t>một người chịu trách nhiệm tiếp nhận câu hỏi sau đó đọc câu hỏi và chuyển tới đúng bác sĩ chuyên khoa để giải đáp</a:t>
+            </a:r>
+            <a:r>
+              <a:rPr lang="en-US" dirty="0">
+                <a:latin typeface="Segoe UI" panose="020B0502040204020203" pitchFamily="34" charset="0"/>
+                <a:cs typeface="Segoe UI" panose="020B0502040204020203" pitchFamily="34" charset="0"/>
+              </a:rPr>
+              <a:t>.</a:t>
+            </a:r>
+          </a:p>
+          <a:p>
+            <a:r>
+              <a:rPr lang="en-US" dirty="0" err="1">
+                <a:latin typeface="Segoe UI" panose="020B0502040204020203" pitchFamily="34" charset="0"/>
+                <a:cs typeface="Segoe UI" panose="020B0502040204020203" pitchFamily="34" charset="0"/>
+              </a:rPr>
+              <a:t>Khi</a:t>
+            </a:r>
+            <a:r>
+              <a:rPr lang="en-US" dirty="0">
+                <a:latin typeface="Segoe UI" panose="020B0502040204020203" pitchFamily="34" charset="0"/>
+                <a:cs typeface="Segoe UI" panose="020B0502040204020203" pitchFamily="34" charset="0"/>
+              </a:rPr>
+              <a:t> </a:t>
+            </a:r>
+            <a:r>
+              <a:rPr lang="vi-VN" dirty="0">
+                <a:latin typeface="Segoe UI" panose="020B0502040204020203" pitchFamily="34" charset="0"/>
+                <a:cs typeface="Segoe UI" panose="020B0502040204020203" pitchFamily="34" charset="0"/>
+              </a:rPr>
+              <a:t>lượng câu hỏi đến khá nhiều khiến cho việc giải đáp không được kịp thời nhanh chóng</a:t>
+            </a:r>
+            <a:r>
+              <a:rPr lang="en-US" dirty="0">
+                <a:latin typeface="Segoe UI" panose="020B0502040204020203" pitchFamily="34" charset="0"/>
+                <a:cs typeface="Segoe UI" panose="020B0502040204020203" pitchFamily="34" charset="0"/>
+              </a:rPr>
+              <a:t>.</a:t>
+            </a:r>
+          </a:p>
+          <a:p>
+            <a:r>
+              <a:rPr lang="vi-VN" dirty="0">
                 <a:latin typeface="Segoe UI" panose="020B0502040204020203" pitchFamily="34" charset="0"/>
                 <a:cs typeface="Segoe UI" panose="020B0502040204020203" pitchFamily="34" charset="0"/>
               </a:rPr>
               <a:t>Hi vọng với cách phân loại tự động sẽ giúp tiết kiệm thời gian</a:t>
             </a:r>
-            <a:endParaRPr lang="en-US">
-              <a:latin typeface="Segoe UI" panose="020B0502040204020203" pitchFamily="34" charset="0"/>
-              <a:cs typeface="Segoe UI" panose="020B0502040204020203" pitchFamily="34" charset="0"/>
-            </a:endParaRPr>
-          </a:p>
-          <a:p>
-            <a:r>
-              <a:rPr lang="vi-VN">
-                <a:latin typeface="Segoe UI" panose="020B0502040204020203" pitchFamily="34" charset="0"/>
-                <a:cs typeface="Segoe UI" panose="020B0502040204020203" pitchFamily="34" charset="0"/>
-              </a:rPr>
-              <a:t>Nhóm có nghĩ tới các trường hợp bị phân loại sai, thì bác sĩ chuyên khoa khi đọc sẽ biết và gửi lại cho đúng chuyên khoa, hi vọng số lượng câu nhầm lẫn này sẽ không nhiều!</a:t>
-            </a:r>
-            <a:endParaRPr lang="en-US">
-              <a:latin typeface="Segoe UI" panose="020B0502040204020203" pitchFamily="34" charset="0"/>
-              <a:cs typeface="Segoe UI" panose="020B0502040204020203" pitchFamily="34" charset="0"/>
-            </a:endParaRPr>
+            <a:r>
+              <a:rPr lang="en-US" dirty="0">
+                <a:latin typeface="Segoe UI" panose="020B0502040204020203" pitchFamily="34" charset="0"/>
+                <a:cs typeface="Segoe UI" panose="020B0502040204020203" pitchFamily="34" charset="0"/>
+              </a:rPr>
+              <a:t>.</a:t>
+            </a:r>
+          </a:p>
+          <a:p>
+            <a:r>
+              <a:rPr lang="vi-VN" dirty="0">
+                <a:latin typeface="Segoe UI" panose="020B0502040204020203" pitchFamily="34" charset="0"/>
+                <a:cs typeface="Segoe UI" panose="020B0502040204020203" pitchFamily="34" charset="0"/>
+              </a:rPr>
+              <a:t>Nhóm có nghĩ tới các trường hợp bị phân loại sai, thì bác sĩ chuyên khoa khi đọc sẽ biết và gửi lại cho đúng chuyên khoa</a:t>
+            </a:r>
+            <a:r>
+              <a:rPr lang="en-US" dirty="0">
+                <a:latin typeface="Segoe UI" panose="020B0502040204020203" pitchFamily="34" charset="0"/>
+                <a:cs typeface="Segoe UI" panose="020B0502040204020203" pitchFamily="34" charset="0"/>
+              </a:rPr>
+              <a:t>.</a:t>
+            </a:r>
           </a:p>
         </p:txBody>
       </p:sp>
@@ -6867,13 +12645,13 @@
   <p:clrMapOvr>
     <a:masterClrMapping/>
   </p:clrMapOvr>
-  <mc:AlternateContent xmlns:mc="http://schemas.openxmlformats.org/markup-compatibility/2006">
-    <mc:Choice xmlns:p14="http://schemas.microsoft.com/office/powerpoint/2010/main" Requires="p14">
+  <mc:AlternateContent xmlns:mc="http://schemas.openxmlformats.org/markup-compatibility/2006" xmlns:p14="http://schemas.microsoft.com/office/powerpoint/2010/main">
+    <mc:Choice Requires="p14">
       <p:transition spd="med" p14:dur="700">
         <p:fade/>
       </p:transition>
     </mc:Choice>
-    <mc:Fallback>
+    <mc:Fallback xmlns="">
       <p:transition spd="med">
         <p:fade/>
       </p:transition>
@@ -6995,26 +12773,261 @@
               <a:buChar char="•"/>
             </a:pPr>
             <a:r>
-              <a:rPr lang="en-US">
-                <a:latin typeface="Segoe UI" panose="020B0502040204020203" pitchFamily="34" charset="0"/>
-                <a:cs typeface="Segoe UI" panose="020B0502040204020203" pitchFamily="34" charset="0"/>
-              </a:rPr>
-              <a:t>Khi gửi câu hỏi qua trang web, ng</a:t>
-            </a:r>
-            <a:r>
-              <a:rPr lang="vi-VN">
+              <a:rPr lang="en-US" dirty="0" err="1">
+                <a:latin typeface="Segoe UI" panose="020B0502040204020203" pitchFamily="34" charset="0"/>
+                <a:cs typeface="Segoe UI" panose="020B0502040204020203" pitchFamily="34" charset="0"/>
+              </a:rPr>
+              <a:t>Khi</a:t>
+            </a:r>
+            <a:r>
+              <a:rPr lang="en-US" dirty="0">
+                <a:latin typeface="Segoe UI" panose="020B0502040204020203" pitchFamily="34" charset="0"/>
+                <a:cs typeface="Segoe UI" panose="020B0502040204020203" pitchFamily="34" charset="0"/>
+              </a:rPr>
+              <a:t> </a:t>
+            </a:r>
+            <a:r>
+              <a:rPr lang="en-US" dirty="0" err="1">
+                <a:latin typeface="Segoe UI" panose="020B0502040204020203" pitchFamily="34" charset="0"/>
+                <a:cs typeface="Segoe UI" panose="020B0502040204020203" pitchFamily="34" charset="0"/>
+              </a:rPr>
+              <a:t>gửi</a:t>
+            </a:r>
+            <a:r>
+              <a:rPr lang="en-US" dirty="0">
+                <a:latin typeface="Segoe UI" panose="020B0502040204020203" pitchFamily="34" charset="0"/>
+                <a:cs typeface="Segoe UI" panose="020B0502040204020203" pitchFamily="34" charset="0"/>
+              </a:rPr>
+              <a:t> </a:t>
+            </a:r>
+            <a:r>
+              <a:rPr lang="en-US" dirty="0" err="1">
+                <a:latin typeface="Segoe UI" panose="020B0502040204020203" pitchFamily="34" charset="0"/>
+                <a:cs typeface="Segoe UI" panose="020B0502040204020203" pitchFamily="34" charset="0"/>
+              </a:rPr>
+              <a:t>câu</a:t>
+            </a:r>
+            <a:r>
+              <a:rPr lang="en-US" dirty="0">
+                <a:latin typeface="Segoe UI" panose="020B0502040204020203" pitchFamily="34" charset="0"/>
+                <a:cs typeface="Segoe UI" panose="020B0502040204020203" pitchFamily="34" charset="0"/>
+              </a:rPr>
+              <a:t> </a:t>
+            </a:r>
+            <a:r>
+              <a:rPr lang="en-US" dirty="0" err="1">
+                <a:latin typeface="Segoe UI" panose="020B0502040204020203" pitchFamily="34" charset="0"/>
+                <a:cs typeface="Segoe UI" panose="020B0502040204020203" pitchFamily="34" charset="0"/>
+              </a:rPr>
+              <a:t>hỏi</a:t>
+            </a:r>
+            <a:r>
+              <a:rPr lang="en-US" dirty="0">
+                <a:latin typeface="Segoe UI" panose="020B0502040204020203" pitchFamily="34" charset="0"/>
+                <a:cs typeface="Segoe UI" panose="020B0502040204020203" pitchFamily="34" charset="0"/>
+              </a:rPr>
+              <a:t> qua </a:t>
+            </a:r>
+            <a:r>
+              <a:rPr lang="en-US" dirty="0" err="1">
+                <a:latin typeface="Segoe UI" panose="020B0502040204020203" pitchFamily="34" charset="0"/>
+                <a:cs typeface="Segoe UI" panose="020B0502040204020203" pitchFamily="34" charset="0"/>
+              </a:rPr>
+              <a:t>trang</a:t>
+            </a:r>
+            <a:r>
+              <a:rPr lang="en-US" dirty="0">
+                <a:latin typeface="Segoe UI" panose="020B0502040204020203" pitchFamily="34" charset="0"/>
+                <a:cs typeface="Segoe UI" panose="020B0502040204020203" pitchFamily="34" charset="0"/>
+              </a:rPr>
+              <a:t> web, ng</a:t>
+            </a:r>
+            <a:r>
+              <a:rPr lang="vi-VN" dirty="0">
                 <a:latin typeface="Segoe UI" panose="020B0502040204020203" pitchFamily="34" charset="0"/>
                 <a:cs typeface="Segoe UI" panose="020B0502040204020203" pitchFamily="34" charset="0"/>
               </a:rPr>
               <a:t>ư</a:t>
             </a:r>
             <a:r>
-              <a:rPr lang="en-US">
-                <a:latin typeface="Segoe UI" panose="020B0502040204020203" pitchFamily="34" charset="0"/>
-                <a:cs typeface="Segoe UI" panose="020B0502040204020203" pitchFamily="34" charset="0"/>
-              </a:rPr>
-              <a:t>ời hỏi có thể lựa chọn lĩnh vực hỏi mà mình mong muốn</a:t>
-            </a:r>
+              <a:rPr lang="en-US" dirty="0" err="1">
+                <a:latin typeface="Segoe UI" panose="020B0502040204020203" pitchFamily="34" charset="0"/>
+                <a:cs typeface="Segoe UI" panose="020B0502040204020203" pitchFamily="34" charset="0"/>
+              </a:rPr>
+              <a:t>ời</a:t>
+            </a:r>
+            <a:r>
+              <a:rPr lang="en-US" dirty="0">
+                <a:latin typeface="Segoe UI" panose="020B0502040204020203" pitchFamily="34" charset="0"/>
+                <a:cs typeface="Segoe UI" panose="020B0502040204020203" pitchFamily="34" charset="0"/>
+              </a:rPr>
+              <a:t> </a:t>
+            </a:r>
+            <a:r>
+              <a:rPr lang="en-US" dirty="0" err="1">
+                <a:latin typeface="Segoe UI" panose="020B0502040204020203" pitchFamily="34" charset="0"/>
+                <a:cs typeface="Segoe UI" panose="020B0502040204020203" pitchFamily="34" charset="0"/>
+              </a:rPr>
+              <a:t>hỏi</a:t>
+            </a:r>
+            <a:r>
+              <a:rPr lang="en-US" dirty="0">
+                <a:latin typeface="Segoe UI" panose="020B0502040204020203" pitchFamily="34" charset="0"/>
+                <a:cs typeface="Segoe UI" panose="020B0502040204020203" pitchFamily="34" charset="0"/>
+              </a:rPr>
+              <a:t> </a:t>
+            </a:r>
+            <a:r>
+              <a:rPr lang="en-US" dirty="0" err="1">
+                <a:latin typeface="Segoe UI" panose="020B0502040204020203" pitchFamily="34" charset="0"/>
+                <a:cs typeface="Segoe UI" panose="020B0502040204020203" pitchFamily="34" charset="0"/>
+              </a:rPr>
+              <a:t>có</a:t>
+            </a:r>
+            <a:r>
+              <a:rPr lang="en-US" dirty="0">
+                <a:latin typeface="Segoe UI" panose="020B0502040204020203" pitchFamily="34" charset="0"/>
+                <a:cs typeface="Segoe UI" panose="020B0502040204020203" pitchFamily="34" charset="0"/>
+              </a:rPr>
+              <a:t> </a:t>
+            </a:r>
+            <a:r>
+              <a:rPr lang="en-US" dirty="0" err="1">
+                <a:latin typeface="Segoe UI" panose="020B0502040204020203" pitchFamily="34" charset="0"/>
+                <a:cs typeface="Segoe UI" panose="020B0502040204020203" pitchFamily="34" charset="0"/>
+              </a:rPr>
+              <a:t>thể</a:t>
+            </a:r>
+            <a:r>
+              <a:rPr lang="en-US" dirty="0">
+                <a:latin typeface="Segoe UI" panose="020B0502040204020203" pitchFamily="34" charset="0"/>
+                <a:cs typeface="Segoe UI" panose="020B0502040204020203" pitchFamily="34" charset="0"/>
+              </a:rPr>
+              <a:t> </a:t>
+            </a:r>
+            <a:r>
+              <a:rPr lang="en-US" dirty="0" err="1">
+                <a:latin typeface="Segoe UI" panose="020B0502040204020203" pitchFamily="34" charset="0"/>
+                <a:cs typeface="Segoe UI" panose="020B0502040204020203" pitchFamily="34" charset="0"/>
+              </a:rPr>
+              <a:t>lựa</a:t>
+            </a:r>
+            <a:r>
+              <a:rPr lang="en-US" dirty="0">
+                <a:latin typeface="Segoe UI" panose="020B0502040204020203" pitchFamily="34" charset="0"/>
+                <a:cs typeface="Segoe UI" panose="020B0502040204020203" pitchFamily="34" charset="0"/>
+              </a:rPr>
+              <a:t> </a:t>
+            </a:r>
+            <a:r>
+              <a:rPr lang="en-US" dirty="0" err="1">
+                <a:latin typeface="Segoe UI" panose="020B0502040204020203" pitchFamily="34" charset="0"/>
+                <a:cs typeface="Segoe UI" panose="020B0502040204020203" pitchFamily="34" charset="0"/>
+              </a:rPr>
+              <a:t>chọn</a:t>
+            </a:r>
+            <a:r>
+              <a:rPr lang="en-US" dirty="0">
+                <a:latin typeface="Segoe UI" panose="020B0502040204020203" pitchFamily="34" charset="0"/>
+                <a:cs typeface="Segoe UI" panose="020B0502040204020203" pitchFamily="34" charset="0"/>
+              </a:rPr>
+              <a:t> </a:t>
+            </a:r>
+            <a:r>
+              <a:rPr lang="en-US" dirty="0" err="1">
+                <a:latin typeface="Segoe UI" panose="020B0502040204020203" pitchFamily="34" charset="0"/>
+                <a:cs typeface="Segoe UI" panose="020B0502040204020203" pitchFamily="34" charset="0"/>
+              </a:rPr>
+              <a:t>lĩnh</a:t>
+            </a:r>
+            <a:r>
+              <a:rPr lang="en-US" dirty="0">
+                <a:latin typeface="Segoe UI" panose="020B0502040204020203" pitchFamily="34" charset="0"/>
+                <a:cs typeface="Segoe UI" panose="020B0502040204020203" pitchFamily="34" charset="0"/>
+              </a:rPr>
+              <a:t> </a:t>
+            </a:r>
+            <a:r>
+              <a:rPr lang="en-US" dirty="0" err="1">
+                <a:latin typeface="Segoe UI" panose="020B0502040204020203" pitchFamily="34" charset="0"/>
+                <a:cs typeface="Segoe UI" panose="020B0502040204020203" pitchFamily="34" charset="0"/>
+              </a:rPr>
+              <a:t>vực</a:t>
+            </a:r>
+            <a:r>
+              <a:rPr lang="en-US" dirty="0">
+                <a:latin typeface="Segoe UI" panose="020B0502040204020203" pitchFamily="34" charset="0"/>
+                <a:cs typeface="Segoe UI" panose="020B0502040204020203" pitchFamily="34" charset="0"/>
+              </a:rPr>
+              <a:t> </a:t>
+            </a:r>
+            <a:r>
+              <a:rPr lang="en-US" dirty="0" err="1">
+                <a:latin typeface="Segoe UI" panose="020B0502040204020203" pitchFamily="34" charset="0"/>
+                <a:cs typeface="Segoe UI" panose="020B0502040204020203" pitchFamily="34" charset="0"/>
+              </a:rPr>
+              <a:t>hỏi</a:t>
+            </a:r>
+            <a:r>
+              <a:rPr lang="en-US" dirty="0">
+                <a:latin typeface="Segoe UI" panose="020B0502040204020203" pitchFamily="34" charset="0"/>
+                <a:cs typeface="Segoe UI" panose="020B0502040204020203" pitchFamily="34" charset="0"/>
+              </a:rPr>
+              <a:t> </a:t>
+            </a:r>
+            <a:r>
+              <a:rPr lang="en-US" dirty="0" err="1">
+                <a:latin typeface="Segoe UI" panose="020B0502040204020203" pitchFamily="34" charset="0"/>
+                <a:cs typeface="Segoe UI" panose="020B0502040204020203" pitchFamily="34" charset="0"/>
+              </a:rPr>
+              <a:t>mà</a:t>
+            </a:r>
+            <a:r>
+              <a:rPr lang="en-US" dirty="0">
+                <a:latin typeface="Segoe UI" panose="020B0502040204020203" pitchFamily="34" charset="0"/>
+                <a:cs typeface="Segoe UI" panose="020B0502040204020203" pitchFamily="34" charset="0"/>
+              </a:rPr>
+              <a:t> </a:t>
+            </a:r>
+            <a:r>
+              <a:rPr lang="en-US" dirty="0" err="1">
+                <a:latin typeface="Segoe UI" panose="020B0502040204020203" pitchFamily="34" charset="0"/>
+                <a:cs typeface="Segoe UI" panose="020B0502040204020203" pitchFamily="34" charset="0"/>
+              </a:rPr>
+              <a:t>mình</a:t>
+            </a:r>
+            <a:r>
+              <a:rPr lang="en-US" dirty="0">
+                <a:latin typeface="Segoe UI" panose="020B0502040204020203" pitchFamily="34" charset="0"/>
+                <a:cs typeface="Segoe UI" panose="020B0502040204020203" pitchFamily="34" charset="0"/>
+              </a:rPr>
+              <a:t> </a:t>
+            </a:r>
+            <a:r>
+              <a:rPr lang="en-US" dirty="0" err="1">
+                <a:latin typeface="Segoe UI" panose="020B0502040204020203" pitchFamily="34" charset="0"/>
+                <a:cs typeface="Segoe UI" panose="020B0502040204020203" pitchFamily="34" charset="0"/>
+              </a:rPr>
+              <a:t>mong</a:t>
+            </a:r>
+            <a:r>
+              <a:rPr lang="en-US" dirty="0">
+                <a:latin typeface="Segoe UI" panose="020B0502040204020203" pitchFamily="34" charset="0"/>
+                <a:cs typeface="Segoe UI" panose="020B0502040204020203" pitchFamily="34" charset="0"/>
+              </a:rPr>
+              <a:t> </a:t>
+            </a:r>
+            <a:r>
+              <a:rPr lang="en-US" dirty="0" err="1">
+                <a:latin typeface="Segoe UI" panose="020B0502040204020203" pitchFamily="34" charset="0"/>
+                <a:cs typeface="Segoe UI" panose="020B0502040204020203" pitchFamily="34" charset="0"/>
+              </a:rPr>
+              <a:t>muốn</a:t>
+            </a:r>
+            <a:endParaRPr lang="en-US" dirty="0">
+              <a:latin typeface="Segoe UI" panose="020B0502040204020203" pitchFamily="34" charset="0"/>
+              <a:cs typeface="Segoe UI" panose="020B0502040204020203" pitchFamily="34" charset="0"/>
+            </a:endParaRPr>
           </a:p>
           <a:p>
             <a:pPr marL="285750" indent="-285750">
@@ -7022,29 +13035,264 @@
               <a:buChar char="•"/>
             </a:pPr>
             <a:r>
-              <a:rPr lang="en-US">
-                <a:latin typeface="Segoe UI" panose="020B0502040204020203" pitchFamily="34" charset="0"/>
-                <a:cs typeface="Segoe UI" panose="020B0502040204020203" pitchFamily="34" charset="0"/>
-              </a:rPr>
-              <a:t>Nhưng với các kênh khác nh</a:t>
-            </a:r>
-            <a:r>
-              <a:rPr lang="vi-VN">
+              <a:rPr lang="en-US" dirty="0" err="1">
+                <a:latin typeface="Segoe UI" panose="020B0502040204020203" pitchFamily="34" charset="0"/>
+                <a:cs typeface="Segoe UI" panose="020B0502040204020203" pitchFamily="34" charset="0"/>
+              </a:rPr>
+              <a:t>Nhưng</a:t>
+            </a:r>
+            <a:r>
+              <a:rPr lang="en-US" dirty="0">
+                <a:latin typeface="Segoe UI" panose="020B0502040204020203" pitchFamily="34" charset="0"/>
+                <a:cs typeface="Segoe UI" panose="020B0502040204020203" pitchFamily="34" charset="0"/>
+              </a:rPr>
+              <a:t> </a:t>
+            </a:r>
+            <a:r>
+              <a:rPr lang="en-US" dirty="0" err="1">
+                <a:latin typeface="Segoe UI" panose="020B0502040204020203" pitchFamily="34" charset="0"/>
+                <a:cs typeface="Segoe UI" panose="020B0502040204020203" pitchFamily="34" charset="0"/>
+              </a:rPr>
+              <a:t>với</a:t>
+            </a:r>
+            <a:r>
+              <a:rPr lang="en-US" dirty="0">
+                <a:latin typeface="Segoe UI" panose="020B0502040204020203" pitchFamily="34" charset="0"/>
+                <a:cs typeface="Segoe UI" panose="020B0502040204020203" pitchFamily="34" charset="0"/>
+              </a:rPr>
+              <a:t> </a:t>
+            </a:r>
+            <a:r>
+              <a:rPr lang="en-US" dirty="0" err="1">
+                <a:latin typeface="Segoe UI" panose="020B0502040204020203" pitchFamily="34" charset="0"/>
+                <a:cs typeface="Segoe UI" panose="020B0502040204020203" pitchFamily="34" charset="0"/>
+              </a:rPr>
+              <a:t>các</a:t>
+            </a:r>
+            <a:r>
+              <a:rPr lang="en-US" dirty="0">
+                <a:latin typeface="Segoe UI" panose="020B0502040204020203" pitchFamily="34" charset="0"/>
+                <a:cs typeface="Segoe UI" panose="020B0502040204020203" pitchFamily="34" charset="0"/>
+              </a:rPr>
+              <a:t> </a:t>
+            </a:r>
+            <a:r>
+              <a:rPr lang="en-US" dirty="0" err="1">
+                <a:latin typeface="Segoe UI" panose="020B0502040204020203" pitchFamily="34" charset="0"/>
+                <a:cs typeface="Segoe UI" panose="020B0502040204020203" pitchFamily="34" charset="0"/>
+              </a:rPr>
+              <a:t>kênh</a:t>
+            </a:r>
+            <a:r>
+              <a:rPr lang="en-US" dirty="0">
+                <a:latin typeface="Segoe UI" panose="020B0502040204020203" pitchFamily="34" charset="0"/>
+                <a:cs typeface="Segoe UI" panose="020B0502040204020203" pitchFamily="34" charset="0"/>
+              </a:rPr>
+              <a:t> </a:t>
+            </a:r>
+            <a:r>
+              <a:rPr lang="en-US" dirty="0" err="1">
+                <a:latin typeface="Segoe UI" panose="020B0502040204020203" pitchFamily="34" charset="0"/>
+                <a:cs typeface="Segoe UI" panose="020B0502040204020203" pitchFamily="34" charset="0"/>
+              </a:rPr>
+              <a:t>khác</a:t>
+            </a:r>
+            <a:r>
+              <a:rPr lang="en-US" dirty="0">
+                <a:latin typeface="Segoe UI" panose="020B0502040204020203" pitchFamily="34" charset="0"/>
+                <a:cs typeface="Segoe UI" panose="020B0502040204020203" pitchFamily="34" charset="0"/>
+              </a:rPr>
+              <a:t> </a:t>
+            </a:r>
+            <a:r>
+              <a:rPr lang="en-US" dirty="0" err="1">
+                <a:latin typeface="Segoe UI" panose="020B0502040204020203" pitchFamily="34" charset="0"/>
+                <a:cs typeface="Segoe UI" panose="020B0502040204020203" pitchFamily="34" charset="0"/>
+              </a:rPr>
+              <a:t>nh</a:t>
+            </a:r>
+            <a:r>
+              <a:rPr lang="vi-VN" dirty="0">
                 <a:latin typeface="Segoe UI" panose="020B0502040204020203" pitchFamily="34" charset="0"/>
                 <a:cs typeface="Segoe UI" panose="020B0502040204020203" pitchFamily="34" charset="0"/>
               </a:rPr>
               <a:t>ư</a:t>
             </a:r>
             <a:r>
-              <a:rPr lang="en-US">
-                <a:latin typeface="Segoe UI" panose="020B0502040204020203" pitchFamily="34" charset="0"/>
-                <a:cs typeface="Segoe UI" panose="020B0502040204020203" pitchFamily="34" charset="0"/>
-              </a:rPr>
-              <a:t> tin nhắn, email, facebook… thì cũng cần phải phân loại chuyên khoa cho câu hỏi</a:t>
-            </a:r>
-          </a:p>
-          <a:p>
-            <a:endParaRPr lang="en-US">
+              <a:rPr lang="en-US" dirty="0">
+                <a:latin typeface="Segoe UI" panose="020B0502040204020203" pitchFamily="34" charset="0"/>
+                <a:cs typeface="Segoe UI" panose="020B0502040204020203" pitchFamily="34" charset="0"/>
+              </a:rPr>
+              <a:t> tin </a:t>
+            </a:r>
+            <a:r>
+              <a:rPr lang="en-US" dirty="0" err="1">
+                <a:latin typeface="Segoe UI" panose="020B0502040204020203" pitchFamily="34" charset="0"/>
+                <a:cs typeface="Segoe UI" panose="020B0502040204020203" pitchFamily="34" charset="0"/>
+              </a:rPr>
+              <a:t>nhắn</a:t>
+            </a:r>
+            <a:r>
+              <a:rPr lang="en-US" dirty="0">
+                <a:latin typeface="Segoe UI" panose="020B0502040204020203" pitchFamily="34" charset="0"/>
+                <a:cs typeface="Segoe UI" panose="020B0502040204020203" pitchFamily="34" charset="0"/>
+              </a:rPr>
+              <a:t>, email, </a:t>
+            </a:r>
+            <a:r>
+              <a:rPr lang="en-US" dirty="0" err="1">
+                <a:latin typeface="Segoe UI" panose="020B0502040204020203" pitchFamily="34" charset="0"/>
+                <a:cs typeface="Segoe UI" panose="020B0502040204020203" pitchFamily="34" charset="0"/>
+              </a:rPr>
+              <a:t>facebook</a:t>
+            </a:r>
+            <a:r>
+              <a:rPr lang="en-US" dirty="0">
+                <a:latin typeface="Segoe UI" panose="020B0502040204020203" pitchFamily="34" charset="0"/>
+                <a:cs typeface="Segoe UI" panose="020B0502040204020203" pitchFamily="34" charset="0"/>
+              </a:rPr>
+              <a:t>… </a:t>
+            </a:r>
+            <a:r>
+              <a:rPr lang="en-US" dirty="0" err="1">
+                <a:latin typeface="Segoe UI" panose="020B0502040204020203" pitchFamily="34" charset="0"/>
+                <a:cs typeface="Segoe UI" panose="020B0502040204020203" pitchFamily="34" charset="0"/>
+              </a:rPr>
+              <a:t>thì</a:t>
+            </a:r>
+            <a:r>
+              <a:rPr lang="en-US" dirty="0">
+                <a:latin typeface="Segoe UI" panose="020B0502040204020203" pitchFamily="34" charset="0"/>
+                <a:cs typeface="Segoe UI" panose="020B0502040204020203" pitchFamily="34" charset="0"/>
+              </a:rPr>
+              <a:t> </a:t>
+            </a:r>
+            <a:r>
+              <a:rPr lang="en-US" dirty="0" err="1">
+                <a:latin typeface="Segoe UI" panose="020B0502040204020203" pitchFamily="34" charset="0"/>
+                <a:cs typeface="Segoe UI" panose="020B0502040204020203" pitchFamily="34" charset="0"/>
+              </a:rPr>
+              <a:t>cũng</a:t>
+            </a:r>
+            <a:r>
+              <a:rPr lang="en-US" dirty="0">
+                <a:latin typeface="Segoe UI" panose="020B0502040204020203" pitchFamily="34" charset="0"/>
+                <a:cs typeface="Segoe UI" panose="020B0502040204020203" pitchFamily="34" charset="0"/>
+              </a:rPr>
+              <a:t> </a:t>
+            </a:r>
+            <a:r>
+              <a:rPr lang="en-US" dirty="0" err="1">
+                <a:latin typeface="Segoe UI" panose="020B0502040204020203" pitchFamily="34" charset="0"/>
+                <a:cs typeface="Segoe UI" panose="020B0502040204020203" pitchFamily="34" charset="0"/>
+              </a:rPr>
+              <a:t>cần</a:t>
+            </a:r>
+            <a:r>
+              <a:rPr lang="en-US" dirty="0">
+                <a:latin typeface="Segoe UI" panose="020B0502040204020203" pitchFamily="34" charset="0"/>
+                <a:cs typeface="Segoe UI" panose="020B0502040204020203" pitchFamily="34" charset="0"/>
+              </a:rPr>
+              <a:t> </a:t>
+            </a:r>
+            <a:r>
+              <a:rPr lang="en-US" dirty="0" err="1">
+                <a:latin typeface="Segoe UI" panose="020B0502040204020203" pitchFamily="34" charset="0"/>
+                <a:cs typeface="Segoe UI" panose="020B0502040204020203" pitchFamily="34" charset="0"/>
+              </a:rPr>
+              <a:t>phải</a:t>
+            </a:r>
+            <a:r>
+              <a:rPr lang="en-US" dirty="0">
+                <a:latin typeface="Segoe UI" panose="020B0502040204020203" pitchFamily="34" charset="0"/>
+                <a:cs typeface="Segoe UI" panose="020B0502040204020203" pitchFamily="34" charset="0"/>
+              </a:rPr>
+              <a:t> </a:t>
+            </a:r>
+            <a:r>
+              <a:rPr lang="en-US" dirty="0" err="1">
+                <a:latin typeface="Segoe UI" panose="020B0502040204020203" pitchFamily="34" charset="0"/>
+                <a:cs typeface="Segoe UI" panose="020B0502040204020203" pitchFamily="34" charset="0"/>
+              </a:rPr>
+              <a:t>phân</a:t>
+            </a:r>
+            <a:r>
+              <a:rPr lang="en-US" dirty="0">
+                <a:latin typeface="Segoe UI" panose="020B0502040204020203" pitchFamily="34" charset="0"/>
+                <a:cs typeface="Segoe UI" panose="020B0502040204020203" pitchFamily="34" charset="0"/>
+              </a:rPr>
+              <a:t> </a:t>
+            </a:r>
+            <a:r>
+              <a:rPr lang="en-US" dirty="0" err="1">
+                <a:latin typeface="Segoe UI" panose="020B0502040204020203" pitchFamily="34" charset="0"/>
+                <a:cs typeface="Segoe UI" panose="020B0502040204020203" pitchFamily="34" charset="0"/>
+              </a:rPr>
+              <a:t>loại</a:t>
+            </a:r>
+            <a:r>
+              <a:rPr lang="en-US" dirty="0">
+                <a:latin typeface="Segoe UI" panose="020B0502040204020203" pitchFamily="34" charset="0"/>
+                <a:cs typeface="Segoe UI" panose="020B0502040204020203" pitchFamily="34" charset="0"/>
+              </a:rPr>
+              <a:t> </a:t>
+            </a:r>
+            <a:r>
+              <a:rPr lang="en-US" dirty="0" err="1">
+                <a:latin typeface="Segoe UI" panose="020B0502040204020203" pitchFamily="34" charset="0"/>
+                <a:cs typeface="Segoe UI" panose="020B0502040204020203" pitchFamily="34" charset="0"/>
+              </a:rPr>
+              <a:t>chuyên</a:t>
+            </a:r>
+            <a:r>
+              <a:rPr lang="en-US" dirty="0">
+                <a:latin typeface="Segoe UI" panose="020B0502040204020203" pitchFamily="34" charset="0"/>
+                <a:cs typeface="Segoe UI" panose="020B0502040204020203" pitchFamily="34" charset="0"/>
+              </a:rPr>
+              <a:t> khoa </a:t>
+            </a:r>
+            <a:r>
+              <a:rPr lang="en-US" dirty="0" err="1">
+                <a:latin typeface="Segoe UI" panose="020B0502040204020203" pitchFamily="34" charset="0"/>
+                <a:cs typeface="Segoe UI" panose="020B0502040204020203" pitchFamily="34" charset="0"/>
+              </a:rPr>
+              <a:t>cho</a:t>
+            </a:r>
+            <a:r>
+              <a:rPr lang="en-US" dirty="0">
+                <a:latin typeface="Segoe UI" panose="020B0502040204020203" pitchFamily="34" charset="0"/>
+                <a:cs typeface="Segoe UI" panose="020B0502040204020203" pitchFamily="34" charset="0"/>
+              </a:rPr>
+              <a:t> </a:t>
+            </a:r>
+            <a:r>
+              <a:rPr lang="en-US" dirty="0" err="1">
+                <a:latin typeface="Segoe UI" panose="020B0502040204020203" pitchFamily="34" charset="0"/>
+                <a:cs typeface="Segoe UI" panose="020B0502040204020203" pitchFamily="34" charset="0"/>
+              </a:rPr>
+              <a:t>câu</a:t>
+            </a:r>
+            <a:r>
+              <a:rPr lang="en-US" dirty="0">
+                <a:latin typeface="Segoe UI" panose="020B0502040204020203" pitchFamily="34" charset="0"/>
+                <a:cs typeface="Segoe UI" panose="020B0502040204020203" pitchFamily="34" charset="0"/>
+              </a:rPr>
+              <a:t> </a:t>
+            </a:r>
+            <a:r>
+              <a:rPr lang="en-US" dirty="0" err="1">
+                <a:latin typeface="Segoe UI" panose="020B0502040204020203" pitchFamily="34" charset="0"/>
+                <a:cs typeface="Segoe UI" panose="020B0502040204020203" pitchFamily="34" charset="0"/>
+              </a:rPr>
+              <a:t>hỏi</a:t>
+            </a:r>
+            <a:endParaRPr lang="en-US" dirty="0">
+              <a:latin typeface="Segoe UI" panose="020B0502040204020203" pitchFamily="34" charset="0"/>
+              <a:cs typeface="Segoe UI" panose="020B0502040204020203" pitchFamily="34" charset="0"/>
+            </a:endParaRPr>
+          </a:p>
+          <a:p>
+            <a:endParaRPr lang="en-US" dirty="0">
               <a:latin typeface="Segoe UI" panose="020B0502040204020203" pitchFamily="34" charset="0"/>
               <a:cs typeface="Segoe UI" panose="020B0502040204020203" pitchFamily="34" charset="0"/>
             </a:endParaRPr>
@@ -7061,13 +13309,13 @@
   <p:clrMapOvr>
     <a:masterClrMapping/>
   </p:clrMapOvr>
-  <mc:AlternateContent xmlns:mc="http://schemas.openxmlformats.org/markup-compatibility/2006">
-    <mc:Choice xmlns:p14="http://schemas.microsoft.com/office/powerpoint/2010/main" Requires="p14">
+  <mc:AlternateContent xmlns:mc="http://schemas.openxmlformats.org/markup-compatibility/2006" xmlns:p14="http://schemas.microsoft.com/office/powerpoint/2010/main">
+    <mc:Choice Requires="p14">
       <p:transition spd="med" p14:dur="700">
         <p:fade/>
       </p:transition>
     </mc:Choice>
-    <mc:Fallback>
+    <mc:Fallback xmlns="">
       <p:transition spd="med">
         <p:fade/>
       </p:transition>
@@ -7236,13 +13484,13 @@
   <p:clrMapOvr>
     <a:masterClrMapping/>
   </p:clrMapOvr>
-  <mc:AlternateContent xmlns:mc="http://schemas.openxmlformats.org/markup-compatibility/2006">
-    <mc:Choice xmlns:p14="http://schemas.microsoft.com/office/powerpoint/2010/main" Requires="p14">
+  <mc:AlternateContent xmlns:mc="http://schemas.openxmlformats.org/markup-compatibility/2006" xmlns:p14="http://schemas.microsoft.com/office/powerpoint/2010/main">
+    <mc:Choice Requires="p14">
       <p:transition spd="med" p14:dur="700">
         <p:fade/>
       </p:transition>
     </mc:Choice>
-    <mc:Fallback>
+    <mc:Fallback xmlns="">
       <p:transition spd="med">
         <p:fade/>
       </p:transition>
@@ -7428,13 +13676,13 @@
   <p:clrMapOvr>
     <a:masterClrMapping/>
   </p:clrMapOvr>
-  <mc:AlternateContent xmlns:mc="http://schemas.openxmlformats.org/markup-compatibility/2006">
-    <mc:Choice xmlns:p14="http://schemas.microsoft.com/office/powerpoint/2010/main" Requires="p14">
+  <mc:AlternateContent xmlns:mc="http://schemas.openxmlformats.org/markup-compatibility/2006" xmlns:p14="http://schemas.microsoft.com/office/powerpoint/2010/main">
+    <mc:Choice Requires="p14">
       <p:transition spd="med" p14:dur="700">
         <p:fade/>
       </p:transition>
     </mc:Choice>
-    <mc:Fallback>
+    <mc:Fallback xmlns="">
       <p:transition spd="med">
         <p:fade/>
       </p:transition>
@@ -7628,13 +13876,13 @@
   <p:clrMapOvr>
     <a:masterClrMapping/>
   </p:clrMapOvr>
-  <mc:AlternateContent xmlns:mc="http://schemas.openxmlformats.org/markup-compatibility/2006">
-    <mc:Choice xmlns:p14="http://schemas.microsoft.com/office/powerpoint/2010/main" Requires="p14">
+  <mc:AlternateContent xmlns:mc="http://schemas.openxmlformats.org/markup-compatibility/2006" xmlns:p14="http://schemas.microsoft.com/office/powerpoint/2010/main">
+    <mc:Choice Requires="p14">
       <p:transition spd="med" p14:dur="700">
         <p:fade/>
       </p:transition>
     </mc:Choice>
-    <mc:Fallback>
+    <mc:Fallback xmlns="">
       <p:transition spd="med">
         <p:fade/>
       </p:transition>
@@ -7733,13 +13981,13 @@
   <p:clrMapOvr>
     <a:masterClrMapping/>
   </p:clrMapOvr>
-  <mc:AlternateContent xmlns:mc="http://schemas.openxmlformats.org/markup-compatibility/2006">
-    <mc:Choice xmlns:p14="http://schemas.microsoft.com/office/powerpoint/2010/main" Requires="p14">
+  <mc:AlternateContent xmlns:mc="http://schemas.openxmlformats.org/markup-compatibility/2006" xmlns:p14="http://schemas.microsoft.com/office/powerpoint/2010/main">
+    <mc:Choice Requires="p14">
       <p:transition spd="med" p14:dur="700">
         <p:fade/>
       </p:transition>
     </mc:Choice>
-    <mc:Fallback>
+    <mc:Fallback xmlns="">
       <p:transition spd="med">
         <p:fade/>
       </p:transition>

--- a/DACK_Slide.pptx
+++ b/DACK_Slide.pptx
@@ -4,6 +4,9 @@
   <p:sldMasterIdLst>
     <p:sldMasterId id="2147483695" r:id="rId1"/>
   </p:sldMasterIdLst>
+  <p:notesMasterIdLst>
+    <p:notesMasterId r:id="rId24"/>
+  </p:notesMasterIdLst>
   <p:sldIdLst>
     <p:sldId id="256" r:id="rId2"/>
     <p:sldId id="257" r:id="rId3"/>
@@ -21,10 +24,12 @@
     <p:sldId id="267" r:id="rId15"/>
     <p:sldId id="270" r:id="rId16"/>
     <p:sldId id="275" r:id="rId17"/>
-    <p:sldId id="272" r:id="rId18"/>
-    <p:sldId id="276" r:id="rId19"/>
-    <p:sldId id="278" r:id="rId20"/>
-    <p:sldId id="280" r:id="rId21"/>
+    <p:sldId id="276" r:id="rId18"/>
+    <p:sldId id="278" r:id="rId19"/>
+    <p:sldId id="280" r:id="rId20"/>
+    <p:sldId id="282" r:id="rId21"/>
+    <p:sldId id="283" r:id="rId22"/>
+    <p:sldId id="284" r:id="rId23"/>
   </p:sldIdLst>
   <p:sldSz cx="12192000" cy="6858000"/>
   <p:notesSz cx="6858000" cy="9144000"/>
@@ -129,6 +134,355 @@
     </p:ext>
   </p:extLst>
 </p:presentation>
+</file>
+
+<file path=ppt/notesMasters/notesMaster1.xml><?xml version="1.0" encoding="utf-8"?>
+<p:notesMaster xmlns:a="http://schemas.openxmlformats.org/drawingml/2006/main" xmlns:r="http://schemas.openxmlformats.org/officeDocument/2006/relationships" xmlns:p="http://schemas.openxmlformats.org/presentationml/2006/main">
+  <p:cSld>
+    <p:bg>
+      <p:bgRef idx="1001">
+        <a:schemeClr val="bg1"/>
+      </p:bgRef>
+    </p:bg>
+    <p:spTree>
+      <p:nvGrpSpPr>
+        <p:cNvPr id="1" name=""/>
+        <p:cNvGrpSpPr/>
+        <p:nvPr/>
+      </p:nvGrpSpPr>
+      <p:grpSpPr>
+        <a:xfrm>
+          <a:off x="0" y="0"/>
+          <a:ext cx="0" cy="0"/>
+          <a:chOff x="0" y="0"/>
+          <a:chExt cx="0" cy="0"/>
+        </a:xfrm>
+      </p:grpSpPr>
+      <p:sp>
+        <p:nvSpPr>
+          <p:cNvPr id="2" name="Header Placeholder 1"/>
+          <p:cNvSpPr>
+            <a:spLocks noGrp="1"/>
+          </p:cNvSpPr>
+          <p:nvPr>
+            <p:ph type="hdr" sz="quarter"/>
+          </p:nvPr>
+        </p:nvSpPr>
+        <p:spPr>
+          <a:xfrm>
+            <a:off x="0" y="0"/>
+            <a:ext cx="2971800" cy="458788"/>
+          </a:xfrm>
+          <a:prstGeom prst="rect">
+            <a:avLst/>
+          </a:prstGeom>
+        </p:spPr>
+        <p:txBody>
+          <a:bodyPr vert="horz" lIns="91440" tIns="45720" rIns="91440" bIns="45720" rtlCol="0"/>
+          <a:lstStyle>
+            <a:lvl1pPr algn="l">
+              <a:defRPr sz="1200"/>
+            </a:lvl1pPr>
+          </a:lstStyle>
+          <a:p>
+            <a:endParaRPr lang="en-US"/>
+          </a:p>
+        </p:txBody>
+      </p:sp>
+      <p:sp>
+        <p:nvSpPr>
+          <p:cNvPr id="3" name="Date Placeholder 2"/>
+          <p:cNvSpPr>
+            <a:spLocks noGrp="1"/>
+          </p:cNvSpPr>
+          <p:nvPr>
+            <p:ph type="dt" idx="1"/>
+          </p:nvPr>
+        </p:nvSpPr>
+        <p:spPr>
+          <a:xfrm>
+            <a:off x="3884613" y="0"/>
+            <a:ext cx="2971800" cy="458788"/>
+          </a:xfrm>
+          <a:prstGeom prst="rect">
+            <a:avLst/>
+          </a:prstGeom>
+        </p:spPr>
+        <p:txBody>
+          <a:bodyPr vert="horz" lIns="91440" tIns="45720" rIns="91440" bIns="45720" rtlCol="0"/>
+          <a:lstStyle>
+            <a:lvl1pPr algn="r">
+              <a:defRPr sz="1200"/>
+            </a:lvl1pPr>
+          </a:lstStyle>
+          <a:p>
+            <a:fld id="{06662466-31B8-471A-8015-AE679A5096D4}" type="datetimeFigureOut">
+              <a:rPr lang="en-US" smtClean="0"/>
+              <a:t>1/10/2020</a:t>
+            </a:fld>
+            <a:endParaRPr lang="en-US"/>
+          </a:p>
+        </p:txBody>
+      </p:sp>
+      <p:sp>
+        <p:nvSpPr>
+          <p:cNvPr id="4" name="Slide Image Placeholder 3"/>
+          <p:cNvSpPr>
+            <a:spLocks noGrp="1" noRot="1" noChangeAspect="1"/>
+          </p:cNvSpPr>
+          <p:nvPr>
+            <p:ph type="sldImg" idx="2"/>
+          </p:nvPr>
+        </p:nvSpPr>
+        <p:spPr>
+          <a:xfrm>
+            <a:off x="685800" y="1143000"/>
+            <a:ext cx="5486400" cy="3086100"/>
+          </a:xfrm>
+          <a:prstGeom prst="rect">
+            <a:avLst/>
+          </a:prstGeom>
+          <a:noFill/>
+          <a:ln w="12700">
+            <a:solidFill>
+              <a:prstClr val="black"/>
+            </a:solidFill>
+          </a:ln>
+        </p:spPr>
+        <p:txBody>
+          <a:bodyPr vert="horz" lIns="91440" tIns="45720" rIns="91440" bIns="45720" rtlCol="0" anchor="ctr"/>
+          <a:lstStyle/>
+          <a:p>
+            <a:endParaRPr lang="en-US"/>
+          </a:p>
+        </p:txBody>
+      </p:sp>
+      <p:sp>
+        <p:nvSpPr>
+          <p:cNvPr id="5" name="Notes Placeholder 4"/>
+          <p:cNvSpPr>
+            <a:spLocks noGrp="1"/>
+          </p:cNvSpPr>
+          <p:nvPr>
+            <p:ph type="body" sz="quarter" idx="3"/>
+          </p:nvPr>
+        </p:nvSpPr>
+        <p:spPr>
+          <a:xfrm>
+            <a:off x="685800" y="4400550"/>
+            <a:ext cx="5486400" cy="3600450"/>
+          </a:xfrm>
+          <a:prstGeom prst="rect">
+            <a:avLst/>
+          </a:prstGeom>
+        </p:spPr>
+        <p:txBody>
+          <a:bodyPr vert="horz" lIns="91440" tIns="45720" rIns="91440" bIns="45720" rtlCol="0"/>
+          <a:lstStyle/>
+          <a:p>
+            <a:pPr lvl="0"/>
+            <a:r>
+              <a:rPr lang="en-US"/>
+              <a:t>Click to edit Master text styles</a:t>
+            </a:r>
+          </a:p>
+          <a:p>
+            <a:pPr lvl="1"/>
+            <a:r>
+              <a:rPr lang="en-US"/>
+              <a:t>Second level</a:t>
+            </a:r>
+          </a:p>
+          <a:p>
+            <a:pPr lvl="2"/>
+            <a:r>
+              <a:rPr lang="en-US"/>
+              <a:t>Third level</a:t>
+            </a:r>
+          </a:p>
+          <a:p>
+            <a:pPr lvl="3"/>
+            <a:r>
+              <a:rPr lang="en-US"/>
+              <a:t>Fourth level</a:t>
+            </a:r>
+          </a:p>
+          <a:p>
+            <a:pPr lvl="4"/>
+            <a:r>
+              <a:rPr lang="en-US"/>
+              <a:t>Fifth level</a:t>
+            </a:r>
+          </a:p>
+        </p:txBody>
+      </p:sp>
+      <p:sp>
+        <p:nvSpPr>
+          <p:cNvPr id="6" name="Footer Placeholder 5"/>
+          <p:cNvSpPr>
+            <a:spLocks noGrp="1"/>
+          </p:cNvSpPr>
+          <p:nvPr>
+            <p:ph type="ftr" sz="quarter" idx="4"/>
+          </p:nvPr>
+        </p:nvSpPr>
+        <p:spPr>
+          <a:xfrm>
+            <a:off x="0" y="8685213"/>
+            <a:ext cx="2971800" cy="458787"/>
+          </a:xfrm>
+          <a:prstGeom prst="rect">
+            <a:avLst/>
+          </a:prstGeom>
+        </p:spPr>
+        <p:txBody>
+          <a:bodyPr vert="horz" lIns="91440" tIns="45720" rIns="91440" bIns="45720" rtlCol="0" anchor="b"/>
+          <a:lstStyle>
+            <a:lvl1pPr algn="l">
+              <a:defRPr sz="1200"/>
+            </a:lvl1pPr>
+          </a:lstStyle>
+          <a:p>
+            <a:endParaRPr lang="en-US"/>
+          </a:p>
+        </p:txBody>
+      </p:sp>
+      <p:sp>
+        <p:nvSpPr>
+          <p:cNvPr id="7" name="Slide Number Placeholder 6"/>
+          <p:cNvSpPr>
+            <a:spLocks noGrp="1"/>
+          </p:cNvSpPr>
+          <p:nvPr>
+            <p:ph type="sldNum" sz="quarter" idx="5"/>
+          </p:nvPr>
+        </p:nvSpPr>
+        <p:spPr>
+          <a:xfrm>
+            <a:off x="3884613" y="8685213"/>
+            <a:ext cx="2971800" cy="458787"/>
+          </a:xfrm>
+          <a:prstGeom prst="rect">
+            <a:avLst/>
+          </a:prstGeom>
+        </p:spPr>
+        <p:txBody>
+          <a:bodyPr vert="horz" lIns="91440" tIns="45720" rIns="91440" bIns="45720" rtlCol="0" anchor="b"/>
+          <a:lstStyle>
+            <a:lvl1pPr algn="r">
+              <a:defRPr sz="1200"/>
+            </a:lvl1pPr>
+          </a:lstStyle>
+          <a:p>
+            <a:fld id="{D53A2B9D-8AD2-44AA-926E-CF4FCE149A18}" type="slidenum">
+              <a:rPr lang="en-US" smtClean="0"/>
+              <a:t>‹#›</a:t>
+            </a:fld>
+            <a:endParaRPr lang="en-US"/>
+          </a:p>
+        </p:txBody>
+      </p:sp>
+    </p:spTree>
+    <p:extLst>
+      <p:ext uri="{BB962C8B-B14F-4D97-AF65-F5344CB8AC3E}">
+        <p14:creationId xmlns:p14="http://schemas.microsoft.com/office/powerpoint/2010/main" val="4097558637"/>
+      </p:ext>
+    </p:extLst>
+  </p:cSld>
+  <p:clrMap bg1="lt1" tx1="dk1" bg2="lt2" tx2="dk2" accent1="accent1" accent2="accent2" accent3="accent3" accent4="accent4" accent5="accent5" accent6="accent6" hlink="hlink" folHlink="folHlink"/>
+  <p:notesStyle>
+    <a:lvl1pPr marL="0" algn="l" defTabSz="914400" rtl="0" eaLnBrk="1" latinLnBrk="0" hangingPunct="1">
+      <a:defRPr sz="1200" kern="1200">
+        <a:solidFill>
+          <a:schemeClr val="tx1"/>
+        </a:solidFill>
+        <a:latin typeface="+mn-lt"/>
+        <a:ea typeface="+mn-ea"/>
+        <a:cs typeface="+mn-cs"/>
+      </a:defRPr>
+    </a:lvl1pPr>
+    <a:lvl2pPr marL="457200" algn="l" defTabSz="914400" rtl="0" eaLnBrk="1" latinLnBrk="0" hangingPunct="1">
+      <a:defRPr sz="1200" kern="1200">
+        <a:solidFill>
+          <a:schemeClr val="tx1"/>
+        </a:solidFill>
+        <a:latin typeface="+mn-lt"/>
+        <a:ea typeface="+mn-ea"/>
+        <a:cs typeface="+mn-cs"/>
+      </a:defRPr>
+    </a:lvl2pPr>
+    <a:lvl3pPr marL="914400" algn="l" defTabSz="914400" rtl="0" eaLnBrk="1" latinLnBrk="0" hangingPunct="1">
+      <a:defRPr sz="1200" kern="1200">
+        <a:solidFill>
+          <a:schemeClr val="tx1"/>
+        </a:solidFill>
+        <a:latin typeface="+mn-lt"/>
+        <a:ea typeface="+mn-ea"/>
+        <a:cs typeface="+mn-cs"/>
+      </a:defRPr>
+    </a:lvl3pPr>
+    <a:lvl4pPr marL="1371600" algn="l" defTabSz="914400" rtl="0" eaLnBrk="1" latinLnBrk="0" hangingPunct="1">
+      <a:defRPr sz="1200" kern="1200">
+        <a:solidFill>
+          <a:schemeClr val="tx1"/>
+        </a:solidFill>
+        <a:latin typeface="+mn-lt"/>
+        <a:ea typeface="+mn-ea"/>
+        <a:cs typeface="+mn-cs"/>
+      </a:defRPr>
+    </a:lvl4pPr>
+    <a:lvl5pPr marL="1828800" algn="l" defTabSz="914400" rtl="0" eaLnBrk="1" latinLnBrk="0" hangingPunct="1">
+      <a:defRPr sz="1200" kern="1200">
+        <a:solidFill>
+          <a:schemeClr val="tx1"/>
+        </a:solidFill>
+        <a:latin typeface="+mn-lt"/>
+        <a:ea typeface="+mn-ea"/>
+        <a:cs typeface="+mn-cs"/>
+      </a:defRPr>
+    </a:lvl5pPr>
+    <a:lvl6pPr marL="2286000" algn="l" defTabSz="914400" rtl="0" eaLnBrk="1" latinLnBrk="0" hangingPunct="1">
+      <a:defRPr sz="1200" kern="1200">
+        <a:solidFill>
+          <a:schemeClr val="tx1"/>
+        </a:solidFill>
+        <a:latin typeface="+mn-lt"/>
+        <a:ea typeface="+mn-ea"/>
+        <a:cs typeface="+mn-cs"/>
+      </a:defRPr>
+    </a:lvl6pPr>
+    <a:lvl7pPr marL="2743200" algn="l" defTabSz="914400" rtl="0" eaLnBrk="1" latinLnBrk="0" hangingPunct="1">
+      <a:defRPr sz="1200" kern="1200">
+        <a:solidFill>
+          <a:schemeClr val="tx1"/>
+        </a:solidFill>
+        <a:latin typeface="+mn-lt"/>
+        <a:ea typeface="+mn-ea"/>
+        <a:cs typeface="+mn-cs"/>
+      </a:defRPr>
+    </a:lvl7pPr>
+    <a:lvl8pPr marL="3200400" algn="l" defTabSz="914400" rtl="0" eaLnBrk="1" latinLnBrk="0" hangingPunct="1">
+      <a:defRPr sz="1200" kern="1200">
+        <a:solidFill>
+          <a:schemeClr val="tx1"/>
+        </a:solidFill>
+        <a:latin typeface="+mn-lt"/>
+        <a:ea typeface="+mn-ea"/>
+        <a:cs typeface="+mn-cs"/>
+      </a:defRPr>
+    </a:lvl8pPr>
+    <a:lvl9pPr marL="3657600" algn="l" defTabSz="914400" rtl="0" eaLnBrk="1" latinLnBrk="0" hangingPunct="1">
+      <a:defRPr sz="1200" kern="1200">
+        <a:solidFill>
+          <a:schemeClr val="tx1"/>
+        </a:solidFill>
+        <a:latin typeface="+mn-lt"/>
+        <a:ea typeface="+mn-ea"/>
+        <a:cs typeface="+mn-cs"/>
+      </a:defRPr>
+    </a:lvl9pPr>
+  </p:notesStyle>
+</p:notesMaster>
 </file>
 
 <file path=ppt/slideLayouts/slideLayout1.xml><?xml version="1.0" encoding="utf-8"?>
@@ -851,9 +1205,9 @@
           <a:bodyPr/>
           <a:lstStyle/>
           <a:p>
-            <a:fld id="{EFA771FA-4870-4215-963D-2BF934AE2618}" type="datetimeFigureOut">
+            <a:fld id="{9E96473B-DA0D-4C37-87AE-A8D1418B06BD}" type="datetime1">
               <a:rPr lang="en-US" smtClean="0"/>
-              <a:t>1/9/2020</a:t>
+              <a:t>1/10/2020</a:t>
             </a:fld>
             <a:endParaRPr lang="en-US"/>
           </a:p>
@@ -1102,9 +1456,9 @@
           <a:bodyPr/>
           <a:lstStyle/>
           <a:p>
-            <a:fld id="{EFA771FA-4870-4215-963D-2BF934AE2618}" type="datetimeFigureOut">
+            <a:fld id="{367DA332-9951-4FB4-BA6D-00A0CE1050A6}" type="datetime1">
               <a:rPr lang="en-US" smtClean="0"/>
-              <a:t>1/9/2020</a:t>
+              <a:t>1/10/2020</a:t>
             </a:fld>
             <a:endParaRPr lang="en-US"/>
           </a:p>
@@ -1416,9 +1770,9 @@
           <a:bodyPr/>
           <a:lstStyle/>
           <a:p>
-            <a:fld id="{EFA771FA-4870-4215-963D-2BF934AE2618}" type="datetimeFigureOut">
+            <a:fld id="{B4824E20-253F-4332-A15E-36834D4546BE}" type="datetime1">
               <a:rPr lang="en-US" smtClean="0"/>
-              <a:t>1/9/2020</a:t>
+              <a:t>1/10/2020</a:t>
             </a:fld>
             <a:endParaRPr lang="en-US"/>
           </a:p>
@@ -1757,9 +2111,9 @@
           <a:bodyPr/>
           <a:lstStyle/>
           <a:p>
-            <a:fld id="{EFA771FA-4870-4215-963D-2BF934AE2618}" type="datetimeFigureOut">
+            <a:fld id="{F9B83AF2-9217-4C1E-B38D-A4406DFD0F20}" type="datetime1">
               <a:rPr lang="en-US" smtClean="0"/>
-              <a:t>1/9/2020</a:t>
+              <a:t>1/10/2020</a:t>
             </a:fld>
             <a:endParaRPr lang="en-US"/>
           </a:p>
@@ -2071,9 +2425,9 @@
           <a:bodyPr/>
           <a:lstStyle/>
           <a:p>
-            <a:fld id="{EFA771FA-4870-4215-963D-2BF934AE2618}" type="datetimeFigureOut">
+            <a:fld id="{5F32B3D8-5349-4B62-8E83-9DBE56374281}" type="datetime1">
               <a:rPr lang="en-US" smtClean="0"/>
-              <a:t>1/9/2020</a:t>
+              <a:t>1/10/2020</a:t>
             </a:fld>
             <a:endParaRPr lang="en-US"/>
           </a:p>
@@ -2464,9 +2818,9 @@
           <a:bodyPr/>
           <a:lstStyle/>
           <a:p>
-            <a:fld id="{EFA771FA-4870-4215-963D-2BF934AE2618}" type="datetimeFigureOut">
+            <a:fld id="{7AFA9F0A-16EC-43F0-A6B8-B18F5235DB9C}" type="datetime1">
               <a:rPr lang="en-US" smtClean="0"/>
-              <a:t>1/9/2020</a:t>
+              <a:t>1/10/2020</a:t>
             </a:fld>
             <a:endParaRPr lang="en-US"/>
           </a:p>
@@ -2634,9 +2988,9 @@
           <a:bodyPr/>
           <a:lstStyle/>
           <a:p>
-            <a:fld id="{EFA771FA-4870-4215-963D-2BF934AE2618}" type="datetimeFigureOut">
+            <a:fld id="{6F706A01-2BA9-47BF-9DD2-5D1B28F84695}" type="datetime1">
               <a:rPr lang="en-US" smtClean="0"/>
-              <a:t>1/9/2020</a:t>
+              <a:t>1/10/2020</a:t>
             </a:fld>
             <a:endParaRPr lang="en-US"/>
           </a:p>
@@ -2814,9 +3168,9 @@
           <a:bodyPr/>
           <a:lstStyle/>
           <a:p>
-            <a:fld id="{EFA771FA-4870-4215-963D-2BF934AE2618}" type="datetimeFigureOut">
+            <a:fld id="{EEE51C3C-4ECC-463A-9314-500EE6226F3F}" type="datetime1">
               <a:rPr lang="en-US" smtClean="0"/>
-              <a:t>1/9/2020</a:t>
+              <a:t>1/10/2020</a:t>
             </a:fld>
             <a:endParaRPr lang="en-US"/>
           </a:p>
@@ -2990,9 +3344,9 @@
           <a:bodyPr/>
           <a:lstStyle/>
           <a:p>
-            <a:fld id="{EFA771FA-4870-4215-963D-2BF934AE2618}" type="datetimeFigureOut">
+            <a:fld id="{BEEFE16D-7A67-410B-A976-F33AF18CE57D}" type="datetime1">
               <a:rPr lang="en-US" smtClean="0"/>
-              <a:t>1/9/2020</a:t>
+              <a:t>1/10/2020</a:t>
             </a:fld>
             <a:endParaRPr lang="en-US"/>
           </a:p>
@@ -3237,9 +3591,9 @@
           <a:bodyPr/>
           <a:lstStyle/>
           <a:p>
-            <a:fld id="{EFA771FA-4870-4215-963D-2BF934AE2618}" type="datetimeFigureOut">
+            <a:fld id="{0EB47751-2E60-4270-AFB1-B29FF36B98F9}" type="datetime1">
               <a:rPr lang="en-US" smtClean="0"/>
-              <a:t>1/9/2020</a:t>
+              <a:t>1/10/2020</a:t>
             </a:fld>
             <a:endParaRPr lang="en-US"/>
           </a:p>
@@ -3469,9 +3823,9 @@
           <a:bodyPr/>
           <a:lstStyle/>
           <a:p>
-            <a:fld id="{EFA771FA-4870-4215-963D-2BF934AE2618}" type="datetimeFigureOut">
+            <a:fld id="{9B4CD27B-5314-40D5-A106-2E1EEAE29E68}" type="datetime1">
               <a:rPr lang="en-US" smtClean="0"/>
-              <a:t>1/9/2020</a:t>
+              <a:t>1/10/2020</a:t>
             </a:fld>
             <a:endParaRPr lang="en-US"/>
           </a:p>
@@ -3843,9 +4197,9 @@
           <a:bodyPr/>
           <a:lstStyle/>
           <a:p>
-            <a:fld id="{EFA771FA-4870-4215-963D-2BF934AE2618}" type="datetimeFigureOut">
+            <a:fld id="{AC621990-827A-446F-B5AF-C79472ED324A}" type="datetime1">
               <a:rPr lang="en-US" smtClean="0"/>
-              <a:t>1/9/2020</a:t>
+              <a:t>1/10/2020</a:t>
             </a:fld>
             <a:endParaRPr lang="en-US"/>
           </a:p>
@@ -3966,9 +4320,9 @@
           <a:bodyPr/>
           <a:lstStyle/>
           <a:p>
-            <a:fld id="{EFA771FA-4870-4215-963D-2BF934AE2618}" type="datetimeFigureOut">
+            <a:fld id="{7C300AFF-D8B0-4141-A3B0-FAC2C7F5A2CC}" type="datetime1">
               <a:rPr lang="en-US" smtClean="0"/>
-              <a:t>1/9/2020</a:t>
+              <a:t>1/10/2020</a:t>
             </a:fld>
             <a:endParaRPr lang="en-US"/>
           </a:p>
@@ -4061,9 +4415,9 @@
           <a:bodyPr/>
           <a:lstStyle/>
           <a:p>
-            <a:fld id="{EFA771FA-4870-4215-963D-2BF934AE2618}" type="datetimeFigureOut">
+            <a:fld id="{B320FD0F-7C19-4965-B1D9-4E4BFD5C7FFA}" type="datetime1">
               <a:rPr lang="en-US" smtClean="0"/>
-              <a:t>1/9/2020</a:t>
+              <a:t>1/10/2020</a:t>
             </a:fld>
             <a:endParaRPr lang="en-US"/>
           </a:p>
@@ -4316,9 +4670,9 @@
           <a:bodyPr/>
           <a:lstStyle/>
           <a:p>
-            <a:fld id="{EFA771FA-4870-4215-963D-2BF934AE2618}" type="datetimeFigureOut">
+            <a:fld id="{B2978D57-46AE-4510-B76B-C8A5E66E998C}" type="datetime1">
               <a:rPr lang="en-US" smtClean="0"/>
-              <a:t>1/9/2020</a:t>
+              <a:t>1/10/2020</a:t>
             </a:fld>
             <a:endParaRPr lang="en-US"/>
           </a:p>
@@ -4579,9 +4933,9 @@
           <a:bodyPr/>
           <a:lstStyle/>
           <a:p>
-            <a:fld id="{EFA771FA-4870-4215-963D-2BF934AE2618}" type="datetimeFigureOut">
+            <a:fld id="{81ADABA3-7676-43A7-8EEB-BE5567F55AD0}" type="datetime1">
               <a:rPr lang="en-US" smtClean="0"/>
-              <a:t>1/9/2020</a:t>
+              <a:t>1/10/2020</a:t>
             </a:fld>
             <a:endParaRPr lang="en-US"/>
           </a:p>
@@ -5322,9 +5676,9 @@
             </a:lvl1pPr>
           </a:lstStyle>
           <a:p>
-            <a:fld id="{EFA771FA-4870-4215-963D-2BF934AE2618}" type="datetimeFigureOut">
+            <a:fld id="{F950C495-0216-40D2-8676-D951AF3503AC}" type="datetime1">
               <a:rPr lang="en-US" smtClean="0"/>
-              <a:t>1/9/2020</a:t>
+              <a:t>1/10/2020</a:t>
             </a:fld>
             <a:endParaRPr lang="en-US"/>
           </a:p>
@@ -5432,6 +5786,7 @@
     <p:sldLayoutId id="2147483710" r:id="rId15"/>
     <p:sldLayoutId id="2147483711" r:id="rId16"/>
   </p:sldLayoutIdLst>
+  <p:hf hdr="0" ftr="0" dt="0"/>
   <p:txStyles>
     <p:titleStyle>
       <a:lvl1pPr algn="l" defTabSz="457200" rtl="0" eaLnBrk="1" latinLnBrk="0" hangingPunct="1">
@@ -6091,6 +6446,35 @@
           </a:p>
         </p:txBody>
       </p:sp>
+      <p:sp>
+        <p:nvSpPr>
+          <p:cNvPr id="4" name="Slide Number Placeholder 3">
+            <a:extLst>
+              <a:ext uri="{FF2B5EF4-FFF2-40B4-BE49-F238E27FC236}">
+                <a16:creationId xmlns:a16="http://schemas.microsoft.com/office/drawing/2014/main" id="{ED3E810D-E43E-4540-9AF6-251526B53994}"/>
+              </a:ext>
+            </a:extLst>
+          </p:cNvPr>
+          <p:cNvSpPr>
+            <a:spLocks noGrp="1"/>
+          </p:cNvSpPr>
+          <p:nvPr>
+            <p:ph type="sldNum" sz="quarter" idx="12"/>
+          </p:nvPr>
+        </p:nvSpPr>
+        <p:spPr/>
+        <p:txBody>
+          <a:bodyPr/>
+          <a:lstStyle/>
+          <a:p>
+            <a:fld id="{E1CE7E26-F4E3-4CCB-96AD-EA8398DEF45F}" type="slidenum">
+              <a:rPr lang="en-US" smtClean="0"/>
+              <a:t>1</a:t>
+            </a:fld>
+            <a:endParaRPr lang="en-US"/>
+          </a:p>
+        </p:txBody>
+      </p:sp>
     </p:spTree>
     <p:extLst>
       <p:ext uri="{BB962C8B-B14F-4D97-AF65-F5344CB8AC3E}">
@@ -6206,6 +6590,35 @@
               <a:latin typeface="Segoe UI" panose="020B0502040204020203" pitchFamily="34" charset="0"/>
               <a:cs typeface="Segoe UI" panose="020B0502040204020203" pitchFamily="34" charset="0"/>
             </a:endParaRPr>
+          </a:p>
+        </p:txBody>
+      </p:sp>
+      <p:sp>
+        <p:nvSpPr>
+          <p:cNvPr id="4" name="Slide Number Placeholder 3">
+            <a:extLst>
+              <a:ext uri="{FF2B5EF4-FFF2-40B4-BE49-F238E27FC236}">
+                <a16:creationId xmlns:a16="http://schemas.microsoft.com/office/drawing/2014/main" id="{CDC0F9BD-234E-4D57-8F85-E6BCEAC8C656}"/>
+              </a:ext>
+            </a:extLst>
+          </p:cNvPr>
+          <p:cNvSpPr>
+            <a:spLocks noGrp="1"/>
+          </p:cNvSpPr>
+          <p:nvPr>
+            <p:ph type="sldNum" sz="quarter" idx="12"/>
+          </p:nvPr>
+        </p:nvSpPr>
+        <p:spPr/>
+        <p:txBody>
+          <a:bodyPr/>
+          <a:lstStyle/>
+          <a:p>
+            <a:fld id="{E1CE7E26-F4E3-4CCB-96AD-EA8398DEF45F}" type="slidenum">
+              <a:rPr lang="en-US" smtClean="0"/>
+              <a:t>10</a:t>
+            </a:fld>
+            <a:endParaRPr lang="en-US"/>
           </a:p>
         </p:txBody>
       </p:sp>
@@ -6336,7 +6749,7 @@
                 <a:latin typeface="Segoe UI" panose="020B0502040204020203" pitchFamily="34" charset="0"/>
                 <a:cs typeface="Segoe UI" panose="020B0502040204020203" pitchFamily="34" charset="0"/>
               </a:rPr>
-              <a:t> 0.56-0.14-0.3</a:t>
+              <a:t> 0.56-0.14-0.3.</a:t>
             </a:r>
           </a:p>
           <a:p>
@@ -6477,6 +6890,35 @@
               <a:latin typeface="Segoe UI" panose="020B0502040204020203" pitchFamily="34" charset="0"/>
               <a:cs typeface="Segoe UI" panose="020B0502040204020203" pitchFamily="34" charset="0"/>
             </a:endParaRPr>
+          </a:p>
+        </p:txBody>
+      </p:sp>
+      <p:sp>
+        <p:nvSpPr>
+          <p:cNvPr id="4" name="Slide Number Placeholder 3">
+            <a:extLst>
+              <a:ext uri="{FF2B5EF4-FFF2-40B4-BE49-F238E27FC236}">
+                <a16:creationId xmlns:a16="http://schemas.microsoft.com/office/drawing/2014/main" id="{FFCEC46F-862D-4703-8CA8-6FD2560773FD}"/>
+              </a:ext>
+            </a:extLst>
+          </p:cNvPr>
+          <p:cNvSpPr>
+            <a:spLocks noGrp="1"/>
+          </p:cNvSpPr>
+          <p:nvPr>
+            <p:ph type="sldNum" sz="quarter" idx="12"/>
+          </p:nvPr>
+        </p:nvSpPr>
+        <p:spPr/>
+        <p:txBody>
+          <a:bodyPr/>
+          <a:lstStyle/>
+          <a:p>
+            <a:fld id="{E1CE7E26-F4E3-4CCB-96AD-EA8398DEF45F}" type="slidenum">
+              <a:rPr lang="en-US" smtClean="0"/>
+              <a:t>11</a:t>
+            </a:fld>
+            <a:endParaRPr lang="en-US"/>
           </a:p>
         </p:txBody>
       </p:sp>
@@ -6578,6 +7020,35 @@
           </a:p>
         </p:txBody>
       </p:sp>
+      <p:sp>
+        <p:nvSpPr>
+          <p:cNvPr id="4" name="Slide Number Placeholder 3">
+            <a:extLst>
+              <a:ext uri="{FF2B5EF4-FFF2-40B4-BE49-F238E27FC236}">
+                <a16:creationId xmlns:a16="http://schemas.microsoft.com/office/drawing/2014/main" id="{DE624486-0363-4B72-BE71-E81FCF032FAB}"/>
+              </a:ext>
+            </a:extLst>
+          </p:cNvPr>
+          <p:cNvSpPr>
+            <a:spLocks noGrp="1"/>
+          </p:cNvSpPr>
+          <p:nvPr>
+            <p:ph type="sldNum" sz="quarter" idx="12"/>
+          </p:nvPr>
+        </p:nvSpPr>
+        <p:spPr/>
+        <p:txBody>
+          <a:bodyPr/>
+          <a:lstStyle/>
+          <a:p>
+            <a:fld id="{E1CE7E26-F4E3-4CCB-96AD-EA8398DEF45F}" type="slidenum">
+              <a:rPr lang="en-US" smtClean="0"/>
+              <a:t>12</a:t>
+            </a:fld>
+            <a:endParaRPr lang="en-US"/>
+          </a:p>
+        </p:txBody>
+      </p:sp>
     </p:spTree>
     <p:extLst>
       <p:ext uri="{BB962C8B-B14F-4D97-AF65-F5344CB8AC3E}">
@@ -6588,6 +7059,18 @@
   <p:clrMapOvr>
     <a:masterClrMapping/>
   </p:clrMapOvr>
+  <mc:AlternateContent xmlns:mc="http://schemas.openxmlformats.org/markup-compatibility/2006" xmlns:p14="http://schemas.microsoft.com/office/powerpoint/2010/main">
+    <mc:Choice Requires="p14">
+      <p:transition spd="med" p14:dur="700">
+        <p:fade/>
+      </p:transition>
+    </mc:Choice>
+    <mc:Fallback xmlns="">
+      <p:transition spd="med">
+        <p:fade/>
+      </p:transition>
+    </mc:Fallback>
+  </mc:AlternateContent>
 </p:sld>
 </file>
 
@@ -6630,34 +7113,58 @@
           <a:lstStyle/>
           <a:p>
             <a:r>
-              <a:rPr lang="en-US" dirty="0" err="1"/>
+              <a:rPr lang="en-US" dirty="0" err="1">
+                <a:latin typeface="Segoe UI" panose="020B0502040204020203" pitchFamily="34" charset="0"/>
+                <a:cs typeface="Segoe UI" panose="020B0502040204020203" pitchFamily="34" charset="0"/>
+              </a:rPr>
               <a:t>Cách</a:t>
             </a:r>
             <a:r>
-              <a:rPr lang="en-US" dirty="0"/>
+              <a:rPr lang="en-US" dirty="0">
+                <a:latin typeface="Segoe UI" panose="020B0502040204020203" pitchFamily="34" charset="0"/>
+                <a:cs typeface="Segoe UI" panose="020B0502040204020203" pitchFamily="34" charset="0"/>
+              </a:rPr>
               <a:t> chia </a:t>
             </a:r>
             <a:r>
-              <a:rPr lang="en-US" dirty="0" err="1"/>
+              <a:rPr lang="en-US" dirty="0" err="1">
+                <a:latin typeface="Segoe UI" panose="020B0502040204020203" pitchFamily="34" charset="0"/>
+                <a:cs typeface="Segoe UI" panose="020B0502040204020203" pitchFamily="34" charset="0"/>
+              </a:rPr>
               <a:t>bộ</a:t>
             </a:r>
             <a:r>
-              <a:rPr lang="en-US" dirty="0"/>
-              <a:t> </a:t>
-            </a:r>
-            <a:r>
-              <a:rPr lang="en-US" dirty="0" err="1"/>
+              <a:rPr lang="en-US" dirty="0">
+                <a:latin typeface="Segoe UI" panose="020B0502040204020203" pitchFamily="34" charset="0"/>
+                <a:cs typeface="Segoe UI" panose="020B0502040204020203" pitchFamily="34" charset="0"/>
+              </a:rPr>
+              <a:t> </a:t>
+            </a:r>
+            <a:r>
+              <a:rPr lang="en-US" dirty="0" err="1">
+                <a:latin typeface="Segoe UI" panose="020B0502040204020203" pitchFamily="34" charset="0"/>
+                <a:cs typeface="Segoe UI" panose="020B0502040204020203" pitchFamily="34" charset="0"/>
+              </a:rPr>
               <a:t>dữ</a:t>
             </a:r>
             <a:r>
-              <a:rPr lang="en-US" dirty="0"/>
-              <a:t> </a:t>
-            </a:r>
-            <a:r>
-              <a:rPr lang="en-US" dirty="0" err="1"/>
+              <a:rPr lang="en-US" dirty="0">
+                <a:latin typeface="Segoe UI" panose="020B0502040204020203" pitchFamily="34" charset="0"/>
+                <a:cs typeface="Segoe UI" panose="020B0502040204020203" pitchFamily="34" charset="0"/>
+              </a:rPr>
+              <a:t> </a:t>
+            </a:r>
+            <a:r>
+              <a:rPr lang="en-US" dirty="0" err="1">
+                <a:latin typeface="Segoe UI" panose="020B0502040204020203" pitchFamily="34" charset="0"/>
+                <a:cs typeface="Segoe UI" panose="020B0502040204020203" pitchFamily="34" charset="0"/>
+              </a:rPr>
               <a:t>liệu</a:t>
             </a:r>
-            <a:endParaRPr lang="en-US" dirty="0"/>
+            <a:endParaRPr lang="en-US" dirty="0">
+              <a:latin typeface="Segoe UI" panose="020B0502040204020203" pitchFamily="34" charset="0"/>
+              <a:cs typeface="Segoe UI" panose="020B0502040204020203" pitchFamily="34" charset="0"/>
+            </a:endParaRPr>
           </a:p>
         </p:txBody>
       </p:sp>
@@ -6683,236 +7190,430 @@
           <a:lstStyle/>
           <a:p>
             <a:r>
-              <a:rPr lang="en-US" dirty="0"/>
+              <a:rPr lang="en-US" dirty="0">
+                <a:latin typeface="Segoe UI" panose="020B0502040204020203" pitchFamily="34" charset="0"/>
+                <a:cs typeface="Segoe UI" panose="020B0502040204020203" pitchFamily="34" charset="0"/>
+              </a:rPr>
               <a:t>Chia </a:t>
             </a:r>
             <a:r>
-              <a:rPr lang="en-US" dirty="0" err="1"/>
+              <a:rPr lang="en-US" dirty="0" err="1">
+                <a:latin typeface="Segoe UI" panose="020B0502040204020203" pitchFamily="34" charset="0"/>
+                <a:cs typeface="Segoe UI" panose="020B0502040204020203" pitchFamily="34" charset="0"/>
+              </a:rPr>
               <a:t>tập</a:t>
             </a:r>
             <a:r>
-              <a:rPr lang="en-US" dirty="0"/>
-              <a:t> </a:t>
-            </a:r>
-            <a:r>
-              <a:rPr lang="en-US" dirty="0" err="1"/>
+              <a:rPr lang="en-US" dirty="0">
+                <a:latin typeface="Segoe UI" panose="020B0502040204020203" pitchFamily="34" charset="0"/>
+                <a:cs typeface="Segoe UI" panose="020B0502040204020203" pitchFamily="34" charset="0"/>
+              </a:rPr>
+              <a:t> </a:t>
+            </a:r>
+            <a:r>
+              <a:rPr lang="en-US" dirty="0" err="1">
+                <a:latin typeface="Segoe UI" panose="020B0502040204020203" pitchFamily="34" charset="0"/>
+                <a:cs typeface="Segoe UI" panose="020B0502040204020203" pitchFamily="34" charset="0"/>
+              </a:rPr>
               <a:t>dữ</a:t>
             </a:r>
             <a:r>
-              <a:rPr lang="en-US" dirty="0"/>
-              <a:t> </a:t>
-            </a:r>
-            <a:r>
-              <a:rPr lang="en-US" dirty="0" err="1"/>
+              <a:rPr lang="en-US" dirty="0">
+                <a:latin typeface="Segoe UI" panose="020B0502040204020203" pitchFamily="34" charset="0"/>
+                <a:cs typeface="Segoe UI" panose="020B0502040204020203" pitchFamily="34" charset="0"/>
+              </a:rPr>
+              <a:t> </a:t>
+            </a:r>
+            <a:r>
+              <a:rPr lang="en-US" dirty="0" err="1">
+                <a:latin typeface="Segoe UI" panose="020B0502040204020203" pitchFamily="34" charset="0"/>
+                <a:cs typeface="Segoe UI" panose="020B0502040204020203" pitchFamily="34" charset="0"/>
+              </a:rPr>
               <a:t>liệu</a:t>
             </a:r>
             <a:r>
-              <a:rPr lang="en-US" dirty="0"/>
-              <a:t> </a:t>
-            </a:r>
-            <a:r>
-              <a:rPr lang="en-US" dirty="0" err="1"/>
+              <a:rPr lang="en-US" dirty="0">
+                <a:latin typeface="Segoe UI" panose="020B0502040204020203" pitchFamily="34" charset="0"/>
+                <a:cs typeface="Segoe UI" panose="020B0502040204020203" pitchFamily="34" charset="0"/>
+              </a:rPr>
+              <a:t> </a:t>
+            </a:r>
+            <a:r>
+              <a:rPr lang="en-US" dirty="0" err="1">
+                <a:latin typeface="Segoe UI" panose="020B0502040204020203" pitchFamily="34" charset="0"/>
+                <a:cs typeface="Segoe UI" panose="020B0502040204020203" pitchFamily="34" charset="0"/>
+              </a:rPr>
               <a:t>thành</a:t>
             </a:r>
             <a:r>
-              <a:rPr lang="en-US" dirty="0"/>
+              <a:rPr lang="en-US" dirty="0">
+                <a:latin typeface="Segoe UI" panose="020B0502040204020203" pitchFamily="34" charset="0"/>
+                <a:cs typeface="Segoe UI" panose="020B0502040204020203" pitchFamily="34" charset="0"/>
+              </a:rPr>
               <a:t> 2 </a:t>
             </a:r>
             <a:r>
-              <a:rPr lang="en-US" dirty="0" err="1"/>
+              <a:rPr lang="en-US" dirty="0" err="1">
+                <a:latin typeface="Segoe UI" panose="020B0502040204020203" pitchFamily="34" charset="0"/>
+                <a:cs typeface="Segoe UI" panose="020B0502040204020203" pitchFamily="34" charset="0"/>
+              </a:rPr>
               <a:t>phần</a:t>
             </a:r>
             <a:r>
-              <a:rPr lang="en-US" dirty="0"/>
+              <a:rPr lang="en-US" dirty="0">
+                <a:latin typeface="Segoe UI" panose="020B0502040204020203" pitchFamily="34" charset="0"/>
+                <a:cs typeface="Segoe UI" panose="020B0502040204020203" pitchFamily="34" charset="0"/>
+              </a:rPr>
               <a:t>:</a:t>
             </a:r>
           </a:p>
           <a:p>
             <a:pPr lvl="1"/>
             <a:r>
-              <a:rPr lang="en-US" dirty="0"/>
+              <a:rPr lang="en-US" dirty="0">
+                <a:latin typeface="Segoe UI" panose="020B0502040204020203" pitchFamily="34" charset="0"/>
+                <a:cs typeface="Segoe UI" panose="020B0502040204020203" pitchFamily="34" charset="0"/>
+              </a:rPr>
               <a:t>30% </a:t>
             </a:r>
             <a:r>
-              <a:rPr lang="en-US" dirty="0" err="1"/>
+              <a:rPr lang="en-US" dirty="0" err="1">
+                <a:latin typeface="Segoe UI" panose="020B0502040204020203" pitchFamily="34" charset="0"/>
+                <a:cs typeface="Segoe UI" panose="020B0502040204020203" pitchFamily="34" charset="0"/>
+              </a:rPr>
               <a:t>là</a:t>
             </a:r>
             <a:r>
-              <a:rPr lang="en-US" dirty="0"/>
-              <a:t> </a:t>
-            </a:r>
-            <a:r>
-              <a:rPr lang="en-US" dirty="0" err="1"/>
+              <a:rPr lang="en-US" dirty="0">
+                <a:latin typeface="Segoe UI" panose="020B0502040204020203" pitchFamily="34" charset="0"/>
+                <a:cs typeface="Segoe UI" panose="020B0502040204020203" pitchFamily="34" charset="0"/>
+              </a:rPr>
+              <a:t> </a:t>
+            </a:r>
+            <a:r>
+              <a:rPr lang="en-US" dirty="0" err="1">
+                <a:latin typeface="Segoe UI" panose="020B0502040204020203" pitchFamily="34" charset="0"/>
+                <a:cs typeface="Segoe UI" panose="020B0502040204020203" pitchFamily="34" charset="0"/>
+              </a:rPr>
               <a:t>tập</a:t>
             </a:r>
             <a:r>
-              <a:rPr lang="en-US" dirty="0"/>
+              <a:rPr lang="en-US" dirty="0">
+                <a:latin typeface="Segoe UI" panose="020B0502040204020203" pitchFamily="34" charset="0"/>
+                <a:cs typeface="Segoe UI" panose="020B0502040204020203" pitchFamily="34" charset="0"/>
+              </a:rPr>
               <a:t> test</a:t>
             </a:r>
           </a:p>
           <a:p>
             <a:pPr lvl="1"/>
             <a:r>
-              <a:rPr lang="en-US" dirty="0"/>
+              <a:rPr lang="en-US" dirty="0">
+                <a:latin typeface="Segoe UI" panose="020B0502040204020203" pitchFamily="34" charset="0"/>
+                <a:cs typeface="Segoe UI" panose="020B0502040204020203" pitchFamily="34" charset="0"/>
+              </a:rPr>
               <a:t>70% </a:t>
             </a:r>
             <a:r>
-              <a:rPr lang="en-US" dirty="0" err="1"/>
+              <a:rPr lang="en-US" dirty="0" err="1">
+                <a:latin typeface="Segoe UI" panose="020B0502040204020203" pitchFamily="34" charset="0"/>
+                <a:cs typeface="Segoe UI" panose="020B0502040204020203" pitchFamily="34" charset="0"/>
+              </a:rPr>
               <a:t>là</a:t>
             </a:r>
             <a:r>
-              <a:rPr lang="en-US" dirty="0"/>
-              <a:t> </a:t>
-            </a:r>
-            <a:r>
-              <a:rPr lang="en-US" dirty="0" err="1"/>
+              <a:rPr lang="en-US" dirty="0">
+                <a:latin typeface="Segoe UI" panose="020B0502040204020203" pitchFamily="34" charset="0"/>
+                <a:cs typeface="Segoe UI" panose="020B0502040204020203" pitchFamily="34" charset="0"/>
+              </a:rPr>
+              <a:t> </a:t>
+            </a:r>
+            <a:r>
+              <a:rPr lang="en-US" dirty="0" err="1">
+                <a:latin typeface="Segoe UI" panose="020B0502040204020203" pitchFamily="34" charset="0"/>
+                <a:cs typeface="Segoe UI" panose="020B0502040204020203" pitchFamily="34" charset="0"/>
+              </a:rPr>
               <a:t>tập</a:t>
             </a:r>
             <a:r>
-              <a:rPr lang="en-US" dirty="0"/>
-              <a:t> </a:t>
-            </a:r>
-            <a:r>
-              <a:rPr lang="en-US" dirty="0" err="1"/>
+              <a:rPr lang="en-US" dirty="0">
+                <a:latin typeface="Segoe UI" panose="020B0502040204020203" pitchFamily="34" charset="0"/>
+                <a:cs typeface="Segoe UI" panose="020B0502040204020203" pitchFamily="34" charset="0"/>
+              </a:rPr>
+              <a:t> </a:t>
+            </a:r>
+            <a:r>
+              <a:rPr lang="en-US" dirty="0" err="1">
+                <a:latin typeface="Segoe UI" panose="020B0502040204020203" pitchFamily="34" charset="0"/>
+                <a:cs typeface="Segoe UI" panose="020B0502040204020203" pitchFamily="34" charset="0"/>
+              </a:rPr>
               <a:t>train+validation</a:t>
             </a:r>
-            <a:endParaRPr lang="en-US" dirty="0"/>
+            <a:endParaRPr lang="en-US" dirty="0">
+              <a:latin typeface="Segoe UI" panose="020B0502040204020203" pitchFamily="34" charset="0"/>
+              <a:cs typeface="Segoe UI" panose="020B0502040204020203" pitchFamily="34" charset="0"/>
+            </a:endParaRPr>
           </a:p>
           <a:p>
             <a:pPr lvl="2"/>
             <a:r>
-              <a:rPr lang="en-US" dirty="0"/>
+              <a:rPr lang="en-US" dirty="0">
+                <a:latin typeface="Segoe UI" panose="020B0502040204020203" pitchFamily="34" charset="0"/>
+                <a:cs typeface="Segoe UI" panose="020B0502040204020203" pitchFamily="34" charset="0"/>
+              </a:rPr>
               <a:t>80% </a:t>
             </a:r>
             <a:r>
-              <a:rPr lang="en-US" dirty="0" err="1"/>
+              <a:rPr lang="en-US" dirty="0" err="1">
+                <a:latin typeface="Segoe UI" panose="020B0502040204020203" pitchFamily="34" charset="0"/>
+                <a:cs typeface="Segoe UI" panose="020B0502040204020203" pitchFamily="34" charset="0"/>
+              </a:rPr>
               <a:t>trong</a:t>
             </a:r>
             <a:r>
-              <a:rPr lang="en-US" dirty="0"/>
-              <a:t> </a:t>
-            </a:r>
-            <a:r>
-              <a:rPr lang="en-US" dirty="0" err="1"/>
+              <a:rPr lang="en-US" dirty="0">
+                <a:latin typeface="Segoe UI" panose="020B0502040204020203" pitchFamily="34" charset="0"/>
+                <a:cs typeface="Segoe UI" panose="020B0502040204020203" pitchFamily="34" charset="0"/>
+              </a:rPr>
+              <a:t> </a:t>
+            </a:r>
+            <a:r>
+              <a:rPr lang="en-US" dirty="0" err="1">
+                <a:latin typeface="Segoe UI" panose="020B0502040204020203" pitchFamily="34" charset="0"/>
+                <a:cs typeface="Segoe UI" panose="020B0502040204020203" pitchFamily="34" charset="0"/>
+              </a:rPr>
               <a:t>số</a:t>
             </a:r>
             <a:r>
-              <a:rPr lang="en-US" dirty="0"/>
-              <a:t> </a:t>
-            </a:r>
-            <a:r>
-              <a:rPr lang="en-US" dirty="0" err="1"/>
+              <a:rPr lang="en-US" dirty="0">
+                <a:latin typeface="Segoe UI" panose="020B0502040204020203" pitchFamily="34" charset="0"/>
+                <a:cs typeface="Segoe UI" panose="020B0502040204020203" pitchFamily="34" charset="0"/>
+              </a:rPr>
+              <a:t> </a:t>
+            </a:r>
+            <a:r>
+              <a:rPr lang="en-US" dirty="0" err="1">
+                <a:latin typeface="Segoe UI" panose="020B0502040204020203" pitchFamily="34" charset="0"/>
+                <a:cs typeface="Segoe UI" panose="020B0502040204020203" pitchFamily="34" charset="0"/>
+              </a:rPr>
               <a:t>này</a:t>
             </a:r>
             <a:r>
-              <a:rPr lang="en-US" dirty="0"/>
-              <a:t> </a:t>
-            </a:r>
-            <a:r>
-              <a:rPr lang="en-US" dirty="0" err="1"/>
+              <a:rPr lang="en-US" dirty="0">
+                <a:latin typeface="Segoe UI" panose="020B0502040204020203" pitchFamily="34" charset="0"/>
+                <a:cs typeface="Segoe UI" panose="020B0502040204020203" pitchFamily="34" charset="0"/>
+              </a:rPr>
+              <a:t> </a:t>
+            </a:r>
+            <a:r>
+              <a:rPr lang="en-US" dirty="0" err="1">
+                <a:latin typeface="Segoe UI" panose="020B0502040204020203" pitchFamily="34" charset="0"/>
+                <a:cs typeface="Segoe UI" panose="020B0502040204020203" pitchFamily="34" charset="0"/>
+              </a:rPr>
               <a:t>là</a:t>
             </a:r>
             <a:r>
-              <a:rPr lang="en-US" dirty="0"/>
-              <a:t> </a:t>
-            </a:r>
-            <a:r>
-              <a:rPr lang="en-US" dirty="0" err="1"/>
+              <a:rPr lang="en-US" dirty="0">
+                <a:latin typeface="Segoe UI" panose="020B0502040204020203" pitchFamily="34" charset="0"/>
+                <a:cs typeface="Segoe UI" panose="020B0502040204020203" pitchFamily="34" charset="0"/>
+              </a:rPr>
+              <a:t> </a:t>
+            </a:r>
+            <a:r>
+              <a:rPr lang="en-US" dirty="0" err="1">
+                <a:latin typeface="Segoe UI" panose="020B0502040204020203" pitchFamily="34" charset="0"/>
+                <a:cs typeface="Segoe UI" panose="020B0502040204020203" pitchFamily="34" charset="0"/>
+              </a:rPr>
               <a:t>tập</a:t>
             </a:r>
             <a:r>
-              <a:rPr lang="en-US" dirty="0"/>
+              <a:rPr lang="en-US" dirty="0">
+                <a:latin typeface="Segoe UI" panose="020B0502040204020203" pitchFamily="34" charset="0"/>
+                <a:cs typeface="Segoe UI" panose="020B0502040204020203" pitchFamily="34" charset="0"/>
+              </a:rPr>
               <a:t> train</a:t>
             </a:r>
           </a:p>
           <a:p>
             <a:pPr lvl="2"/>
             <a:r>
-              <a:rPr lang="en-US" dirty="0"/>
+              <a:rPr lang="en-US" dirty="0">
+                <a:latin typeface="Segoe UI" panose="020B0502040204020203" pitchFamily="34" charset="0"/>
+                <a:cs typeface="Segoe UI" panose="020B0502040204020203" pitchFamily="34" charset="0"/>
+              </a:rPr>
               <a:t>20% </a:t>
             </a:r>
             <a:r>
-              <a:rPr lang="en-US" dirty="0" err="1"/>
+              <a:rPr lang="en-US" dirty="0" err="1">
+                <a:latin typeface="Segoe UI" panose="020B0502040204020203" pitchFamily="34" charset="0"/>
+                <a:cs typeface="Segoe UI" panose="020B0502040204020203" pitchFamily="34" charset="0"/>
+              </a:rPr>
               <a:t>còn</a:t>
             </a:r>
             <a:r>
-              <a:rPr lang="en-US" dirty="0"/>
-              <a:t> </a:t>
-            </a:r>
-            <a:r>
-              <a:rPr lang="en-US" dirty="0" err="1"/>
+              <a:rPr lang="en-US" dirty="0">
+                <a:latin typeface="Segoe UI" panose="020B0502040204020203" pitchFamily="34" charset="0"/>
+                <a:cs typeface="Segoe UI" panose="020B0502040204020203" pitchFamily="34" charset="0"/>
+              </a:rPr>
+              <a:t> </a:t>
+            </a:r>
+            <a:r>
+              <a:rPr lang="en-US" dirty="0" err="1">
+                <a:latin typeface="Segoe UI" panose="020B0502040204020203" pitchFamily="34" charset="0"/>
+                <a:cs typeface="Segoe UI" panose="020B0502040204020203" pitchFamily="34" charset="0"/>
+              </a:rPr>
               <a:t>lại</a:t>
             </a:r>
             <a:r>
-              <a:rPr lang="en-US" dirty="0"/>
-              <a:t> </a:t>
-            </a:r>
-            <a:r>
-              <a:rPr lang="en-US" dirty="0" err="1"/>
+              <a:rPr lang="en-US" dirty="0">
+                <a:latin typeface="Segoe UI" panose="020B0502040204020203" pitchFamily="34" charset="0"/>
+                <a:cs typeface="Segoe UI" panose="020B0502040204020203" pitchFamily="34" charset="0"/>
+              </a:rPr>
+              <a:t> </a:t>
+            </a:r>
+            <a:r>
+              <a:rPr lang="en-US" dirty="0" err="1">
+                <a:latin typeface="Segoe UI" panose="020B0502040204020203" pitchFamily="34" charset="0"/>
+                <a:cs typeface="Segoe UI" panose="020B0502040204020203" pitchFamily="34" charset="0"/>
+              </a:rPr>
               <a:t>là</a:t>
             </a:r>
             <a:r>
-              <a:rPr lang="en-US" dirty="0"/>
-              <a:t> </a:t>
-            </a:r>
-            <a:r>
-              <a:rPr lang="en-US" dirty="0" err="1"/>
+              <a:rPr lang="en-US" dirty="0">
+                <a:latin typeface="Segoe UI" panose="020B0502040204020203" pitchFamily="34" charset="0"/>
+                <a:cs typeface="Segoe UI" panose="020B0502040204020203" pitchFamily="34" charset="0"/>
+              </a:rPr>
+              <a:t> </a:t>
+            </a:r>
+            <a:r>
+              <a:rPr lang="en-US" dirty="0" err="1">
+                <a:latin typeface="Segoe UI" panose="020B0502040204020203" pitchFamily="34" charset="0"/>
+                <a:cs typeface="Segoe UI" panose="020B0502040204020203" pitchFamily="34" charset="0"/>
+              </a:rPr>
               <a:t>tập</a:t>
             </a:r>
             <a:r>
-              <a:rPr lang="en-US" dirty="0"/>
+              <a:rPr lang="en-US" dirty="0">
+                <a:latin typeface="Segoe UI" panose="020B0502040204020203" pitchFamily="34" charset="0"/>
+                <a:cs typeface="Segoe UI" panose="020B0502040204020203" pitchFamily="34" charset="0"/>
+              </a:rPr>
               <a:t> validation</a:t>
             </a:r>
           </a:p>
           <a:p>
             <a:r>
-              <a:rPr lang="en-US" dirty="0" err="1"/>
+              <a:rPr lang="en-US" dirty="0" err="1">
+                <a:latin typeface="Segoe UI" panose="020B0502040204020203" pitchFamily="34" charset="0"/>
+                <a:cs typeface="Segoe UI" panose="020B0502040204020203" pitchFamily="34" charset="0"/>
+              </a:rPr>
               <a:t>Tóm</a:t>
             </a:r>
             <a:r>
-              <a:rPr lang="en-US" dirty="0"/>
-              <a:t> </a:t>
-            </a:r>
-            <a:r>
-              <a:rPr lang="en-US" dirty="0" err="1"/>
+              <a:rPr lang="en-US" dirty="0">
+                <a:latin typeface="Segoe UI" panose="020B0502040204020203" pitchFamily="34" charset="0"/>
+                <a:cs typeface="Segoe UI" panose="020B0502040204020203" pitchFamily="34" charset="0"/>
+              </a:rPr>
+              <a:t> </a:t>
+            </a:r>
+            <a:r>
+              <a:rPr lang="en-US" dirty="0" err="1">
+                <a:latin typeface="Segoe UI" panose="020B0502040204020203" pitchFamily="34" charset="0"/>
+                <a:cs typeface="Segoe UI" panose="020B0502040204020203" pitchFamily="34" charset="0"/>
+              </a:rPr>
               <a:t>lại</a:t>
             </a:r>
             <a:r>
-              <a:rPr lang="en-US" dirty="0"/>
-              <a:t> </a:t>
-            </a:r>
-            <a:r>
-              <a:rPr lang="en-US" dirty="0" err="1"/>
+              <a:rPr lang="en-US" dirty="0">
+                <a:latin typeface="Segoe UI" panose="020B0502040204020203" pitchFamily="34" charset="0"/>
+                <a:cs typeface="Segoe UI" panose="020B0502040204020203" pitchFamily="34" charset="0"/>
+              </a:rPr>
+              <a:t> </a:t>
+            </a:r>
+            <a:r>
+              <a:rPr lang="en-US" dirty="0" err="1">
+                <a:latin typeface="Segoe UI" panose="020B0502040204020203" pitchFamily="34" charset="0"/>
+                <a:cs typeface="Segoe UI" panose="020B0502040204020203" pitchFamily="34" charset="0"/>
+              </a:rPr>
               <a:t>tỉ</a:t>
             </a:r>
             <a:r>
-              <a:rPr lang="en-US" dirty="0"/>
-              <a:t> </a:t>
-            </a:r>
-            <a:r>
-              <a:rPr lang="en-US" dirty="0" err="1"/>
+              <a:rPr lang="en-US" dirty="0">
+                <a:latin typeface="Segoe UI" panose="020B0502040204020203" pitchFamily="34" charset="0"/>
+                <a:cs typeface="Segoe UI" panose="020B0502040204020203" pitchFamily="34" charset="0"/>
+              </a:rPr>
+              <a:t> </a:t>
+            </a:r>
+            <a:r>
+              <a:rPr lang="en-US" dirty="0" err="1">
+                <a:latin typeface="Segoe UI" panose="020B0502040204020203" pitchFamily="34" charset="0"/>
+                <a:cs typeface="Segoe UI" panose="020B0502040204020203" pitchFamily="34" charset="0"/>
+              </a:rPr>
               <a:t>lệ</a:t>
             </a:r>
             <a:r>
-              <a:rPr lang="en-US" dirty="0"/>
+              <a:rPr lang="en-US" dirty="0">
+                <a:latin typeface="Segoe UI" panose="020B0502040204020203" pitchFamily="34" charset="0"/>
+                <a:cs typeface="Segoe UI" panose="020B0502040204020203" pitchFamily="34" charset="0"/>
+              </a:rPr>
               <a:t> train-</a:t>
             </a:r>
             <a:r>
-              <a:rPr lang="en-US" dirty="0" err="1"/>
+              <a:rPr lang="en-US" dirty="0" err="1">
+                <a:latin typeface="Segoe UI" panose="020B0502040204020203" pitchFamily="34" charset="0"/>
+                <a:cs typeface="Segoe UI" panose="020B0502040204020203" pitchFamily="34" charset="0"/>
+              </a:rPr>
               <a:t>val</a:t>
             </a:r>
             <a:r>
-              <a:rPr lang="en-US" dirty="0"/>
+              <a:rPr lang="en-US" dirty="0">
+                <a:latin typeface="Segoe UI" panose="020B0502040204020203" pitchFamily="34" charset="0"/>
+                <a:cs typeface="Segoe UI" panose="020B0502040204020203" pitchFamily="34" charset="0"/>
+              </a:rPr>
               <a:t>-test </a:t>
             </a:r>
             <a:r>
-              <a:rPr lang="en-US" dirty="0" err="1"/>
+              <a:rPr lang="en-US" dirty="0" err="1">
+                <a:latin typeface="Segoe UI" panose="020B0502040204020203" pitchFamily="34" charset="0"/>
+                <a:cs typeface="Segoe UI" panose="020B0502040204020203" pitchFamily="34" charset="0"/>
+              </a:rPr>
               <a:t>là</a:t>
             </a:r>
             <a:r>
-              <a:rPr lang="en-US" dirty="0"/>
-              <a:t>: 0.56, 0.14, 0.3</a:t>
-            </a:r>
+              <a:rPr lang="en-US" dirty="0">
+                <a:latin typeface="Segoe UI" panose="020B0502040204020203" pitchFamily="34" charset="0"/>
+                <a:cs typeface="Segoe UI" panose="020B0502040204020203" pitchFamily="34" charset="0"/>
+              </a:rPr>
+              <a:t>: 0.56 / 0.14 / 0.3</a:t>
+            </a:r>
+          </a:p>
+        </p:txBody>
+      </p:sp>
+      <p:sp>
+        <p:nvSpPr>
+          <p:cNvPr id="4" name="Slide Number Placeholder 3">
+            <a:extLst>
+              <a:ext uri="{FF2B5EF4-FFF2-40B4-BE49-F238E27FC236}">
+                <a16:creationId xmlns:a16="http://schemas.microsoft.com/office/drawing/2014/main" id="{90341B9D-4E25-417D-8A84-DCABDCD743CC}"/>
+              </a:ext>
+            </a:extLst>
+          </p:cNvPr>
+          <p:cNvSpPr>
+            <a:spLocks noGrp="1"/>
+          </p:cNvSpPr>
+          <p:nvPr>
+            <p:ph type="sldNum" sz="quarter" idx="12"/>
+          </p:nvPr>
+        </p:nvSpPr>
+        <p:spPr/>
+        <p:txBody>
+          <a:bodyPr/>
+          <a:lstStyle/>
+          <a:p>
+            <a:fld id="{E1CE7E26-F4E3-4CCB-96AD-EA8398DEF45F}" type="slidenum">
+              <a:rPr lang="en-US" smtClean="0"/>
+              <a:t>13</a:t>
+            </a:fld>
+            <a:endParaRPr lang="en-US"/>
           </a:p>
         </p:txBody>
       </p:sp>
@@ -6926,6 +7627,18 @@
   <p:clrMapOvr>
     <a:masterClrMapping/>
   </p:clrMapOvr>
+  <mc:AlternateContent xmlns:mc="http://schemas.openxmlformats.org/markup-compatibility/2006" xmlns:p14="http://schemas.microsoft.com/office/powerpoint/2010/main">
+    <mc:Choice Requires="p14">
+      <p:transition spd="med" p14:dur="700">
+        <p:fade/>
+      </p:transition>
+    </mc:Choice>
+    <mc:Fallback xmlns="">
+      <p:transition spd="med">
+        <p:fade/>
+      </p:transition>
+    </mc:Fallback>
+  </mc:AlternateContent>
 </p:sld>
 </file>
 
@@ -8475,6 +9188,35 @@
           </a:p>
         </p:txBody>
       </p:sp>
+      <p:sp>
+        <p:nvSpPr>
+          <p:cNvPr id="4" name="Slide Number Placeholder 3">
+            <a:extLst>
+              <a:ext uri="{FF2B5EF4-FFF2-40B4-BE49-F238E27FC236}">
+                <a16:creationId xmlns:a16="http://schemas.microsoft.com/office/drawing/2014/main" id="{4F00884F-900F-41DE-8766-347AAB755992}"/>
+              </a:ext>
+            </a:extLst>
+          </p:cNvPr>
+          <p:cNvSpPr>
+            <a:spLocks noGrp="1"/>
+          </p:cNvSpPr>
+          <p:nvPr>
+            <p:ph type="sldNum" sz="quarter" idx="12"/>
+          </p:nvPr>
+        </p:nvSpPr>
+        <p:spPr/>
+        <p:txBody>
+          <a:bodyPr/>
+          <a:lstStyle/>
+          <a:p>
+            <a:fld id="{E1CE7E26-F4E3-4CCB-96AD-EA8398DEF45F}" type="slidenum">
+              <a:rPr lang="en-US" smtClean="0"/>
+              <a:t>14</a:t>
+            </a:fld>
+            <a:endParaRPr lang="en-US"/>
+          </a:p>
+        </p:txBody>
+      </p:sp>
     </p:spTree>
     <p:extLst>
       <p:ext uri="{BB962C8B-B14F-4D97-AF65-F5344CB8AC3E}">
@@ -8485,6 +9227,18 @@
   <p:clrMapOvr>
     <a:masterClrMapping/>
   </p:clrMapOvr>
+  <mc:AlternateContent xmlns:mc="http://schemas.openxmlformats.org/markup-compatibility/2006" xmlns:p14="http://schemas.microsoft.com/office/powerpoint/2010/main">
+    <mc:Choice Requires="p14">
+      <p:transition spd="med" p14:dur="700">
+        <p:fade/>
+      </p:transition>
+    </mc:Choice>
+    <mc:Fallback xmlns="">
+      <p:transition spd="med">
+        <p:fade/>
+      </p:transition>
+    </mc:Fallback>
+  </mc:AlternateContent>
 </p:sld>
 </file>
 
@@ -8560,13 +9314,18 @@
             <p:ph idx="1"/>
           </p:nvPr>
         </p:nvSpPr>
-        <p:spPr/>
+        <p:spPr>
+          <a:xfrm>
+            <a:off x="588049" y="1708150"/>
+            <a:ext cx="8775238" cy="4555462"/>
+          </a:xfrm>
+        </p:spPr>
         <p:txBody>
           <a:bodyPr/>
           <a:lstStyle/>
           <a:p>
             <a:r>
-              <a:rPr lang="en-US" dirty="0">
+              <a:rPr lang="en-US" sz="1600" dirty="0">
                 <a:latin typeface="Segoe UI" panose="020B0502040204020203" pitchFamily="34" charset="0"/>
                 <a:cs typeface="Segoe UI" panose="020B0502040204020203" pitchFamily="34" charset="0"/>
               </a:rPr>
@@ -9191,301 +9950,301 @@
           <a:p>
             <a:pPr lvl="2"/>
             <a:r>
-              <a:rPr lang="en-US" dirty="0" err="1">
+              <a:rPr lang="en-US" sz="1600" dirty="0" err="1">
                 <a:latin typeface="Segoe UI" panose="020B0502040204020203" pitchFamily="34" charset="0"/>
                 <a:cs typeface="Segoe UI" panose="020B0502040204020203" pitchFamily="34" charset="0"/>
               </a:rPr>
               <a:t>Khởi</a:t>
             </a:r>
             <a:r>
-              <a:rPr lang="en-US" dirty="0">
-                <a:latin typeface="Segoe UI" panose="020B0502040204020203" pitchFamily="34" charset="0"/>
-                <a:cs typeface="Segoe UI" panose="020B0502040204020203" pitchFamily="34" charset="0"/>
-              </a:rPr>
-              <a:t> </a:t>
-            </a:r>
-            <a:r>
-              <a:rPr lang="en-US" dirty="0" err="1">
+              <a:rPr lang="en-US" sz="1600" dirty="0">
+                <a:latin typeface="Segoe UI" panose="020B0502040204020203" pitchFamily="34" charset="0"/>
+                <a:cs typeface="Segoe UI" panose="020B0502040204020203" pitchFamily="34" charset="0"/>
+              </a:rPr>
+              <a:t> </a:t>
+            </a:r>
+            <a:r>
+              <a:rPr lang="en-US" sz="1600" dirty="0" err="1">
                 <a:latin typeface="Segoe UI" panose="020B0502040204020203" pitchFamily="34" charset="0"/>
                 <a:cs typeface="Segoe UI" panose="020B0502040204020203" pitchFamily="34" charset="0"/>
               </a:rPr>
               <a:t>tạo</a:t>
             </a:r>
             <a:r>
-              <a:rPr lang="en-US" dirty="0">
+              <a:rPr lang="en-US" sz="1600" dirty="0">
                 <a:latin typeface="Segoe UI" panose="020B0502040204020203" pitchFamily="34" charset="0"/>
                 <a:cs typeface="Segoe UI" panose="020B0502040204020203" pitchFamily="34" charset="0"/>
               </a:rPr>
               <a:t> matrix </a:t>
             </a:r>
             <a:r>
-              <a:rPr lang="en-US" dirty="0" err="1">
+              <a:rPr lang="en-US" sz="1600" dirty="0" err="1">
                 <a:latin typeface="Segoe UI" panose="020B0502040204020203" pitchFamily="34" charset="0"/>
                 <a:cs typeface="Segoe UI" panose="020B0502040204020203" pitchFamily="34" charset="0"/>
               </a:rPr>
               <a:t>chỉ</a:t>
             </a:r>
             <a:r>
-              <a:rPr lang="en-US" dirty="0">
-                <a:latin typeface="Segoe UI" panose="020B0502040204020203" pitchFamily="34" charset="0"/>
-                <a:cs typeface="Segoe UI" panose="020B0502040204020203" pitchFamily="34" charset="0"/>
-              </a:rPr>
-              <a:t> </a:t>
-            </a:r>
-            <a:r>
-              <a:rPr lang="en-US" dirty="0" err="1">
+              <a:rPr lang="en-US" sz="1600" dirty="0">
+                <a:latin typeface="Segoe UI" panose="020B0502040204020203" pitchFamily="34" charset="0"/>
+                <a:cs typeface="Segoe UI" panose="020B0502040204020203" pitchFamily="34" charset="0"/>
+              </a:rPr>
+              <a:t> </a:t>
+            </a:r>
+            <a:r>
+              <a:rPr lang="en-US" sz="1600" dirty="0" err="1">
                 <a:latin typeface="Segoe UI" panose="020B0502040204020203" pitchFamily="34" charset="0"/>
                 <a:cs typeface="Segoe UI" panose="020B0502040204020203" pitchFamily="34" charset="0"/>
               </a:rPr>
               <a:t>toàn</a:t>
             </a:r>
             <a:r>
-              <a:rPr lang="en-US" dirty="0">
-                <a:latin typeface="Segoe UI" panose="020B0502040204020203" pitchFamily="34" charset="0"/>
-                <a:cs typeface="Segoe UI" panose="020B0502040204020203" pitchFamily="34" charset="0"/>
-              </a:rPr>
-              <a:t> </a:t>
-            </a:r>
-            <a:r>
-              <a:rPr lang="en-US" dirty="0" err="1">
+              <a:rPr lang="en-US" sz="1600" dirty="0">
+                <a:latin typeface="Segoe UI" panose="020B0502040204020203" pitchFamily="34" charset="0"/>
+                <a:cs typeface="Segoe UI" panose="020B0502040204020203" pitchFamily="34" charset="0"/>
+              </a:rPr>
+              <a:t> </a:t>
+            </a:r>
+            <a:r>
+              <a:rPr lang="en-US" sz="1600" dirty="0" err="1">
                 <a:latin typeface="Segoe UI" panose="020B0502040204020203" pitchFamily="34" charset="0"/>
                 <a:cs typeface="Segoe UI" panose="020B0502040204020203" pitchFamily="34" charset="0"/>
               </a:rPr>
               <a:t>số</a:t>
             </a:r>
             <a:r>
-              <a:rPr lang="en-US" dirty="0">
+              <a:rPr lang="en-US" sz="1600" dirty="0">
                 <a:latin typeface="Segoe UI" panose="020B0502040204020203" pitchFamily="34" charset="0"/>
                 <a:cs typeface="Segoe UI" panose="020B0502040204020203" pitchFamily="34" charset="0"/>
               </a:rPr>
               <a:t> 0, </a:t>
             </a:r>
             <a:r>
-              <a:rPr lang="en-US" dirty="0" err="1">
+              <a:rPr lang="en-US" sz="1600" dirty="0" err="1">
                 <a:latin typeface="Segoe UI" panose="020B0502040204020203" pitchFamily="34" charset="0"/>
                 <a:cs typeface="Segoe UI" panose="020B0502040204020203" pitchFamily="34" charset="0"/>
               </a:rPr>
               <a:t>số</a:t>
             </a:r>
             <a:r>
-              <a:rPr lang="en-US" dirty="0">
-                <a:latin typeface="Segoe UI" panose="020B0502040204020203" pitchFamily="34" charset="0"/>
-                <a:cs typeface="Segoe UI" panose="020B0502040204020203" pitchFamily="34" charset="0"/>
-              </a:rPr>
-              <a:t> </a:t>
-            </a:r>
-            <a:r>
-              <a:rPr lang="en-US" dirty="0" err="1">
+              <a:rPr lang="en-US" sz="1600" dirty="0">
+                <a:latin typeface="Segoe UI" panose="020B0502040204020203" pitchFamily="34" charset="0"/>
+                <a:cs typeface="Segoe UI" panose="020B0502040204020203" pitchFamily="34" charset="0"/>
+              </a:rPr>
+              <a:t> </a:t>
+            </a:r>
+            <a:r>
+              <a:rPr lang="en-US" sz="1600" dirty="0" err="1">
                 <a:latin typeface="Segoe UI" panose="020B0502040204020203" pitchFamily="34" charset="0"/>
                 <a:cs typeface="Segoe UI" panose="020B0502040204020203" pitchFamily="34" charset="0"/>
               </a:rPr>
               <a:t>dòng</a:t>
             </a:r>
             <a:r>
-              <a:rPr lang="en-US" dirty="0">
-                <a:latin typeface="Segoe UI" panose="020B0502040204020203" pitchFamily="34" charset="0"/>
-                <a:cs typeface="Segoe UI" panose="020B0502040204020203" pitchFamily="34" charset="0"/>
-              </a:rPr>
-              <a:t> </a:t>
-            </a:r>
-            <a:r>
-              <a:rPr lang="en-US" dirty="0" err="1">
+              <a:rPr lang="en-US" sz="1600" dirty="0">
+                <a:latin typeface="Segoe UI" panose="020B0502040204020203" pitchFamily="34" charset="0"/>
+                <a:cs typeface="Segoe UI" panose="020B0502040204020203" pitchFamily="34" charset="0"/>
+              </a:rPr>
+              <a:t> </a:t>
+            </a:r>
+            <a:r>
+              <a:rPr lang="en-US" sz="1600" dirty="0" err="1">
                 <a:latin typeface="Segoe UI" panose="020B0502040204020203" pitchFamily="34" charset="0"/>
                 <a:cs typeface="Segoe UI" panose="020B0502040204020203" pitchFamily="34" charset="0"/>
               </a:rPr>
               <a:t>là</a:t>
             </a:r>
             <a:r>
-              <a:rPr lang="en-US" dirty="0">
-                <a:latin typeface="Segoe UI" panose="020B0502040204020203" pitchFamily="34" charset="0"/>
-                <a:cs typeface="Segoe UI" panose="020B0502040204020203" pitchFamily="34" charset="0"/>
-              </a:rPr>
-              <a:t> </a:t>
-            </a:r>
-            <a:r>
-              <a:rPr lang="en-US" dirty="0" err="1">
+              <a:rPr lang="en-US" sz="1600" dirty="0">
+                <a:latin typeface="Segoe UI" panose="020B0502040204020203" pitchFamily="34" charset="0"/>
+                <a:cs typeface="Segoe UI" panose="020B0502040204020203" pitchFamily="34" charset="0"/>
+              </a:rPr>
+              <a:t> </a:t>
+            </a:r>
+            <a:r>
+              <a:rPr lang="en-US" sz="1600" dirty="0" err="1">
                 <a:latin typeface="Segoe UI" panose="020B0502040204020203" pitchFamily="34" charset="0"/>
                 <a:cs typeface="Segoe UI" panose="020B0502040204020203" pitchFamily="34" charset="0"/>
               </a:rPr>
               <a:t>số</a:t>
             </a:r>
             <a:r>
-              <a:rPr lang="en-US" dirty="0">
-                <a:latin typeface="Segoe UI" panose="020B0502040204020203" pitchFamily="34" charset="0"/>
-                <a:cs typeface="Segoe UI" panose="020B0502040204020203" pitchFamily="34" charset="0"/>
-              </a:rPr>
-              <a:t> </a:t>
-            </a:r>
-            <a:r>
-              <a:rPr lang="en-US" dirty="0" err="1">
+              <a:rPr lang="en-US" sz="1600" dirty="0">
+                <a:latin typeface="Segoe UI" panose="020B0502040204020203" pitchFamily="34" charset="0"/>
+                <a:cs typeface="Segoe UI" panose="020B0502040204020203" pitchFamily="34" charset="0"/>
+              </a:rPr>
+              <a:t> </a:t>
+            </a:r>
+            <a:r>
+              <a:rPr lang="en-US" sz="1600" dirty="0" err="1">
                 <a:latin typeface="Segoe UI" panose="020B0502040204020203" pitchFamily="34" charset="0"/>
                 <a:cs typeface="Segoe UI" panose="020B0502040204020203" pitchFamily="34" charset="0"/>
               </a:rPr>
               <a:t>câu</a:t>
             </a:r>
             <a:r>
-              <a:rPr lang="en-US" dirty="0">
-                <a:latin typeface="Segoe UI" panose="020B0502040204020203" pitchFamily="34" charset="0"/>
-                <a:cs typeface="Segoe UI" panose="020B0502040204020203" pitchFamily="34" charset="0"/>
-              </a:rPr>
-              <a:t> </a:t>
-            </a:r>
-            <a:r>
-              <a:rPr lang="en-US" dirty="0" err="1">
+              <a:rPr lang="en-US" sz="1600" dirty="0">
+                <a:latin typeface="Segoe UI" panose="020B0502040204020203" pitchFamily="34" charset="0"/>
+                <a:cs typeface="Segoe UI" panose="020B0502040204020203" pitchFamily="34" charset="0"/>
+              </a:rPr>
+              <a:t> </a:t>
+            </a:r>
+            <a:r>
+              <a:rPr lang="en-US" sz="1600" dirty="0" err="1">
                 <a:latin typeface="Segoe UI" panose="020B0502040204020203" pitchFamily="34" charset="0"/>
                 <a:cs typeface="Segoe UI" panose="020B0502040204020203" pitchFamily="34" charset="0"/>
               </a:rPr>
               <a:t>hỏi</a:t>
             </a:r>
             <a:r>
-              <a:rPr lang="en-US" dirty="0">
+              <a:rPr lang="en-US" sz="1600" dirty="0">
                 <a:latin typeface="Segoe UI" panose="020B0502040204020203" pitchFamily="34" charset="0"/>
                 <a:cs typeface="Segoe UI" panose="020B0502040204020203" pitchFamily="34" charset="0"/>
               </a:rPr>
               <a:t>, </a:t>
             </a:r>
             <a:r>
-              <a:rPr lang="en-US" dirty="0" err="1">
+              <a:rPr lang="en-US" sz="1600" dirty="0" err="1">
                 <a:latin typeface="Segoe UI" panose="020B0502040204020203" pitchFamily="34" charset="0"/>
                 <a:cs typeface="Segoe UI" panose="020B0502040204020203" pitchFamily="34" charset="0"/>
               </a:rPr>
               <a:t>số</a:t>
             </a:r>
             <a:r>
-              <a:rPr lang="en-US" dirty="0">
-                <a:latin typeface="Segoe UI" panose="020B0502040204020203" pitchFamily="34" charset="0"/>
-                <a:cs typeface="Segoe UI" panose="020B0502040204020203" pitchFamily="34" charset="0"/>
-              </a:rPr>
-              <a:t> </a:t>
-            </a:r>
-            <a:r>
-              <a:rPr lang="en-US" dirty="0" err="1">
+              <a:rPr lang="en-US" sz="1600" dirty="0">
+                <a:latin typeface="Segoe UI" panose="020B0502040204020203" pitchFamily="34" charset="0"/>
+                <a:cs typeface="Segoe UI" panose="020B0502040204020203" pitchFamily="34" charset="0"/>
+              </a:rPr>
+              <a:t> </a:t>
+            </a:r>
+            <a:r>
+              <a:rPr lang="en-US" sz="1600" dirty="0" err="1">
                 <a:latin typeface="Segoe UI" panose="020B0502040204020203" pitchFamily="34" charset="0"/>
                 <a:cs typeface="Segoe UI" panose="020B0502040204020203" pitchFamily="34" charset="0"/>
               </a:rPr>
               <a:t>cột</a:t>
             </a:r>
             <a:r>
-              <a:rPr lang="en-US" dirty="0">
-                <a:latin typeface="Segoe UI" panose="020B0502040204020203" pitchFamily="34" charset="0"/>
-                <a:cs typeface="Segoe UI" panose="020B0502040204020203" pitchFamily="34" charset="0"/>
-              </a:rPr>
-              <a:t> </a:t>
-            </a:r>
-            <a:r>
-              <a:rPr lang="en-US" dirty="0" err="1">
+              <a:rPr lang="en-US" sz="1600" dirty="0">
+                <a:latin typeface="Segoe UI" panose="020B0502040204020203" pitchFamily="34" charset="0"/>
+                <a:cs typeface="Segoe UI" panose="020B0502040204020203" pitchFamily="34" charset="0"/>
+              </a:rPr>
+              <a:t> </a:t>
+            </a:r>
+            <a:r>
+              <a:rPr lang="en-US" sz="1600" dirty="0" err="1">
                 <a:latin typeface="Segoe UI" panose="020B0502040204020203" pitchFamily="34" charset="0"/>
                 <a:cs typeface="Segoe UI" panose="020B0502040204020203" pitchFamily="34" charset="0"/>
               </a:rPr>
               <a:t>là</a:t>
             </a:r>
             <a:r>
-              <a:rPr lang="en-US" dirty="0">
-                <a:latin typeface="Segoe UI" panose="020B0502040204020203" pitchFamily="34" charset="0"/>
-                <a:cs typeface="Segoe UI" panose="020B0502040204020203" pitchFamily="34" charset="0"/>
-              </a:rPr>
-              <a:t> </a:t>
-            </a:r>
-            <a:r>
-              <a:rPr lang="en-US" dirty="0" err="1">
+              <a:rPr lang="en-US" sz="1600" dirty="0">
+                <a:latin typeface="Segoe UI" panose="020B0502040204020203" pitchFamily="34" charset="0"/>
+                <a:cs typeface="Segoe UI" panose="020B0502040204020203" pitchFamily="34" charset="0"/>
+              </a:rPr>
+              <a:t> </a:t>
+            </a:r>
+            <a:r>
+              <a:rPr lang="en-US" sz="1600" dirty="0" err="1">
                 <a:latin typeface="Segoe UI" panose="020B0502040204020203" pitchFamily="34" charset="0"/>
                 <a:cs typeface="Segoe UI" panose="020B0502040204020203" pitchFamily="34" charset="0"/>
               </a:rPr>
               <a:t>số</a:t>
             </a:r>
             <a:r>
-              <a:rPr lang="en-US" dirty="0">
+              <a:rPr lang="en-US" sz="1600" dirty="0">
                 <a:latin typeface="Segoe UI" panose="020B0502040204020203" pitchFamily="34" charset="0"/>
                 <a:cs typeface="Segoe UI" panose="020B0502040204020203" pitchFamily="34" charset="0"/>
               </a:rPr>
               <a:t> l</a:t>
             </a:r>
             <a:r>
-              <a:rPr lang="vi-VN" dirty="0">
+              <a:rPr lang="vi-VN" sz="1600" dirty="0">
                 <a:latin typeface="Segoe UI" panose="020B0502040204020203" pitchFamily="34" charset="0"/>
                 <a:cs typeface="Segoe UI" panose="020B0502040204020203" pitchFamily="34" charset="0"/>
               </a:rPr>
               <a:t>ư</a:t>
             </a:r>
             <a:r>
-              <a:rPr lang="en-US" dirty="0" err="1">
+              <a:rPr lang="en-US" sz="1600" dirty="0" err="1">
                 <a:latin typeface="Segoe UI" panose="020B0502040204020203" pitchFamily="34" charset="0"/>
                 <a:cs typeface="Segoe UI" panose="020B0502040204020203" pitchFamily="34" charset="0"/>
               </a:rPr>
               <a:t>ợng</a:t>
             </a:r>
             <a:r>
-              <a:rPr lang="en-US" dirty="0">
-                <a:latin typeface="Segoe UI" panose="020B0502040204020203" pitchFamily="34" charset="0"/>
-                <a:cs typeface="Segoe UI" panose="020B0502040204020203" pitchFamily="34" charset="0"/>
-              </a:rPr>
-              <a:t> </a:t>
-            </a:r>
-            <a:r>
-              <a:rPr lang="en-US" dirty="0" err="1">
+              <a:rPr lang="en-US" sz="1600" dirty="0">
+                <a:latin typeface="Segoe UI" panose="020B0502040204020203" pitchFamily="34" charset="0"/>
+                <a:cs typeface="Segoe UI" panose="020B0502040204020203" pitchFamily="34" charset="0"/>
+              </a:rPr>
+              <a:t> </a:t>
+            </a:r>
+            <a:r>
+              <a:rPr lang="en-US" sz="1600" dirty="0" err="1">
                 <a:latin typeface="Segoe UI" panose="020B0502040204020203" pitchFamily="34" charset="0"/>
                 <a:cs typeface="Segoe UI" panose="020B0502040204020203" pitchFamily="34" charset="0"/>
               </a:rPr>
               <a:t>từ</a:t>
             </a:r>
             <a:r>
-              <a:rPr lang="en-US" dirty="0">
+              <a:rPr lang="en-US" sz="1600" dirty="0">
                 <a:latin typeface="Segoe UI" panose="020B0502040204020203" pitchFamily="34" charset="0"/>
                 <a:cs typeface="Segoe UI" panose="020B0502040204020203" pitchFamily="34" charset="0"/>
               </a:rPr>
               <a:t> đ</a:t>
             </a:r>
             <a:r>
-              <a:rPr lang="vi-VN" dirty="0">
+              <a:rPr lang="vi-VN" sz="1600" dirty="0">
                 <a:latin typeface="Segoe UI" panose="020B0502040204020203" pitchFamily="34" charset="0"/>
                 <a:cs typeface="Segoe UI" panose="020B0502040204020203" pitchFamily="34" charset="0"/>
               </a:rPr>
               <a:t>ư</a:t>
             </a:r>
             <a:r>
-              <a:rPr lang="en-US" dirty="0" err="1">
+              <a:rPr lang="en-US" sz="1600" dirty="0" err="1">
                 <a:latin typeface="Segoe UI" panose="020B0502040204020203" pitchFamily="34" charset="0"/>
                 <a:cs typeface="Segoe UI" panose="020B0502040204020203" pitchFamily="34" charset="0"/>
               </a:rPr>
               <a:t>ợc</a:t>
             </a:r>
             <a:r>
-              <a:rPr lang="en-US" dirty="0">
-                <a:latin typeface="Segoe UI" panose="020B0502040204020203" pitchFamily="34" charset="0"/>
-                <a:cs typeface="Segoe UI" panose="020B0502040204020203" pitchFamily="34" charset="0"/>
-              </a:rPr>
-              <a:t> </a:t>
-            </a:r>
-            <a:r>
-              <a:rPr lang="en-US" dirty="0" err="1">
+              <a:rPr lang="en-US" sz="1600" dirty="0">
+                <a:latin typeface="Segoe UI" panose="020B0502040204020203" pitchFamily="34" charset="0"/>
+                <a:cs typeface="Segoe UI" panose="020B0502040204020203" pitchFamily="34" charset="0"/>
+              </a:rPr>
+              <a:t> </a:t>
+            </a:r>
+            <a:r>
+              <a:rPr lang="en-US" sz="1600" dirty="0" err="1">
                 <a:latin typeface="Segoe UI" panose="020B0502040204020203" pitchFamily="34" charset="0"/>
                 <a:cs typeface="Segoe UI" panose="020B0502040204020203" pitchFamily="34" charset="0"/>
               </a:rPr>
               <a:t>chọn</a:t>
             </a:r>
             <a:r>
-              <a:rPr lang="en-US" dirty="0">
+              <a:rPr lang="en-US" sz="1600" dirty="0">
                 <a:latin typeface="Segoe UI" panose="020B0502040204020203" pitchFamily="34" charset="0"/>
                 <a:cs typeface="Segoe UI" panose="020B0502040204020203" pitchFamily="34" charset="0"/>
               </a:rPr>
               <a:t> ở b</a:t>
             </a:r>
             <a:r>
-              <a:rPr lang="vi-VN" dirty="0">
+              <a:rPr lang="vi-VN" sz="1600" dirty="0">
                 <a:latin typeface="Segoe UI" panose="020B0502040204020203" pitchFamily="34" charset="0"/>
                 <a:cs typeface="Segoe UI" panose="020B0502040204020203" pitchFamily="34" charset="0"/>
               </a:rPr>
               <a:t>ư</a:t>
             </a:r>
             <a:r>
-              <a:rPr lang="en-US" dirty="0" err="1">
+              <a:rPr lang="en-US" sz="1600" dirty="0" err="1">
                 <a:latin typeface="Segoe UI" panose="020B0502040204020203" pitchFamily="34" charset="0"/>
                 <a:cs typeface="Segoe UI" panose="020B0502040204020203" pitchFamily="34" charset="0"/>
               </a:rPr>
               <a:t>ớc</a:t>
             </a:r>
             <a:r>
-              <a:rPr lang="en-US" dirty="0">
+              <a:rPr lang="en-US" sz="1600" dirty="0">
                 <a:latin typeface="Segoe UI" panose="020B0502040204020203" pitchFamily="34" charset="0"/>
                 <a:cs typeface="Segoe UI" panose="020B0502040204020203" pitchFamily="34" charset="0"/>
               </a:rPr>
@@ -9495,41 +10254,41 @@
           <a:p>
             <a:pPr lvl="2"/>
             <a:r>
-              <a:rPr lang="en-US" dirty="0" err="1">
+              <a:rPr lang="en-US" sz="1600" dirty="0" err="1">
                 <a:latin typeface="Segoe UI" panose="020B0502040204020203" pitchFamily="34" charset="0"/>
                 <a:cs typeface="Segoe UI" panose="020B0502040204020203" pitchFamily="34" charset="0"/>
               </a:rPr>
               <a:t>Duyệt</a:t>
             </a:r>
             <a:r>
-              <a:rPr lang="en-US" dirty="0">
-                <a:latin typeface="Segoe UI" panose="020B0502040204020203" pitchFamily="34" charset="0"/>
-                <a:cs typeface="Segoe UI" panose="020B0502040204020203" pitchFamily="34" charset="0"/>
-              </a:rPr>
-              <a:t> </a:t>
-            </a:r>
-            <a:r>
-              <a:rPr lang="en-US" dirty="0" err="1">
+              <a:rPr lang="en-US" sz="1600" dirty="0">
+                <a:latin typeface="Segoe UI" panose="020B0502040204020203" pitchFamily="34" charset="0"/>
+                <a:cs typeface="Segoe UI" panose="020B0502040204020203" pitchFamily="34" charset="0"/>
+              </a:rPr>
+              <a:t> </a:t>
+            </a:r>
+            <a:r>
+              <a:rPr lang="en-US" sz="1600" dirty="0" err="1">
                 <a:latin typeface="Segoe UI" panose="020B0502040204020203" pitchFamily="34" charset="0"/>
                 <a:cs typeface="Segoe UI" panose="020B0502040204020203" pitchFamily="34" charset="0"/>
               </a:rPr>
               <a:t>từng</a:t>
             </a:r>
             <a:r>
-              <a:rPr lang="en-US" dirty="0">
-                <a:latin typeface="Segoe UI" panose="020B0502040204020203" pitchFamily="34" charset="0"/>
-                <a:cs typeface="Segoe UI" panose="020B0502040204020203" pitchFamily="34" charset="0"/>
-              </a:rPr>
-              <a:t> </a:t>
-            </a:r>
-            <a:r>
-              <a:rPr lang="en-US" dirty="0" err="1">
+              <a:rPr lang="en-US" sz="1600" dirty="0">
+                <a:latin typeface="Segoe UI" panose="020B0502040204020203" pitchFamily="34" charset="0"/>
+                <a:cs typeface="Segoe UI" panose="020B0502040204020203" pitchFamily="34" charset="0"/>
+              </a:rPr>
+              <a:t> </a:t>
+            </a:r>
+            <a:r>
+              <a:rPr lang="en-US" sz="1600" dirty="0" err="1">
                 <a:latin typeface="Segoe UI" panose="020B0502040204020203" pitchFamily="34" charset="0"/>
                 <a:cs typeface="Segoe UI" panose="020B0502040204020203" pitchFamily="34" charset="0"/>
               </a:rPr>
               <a:t>câu</a:t>
             </a:r>
-            <a:endParaRPr lang="en-US" dirty="0">
+            <a:endParaRPr lang="en-US" sz="1600" dirty="0">
               <a:latin typeface="Segoe UI" panose="020B0502040204020203" pitchFamily="34" charset="0"/>
               <a:cs typeface="Segoe UI" panose="020B0502040204020203" pitchFamily="34" charset="0"/>
             </a:endParaRPr>
@@ -9537,195 +10296,195 @@
           <a:p>
             <a:pPr lvl="2"/>
             <a:r>
-              <a:rPr lang="en-US" dirty="0" err="1">
+              <a:rPr lang="en-US" sz="1600" dirty="0" err="1">
                 <a:latin typeface="Segoe UI" panose="020B0502040204020203" pitchFamily="34" charset="0"/>
                 <a:cs typeface="Segoe UI" panose="020B0502040204020203" pitchFamily="34" charset="0"/>
               </a:rPr>
               <a:t>Tách</a:t>
             </a:r>
             <a:r>
-              <a:rPr lang="en-US" dirty="0">
-                <a:latin typeface="Segoe UI" panose="020B0502040204020203" pitchFamily="34" charset="0"/>
-                <a:cs typeface="Segoe UI" panose="020B0502040204020203" pitchFamily="34" charset="0"/>
-              </a:rPr>
-              <a:t> </a:t>
-            </a:r>
-            <a:r>
-              <a:rPr lang="en-US" dirty="0" err="1">
+              <a:rPr lang="en-US" sz="1600" dirty="0">
+                <a:latin typeface="Segoe UI" panose="020B0502040204020203" pitchFamily="34" charset="0"/>
+                <a:cs typeface="Segoe UI" panose="020B0502040204020203" pitchFamily="34" charset="0"/>
+              </a:rPr>
+              <a:t> </a:t>
+            </a:r>
+            <a:r>
+              <a:rPr lang="en-US" sz="1600" dirty="0" err="1">
                 <a:latin typeface="Segoe UI" panose="020B0502040204020203" pitchFamily="34" charset="0"/>
                 <a:cs typeface="Segoe UI" panose="020B0502040204020203" pitchFamily="34" charset="0"/>
               </a:rPr>
               <a:t>các</a:t>
             </a:r>
             <a:r>
-              <a:rPr lang="en-US" dirty="0">
-                <a:latin typeface="Segoe UI" panose="020B0502040204020203" pitchFamily="34" charset="0"/>
-                <a:cs typeface="Segoe UI" panose="020B0502040204020203" pitchFamily="34" charset="0"/>
-              </a:rPr>
-              <a:t> </a:t>
-            </a:r>
-            <a:r>
-              <a:rPr lang="en-US" dirty="0" err="1">
+              <a:rPr lang="en-US" sz="1600" dirty="0">
+                <a:latin typeface="Segoe UI" panose="020B0502040204020203" pitchFamily="34" charset="0"/>
+                <a:cs typeface="Segoe UI" panose="020B0502040204020203" pitchFamily="34" charset="0"/>
+              </a:rPr>
+              <a:t> </a:t>
+            </a:r>
+            <a:r>
+              <a:rPr lang="en-US" sz="1600" dirty="0" err="1">
                 <a:latin typeface="Segoe UI" panose="020B0502040204020203" pitchFamily="34" charset="0"/>
                 <a:cs typeface="Segoe UI" panose="020B0502040204020203" pitchFamily="34" charset="0"/>
               </a:rPr>
               <a:t>từ</a:t>
             </a:r>
             <a:r>
-              <a:rPr lang="en-US" dirty="0">
-                <a:latin typeface="Segoe UI" panose="020B0502040204020203" pitchFamily="34" charset="0"/>
-                <a:cs typeface="Segoe UI" panose="020B0502040204020203" pitchFamily="34" charset="0"/>
-              </a:rPr>
-              <a:t> </a:t>
-            </a:r>
-            <a:r>
-              <a:rPr lang="en-US" dirty="0" err="1">
+              <a:rPr lang="en-US" sz="1600" dirty="0">
+                <a:latin typeface="Segoe UI" panose="020B0502040204020203" pitchFamily="34" charset="0"/>
+                <a:cs typeface="Segoe UI" panose="020B0502040204020203" pitchFamily="34" charset="0"/>
+              </a:rPr>
+              <a:t> </a:t>
+            </a:r>
+            <a:r>
+              <a:rPr lang="en-US" sz="1600" dirty="0" err="1">
                 <a:latin typeface="Segoe UI" panose="020B0502040204020203" pitchFamily="34" charset="0"/>
                 <a:cs typeface="Segoe UI" panose="020B0502040204020203" pitchFamily="34" charset="0"/>
               </a:rPr>
               <a:t>trong</a:t>
             </a:r>
             <a:r>
-              <a:rPr lang="en-US" dirty="0">
-                <a:latin typeface="Segoe UI" panose="020B0502040204020203" pitchFamily="34" charset="0"/>
-                <a:cs typeface="Segoe UI" panose="020B0502040204020203" pitchFamily="34" charset="0"/>
-              </a:rPr>
-              <a:t> </a:t>
-            </a:r>
-            <a:r>
-              <a:rPr lang="en-US" dirty="0" err="1">
+              <a:rPr lang="en-US" sz="1600" dirty="0">
+                <a:latin typeface="Segoe UI" panose="020B0502040204020203" pitchFamily="34" charset="0"/>
+                <a:cs typeface="Segoe UI" panose="020B0502040204020203" pitchFamily="34" charset="0"/>
+              </a:rPr>
+              <a:t> </a:t>
+            </a:r>
+            <a:r>
+              <a:rPr lang="en-US" sz="1600" dirty="0" err="1">
                 <a:latin typeface="Segoe UI" panose="020B0502040204020203" pitchFamily="34" charset="0"/>
                 <a:cs typeface="Segoe UI" panose="020B0502040204020203" pitchFamily="34" charset="0"/>
               </a:rPr>
               <a:t>câu</a:t>
             </a:r>
             <a:r>
-              <a:rPr lang="en-US" dirty="0">
+              <a:rPr lang="en-US" sz="1600" dirty="0">
                 <a:latin typeface="Segoe UI" panose="020B0502040204020203" pitchFamily="34" charset="0"/>
                 <a:cs typeface="Segoe UI" panose="020B0502040204020203" pitchFamily="34" charset="0"/>
               </a:rPr>
               <a:t>, </a:t>
             </a:r>
             <a:r>
-              <a:rPr lang="en-US" dirty="0" err="1">
+              <a:rPr lang="en-US" sz="1600" dirty="0" err="1">
                 <a:latin typeface="Segoe UI" panose="020B0502040204020203" pitchFamily="34" charset="0"/>
                 <a:cs typeface="Segoe UI" panose="020B0502040204020203" pitchFamily="34" charset="0"/>
               </a:rPr>
               <a:t>phân</a:t>
             </a:r>
             <a:r>
-              <a:rPr lang="en-US" dirty="0">
-                <a:latin typeface="Segoe UI" panose="020B0502040204020203" pitchFamily="34" charset="0"/>
-                <a:cs typeface="Segoe UI" panose="020B0502040204020203" pitchFamily="34" charset="0"/>
-              </a:rPr>
-              <a:t> </a:t>
-            </a:r>
-            <a:r>
-              <a:rPr lang="en-US" dirty="0" err="1">
+              <a:rPr lang="en-US" sz="1600" dirty="0">
+                <a:latin typeface="Segoe UI" panose="020B0502040204020203" pitchFamily="34" charset="0"/>
+                <a:cs typeface="Segoe UI" panose="020B0502040204020203" pitchFamily="34" charset="0"/>
+              </a:rPr>
+              <a:t> </a:t>
+            </a:r>
+            <a:r>
+              <a:rPr lang="en-US" sz="1600" dirty="0" err="1">
                 <a:latin typeface="Segoe UI" panose="020B0502040204020203" pitchFamily="34" charset="0"/>
                 <a:cs typeface="Segoe UI" panose="020B0502040204020203" pitchFamily="34" charset="0"/>
               </a:rPr>
               <a:t>cách</a:t>
             </a:r>
             <a:r>
-              <a:rPr lang="en-US" dirty="0">
-                <a:latin typeface="Segoe UI" panose="020B0502040204020203" pitchFamily="34" charset="0"/>
-                <a:cs typeface="Segoe UI" panose="020B0502040204020203" pitchFamily="34" charset="0"/>
-              </a:rPr>
-              <a:t> </a:t>
-            </a:r>
-            <a:r>
-              <a:rPr lang="en-US" dirty="0" err="1">
+              <a:rPr lang="en-US" sz="1600" dirty="0">
+                <a:latin typeface="Segoe UI" panose="020B0502040204020203" pitchFamily="34" charset="0"/>
+                <a:cs typeface="Segoe UI" panose="020B0502040204020203" pitchFamily="34" charset="0"/>
+              </a:rPr>
+              <a:t> </a:t>
+            </a:r>
+            <a:r>
+              <a:rPr lang="en-US" sz="1600" dirty="0" err="1">
                 <a:latin typeface="Segoe UI" panose="020B0502040204020203" pitchFamily="34" charset="0"/>
                 <a:cs typeface="Segoe UI" panose="020B0502040204020203" pitchFamily="34" charset="0"/>
               </a:rPr>
               <a:t>bởi</a:t>
             </a:r>
             <a:r>
-              <a:rPr lang="en-US" dirty="0">
-                <a:latin typeface="Segoe UI" panose="020B0502040204020203" pitchFamily="34" charset="0"/>
-                <a:cs typeface="Segoe UI" panose="020B0502040204020203" pitchFamily="34" charset="0"/>
-              </a:rPr>
-              <a:t> </a:t>
-            </a:r>
-            <a:r>
-              <a:rPr lang="en-US" dirty="0" err="1">
+              <a:rPr lang="en-US" sz="1600" dirty="0">
+                <a:latin typeface="Segoe UI" panose="020B0502040204020203" pitchFamily="34" charset="0"/>
+                <a:cs typeface="Segoe UI" panose="020B0502040204020203" pitchFamily="34" charset="0"/>
+              </a:rPr>
+              <a:t> </a:t>
+            </a:r>
+            <a:r>
+              <a:rPr lang="en-US" sz="1600" dirty="0" err="1">
                 <a:latin typeface="Segoe UI" panose="020B0502040204020203" pitchFamily="34" charset="0"/>
                 <a:cs typeface="Segoe UI" panose="020B0502040204020203" pitchFamily="34" charset="0"/>
               </a:rPr>
               <a:t>khoảng</a:t>
             </a:r>
             <a:r>
-              <a:rPr lang="en-US" dirty="0">
-                <a:latin typeface="Segoe UI" panose="020B0502040204020203" pitchFamily="34" charset="0"/>
-                <a:cs typeface="Segoe UI" panose="020B0502040204020203" pitchFamily="34" charset="0"/>
-              </a:rPr>
-              <a:t> </a:t>
-            </a:r>
-            <a:r>
-              <a:rPr lang="en-US" dirty="0" err="1">
+              <a:rPr lang="en-US" sz="1600" dirty="0">
+                <a:latin typeface="Segoe UI" panose="020B0502040204020203" pitchFamily="34" charset="0"/>
+                <a:cs typeface="Segoe UI" panose="020B0502040204020203" pitchFamily="34" charset="0"/>
+              </a:rPr>
+              <a:t> </a:t>
+            </a:r>
+            <a:r>
+              <a:rPr lang="en-US" sz="1600" dirty="0" err="1">
                 <a:latin typeface="Segoe UI" panose="020B0502040204020203" pitchFamily="34" charset="0"/>
                 <a:cs typeface="Segoe UI" panose="020B0502040204020203" pitchFamily="34" charset="0"/>
               </a:rPr>
               <a:t>trắng</a:t>
             </a:r>
             <a:r>
-              <a:rPr lang="en-US" dirty="0">
-                <a:latin typeface="Segoe UI" panose="020B0502040204020203" pitchFamily="34" charset="0"/>
-                <a:cs typeface="Segoe UI" panose="020B0502040204020203" pitchFamily="34" charset="0"/>
-              </a:rPr>
-              <a:t> </a:t>
-            </a:r>
-            <a:r>
-              <a:rPr lang="en-US" dirty="0" err="1">
+              <a:rPr lang="en-US" sz="1600" dirty="0">
+                <a:latin typeface="Segoe UI" panose="020B0502040204020203" pitchFamily="34" charset="0"/>
+                <a:cs typeface="Segoe UI" panose="020B0502040204020203" pitchFamily="34" charset="0"/>
+              </a:rPr>
+              <a:t> </a:t>
+            </a:r>
+            <a:r>
+              <a:rPr lang="en-US" sz="1600" dirty="0" err="1">
                 <a:latin typeface="Segoe UI" panose="020B0502040204020203" pitchFamily="34" charset="0"/>
                 <a:cs typeface="Segoe UI" panose="020B0502040204020203" pitchFamily="34" charset="0"/>
               </a:rPr>
               <a:t>và</a:t>
             </a:r>
             <a:r>
-              <a:rPr lang="en-US" dirty="0">
-                <a:latin typeface="Segoe UI" panose="020B0502040204020203" pitchFamily="34" charset="0"/>
-                <a:cs typeface="Segoe UI" panose="020B0502040204020203" pitchFamily="34" charset="0"/>
-              </a:rPr>
-              <a:t> </a:t>
-            </a:r>
-            <a:r>
-              <a:rPr lang="en-US" dirty="0" err="1">
+              <a:rPr lang="en-US" sz="1600" dirty="0">
+                <a:latin typeface="Segoe UI" panose="020B0502040204020203" pitchFamily="34" charset="0"/>
+                <a:cs typeface="Segoe UI" panose="020B0502040204020203" pitchFamily="34" charset="0"/>
+              </a:rPr>
+              <a:t> </a:t>
+            </a:r>
+            <a:r>
+              <a:rPr lang="en-US" sz="1600" dirty="0" err="1">
                 <a:latin typeface="Segoe UI" panose="020B0502040204020203" pitchFamily="34" charset="0"/>
                 <a:cs typeface="Segoe UI" panose="020B0502040204020203" pitchFamily="34" charset="0"/>
               </a:rPr>
               <a:t>các</a:t>
             </a:r>
             <a:r>
-              <a:rPr lang="en-US" dirty="0">
-                <a:latin typeface="Segoe UI" panose="020B0502040204020203" pitchFamily="34" charset="0"/>
-                <a:cs typeface="Segoe UI" panose="020B0502040204020203" pitchFamily="34" charset="0"/>
-              </a:rPr>
-              <a:t> </a:t>
-            </a:r>
-            <a:r>
-              <a:rPr lang="en-US" dirty="0" err="1">
+              <a:rPr lang="en-US" sz="1600" dirty="0">
+                <a:latin typeface="Segoe UI" panose="020B0502040204020203" pitchFamily="34" charset="0"/>
+                <a:cs typeface="Segoe UI" panose="020B0502040204020203" pitchFamily="34" charset="0"/>
+              </a:rPr>
+              <a:t> </a:t>
+            </a:r>
+            <a:r>
+              <a:rPr lang="en-US" sz="1600" dirty="0" err="1">
                 <a:latin typeface="Segoe UI" panose="020B0502040204020203" pitchFamily="34" charset="0"/>
                 <a:cs typeface="Segoe UI" panose="020B0502040204020203" pitchFamily="34" charset="0"/>
               </a:rPr>
               <a:t>dấu</a:t>
             </a:r>
             <a:r>
-              <a:rPr lang="en-US" dirty="0">
-                <a:latin typeface="Segoe UI" panose="020B0502040204020203" pitchFamily="34" charset="0"/>
-                <a:cs typeface="Segoe UI" panose="020B0502040204020203" pitchFamily="34" charset="0"/>
-              </a:rPr>
-              <a:t> </a:t>
-            </a:r>
-            <a:r>
-              <a:rPr lang="en-US" dirty="0" err="1">
+              <a:rPr lang="en-US" sz="1600" dirty="0">
+                <a:latin typeface="Segoe UI" panose="020B0502040204020203" pitchFamily="34" charset="0"/>
+                <a:cs typeface="Segoe UI" panose="020B0502040204020203" pitchFamily="34" charset="0"/>
+              </a:rPr>
+              <a:t> </a:t>
+            </a:r>
+            <a:r>
+              <a:rPr lang="en-US" sz="1600" dirty="0" err="1">
                 <a:latin typeface="Segoe UI" panose="020B0502040204020203" pitchFamily="34" charset="0"/>
                 <a:cs typeface="Segoe UI" panose="020B0502040204020203" pitchFamily="34" charset="0"/>
               </a:rPr>
               <a:t>câu</a:t>
             </a:r>
-            <a:endParaRPr lang="en-US" dirty="0">
+            <a:endParaRPr lang="en-US" sz="1600" dirty="0">
               <a:latin typeface="Segoe UI" panose="020B0502040204020203" pitchFamily="34" charset="0"/>
               <a:cs typeface="Segoe UI" panose="020B0502040204020203" pitchFamily="34" charset="0"/>
             </a:endParaRPr>
@@ -9733,280 +10492,280 @@
           <a:p>
             <a:pPr lvl="2"/>
             <a:r>
-              <a:rPr lang="en-US" dirty="0" err="1">
+              <a:rPr lang="en-US" sz="1600" dirty="0" err="1">
                 <a:latin typeface="Segoe UI" panose="020B0502040204020203" pitchFamily="34" charset="0"/>
                 <a:cs typeface="Segoe UI" panose="020B0502040204020203" pitchFamily="34" charset="0"/>
               </a:rPr>
               <a:t>Nếu</a:t>
             </a:r>
             <a:r>
-              <a:rPr lang="en-US" dirty="0">
-                <a:latin typeface="Segoe UI" panose="020B0502040204020203" pitchFamily="34" charset="0"/>
-                <a:cs typeface="Segoe UI" panose="020B0502040204020203" pitchFamily="34" charset="0"/>
-              </a:rPr>
-              <a:t> </a:t>
-            </a:r>
-            <a:r>
-              <a:rPr lang="en-US" dirty="0" err="1">
+              <a:rPr lang="en-US" sz="1600" dirty="0">
+                <a:latin typeface="Segoe UI" panose="020B0502040204020203" pitchFamily="34" charset="0"/>
+                <a:cs typeface="Segoe UI" panose="020B0502040204020203" pitchFamily="34" charset="0"/>
+              </a:rPr>
+              <a:t> </a:t>
+            </a:r>
+            <a:r>
+              <a:rPr lang="en-US" sz="1600" dirty="0" err="1">
                 <a:latin typeface="Segoe UI" panose="020B0502040204020203" pitchFamily="34" charset="0"/>
                 <a:cs typeface="Segoe UI" panose="020B0502040204020203" pitchFamily="34" charset="0"/>
               </a:rPr>
               <a:t>từ</a:t>
             </a:r>
             <a:r>
-              <a:rPr lang="en-US" dirty="0">
-                <a:latin typeface="Segoe UI" panose="020B0502040204020203" pitchFamily="34" charset="0"/>
-                <a:cs typeface="Segoe UI" panose="020B0502040204020203" pitchFamily="34" charset="0"/>
-              </a:rPr>
-              <a:t> </a:t>
-            </a:r>
-            <a:r>
-              <a:rPr lang="en-US" dirty="0" err="1">
+              <a:rPr lang="en-US" sz="1600" dirty="0">
+                <a:latin typeface="Segoe UI" panose="020B0502040204020203" pitchFamily="34" charset="0"/>
+                <a:cs typeface="Segoe UI" panose="020B0502040204020203" pitchFamily="34" charset="0"/>
+              </a:rPr>
+              <a:t> </a:t>
+            </a:r>
+            <a:r>
+              <a:rPr lang="en-US" sz="1600" dirty="0" err="1">
                 <a:latin typeface="Segoe UI" panose="020B0502040204020203" pitchFamily="34" charset="0"/>
                 <a:cs typeface="Segoe UI" panose="020B0502040204020203" pitchFamily="34" charset="0"/>
               </a:rPr>
               <a:t>nằm</a:t>
             </a:r>
             <a:r>
-              <a:rPr lang="en-US" dirty="0">
-                <a:latin typeface="Segoe UI" panose="020B0502040204020203" pitchFamily="34" charset="0"/>
-                <a:cs typeface="Segoe UI" panose="020B0502040204020203" pitchFamily="34" charset="0"/>
-              </a:rPr>
-              <a:t> </a:t>
-            </a:r>
-            <a:r>
-              <a:rPr lang="en-US" dirty="0" err="1">
+              <a:rPr lang="en-US" sz="1600" dirty="0">
+                <a:latin typeface="Segoe UI" panose="020B0502040204020203" pitchFamily="34" charset="0"/>
+                <a:cs typeface="Segoe UI" panose="020B0502040204020203" pitchFamily="34" charset="0"/>
+              </a:rPr>
+              <a:t> </a:t>
+            </a:r>
+            <a:r>
+              <a:rPr lang="en-US" sz="1600" dirty="0" err="1">
                 <a:latin typeface="Segoe UI" panose="020B0502040204020203" pitchFamily="34" charset="0"/>
                 <a:cs typeface="Segoe UI" panose="020B0502040204020203" pitchFamily="34" charset="0"/>
               </a:rPr>
               <a:t>trong</a:t>
             </a:r>
             <a:r>
-              <a:rPr lang="en-US" dirty="0">
-                <a:latin typeface="Segoe UI" panose="020B0502040204020203" pitchFamily="34" charset="0"/>
-                <a:cs typeface="Segoe UI" panose="020B0502040204020203" pitchFamily="34" charset="0"/>
-              </a:rPr>
-              <a:t> </a:t>
-            </a:r>
-            <a:r>
-              <a:rPr lang="en-US" dirty="0" err="1">
+              <a:rPr lang="en-US" sz="1600" dirty="0">
+                <a:latin typeface="Segoe UI" panose="020B0502040204020203" pitchFamily="34" charset="0"/>
+                <a:cs typeface="Segoe UI" panose="020B0502040204020203" pitchFamily="34" charset="0"/>
+              </a:rPr>
+              <a:t> </a:t>
+            </a:r>
+            <a:r>
+              <a:rPr lang="en-US" sz="1600" dirty="0" err="1">
                 <a:latin typeface="Segoe UI" panose="020B0502040204020203" pitchFamily="34" charset="0"/>
                 <a:cs typeface="Segoe UI" panose="020B0502040204020203" pitchFamily="34" charset="0"/>
               </a:rPr>
               <a:t>danh</a:t>
             </a:r>
             <a:r>
-              <a:rPr lang="en-US" dirty="0">
-                <a:latin typeface="Segoe UI" panose="020B0502040204020203" pitchFamily="34" charset="0"/>
-                <a:cs typeface="Segoe UI" panose="020B0502040204020203" pitchFamily="34" charset="0"/>
-              </a:rPr>
-              <a:t> </a:t>
-            </a:r>
-            <a:r>
-              <a:rPr lang="en-US" dirty="0" err="1">
+              <a:rPr lang="en-US" sz="1600" dirty="0">
+                <a:latin typeface="Segoe UI" panose="020B0502040204020203" pitchFamily="34" charset="0"/>
+                <a:cs typeface="Segoe UI" panose="020B0502040204020203" pitchFamily="34" charset="0"/>
+              </a:rPr>
+              <a:t> </a:t>
+            </a:r>
+            <a:r>
+              <a:rPr lang="en-US" sz="1600" dirty="0" err="1">
                 <a:latin typeface="Segoe UI" panose="020B0502040204020203" pitchFamily="34" charset="0"/>
                 <a:cs typeface="Segoe UI" panose="020B0502040204020203" pitchFamily="34" charset="0"/>
               </a:rPr>
               <a:t>sách</a:t>
             </a:r>
             <a:r>
-              <a:rPr lang="en-US" dirty="0">
-                <a:latin typeface="Segoe UI" panose="020B0502040204020203" pitchFamily="34" charset="0"/>
-                <a:cs typeface="Segoe UI" panose="020B0502040204020203" pitchFamily="34" charset="0"/>
-              </a:rPr>
-              <a:t> </a:t>
-            </a:r>
-            <a:r>
-              <a:rPr lang="en-US" dirty="0" err="1">
+              <a:rPr lang="en-US" sz="1600" dirty="0">
+                <a:latin typeface="Segoe UI" panose="020B0502040204020203" pitchFamily="34" charset="0"/>
+                <a:cs typeface="Segoe UI" panose="020B0502040204020203" pitchFamily="34" charset="0"/>
+              </a:rPr>
+              <a:t> </a:t>
+            </a:r>
+            <a:r>
+              <a:rPr lang="en-US" sz="1600" dirty="0" err="1">
                 <a:latin typeface="Segoe UI" panose="020B0502040204020203" pitchFamily="34" charset="0"/>
                 <a:cs typeface="Segoe UI" panose="020B0502040204020203" pitchFamily="34" charset="0"/>
               </a:rPr>
               <a:t>các</a:t>
             </a:r>
             <a:r>
-              <a:rPr lang="en-US" dirty="0">
-                <a:latin typeface="Segoe UI" panose="020B0502040204020203" pitchFamily="34" charset="0"/>
-                <a:cs typeface="Segoe UI" panose="020B0502040204020203" pitchFamily="34" charset="0"/>
-              </a:rPr>
-              <a:t> </a:t>
-            </a:r>
-            <a:r>
-              <a:rPr lang="en-US" dirty="0" err="1">
+              <a:rPr lang="en-US" sz="1600" dirty="0">
+                <a:latin typeface="Segoe UI" panose="020B0502040204020203" pitchFamily="34" charset="0"/>
+                <a:cs typeface="Segoe UI" panose="020B0502040204020203" pitchFamily="34" charset="0"/>
+              </a:rPr>
+              <a:t> </a:t>
+            </a:r>
+            <a:r>
+              <a:rPr lang="en-US" sz="1600" dirty="0" err="1">
                 <a:latin typeface="Segoe UI" panose="020B0502040204020203" pitchFamily="34" charset="0"/>
                 <a:cs typeface="Segoe UI" panose="020B0502040204020203" pitchFamily="34" charset="0"/>
               </a:rPr>
               <a:t>từ</a:t>
             </a:r>
             <a:r>
-              <a:rPr lang="en-US" dirty="0">
+              <a:rPr lang="en-US" sz="1600" dirty="0">
                 <a:latin typeface="Segoe UI" panose="020B0502040204020203" pitchFamily="34" charset="0"/>
                 <a:cs typeface="Segoe UI" panose="020B0502040204020203" pitchFamily="34" charset="0"/>
               </a:rPr>
               <a:t> đ</a:t>
             </a:r>
             <a:r>
-              <a:rPr lang="vi-VN" dirty="0">
+              <a:rPr lang="vi-VN" sz="1600" dirty="0">
                 <a:latin typeface="Segoe UI" panose="020B0502040204020203" pitchFamily="34" charset="0"/>
                 <a:cs typeface="Segoe UI" panose="020B0502040204020203" pitchFamily="34" charset="0"/>
               </a:rPr>
               <a:t>ư</a:t>
             </a:r>
             <a:r>
-              <a:rPr lang="en-US" dirty="0" err="1">
+              <a:rPr lang="en-US" sz="1600" dirty="0" err="1">
                 <a:latin typeface="Segoe UI" panose="020B0502040204020203" pitchFamily="34" charset="0"/>
                 <a:cs typeface="Segoe UI" panose="020B0502040204020203" pitchFamily="34" charset="0"/>
               </a:rPr>
               <a:t>ợc</a:t>
             </a:r>
             <a:r>
-              <a:rPr lang="en-US" dirty="0">
-                <a:latin typeface="Segoe UI" panose="020B0502040204020203" pitchFamily="34" charset="0"/>
-                <a:cs typeface="Segoe UI" panose="020B0502040204020203" pitchFamily="34" charset="0"/>
-              </a:rPr>
-              <a:t> </a:t>
-            </a:r>
-            <a:r>
-              <a:rPr lang="en-US" dirty="0" err="1">
+              <a:rPr lang="en-US" sz="1600" dirty="0">
+                <a:latin typeface="Segoe UI" panose="020B0502040204020203" pitchFamily="34" charset="0"/>
+                <a:cs typeface="Segoe UI" panose="020B0502040204020203" pitchFamily="34" charset="0"/>
+              </a:rPr>
+              <a:t> </a:t>
+            </a:r>
+            <a:r>
+              <a:rPr lang="en-US" sz="1600" dirty="0" err="1">
                 <a:latin typeface="Segoe UI" panose="020B0502040204020203" pitchFamily="34" charset="0"/>
                 <a:cs typeface="Segoe UI" panose="020B0502040204020203" pitchFamily="34" charset="0"/>
               </a:rPr>
               <a:t>chọn</a:t>
             </a:r>
             <a:r>
-              <a:rPr lang="en-US" dirty="0">
-                <a:latin typeface="Segoe UI" panose="020B0502040204020203" pitchFamily="34" charset="0"/>
-                <a:cs typeface="Segoe UI" panose="020B0502040204020203" pitchFamily="34" charset="0"/>
-              </a:rPr>
-              <a:t> </a:t>
-            </a:r>
-            <a:r>
-              <a:rPr lang="en-US" dirty="0" err="1">
+              <a:rPr lang="en-US" sz="1600" dirty="0">
+                <a:latin typeface="Segoe UI" panose="020B0502040204020203" pitchFamily="34" charset="0"/>
+                <a:cs typeface="Segoe UI" panose="020B0502040204020203" pitchFamily="34" charset="0"/>
+              </a:rPr>
+              <a:t> </a:t>
+            </a:r>
+            <a:r>
+              <a:rPr lang="en-US" sz="1600" dirty="0" err="1">
                 <a:latin typeface="Segoe UI" panose="020B0502040204020203" pitchFamily="34" charset="0"/>
                 <a:cs typeface="Segoe UI" panose="020B0502040204020203" pitchFamily="34" charset="0"/>
               </a:rPr>
               <a:t>thì</a:t>
             </a:r>
             <a:r>
-              <a:rPr lang="en-US" dirty="0">
-                <a:latin typeface="Segoe UI" panose="020B0502040204020203" pitchFamily="34" charset="0"/>
-                <a:cs typeface="Segoe UI" panose="020B0502040204020203" pitchFamily="34" charset="0"/>
-              </a:rPr>
-              <a:t> </a:t>
-            </a:r>
-            <a:r>
-              <a:rPr lang="en-US" dirty="0" err="1">
+              <a:rPr lang="en-US" sz="1600" dirty="0">
+                <a:latin typeface="Segoe UI" panose="020B0502040204020203" pitchFamily="34" charset="0"/>
+                <a:cs typeface="Segoe UI" panose="020B0502040204020203" pitchFamily="34" charset="0"/>
+              </a:rPr>
+              <a:t> </a:t>
+            </a:r>
+            <a:r>
+              <a:rPr lang="en-US" sz="1600" dirty="0" err="1">
                 <a:latin typeface="Segoe UI" panose="020B0502040204020203" pitchFamily="34" charset="0"/>
                 <a:cs typeface="Segoe UI" panose="020B0502040204020203" pitchFamily="34" charset="0"/>
               </a:rPr>
               <a:t>bật</a:t>
             </a:r>
             <a:r>
-              <a:rPr lang="en-US" dirty="0">
-                <a:latin typeface="Segoe UI" panose="020B0502040204020203" pitchFamily="34" charset="0"/>
-                <a:cs typeface="Segoe UI" panose="020B0502040204020203" pitchFamily="34" charset="0"/>
-              </a:rPr>
-              <a:t> </a:t>
-            </a:r>
-            <a:r>
-              <a:rPr lang="en-US" dirty="0" err="1">
+              <a:rPr lang="en-US" sz="1600" dirty="0">
+                <a:latin typeface="Segoe UI" panose="020B0502040204020203" pitchFamily="34" charset="0"/>
+                <a:cs typeface="Segoe UI" panose="020B0502040204020203" pitchFamily="34" charset="0"/>
+              </a:rPr>
+              <a:t> </a:t>
+            </a:r>
+            <a:r>
+              <a:rPr lang="en-US" sz="1600" dirty="0" err="1">
                 <a:latin typeface="Segoe UI" panose="020B0502040204020203" pitchFamily="34" charset="0"/>
                 <a:cs typeface="Segoe UI" panose="020B0502040204020203" pitchFamily="34" charset="0"/>
               </a:rPr>
               <a:t>giá</a:t>
             </a:r>
             <a:r>
-              <a:rPr lang="en-US" dirty="0">
-                <a:latin typeface="Segoe UI" panose="020B0502040204020203" pitchFamily="34" charset="0"/>
-                <a:cs typeface="Segoe UI" panose="020B0502040204020203" pitchFamily="34" charset="0"/>
-              </a:rPr>
-              <a:t> </a:t>
-            </a:r>
-            <a:r>
-              <a:rPr lang="en-US" dirty="0" err="1">
+              <a:rPr lang="en-US" sz="1600" dirty="0">
+                <a:latin typeface="Segoe UI" panose="020B0502040204020203" pitchFamily="34" charset="0"/>
+                <a:cs typeface="Segoe UI" panose="020B0502040204020203" pitchFamily="34" charset="0"/>
+              </a:rPr>
+              <a:t> </a:t>
+            </a:r>
+            <a:r>
+              <a:rPr lang="en-US" sz="1600" dirty="0" err="1">
                 <a:latin typeface="Segoe UI" panose="020B0502040204020203" pitchFamily="34" charset="0"/>
                 <a:cs typeface="Segoe UI" panose="020B0502040204020203" pitchFamily="34" charset="0"/>
               </a:rPr>
               <a:t>trị</a:t>
             </a:r>
             <a:r>
-              <a:rPr lang="en-US" dirty="0">
-                <a:latin typeface="Segoe UI" panose="020B0502040204020203" pitchFamily="34" charset="0"/>
-                <a:cs typeface="Segoe UI" panose="020B0502040204020203" pitchFamily="34" charset="0"/>
-              </a:rPr>
-              <a:t> </a:t>
-            </a:r>
-            <a:r>
-              <a:rPr lang="en-US" dirty="0" err="1">
+              <a:rPr lang="en-US" sz="1600" dirty="0">
+                <a:latin typeface="Segoe UI" panose="020B0502040204020203" pitchFamily="34" charset="0"/>
+                <a:cs typeface="Segoe UI" panose="020B0502040204020203" pitchFamily="34" charset="0"/>
+              </a:rPr>
+              <a:t> </a:t>
+            </a:r>
+            <a:r>
+              <a:rPr lang="en-US" sz="1600" dirty="0" err="1">
                 <a:latin typeface="Segoe UI" panose="020B0502040204020203" pitchFamily="34" charset="0"/>
                 <a:cs typeface="Segoe UI" panose="020B0502040204020203" pitchFamily="34" charset="0"/>
               </a:rPr>
               <a:t>tại</a:t>
             </a:r>
             <a:r>
-              <a:rPr lang="en-US" dirty="0">
-                <a:latin typeface="Segoe UI" panose="020B0502040204020203" pitchFamily="34" charset="0"/>
-                <a:cs typeface="Segoe UI" panose="020B0502040204020203" pitchFamily="34" charset="0"/>
-              </a:rPr>
-              <a:t> </a:t>
-            </a:r>
-            <a:r>
-              <a:rPr lang="en-US" dirty="0" err="1">
+              <a:rPr lang="en-US" sz="1600" dirty="0">
+                <a:latin typeface="Segoe UI" panose="020B0502040204020203" pitchFamily="34" charset="0"/>
+                <a:cs typeface="Segoe UI" panose="020B0502040204020203" pitchFamily="34" charset="0"/>
+              </a:rPr>
+              <a:t> </a:t>
+            </a:r>
+            <a:r>
+              <a:rPr lang="en-US" sz="1600" dirty="0" err="1">
                 <a:latin typeface="Segoe UI" panose="020B0502040204020203" pitchFamily="34" charset="0"/>
                 <a:cs typeface="Segoe UI" panose="020B0502040204020203" pitchFamily="34" charset="0"/>
               </a:rPr>
               <a:t>cột</a:t>
             </a:r>
             <a:r>
-              <a:rPr lang="en-US" dirty="0">
+              <a:rPr lang="en-US" sz="1600" dirty="0">
                 <a:latin typeface="Segoe UI" panose="020B0502040204020203" pitchFamily="34" charset="0"/>
                 <a:cs typeface="Segoe UI" panose="020B0502040204020203" pitchFamily="34" charset="0"/>
               </a:rPr>
               <a:t> t</a:t>
             </a:r>
             <a:r>
-              <a:rPr lang="vi-VN" dirty="0">
+              <a:rPr lang="vi-VN" sz="1600" dirty="0">
                 <a:latin typeface="Segoe UI" panose="020B0502040204020203" pitchFamily="34" charset="0"/>
                 <a:cs typeface="Segoe UI" panose="020B0502040204020203" pitchFamily="34" charset="0"/>
               </a:rPr>
               <a:t>ư</a:t>
             </a:r>
             <a:r>
-              <a:rPr lang="en-US" dirty="0" err="1">
+              <a:rPr lang="en-US" sz="1600" dirty="0" err="1">
                 <a:latin typeface="Segoe UI" panose="020B0502040204020203" pitchFamily="34" charset="0"/>
                 <a:cs typeface="Segoe UI" panose="020B0502040204020203" pitchFamily="34" charset="0"/>
               </a:rPr>
               <a:t>ơng</a:t>
             </a:r>
             <a:r>
-              <a:rPr lang="en-US" dirty="0">
-                <a:latin typeface="Segoe UI" panose="020B0502040204020203" pitchFamily="34" charset="0"/>
-                <a:cs typeface="Segoe UI" panose="020B0502040204020203" pitchFamily="34" charset="0"/>
-              </a:rPr>
-              <a:t> </a:t>
-            </a:r>
-            <a:r>
-              <a:rPr lang="en-US" dirty="0" err="1">
+              <a:rPr lang="en-US" sz="1600" dirty="0">
+                <a:latin typeface="Segoe UI" panose="020B0502040204020203" pitchFamily="34" charset="0"/>
+                <a:cs typeface="Segoe UI" panose="020B0502040204020203" pitchFamily="34" charset="0"/>
+              </a:rPr>
+              <a:t> </a:t>
+            </a:r>
+            <a:r>
+              <a:rPr lang="en-US" sz="1600" dirty="0" err="1">
                 <a:latin typeface="Segoe UI" panose="020B0502040204020203" pitchFamily="34" charset="0"/>
                 <a:cs typeface="Segoe UI" panose="020B0502040204020203" pitchFamily="34" charset="0"/>
               </a:rPr>
               <a:t>ứng</a:t>
             </a:r>
             <a:r>
-              <a:rPr lang="en-US" dirty="0">
-                <a:latin typeface="Segoe UI" panose="020B0502040204020203" pitchFamily="34" charset="0"/>
-                <a:cs typeface="Segoe UI" panose="020B0502040204020203" pitchFamily="34" charset="0"/>
-              </a:rPr>
-              <a:t> </a:t>
-            </a:r>
-            <a:r>
-              <a:rPr lang="en-US" dirty="0" err="1">
+              <a:rPr lang="en-US" sz="1600" dirty="0">
+                <a:latin typeface="Segoe UI" panose="020B0502040204020203" pitchFamily="34" charset="0"/>
+                <a:cs typeface="Segoe UI" panose="020B0502040204020203" pitchFamily="34" charset="0"/>
+              </a:rPr>
+              <a:t> </a:t>
+            </a:r>
+            <a:r>
+              <a:rPr lang="en-US" sz="1600" dirty="0" err="1">
                 <a:latin typeface="Segoe UI" panose="020B0502040204020203" pitchFamily="34" charset="0"/>
                 <a:cs typeface="Segoe UI" panose="020B0502040204020203" pitchFamily="34" charset="0"/>
               </a:rPr>
               <a:t>là</a:t>
             </a:r>
             <a:r>
-              <a:rPr lang="en-US" dirty="0">
+              <a:rPr lang="en-US" sz="1600" dirty="0">
                 <a:latin typeface="Segoe UI" panose="020B0502040204020203" pitchFamily="34" charset="0"/>
                 <a:cs typeface="Segoe UI" panose="020B0502040204020203" pitchFamily="34" charset="0"/>
               </a:rPr>
@@ -10019,6 +10778,35 @@
               <a:latin typeface="Segoe UI" panose="020B0502040204020203" pitchFamily="34" charset="0"/>
               <a:cs typeface="Segoe UI" panose="020B0502040204020203" pitchFamily="34" charset="0"/>
             </a:endParaRPr>
+          </a:p>
+        </p:txBody>
+      </p:sp>
+      <p:sp>
+        <p:nvSpPr>
+          <p:cNvPr id="4" name="Slide Number Placeholder 3">
+            <a:extLst>
+              <a:ext uri="{FF2B5EF4-FFF2-40B4-BE49-F238E27FC236}">
+                <a16:creationId xmlns:a16="http://schemas.microsoft.com/office/drawing/2014/main" id="{56805B3B-1736-458D-AB20-77B216CDBA45}"/>
+              </a:ext>
+            </a:extLst>
+          </p:cNvPr>
+          <p:cNvSpPr>
+            <a:spLocks noGrp="1"/>
+          </p:cNvSpPr>
+          <p:nvPr>
+            <p:ph type="sldNum" sz="quarter" idx="12"/>
+          </p:nvPr>
+        </p:nvSpPr>
+        <p:spPr/>
+        <p:txBody>
+          <a:bodyPr/>
+          <a:lstStyle/>
+          <a:p>
+            <a:fld id="{E1CE7E26-F4E3-4CCB-96AD-EA8398DEF45F}" type="slidenum">
+              <a:rPr lang="en-US" smtClean="0"/>
+              <a:t>15</a:t>
+            </a:fld>
+            <a:endParaRPr lang="en-US"/>
           </a:p>
         </p:txBody>
       </p:sp>
@@ -10032,6 +10820,18 @@
   <p:clrMapOvr>
     <a:masterClrMapping/>
   </p:clrMapOvr>
+  <mc:AlternateContent xmlns:mc="http://schemas.openxmlformats.org/markup-compatibility/2006" xmlns:p14="http://schemas.microsoft.com/office/powerpoint/2010/main">
+    <mc:Choice Requires="p14">
+      <p:transition spd="med" p14:dur="700">
+        <p:fade/>
+      </p:transition>
+    </mc:Choice>
+    <mc:Fallback xmlns="">
+      <p:transition spd="med">
+        <p:fade/>
+      </p:transition>
+    </mc:Fallback>
+  </mc:AlternateContent>
 </p:sld>
 </file>
 
@@ -10560,6 +11360,35 @@
           </a:p>
         </p:txBody>
       </p:sp>
+      <p:sp>
+        <p:nvSpPr>
+          <p:cNvPr id="4" name="Slide Number Placeholder 3">
+            <a:extLst>
+              <a:ext uri="{FF2B5EF4-FFF2-40B4-BE49-F238E27FC236}">
+                <a16:creationId xmlns:a16="http://schemas.microsoft.com/office/drawing/2014/main" id="{6CBDB35C-498D-4CD6-B2D3-5572CD03D23A}"/>
+              </a:ext>
+            </a:extLst>
+          </p:cNvPr>
+          <p:cNvSpPr>
+            <a:spLocks noGrp="1"/>
+          </p:cNvSpPr>
+          <p:nvPr>
+            <p:ph type="sldNum" sz="quarter" idx="12"/>
+          </p:nvPr>
+        </p:nvSpPr>
+        <p:spPr/>
+        <p:txBody>
+          <a:bodyPr/>
+          <a:lstStyle/>
+          <a:p>
+            <a:fld id="{E1CE7E26-F4E3-4CCB-96AD-EA8398DEF45F}" type="slidenum">
+              <a:rPr lang="en-US" smtClean="0"/>
+              <a:t>16</a:t>
+            </a:fld>
+            <a:endParaRPr lang="en-US"/>
+          </a:p>
+        </p:txBody>
+      </p:sp>
     </p:spTree>
     <p:extLst>
       <p:ext uri="{BB962C8B-B14F-4D97-AF65-F5344CB8AC3E}">
@@ -10570,96 +11399,22 @@
   <p:clrMapOvr>
     <a:masterClrMapping/>
   </p:clrMapOvr>
+  <mc:AlternateContent xmlns:mc="http://schemas.openxmlformats.org/markup-compatibility/2006" xmlns:p14="http://schemas.microsoft.com/office/powerpoint/2010/main">
+    <mc:Choice Requires="p14">
+      <p:transition spd="med" p14:dur="700">
+        <p:fade/>
+      </p:transition>
+    </mc:Choice>
+    <mc:Fallback xmlns="">
+      <p:transition spd="med">
+        <p:fade/>
+      </p:transition>
+    </mc:Fallback>
+  </mc:AlternateContent>
 </p:sld>
 </file>
 
 <file path=ppt/slides/slide17.xml><?xml version="1.0" encoding="utf-8"?>
-<p:sld xmlns:a="http://schemas.openxmlformats.org/drawingml/2006/main" xmlns:r="http://schemas.openxmlformats.org/officeDocument/2006/relationships" xmlns:p="http://schemas.openxmlformats.org/presentationml/2006/main">
-  <p:cSld>
-    <p:spTree>
-      <p:nvGrpSpPr>
-        <p:cNvPr id="1" name=""/>
-        <p:cNvGrpSpPr/>
-        <p:nvPr/>
-      </p:nvGrpSpPr>
-      <p:grpSpPr>
-        <a:xfrm>
-          <a:off x="0" y="0"/>
-          <a:ext cx="0" cy="0"/>
-          <a:chOff x="0" y="0"/>
-          <a:chExt cx="0" cy="0"/>
-        </a:xfrm>
-      </p:grpSpPr>
-      <p:sp>
-        <p:nvSpPr>
-          <p:cNvPr id="2" name="Title 1">
-            <a:extLst>
-              <a:ext uri="{FF2B5EF4-FFF2-40B4-BE49-F238E27FC236}">
-                <a16:creationId xmlns:a16="http://schemas.microsoft.com/office/drawing/2014/main" id="{8857B5A0-47EC-4295-9764-0CD017F4EC69}"/>
-              </a:ext>
-            </a:extLst>
-          </p:cNvPr>
-          <p:cNvSpPr>
-            <a:spLocks noGrp="1"/>
-          </p:cNvSpPr>
-          <p:nvPr>
-            <p:ph type="title"/>
-          </p:nvPr>
-        </p:nvSpPr>
-        <p:spPr/>
-        <p:txBody>
-          <a:bodyPr/>
-          <a:lstStyle/>
-          <a:p>
-            <a:r>
-              <a:rPr lang="en-US" dirty="0">
-                <a:latin typeface="Segoe UI" panose="020B0502040204020203" pitchFamily="34" charset="0"/>
-                <a:cs typeface="Segoe UI" panose="020B0502040204020203" pitchFamily="34" charset="0"/>
-              </a:rPr>
-              <a:t>LỰA CHỌN MÔ HÌNH</a:t>
-            </a:r>
-          </a:p>
-        </p:txBody>
-      </p:sp>
-      <p:sp>
-        <p:nvSpPr>
-          <p:cNvPr id="3" name="Text Placeholder 2">
-            <a:extLst>
-              <a:ext uri="{FF2B5EF4-FFF2-40B4-BE49-F238E27FC236}">
-                <a16:creationId xmlns:a16="http://schemas.microsoft.com/office/drawing/2014/main" id="{B81AEEE2-0573-4501-9907-775EF4D621FC}"/>
-              </a:ext>
-            </a:extLst>
-          </p:cNvPr>
-          <p:cNvSpPr>
-            <a:spLocks noGrp="1"/>
-          </p:cNvSpPr>
-          <p:nvPr>
-            <p:ph type="body" idx="1"/>
-          </p:nvPr>
-        </p:nvSpPr>
-        <p:spPr/>
-        <p:txBody>
-          <a:bodyPr/>
-          <a:lstStyle/>
-          <a:p>
-            <a:endParaRPr lang="en-US"/>
-          </a:p>
-        </p:txBody>
-      </p:sp>
-    </p:spTree>
-    <p:extLst>
-      <p:ext uri="{BB962C8B-B14F-4D97-AF65-F5344CB8AC3E}">
-        <p14:creationId xmlns:p14="http://schemas.microsoft.com/office/powerpoint/2010/main" val="3049024097"/>
-      </p:ext>
-    </p:extLst>
-  </p:cSld>
-  <p:clrMapOvr>
-    <a:masterClrMapping/>
-  </p:clrMapOvr>
-</p:sld>
-</file>
-
-<file path=ppt/slides/slide18.xml><?xml version="1.0" encoding="utf-8"?>
 <p:sld xmlns:a="http://schemas.openxmlformats.org/drawingml/2006/main" xmlns:r="http://schemas.openxmlformats.org/officeDocument/2006/relationships" xmlns:p="http://schemas.openxmlformats.org/presentationml/2006/main">
   <p:cSld>
     <p:spTree>
@@ -11357,7 +12112,7 @@
                 <a:latin typeface="Segoe UI" panose="020B0502040204020203" pitchFamily="34" charset="0"/>
                 <a:cs typeface="Segoe UI" panose="020B0502040204020203" pitchFamily="34" charset="0"/>
               </a:rPr>
-              <a:t> = 200, alpha = 10</a:t>
+              <a:t> = 200, alpha = 10.</a:t>
             </a:r>
           </a:p>
           <a:p>
@@ -11365,6 +12120,35 @@
               <a:latin typeface="Segoe UI" panose="020B0502040204020203" pitchFamily="34" charset="0"/>
               <a:cs typeface="Segoe UI" panose="020B0502040204020203" pitchFamily="34" charset="0"/>
             </a:endParaRPr>
+          </a:p>
+        </p:txBody>
+      </p:sp>
+      <p:sp>
+        <p:nvSpPr>
+          <p:cNvPr id="4" name="Slide Number Placeholder 3">
+            <a:extLst>
+              <a:ext uri="{FF2B5EF4-FFF2-40B4-BE49-F238E27FC236}">
+                <a16:creationId xmlns:a16="http://schemas.microsoft.com/office/drawing/2014/main" id="{2F81401B-818D-40BD-AD42-6314D1CD2AFB}"/>
+              </a:ext>
+            </a:extLst>
+          </p:cNvPr>
+          <p:cNvSpPr>
+            <a:spLocks noGrp="1"/>
+          </p:cNvSpPr>
+          <p:nvPr>
+            <p:ph type="sldNum" sz="quarter" idx="12"/>
+          </p:nvPr>
+        </p:nvSpPr>
+        <p:spPr/>
+        <p:txBody>
+          <a:bodyPr/>
+          <a:lstStyle/>
+          <a:p>
+            <a:fld id="{E1CE7E26-F4E3-4CCB-96AD-EA8398DEF45F}" type="slidenum">
+              <a:rPr lang="en-US" smtClean="0"/>
+              <a:t>17</a:t>
+            </a:fld>
+            <a:endParaRPr lang="en-US"/>
           </a:p>
         </p:txBody>
       </p:sp>
@@ -11378,10 +12162,22 @@
   <p:clrMapOvr>
     <a:masterClrMapping/>
   </p:clrMapOvr>
+  <mc:AlternateContent xmlns:mc="http://schemas.openxmlformats.org/markup-compatibility/2006" xmlns:p14="http://schemas.microsoft.com/office/powerpoint/2010/main">
+    <mc:Choice Requires="p14">
+      <p:transition spd="med" p14:dur="700">
+        <p:fade/>
+      </p:transition>
+    </mc:Choice>
+    <mc:Fallback xmlns="">
+      <p:transition spd="med">
+        <p:fade/>
+      </p:transition>
+    </mc:Fallback>
+  </mc:AlternateContent>
 </p:sld>
 </file>
 
-<file path=ppt/slides/slide19.xml><?xml version="1.0" encoding="utf-8"?>
+<file path=ppt/slides/slide18.xml><?xml version="1.0" encoding="utf-8"?>
 <p:sld xmlns:a="http://schemas.openxmlformats.org/drawingml/2006/main" xmlns:r="http://schemas.openxmlformats.org/officeDocument/2006/relationships" xmlns:p="http://schemas.openxmlformats.org/presentationml/2006/main">
   <p:cSld>
     <p:spTree>
@@ -11588,6 +12384,35 @@
           </a:prstGeom>
         </p:spPr>
       </p:pic>
+      <p:sp>
+        <p:nvSpPr>
+          <p:cNvPr id="5" name="Slide Number Placeholder 4">
+            <a:extLst>
+              <a:ext uri="{FF2B5EF4-FFF2-40B4-BE49-F238E27FC236}">
+                <a16:creationId xmlns:a16="http://schemas.microsoft.com/office/drawing/2014/main" id="{BA0173D7-7067-4F39-A425-4A65F695B41E}"/>
+              </a:ext>
+            </a:extLst>
+          </p:cNvPr>
+          <p:cNvSpPr>
+            <a:spLocks noGrp="1"/>
+          </p:cNvSpPr>
+          <p:nvPr>
+            <p:ph type="sldNum" sz="quarter" idx="12"/>
+          </p:nvPr>
+        </p:nvSpPr>
+        <p:spPr/>
+        <p:txBody>
+          <a:bodyPr/>
+          <a:lstStyle/>
+          <a:p>
+            <a:fld id="{E1CE7E26-F4E3-4CCB-96AD-EA8398DEF45F}" type="slidenum">
+              <a:rPr lang="en-US" smtClean="0"/>
+              <a:t>18</a:t>
+            </a:fld>
+            <a:endParaRPr lang="en-US"/>
+          </a:p>
+        </p:txBody>
+      </p:sp>
     </p:spTree>
     <p:extLst>
       <p:ext uri="{BB962C8B-B14F-4D97-AF65-F5344CB8AC3E}">
@@ -11598,6 +12423,490 @@
   <p:clrMapOvr>
     <a:masterClrMapping/>
   </p:clrMapOvr>
+  <mc:AlternateContent xmlns:mc="http://schemas.openxmlformats.org/markup-compatibility/2006" xmlns:p14="http://schemas.microsoft.com/office/powerpoint/2010/main">
+    <mc:Choice Requires="p14">
+      <p:transition spd="med" p14:dur="700">
+        <p:fade/>
+      </p:transition>
+    </mc:Choice>
+    <mc:Fallback xmlns="">
+      <p:transition spd="med">
+        <p:fade/>
+      </p:transition>
+    </mc:Fallback>
+  </mc:AlternateContent>
+</p:sld>
+</file>
+
+<file path=ppt/slides/slide19.xml><?xml version="1.0" encoding="utf-8"?>
+<p:sld xmlns:a="http://schemas.openxmlformats.org/drawingml/2006/main" xmlns:r="http://schemas.openxmlformats.org/officeDocument/2006/relationships" xmlns:p="http://schemas.openxmlformats.org/presentationml/2006/main">
+  <p:cSld>
+    <p:spTree>
+      <p:nvGrpSpPr>
+        <p:cNvPr id="1" name=""/>
+        <p:cNvGrpSpPr/>
+        <p:nvPr/>
+      </p:nvGrpSpPr>
+      <p:grpSpPr>
+        <a:xfrm>
+          <a:off x="0" y="0"/>
+          <a:ext cx="0" cy="0"/>
+          <a:chOff x="0" y="0"/>
+          <a:chExt cx="0" cy="0"/>
+        </a:xfrm>
+      </p:grpSpPr>
+      <p:sp>
+        <p:nvSpPr>
+          <p:cNvPr id="2" name="Title 1">
+            <a:extLst>
+              <a:ext uri="{FF2B5EF4-FFF2-40B4-BE49-F238E27FC236}">
+                <a16:creationId xmlns:a16="http://schemas.microsoft.com/office/drawing/2014/main" id="{489062D6-34FF-4776-ABE3-AEB48AAE1910}"/>
+              </a:ext>
+            </a:extLst>
+          </p:cNvPr>
+          <p:cNvSpPr>
+            <a:spLocks noGrp="1"/>
+          </p:cNvSpPr>
+          <p:nvPr>
+            <p:ph type="title"/>
+          </p:nvPr>
+        </p:nvSpPr>
+        <p:spPr/>
+        <p:txBody>
+          <a:bodyPr/>
+          <a:lstStyle/>
+          <a:p>
+            <a:r>
+              <a:rPr lang="en-US" dirty="0">
+                <a:latin typeface="Segoe UI" panose="020B0502040204020203" pitchFamily="34" charset="0"/>
+                <a:cs typeface="Segoe UI" panose="020B0502040204020203" pitchFamily="34" charset="0"/>
+              </a:rPr>
+              <a:t>THỬ TRÊN TẬP TEST</a:t>
+            </a:r>
+          </a:p>
+        </p:txBody>
+      </p:sp>
+      <p:sp>
+        <p:nvSpPr>
+          <p:cNvPr id="3" name="Content Placeholder 2">
+            <a:extLst>
+              <a:ext uri="{FF2B5EF4-FFF2-40B4-BE49-F238E27FC236}">
+                <a16:creationId xmlns:a16="http://schemas.microsoft.com/office/drawing/2014/main" id="{5A48D5DC-13D8-40DC-99B5-9ECE0B68CE1C}"/>
+              </a:ext>
+            </a:extLst>
+          </p:cNvPr>
+          <p:cNvSpPr>
+            <a:spLocks noGrp="1"/>
+          </p:cNvSpPr>
+          <p:nvPr>
+            <p:ph idx="1"/>
+          </p:nvPr>
+        </p:nvSpPr>
+        <p:spPr/>
+        <p:txBody>
+          <a:bodyPr/>
+          <a:lstStyle/>
+          <a:p>
+            <a:r>
+              <a:rPr lang="en-US" dirty="0">
+                <a:latin typeface="Segoe UI" panose="020B0502040204020203" pitchFamily="34" charset="0"/>
+                <a:cs typeface="Segoe UI" panose="020B0502040204020203" pitchFamily="34" charset="0"/>
+              </a:rPr>
+              <a:t>Fit </a:t>
+            </a:r>
+            <a:r>
+              <a:rPr lang="en-US" dirty="0" err="1">
+                <a:latin typeface="Segoe UI" panose="020B0502040204020203" pitchFamily="34" charset="0"/>
+                <a:cs typeface="Segoe UI" panose="020B0502040204020203" pitchFamily="34" charset="0"/>
+              </a:rPr>
+              <a:t>Pipline</a:t>
+            </a:r>
+            <a:r>
+              <a:rPr lang="en-US" dirty="0">
+                <a:latin typeface="Segoe UI" panose="020B0502040204020203" pitchFamily="34" charset="0"/>
+                <a:cs typeface="Segoe UI" panose="020B0502040204020203" pitchFamily="34" charset="0"/>
+              </a:rPr>
+              <a:t> </a:t>
+            </a:r>
+            <a:r>
+              <a:rPr lang="en-US" dirty="0" err="1">
+                <a:latin typeface="Segoe UI" panose="020B0502040204020203" pitchFamily="34" charset="0"/>
+                <a:cs typeface="Segoe UI" panose="020B0502040204020203" pitchFamily="34" charset="0"/>
+              </a:rPr>
+              <a:t>với</a:t>
+            </a:r>
+            <a:r>
+              <a:rPr lang="en-US" dirty="0">
+                <a:latin typeface="Segoe UI" panose="020B0502040204020203" pitchFamily="34" charset="0"/>
+                <a:cs typeface="Segoe UI" panose="020B0502040204020203" pitchFamily="34" charset="0"/>
+              </a:rPr>
+              <a:t> </a:t>
+            </a:r>
+            <a:r>
+              <a:rPr lang="en-US" dirty="0" err="1">
+                <a:latin typeface="Segoe UI" panose="020B0502040204020203" pitchFamily="34" charset="0"/>
+                <a:cs typeface="Segoe UI" panose="020B0502040204020203" pitchFamily="34" charset="0"/>
+              </a:rPr>
+              <a:t>siêu</a:t>
+            </a:r>
+            <a:r>
+              <a:rPr lang="en-US" dirty="0">
+                <a:latin typeface="Segoe UI" panose="020B0502040204020203" pitchFamily="34" charset="0"/>
+                <a:cs typeface="Segoe UI" panose="020B0502040204020203" pitchFamily="34" charset="0"/>
+              </a:rPr>
+              <a:t> </a:t>
+            </a:r>
+            <a:r>
+              <a:rPr lang="en-US" dirty="0" err="1">
+                <a:latin typeface="Segoe UI" panose="020B0502040204020203" pitchFamily="34" charset="0"/>
+                <a:cs typeface="Segoe UI" panose="020B0502040204020203" pitchFamily="34" charset="0"/>
+              </a:rPr>
+              <a:t>tham</a:t>
+            </a:r>
+            <a:r>
+              <a:rPr lang="en-US" dirty="0">
+                <a:latin typeface="Segoe UI" panose="020B0502040204020203" pitchFamily="34" charset="0"/>
+                <a:cs typeface="Segoe UI" panose="020B0502040204020203" pitchFamily="34" charset="0"/>
+              </a:rPr>
+              <a:t> </a:t>
+            </a:r>
+            <a:r>
+              <a:rPr lang="en-US" dirty="0" err="1">
+                <a:latin typeface="Segoe UI" panose="020B0502040204020203" pitchFamily="34" charset="0"/>
+                <a:cs typeface="Segoe UI" panose="020B0502040204020203" pitchFamily="34" charset="0"/>
+              </a:rPr>
+              <a:t>số</a:t>
+            </a:r>
+            <a:r>
+              <a:rPr lang="en-US" dirty="0">
+                <a:latin typeface="Segoe UI" panose="020B0502040204020203" pitchFamily="34" charset="0"/>
+                <a:cs typeface="Segoe UI" panose="020B0502040204020203" pitchFamily="34" charset="0"/>
+              </a:rPr>
+              <a:t> </a:t>
+            </a:r>
+            <a:r>
+              <a:rPr lang="en-US" dirty="0" err="1">
+                <a:latin typeface="Segoe UI" panose="020B0502040204020203" pitchFamily="34" charset="0"/>
+                <a:cs typeface="Segoe UI" panose="020B0502040204020203" pitchFamily="34" charset="0"/>
+              </a:rPr>
+              <a:t>tốt</a:t>
+            </a:r>
+            <a:r>
+              <a:rPr lang="en-US" dirty="0">
+                <a:latin typeface="Segoe UI" panose="020B0502040204020203" pitchFamily="34" charset="0"/>
+                <a:cs typeface="Segoe UI" panose="020B0502040204020203" pitchFamily="34" charset="0"/>
+              </a:rPr>
+              <a:t> </a:t>
+            </a:r>
+            <a:r>
+              <a:rPr lang="en-US" dirty="0" err="1">
+                <a:latin typeface="Segoe UI" panose="020B0502040204020203" pitchFamily="34" charset="0"/>
+                <a:cs typeface="Segoe UI" panose="020B0502040204020203" pitchFamily="34" charset="0"/>
+              </a:rPr>
+              <a:t>nhất</a:t>
+            </a:r>
+            <a:r>
+              <a:rPr lang="en-US" dirty="0">
+                <a:latin typeface="Segoe UI" panose="020B0502040204020203" pitchFamily="34" charset="0"/>
+                <a:cs typeface="Segoe UI" panose="020B0502040204020203" pitchFamily="34" charset="0"/>
+              </a:rPr>
+              <a:t> </a:t>
+            </a:r>
+            <a:r>
+              <a:rPr lang="en-US" dirty="0" err="1">
+                <a:latin typeface="Segoe UI" panose="020B0502040204020203" pitchFamily="34" charset="0"/>
+                <a:cs typeface="Segoe UI" panose="020B0502040204020203" pitchFamily="34" charset="0"/>
+              </a:rPr>
+              <a:t>vừa</a:t>
+            </a:r>
+            <a:r>
+              <a:rPr lang="en-US" dirty="0">
+                <a:latin typeface="Segoe UI" panose="020B0502040204020203" pitchFamily="34" charset="0"/>
+                <a:cs typeface="Segoe UI" panose="020B0502040204020203" pitchFamily="34" charset="0"/>
+              </a:rPr>
+              <a:t> </a:t>
+            </a:r>
+            <a:r>
+              <a:rPr lang="en-US" dirty="0" err="1">
+                <a:latin typeface="Segoe UI" panose="020B0502040204020203" pitchFamily="34" charset="0"/>
+                <a:cs typeface="Segoe UI" panose="020B0502040204020203" pitchFamily="34" charset="0"/>
+              </a:rPr>
+              <a:t>tìm</a:t>
+            </a:r>
+            <a:r>
+              <a:rPr lang="en-US" dirty="0">
+                <a:latin typeface="Segoe UI" panose="020B0502040204020203" pitchFamily="34" charset="0"/>
+                <a:cs typeface="Segoe UI" panose="020B0502040204020203" pitchFamily="34" charset="0"/>
+              </a:rPr>
+              <a:t> đ</a:t>
+            </a:r>
+            <a:r>
+              <a:rPr lang="vi-VN" dirty="0">
+                <a:latin typeface="Segoe UI" panose="020B0502040204020203" pitchFamily="34" charset="0"/>
+                <a:cs typeface="Segoe UI" panose="020B0502040204020203" pitchFamily="34" charset="0"/>
+              </a:rPr>
+              <a:t>ư</a:t>
+            </a:r>
+            <a:r>
+              <a:rPr lang="en-US" dirty="0" err="1">
+                <a:latin typeface="Segoe UI" panose="020B0502040204020203" pitchFamily="34" charset="0"/>
+                <a:cs typeface="Segoe UI" panose="020B0502040204020203" pitchFamily="34" charset="0"/>
+              </a:rPr>
+              <a:t>ợc</a:t>
+            </a:r>
+            <a:r>
+              <a:rPr lang="en-US" dirty="0">
+                <a:latin typeface="Segoe UI" panose="020B0502040204020203" pitchFamily="34" charset="0"/>
+                <a:cs typeface="Segoe UI" panose="020B0502040204020203" pitchFamily="34" charset="0"/>
+              </a:rPr>
+              <a:t> </a:t>
+            </a:r>
+            <a:r>
+              <a:rPr lang="en-US" dirty="0" err="1">
+                <a:latin typeface="Segoe UI" panose="020B0502040204020203" pitchFamily="34" charset="0"/>
+                <a:cs typeface="Segoe UI" panose="020B0502040204020203" pitchFamily="34" charset="0"/>
+              </a:rPr>
+              <a:t>vào</a:t>
+            </a:r>
+            <a:r>
+              <a:rPr lang="en-US" dirty="0">
+                <a:latin typeface="Segoe UI" panose="020B0502040204020203" pitchFamily="34" charset="0"/>
+                <a:cs typeface="Segoe UI" panose="020B0502040204020203" pitchFamily="34" charset="0"/>
+              </a:rPr>
+              <a:t> </a:t>
+            </a:r>
+            <a:r>
+              <a:rPr lang="en-US" dirty="0" err="1">
+                <a:latin typeface="Segoe UI" panose="020B0502040204020203" pitchFamily="34" charset="0"/>
+                <a:cs typeface="Segoe UI" panose="020B0502040204020203" pitchFamily="34" charset="0"/>
+              </a:rPr>
+              <a:t>tập</a:t>
+            </a:r>
+            <a:r>
+              <a:rPr lang="en-US" dirty="0">
+                <a:latin typeface="Segoe UI" panose="020B0502040204020203" pitchFamily="34" charset="0"/>
+                <a:cs typeface="Segoe UI" panose="020B0502040204020203" pitchFamily="34" charset="0"/>
+              </a:rPr>
+              <a:t> train + validation.</a:t>
+            </a:r>
+          </a:p>
+          <a:p>
+            <a:r>
+              <a:rPr lang="en-US" dirty="0">
+                <a:latin typeface="Segoe UI" panose="020B0502040204020203" pitchFamily="34" charset="0"/>
+                <a:cs typeface="Segoe UI" panose="020B0502040204020203" pitchFamily="34" charset="0"/>
+              </a:rPr>
+              <a:t>Sau </a:t>
+            </a:r>
+            <a:r>
+              <a:rPr lang="en-US" dirty="0" err="1">
+                <a:latin typeface="Segoe UI" panose="020B0502040204020203" pitchFamily="34" charset="0"/>
+                <a:cs typeface="Segoe UI" panose="020B0502040204020203" pitchFamily="34" charset="0"/>
+              </a:rPr>
+              <a:t>đó</a:t>
+            </a:r>
+            <a:r>
+              <a:rPr lang="en-US" dirty="0">
+                <a:latin typeface="Segoe UI" panose="020B0502040204020203" pitchFamily="34" charset="0"/>
+                <a:cs typeface="Segoe UI" panose="020B0502040204020203" pitchFamily="34" charset="0"/>
+              </a:rPr>
+              <a:t> predict </a:t>
+            </a:r>
+            <a:r>
+              <a:rPr lang="en-US" dirty="0" err="1">
+                <a:latin typeface="Segoe UI" panose="020B0502040204020203" pitchFamily="34" charset="0"/>
+                <a:cs typeface="Segoe UI" panose="020B0502040204020203" pitchFamily="34" charset="0"/>
+              </a:rPr>
+              <a:t>trên</a:t>
+            </a:r>
+            <a:r>
+              <a:rPr lang="en-US" dirty="0">
+                <a:latin typeface="Segoe UI" panose="020B0502040204020203" pitchFamily="34" charset="0"/>
+                <a:cs typeface="Segoe UI" panose="020B0502040204020203" pitchFamily="34" charset="0"/>
+              </a:rPr>
+              <a:t> </a:t>
+            </a:r>
+            <a:r>
+              <a:rPr lang="en-US" dirty="0" err="1">
+                <a:latin typeface="Segoe UI" panose="020B0502040204020203" pitchFamily="34" charset="0"/>
+                <a:cs typeface="Segoe UI" panose="020B0502040204020203" pitchFamily="34" charset="0"/>
+              </a:rPr>
+              <a:t>tập</a:t>
+            </a:r>
+            <a:r>
+              <a:rPr lang="en-US" dirty="0">
+                <a:latin typeface="Segoe UI" panose="020B0502040204020203" pitchFamily="34" charset="0"/>
+                <a:cs typeface="Segoe UI" panose="020B0502040204020203" pitchFamily="34" charset="0"/>
+              </a:rPr>
+              <a:t> test, </a:t>
+            </a:r>
+            <a:r>
+              <a:rPr lang="en-US" dirty="0" err="1">
+                <a:latin typeface="Segoe UI" panose="020B0502040204020203" pitchFamily="34" charset="0"/>
+                <a:cs typeface="Segoe UI" panose="020B0502040204020203" pitchFamily="34" charset="0"/>
+              </a:rPr>
+              <a:t>thu</a:t>
+            </a:r>
+            <a:r>
+              <a:rPr lang="en-US" dirty="0">
+                <a:latin typeface="Segoe UI" panose="020B0502040204020203" pitchFamily="34" charset="0"/>
+                <a:cs typeface="Segoe UI" panose="020B0502040204020203" pitchFamily="34" charset="0"/>
+              </a:rPr>
+              <a:t> đ</a:t>
+            </a:r>
+            <a:r>
+              <a:rPr lang="vi-VN" dirty="0">
+                <a:latin typeface="Segoe UI" panose="020B0502040204020203" pitchFamily="34" charset="0"/>
+                <a:cs typeface="Segoe UI" panose="020B0502040204020203" pitchFamily="34" charset="0"/>
+              </a:rPr>
+              <a:t>ư</a:t>
+            </a:r>
+            <a:r>
+              <a:rPr lang="en-US" dirty="0" err="1">
+                <a:latin typeface="Segoe UI" panose="020B0502040204020203" pitchFamily="34" charset="0"/>
+                <a:cs typeface="Segoe UI" panose="020B0502040204020203" pitchFamily="34" charset="0"/>
+              </a:rPr>
+              <a:t>ợc</a:t>
+            </a:r>
+            <a:r>
+              <a:rPr lang="en-US" dirty="0">
+                <a:latin typeface="Segoe UI" panose="020B0502040204020203" pitchFamily="34" charset="0"/>
+                <a:cs typeface="Segoe UI" panose="020B0502040204020203" pitchFamily="34" charset="0"/>
+              </a:rPr>
+              <a:t> </a:t>
+            </a:r>
+            <a:r>
+              <a:rPr lang="en-US" dirty="0" err="1">
+                <a:latin typeface="Segoe UI" panose="020B0502040204020203" pitchFamily="34" charset="0"/>
+                <a:cs typeface="Segoe UI" panose="020B0502040204020203" pitchFamily="34" charset="0"/>
+              </a:rPr>
+              <a:t>kết</a:t>
+            </a:r>
+            <a:r>
+              <a:rPr lang="en-US" dirty="0">
+                <a:latin typeface="Segoe UI" panose="020B0502040204020203" pitchFamily="34" charset="0"/>
+                <a:cs typeface="Segoe UI" panose="020B0502040204020203" pitchFamily="34" charset="0"/>
+              </a:rPr>
+              <a:t> </a:t>
+            </a:r>
+            <a:r>
+              <a:rPr lang="en-US" dirty="0" err="1">
+                <a:latin typeface="Segoe UI" panose="020B0502040204020203" pitchFamily="34" charset="0"/>
+                <a:cs typeface="Segoe UI" panose="020B0502040204020203" pitchFamily="34" charset="0"/>
+              </a:rPr>
+              <a:t>quả</a:t>
+            </a:r>
+            <a:r>
+              <a:rPr lang="en-US" dirty="0">
+                <a:latin typeface="Segoe UI" panose="020B0502040204020203" pitchFamily="34" charset="0"/>
+                <a:cs typeface="Segoe UI" panose="020B0502040204020203" pitchFamily="34" charset="0"/>
+              </a:rPr>
+              <a:t> </a:t>
+            </a:r>
+            <a:r>
+              <a:rPr lang="en-US" dirty="0" err="1">
+                <a:latin typeface="Segoe UI" panose="020B0502040204020203" pitchFamily="34" charset="0"/>
+                <a:cs typeface="Segoe UI" panose="020B0502040204020203" pitchFamily="34" charset="0"/>
+              </a:rPr>
+              <a:t>sau</a:t>
+            </a:r>
+            <a:r>
+              <a:rPr lang="en-US" dirty="0">
+                <a:latin typeface="Segoe UI" panose="020B0502040204020203" pitchFamily="34" charset="0"/>
+                <a:cs typeface="Segoe UI" panose="020B0502040204020203" pitchFamily="34" charset="0"/>
+              </a:rPr>
+              <a:t>:</a:t>
+            </a:r>
+          </a:p>
+          <a:p>
+            <a:endParaRPr lang="en-US" dirty="0">
+              <a:latin typeface="Segoe UI" panose="020B0502040204020203" pitchFamily="34" charset="0"/>
+              <a:cs typeface="Segoe UI" panose="020B0502040204020203" pitchFamily="34" charset="0"/>
+            </a:endParaRPr>
+          </a:p>
+        </p:txBody>
+      </p:sp>
+      <p:pic>
+        <p:nvPicPr>
+          <p:cNvPr id="4" name="Picture 3">
+            <a:extLst>
+              <a:ext uri="{FF2B5EF4-FFF2-40B4-BE49-F238E27FC236}">
+                <a16:creationId xmlns:a16="http://schemas.microsoft.com/office/drawing/2014/main" id="{11DE3486-52C8-4320-8899-0F42A461897D}"/>
+              </a:ext>
+            </a:extLst>
+          </p:cNvPr>
+          <p:cNvPicPr>
+            <a:picLocks noChangeAspect="1"/>
+          </p:cNvPicPr>
+          <p:nvPr/>
+        </p:nvPicPr>
+        <p:blipFill>
+          <a:blip r:embed="rId2"/>
+          <a:stretch>
+            <a:fillRect/>
+          </a:stretch>
+        </p:blipFill>
+        <p:spPr>
+          <a:xfrm>
+            <a:off x="1184262" y="3194115"/>
+            <a:ext cx="6862458" cy="2974138"/>
+          </a:xfrm>
+          <a:prstGeom prst="rect">
+            <a:avLst/>
+          </a:prstGeom>
+        </p:spPr>
+      </p:pic>
+      <p:sp>
+        <p:nvSpPr>
+          <p:cNvPr id="5" name="Slide Number Placeholder 4">
+            <a:extLst>
+              <a:ext uri="{FF2B5EF4-FFF2-40B4-BE49-F238E27FC236}">
+                <a16:creationId xmlns:a16="http://schemas.microsoft.com/office/drawing/2014/main" id="{4FFE193D-2D13-482D-B270-F27E6B983907}"/>
+              </a:ext>
+            </a:extLst>
+          </p:cNvPr>
+          <p:cNvSpPr>
+            <a:spLocks noGrp="1"/>
+          </p:cNvSpPr>
+          <p:nvPr>
+            <p:ph type="sldNum" sz="quarter" idx="12"/>
+          </p:nvPr>
+        </p:nvSpPr>
+        <p:spPr/>
+        <p:txBody>
+          <a:bodyPr/>
+          <a:lstStyle/>
+          <a:p>
+            <a:fld id="{E1CE7E26-F4E3-4CCB-96AD-EA8398DEF45F}" type="slidenum">
+              <a:rPr lang="en-US" smtClean="0"/>
+              <a:t>19</a:t>
+            </a:fld>
+            <a:endParaRPr lang="en-US"/>
+          </a:p>
+        </p:txBody>
+      </p:sp>
+    </p:spTree>
+    <p:extLst>
+      <p:ext uri="{BB962C8B-B14F-4D97-AF65-F5344CB8AC3E}">
+        <p14:creationId xmlns:p14="http://schemas.microsoft.com/office/powerpoint/2010/main" val="4139751284"/>
+      </p:ext>
+    </p:extLst>
+  </p:cSld>
+  <p:clrMapOvr>
+    <a:masterClrMapping/>
+  </p:clrMapOvr>
+  <mc:AlternateContent xmlns:mc="http://schemas.openxmlformats.org/markup-compatibility/2006" xmlns:p14="http://schemas.microsoft.com/office/powerpoint/2010/main">
+    <mc:Choice Requires="p14">
+      <p:transition spd="med" p14:dur="700">
+        <p:fade/>
+      </p:transition>
+    </mc:Choice>
+    <mc:Fallback xmlns="">
+      <p:transition spd="med">
+        <p:fade/>
+      </p:transition>
+    </mc:Fallback>
+  </mc:AlternateContent>
 </p:sld>
 </file>
 
@@ -11761,74 +13070,106 @@
                 <a:latin typeface="Segoe UI" panose="020B0502040204020203" pitchFamily="34" charset="0"/>
                 <a:cs typeface="Segoe UI" panose="020B0502040204020203" pitchFamily="34" charset="0"/>
               </a:rPr>
-              <a:t>Trong trang web này người ta phân các câu hỏi thành 30 danh mục khác nhau </a:t>
+              <a:t>Trong trang web này người ta phân các câu hỏi thành 30 danh mục khác nhau</a:t>
+            </a:r>
+            <a:r>
+              <a:rPr lang="en-US" dirty="0">
+                <a:latin typeface="Segoe UI" panose="020B0502040204020203" pitchFamily="34" charset="0"/>
+                <a:cs typeface="Segoe UI" panose="020B0502040204020203" pitchFamily="34" charset="0"/>
+              </a:rPr>
+              <a:t>.</a:t>
+            </a:r>
+          </a:p>
+          <a:p>
+            <a:r>
+              <a:rPr lang="en-US" dirty="0">
+                <a:latin typeface="Segoe UI" panose="020B0502040204020203" pitchFamily="34" charset="0"/>
+                <a:cs typeface="Segoe UI" panose="020B0502040204020203" pitchFamily="34" charset="0"/>
+              </a:rPr>
+              <a:t>N</a:t>
+            </a:r>
+            <a:r>
+              <a:rPr lang="vi-VN" dirty="0">
+                <a:latin typeface="Segoe UI" panose="020B0502040204020203" pitchFamily="34" charset="0"/>
+                <a:cs typeface="Segoe UI" panose="020B0502040204020203" pitchFamily="34" charset="0"/>
+              </a:rPr>
+              <a:t>hóm chỉ giải quyết câu hỏi trên 3 nhóm là </a:t>
+            </a:r>
+            <a:r>
+              <a:rPr lang="vi-VN" b="1" dirty="0">
+                <a:latin typeface="Segoe UI" panose="020B0502040204020203" pitchFamily="34" charset="0"/>
+                <a:cs typeface="Segoe UI" panose="020B0502040204020203" pitchFamily="34" charset="0"/>
+              </a:rPr>
+              <a:t>Dị ứng - Miễn dịch lâm sàng</a:t>
+            </a:r>
+            <a:r>
+              <a:rPr lang="vi-VN" dirty="0">
+                <a:latin typeface="Segoe UI" panose="020B0502040204020203" pitchFamily="34" charset="0"/>
+                <a:cs typeface="Segoe UI" panose="020B0502040204020203" pitchFamily="34" charset="0"/>
+              </a:rPr>
+              <a:t>, </a:t>
+            </a:r>
+            <a:r>
+              <a:rPr lang="vi-VN" b="1" dirty="0">
+                <a:latin typeface="Segoe UI" panose="020B0502040204020203" pitchFamily="34" charset="0"/>
+                <a:cs typeface="Segoe UI" panose="020B0502040204020203" pitchFamily="34" charset="0"/>
+              </a:rPr>
+              <a:t>Phổi</a:t>
+            </a:r>
+            <a:r>
+              <a:rPr lang="vi-VN" dirty="0">
+                <a:latin typeface="Segoe UI" panose="020B0502040204020203" pitchFamily="34" charset="0"/>
+                <a:cs typeface="Segoe UI" panose="020B0502040204020203" pitchFamily="34" charset="0"/>
+              </a:rPr>
+              <a:t> và </a:t>
+            </a:r>
+            <a:r>
+              <a:rPr lang="vi-VN" b="1" dirty="0">
+                <a:latin typeface="Segoe UI" panose="020B0502040204020203" pitchFamily="34" charset="0"/>
+                <a:cs typeface="Segoe UI" panose="020B0502040204020203" pitchFamily="34" charset="0"/>
+              </a:rPr>
+              <a:t>Tai mũi họng</a:t>
+            </a:r>
+            <a:r>
+              <a:rPr lang="vi-VN" dirty="0">
+                <a:latin typeface="Segoe UI" panose="020B0502040204020203" pitchFamily="34" charset="0"/>
+                <a:cs typeface="Segoe UI" panose="020B0502040204020203" pitchFamily="34" charset="0"/>
+              </a:rPr>
+              <a:t>.</a:t>
             </a:r>
             <a:endParaRPr lang="en-US" dirty="0">
               <a:latin typeface="Segoe UI" panose="020B0502040204020203" pitchFamily="34" charset="0"/>
               <a:cs typeface="Segoe UI" panose="020B0502040204020203" pitchFamily="34" charset="0"/>
             </a:endParaRPr>
           </a:p>
-          <a:p>
-            <a:r>
-              <a:rPr lang="en-US" dirty="0">
-                <a:latin typeface="Segoe UI" panose="020B0502040204020203" pitchFamily="34" charset="0"/>
-                <a:cs typeface="Segoe UI" panose="020B0502040204020203" pitchFamily="34" charset="0"/>
-              </a:rPr>
-              <a:t>N</a:t>
-            </a:r>
-            <a:r>
-              <a:rPr lang="vi-VN" dirty="0">
-                <a:latin typeface="Segoe UI" panose="020B0502040204020203" pitchFamily="34" charset="0"/>
-                <a:cs typeface="Segoe UI" panose="020B0502040204020203" pitchFamily="34" charset="0"/>
-              </a:rPr>
-              <a:t>hóm chỉ giải quyết câu hỏi trên 3 nhóm là </a:t>
-            </a:r>
-            <a:r>
-              <a:rPr lang="vi-VN" b="1" dirty="0">
-                <a:latin typeface="Segoe UI" panose="020B0502040204020203" pitchFamily="34" charset="0"/>
-                <a:cs typeface="Segoe UI" panose="020B0502040204020203" pitchFamily="34" charset="0"/>
-              </a:rPr>
-              <a:t>Dị ứng - Miễn dịch lâm sàng</a:t>
-            </a:r>
-            <a:r>
-              <a:rPr lang="vi-VN" dirty="0">
-                <a:latin typeface="Segoe UI" panose="020B0502040204020203" pitchFamily="34" charset="0"/>
-                <a:cs typeface="Segoe UI" panose="020B0502040204020203" pitchFamily="34" charset="0"/>
-              </a:rPr>
-              <a:t>, </a:t>
-            </a:r>
-            <a:r>
-              <a:rPr lang="vi-VN" b="1" dirty="0">
-                <a:latin typeface="Segoe UI" panose="020B0502040204020203" pitchFamily="34" charset="0"/>
-                <a:cs typeface="Segoe UI" panose="020B0502040204020203" pitchFamily="34" charset="0"/>
-              </a:rPr>
-              <a:t>Phổi</a:t>
-            </a:r>
-            <a:r>
-              <a:rPr lang="vi-VN" dirty="0">
-                <a:latin typeface="Segoe UI" panose="020B0502040204020203" pitchFamily="34" charset="0"/>
-                <a:cs typeface="Segoe UI" panose="020B0502040204020203" pitchFamily="34" charset="0"/>
-              </a:rPr>
-              <a:t> và </a:t>
-            </a:r>
-            <a:r>
-              <a:rPr lang="vi-VN" b="1" dirty="0">
-                <a:latin typeface="Segoe UI" panose="020B0502040204020203" pitchFamily="34" charset="0"/>
-                <a:cs typeface="Segoe UI" panose="020B0502040204020203" pitchFamily="34" charset="0"/>
-              </a:rPr>
-              <a:t>Tai mũi họng</a:t>
-            </a:r>
-            <a:r>
-              <a:rPr lang="vi-VN" dirty="0">
-                <a:latin typeface="Segoe UI" panose="020B0502040204020203" pitchFamily="34" charset="0"/>
-                <a:cs typeface="Segoe UI" panose="020B0502040204020203" pitchFamily="34" charset="0"/>
-              </a:rPr>
-              <a:t>.</a:t>
-            </a:r>
-            <a:endParaRPr lang="en-US" dirty="0">
-              <a:latin typeface="Segoe UI" panose="020B0502040204020203" pitchFamily="34" charset="0"/>
-              <a:cs typeface="Segoe UI" panose="020B0502040204020203" pitchFamily="34" charset="0"/>
-            </a:endParaRPr>
+        </p:txBody>
+      </p:sp>
+      <p:sp>
+        <p:nvSpPr>
+          <p:cNvPr id="4" name="Slide Number Placeholder 3">
+            <a:extLst>
+              <a:ext uri="{FF2B5EF4-FFF2-40B4-BE49-F238E27FC236}">
+                <a16:creationId xmlns:a16="http://schemas.microsoft.com/office/drawing/2014/main" id="{C3E5C0CE-09D1-4A0C-9B35-53BF6CD90B7E}"/>
+              </a:ext>
+            </a:extLst>
+          </p:cNvPr>
+          <p:cNvSpPr>
+            <a:spLocks noGrp="1"/>
+          </p:cNvSpPr>
+          <p:nvPr>
+            <p:ph type="sldNum" sz="quarter" idx="12"/>
+          </p:nvPr>
+        </p:nvSpPr>
+        <p:spPr/>
+        <p:txBody>
+          <a:bodyPr/>
+          <a:lstStyle/>
+          <a:p>
+            <a:fld id="{E1CE7E26-F4E3-4CCB-96AD-EA8398DEF45F}" type="slidenum">
+              <a:rPr lang="en-US" smtClean="0"/>
+              <a:t>2</a:t>
+            </a:fld>
+            <a:endParaRPr lang="en-US"/>
           </a:p>
         </p:txBody>
       </p:sp>
@@ -11879,7 +13220,7 @@
           <p:cNvPr id="2" name="Title 1">
             <a:extLst>
               <a:ext uri="{FF2B5EF4-FFF2-40B4-BE49-F238E27FC236}">
-                <a16:creationId xmlns:a16="http://schemas.microsoft.com/office/drawing/2014/main" id="{489062D6-34FF-4776-ABE3-AEB48AAE1910}"/>
+                <a16:creationId xmlns:a16="http://schemas.microsoft.com/office/drawing/2014/main" id="{66FD382D-E4E5-446E-BB04-1FD9D262C48E}"/>
               </a:ext>
             </a:extLst>
           </p:cNvPr>
@@ -11890,7 +13231,12 @@
             <p:ph type="title"/>
           </p:nvPr>
         </p:nvSpPr>
-        <p:spPr/>
+        <p:spPr>
+          <a:xfrm>
+            <a:off x="677334" y="609600"/>
+            <a:ext cx="8596668" cy="1320800"/>
+          </a:xfrm>
+        </p:spPr>
         <p:txBody>
           <a:bodyPr/>
           <a:lstStyle/>
@@ -11900,7 +13246,7 @@
                 <a:latin typeface="Segoe UI" panose="020B0502040204020203" pitchFamily="34" charset="0"/>
                 <a:cs typeface="Segoe UI" panose="020B0502040204020203" pitchFamily="34" charset="0"/>
               </a:rPr>
-              <a:t>THỬ TRÊN TẬP TEST</a:t>
+              <a:t>TỔNG KẾT</a:t>
             </a:r>
           </a:p>
         </p:txBody>
@@ -11910,7 +13256,7 @@
           <p:cNvPr id="3" name="Content Placeholder 2">
             <a:extLst>
               <a:ext uri="{FF2B5EF4-FFF2-40B4-BE49-F238E27FC236}">
-                <a16:creationId xmlns:a16="http://schemas.microsoft.com/office/drawing/2014/main" id="{5A48D5DC-13D8-40DC-99B5-9ECE0B68CE1C}"/>
+                <a16:creationId xmlns:a16="http://schemas.microsoft.com/office/drawing/2014/main" id="{38674304-03B4-4AFC-A341-0906E74B2112}"/>
               </a:ext>
             </a:extLst>
           </p:cNvPr>
@@ -11926,131 +13272,27 @@
           <a:bodyPr/>
           <a:lstStyle/>
           <a:p>
-            <a:r>
-              <a:rPr lang="en-US" dirty="0">
-                <a:latin typeface="Segoe UI" panose="020B0502040204020203" pitchFamily="34" charset="0"/>
-                <a:cs typeface="Segoe UI" panose="020B0502040204020203" pitchFamily="34" charset="0"/>
-              </a:rPr>
-              <a:t>Fit </a:t>
-            </a:r>
-            <a:r>
-              <a:rPr lang="en-US" dirty="0" err="1">
-                <a:latin typeface="Segoe UI" panose="020B0502040204020203" pitchFamily="34" charset="0"/>
-                <a:cs typeface="Segoe UI" panose="020B0502040204020203" pitchFamily="34" charset="0"/>
-              </a:rPr>
-              <a:t>Pipline</a:t>
-            </a:r>
-            <a:r>
-              <a:rPr lang="en-US" dirty="0">
-                <a:latin typeface="Segoe UI" panose="020B0502040204020203" pitchFamily="34" charset="0"/>
-                <a:cs typeface="Segoe UI" panose="020B0502040204020203" pitchFamily="34" charset="0"/>
-              </a:rPr>
-              <a:t> </a:t>
-            </a:r>
-            <a:r>
-              <a:rPr lang="en-US" dirty="0" err="1">
-                <a:latin typeface="Segoe UI" panose="020B0502040204020203" pitchFamily="34" charset="0"/>
-                <a:cs typeface="Segoe UI" panose="020B0502040204020203" pitchFamily="34" charset="0"/>
-              </a:rPr>
-              <a:t>với</a:t>
-            </a:r>
-            <a:r>
-              <a:rPr lang="en-US" dirty="0">
-                <a:latin typeface="Segoe UI" panose="020B0502040204020203" pitchFamily="34" charset="0"/>
-                <a:cs typeface="Segoe UI" panose="020B0502040204020203" pitchFamily="34" charset="0"/>
-              </a:rPr>
-              <a:t> </a:t>
-            </a:r>
-            <a:r>
-              <a:rPr lang="en-US" dirty="0" err="1">
-                <a:latin typeface="Segoe UI" panose="020B0502040204020203" pitchFamily="34" charset="0"/>
-                <a:cs typeface="Segoe UI" panose="020B0502040204020203" pitchFamily="34" charset="0"/>
-              </a:rPr>
-              <a:t>siêu</a:t>
-            </a:r>
-            <a:r>
-              <a:rPr lang="en-US" dirty="0">
-                <a:latin typeface="Segoe UI" panose="020B0502040204020203" pitchFamily="34" charset="0"/>
-                <a:cs typeface="Segoe UI" panose="020B0502040204020203" pitchFamily="34" charset="0"/>
-              </a:rPr>
-              <a:t> </a:t>
-            </a:r>
-            <a:r>
-              <a:rPr lang="en-US" dirty="0" err="1">
-                <a:latin typeface="Segoe UI" panose="020B0502040204020203" pitchFamily="34" charset="0"/>
-                <a:cs typeface="Segoe UI" panose="020B0502040204020203" pitchFamily="34" charset="0"/>
-              </a:rPr>
-              <a:t>tham</a:t>
-            </a:r>
-            <a:r>
-              <a:rPr lang="en-US" dirty="0">
-                <a:latin typeface="Segoe UI" panose="020B0502040204020203" pitchFamily="34" charset="0"/>
-                <a:cs typeface="Segoe UI" panose="020B0502040204020203" pitchFamily="34" charset="0"/>
-              </a:rPr>
-              <a:t> </a:t>
-            </a:r>
-            <a:r>
-              <a:rPr lang="en-US" dirty="0" err="1">
-                <a:latin typeface="Segoe UI" panose="020B0502040204020203" pitchFamily="34" charset="0"/>
-                <a:cs typeface="Segoe UI" panose="020B0502040204020203" pitchFamily="34" charset="0"/>
-              </a:rPr>
-              <a:t>số</a:t>
-            </a:r>
-            <a:r>
-              <a:rPr lang="en-US" dirty="0">
-                <a:latin typeface="Segoe UI" panose="020B0502040204020203" pitchFamily="34" charset="0"/>
-                <a:cs typeface="Segoe UI" panose="020B0502040204020203" pitchFamily="34" charset="0"/>
-              </a:rPr>
-              <a:t> </a:t>
-            </a:r>
-            <a:r>
-              <a:rPr lang="en-US" dirty="0" err="1">
-                <a:latin typeface="Segoe UI" panose="020B0502040204020203" pitchFamily="34" charset="0"/>
-                <a:cs typeface="Segoe UI" panose="020B0502040204020203" pitchFamily="34" charset="0"/>
-              </a:rPr>
-              <a:t>tốt</a:t>
-            </a:r>
-            <a:r>
-              <a:rPr lang="en-US" dirty="0">
-                <a:latin typeface="Segoe UI" panose="020B0502040204020203" pitchFamily="34" charset="0"/>
-                <a:cs typeface="Segoe UI" panose="020B0502040204020203" pitchFamily="34" charset="0"/>
-              </a:rPr>
-              <a:t> </a:t>
-            </a:r>
-            <a:r>
-              <a:rPr lang="en-US" dirty="0" err="1">
-                <a:latin typeface="Segoe UI" panose="020B0502040204020203" pitchFamily="34" charset="0"/>
-                <a:cs typeface="Segoe UI" panose="020B0502040204020203" pitchFamily="34" charset="0"/>
-              </a:rPr>
-              <a:t>nhất</a:t>
-            </a:r>
-            <a:r>
-              <a:rPr lang="en-US" dirty="0">
-                <a:latin typeface="Segoe UI" panose="020B0502040204020203" pitchFamily="34" charset="0"/>
-                <a:cs typeface="Segoe UI" panose="020B0502040204020203" pitchFamily="34" charset="0"/>
-              </a:rPr>
-              <a:t> </a:t>
-            </a:r>
-            <a:r>
-              <a:rPr lang="en-US" dirty="0" err="1">
-                <a:latin typeface="Segoe UI" panose="020B0502040204020203" pitchFamily="34" charset="0"/>
-                <a:cs typeface="Segoe UI" panose="020B0502040204020203" pitchFamily="34" charset="0"/>
-              </a:rPr>
-              <a:t>vừa</a:t>
-            </a:r>
-            <a:r>
-              <a:rPr lang="en-US" dirty="0">
-                <a:latin typeface="Segoe UI" panose="020B0502040204020203" pitchFamily="34" charset="0"/>
-                <a:cs typeface="Segoe UI" panose="020B0502040204020203" pitchFamily="34" charset="0"/>
-              </a:rPr>
-              <a:t> </a:t>
-            </a:r>
-            <a:r>
-              <a:rPr lang="en-US" dirty="0" err="1">
-                <a:latin typeface="Segoe UI" panose="020B0502040204020203" pitchFamily="34" charset="0"/>
-                <a:cs typeface="Segoe UI" panose="020B0502040204020203" pitchFamily="34" charset="0"/>
-              </a:rPr>
-              <a:t>tìm</a:t>
+            <a:pPr algn="just"/>
+            <a:r>
+              <a:rPr lang="en-US" dirty="0" err="1">
+                <a:latin typeface="Segoe UI" panose="020B0502040204020203" pitchFamily="34" charset="0"/>
+                <a:cs typeface="Segoe UI" panose="020B0502040204020203" pitchFamily="34" charset="0"/>
+              </a:rPr>
+              <a:t>Đã</a:t>
+            </a:r>
+            <a:r>
+              <a:rPr lang="en-US" dirty="0">
+                <a:latin typeface="Segoe UI" panose="020B0502040204020203" pitchFamily="34" charset="0"/>
+                <a:cs typeface="Segoe UI" panose="020B0502040204020203" pitchFamily="34" charset="0"/>
+              </a:rPr>
+              <a:t> </a:t>
+            </a:r>
+            <a:r>
+              <a:rPr lang="en-US" dirty="0" err="1">
+                <a:latin typeface="Segoe UI" panose="020B0502040204020203" pitchFamily="34" charset="0"/>
+                <a:cs typeface="Segoe UI" panose="020B0502040204020203" pitchFamily="34" charset="0"/>
+              </a:rPr>
+              <a:t>làm</a:t>
             </a:r>
             <a:r>
               <a:rPr lang="en-US" dirty="0">
@@ -12078,58 +13320,286 @@
                 <a:latin typeface="Segoe UI" panose="020B0502040204020203" pitchFamily="34" charset="0"/>
                 <a:cs typeface="Segoe UI" panose="020B0502040204020203" pitchFamily="34" charset="0"/>
               </a:rPr>
-              <a:t> </a:t>
-            </a:r>
-            <a:r>
-              <a:rPr lang="en-US" dirty="0" err="1">
-                <a:latin typeface="Segoe UI" panose="020B0502040204020203" pitchFamily="34" charset="0"/>
-                <a:cs typeface="Segoe UI" panose="020B0502040204020203" pitchFamily="34" charset="0"/>
-              </a:rPr>
-              <a:t>vào</a:t>
-            </a:r>
-            <a:r>
-              <a:rPr lang="en-US" dirty="0">
-                <a:latin typeface="Segoe UI" panose="020B0502040204020203" pitchFamily="34" charset="0"/>
-                <a:cs typeface="Segoe UI" panose="020B0502040204020203" pitchFamily="34" charset="0"/>
-              </a:rPr>
-              <a:t> </a:t>
-            </a:r>
-            <a:r>
-              <a:rPr lang="en-US" dirty="0" err="1">
-                <a:latin typeface="Segoe UI" panose="020B0502040204020203" pitchFamily="34" charset="0"/>
-                <a:cs typeface="Segoe UI" panose="020B0502040204020203" pitchFamily="34" charset="0"/>
-              </a:rPr>
-              <a:t>tập</a:t>
-            </a:r>
-            <a:r>
-              <a:rPr lang="en-US" dirty="0">
-                <a:latin typeface="Segoe UI" panose="020B0502040204020203" pitchFamily="34" charset="0"/>
-                <a:cs typeface="Segoe UI" panose="020B0502040204020203" pitchFamily="34" charset="0"/>
-              </a:rPr>
-              <a:t> train + validation</a:t>
-            </a:r>
-          </a:p>
-          <a:p>
-            <a:r>
-              <a:rPr lang="en-US" dirty="0">
-                <a:latin typeface="Segoe UI" panose="020B0502040204020203" pitchFamily="34" charset="0"/>
-                <a:cs typeface="Segoe UI" panose="020B0502040204020203" pitchFamily="34" charset="0"/>
-              </a:rPr>
-              <a:t>Sau </a:t>
-            </a:r>
-            <a:r>
-              <a:rPr lang="en-US" dirty="0" err="1">
-                <a:latin typeface="Segoe UI" panose="020B0502040204020203" pitchFamily="34" charset="0"/>
-                <a:cs typeface="Segoe UI" panose="020B0502040204020203" pitchFamily="34" charset="0"/>
-              </a:rPr>
-              <a:t>đó</a:t>
-            </a:r>
-            <a:r>
-              <a:rPr lang="en-US" dirty="0">
-                <a:latin typeface="Segoe UI" panose="020B0502040204020203" pitchFamily="34" charset="0"/>
-                <a:cs typeface="Segoe UI" panose="020B0502040204020203" pitchFamily="34" charset="0"/>
-              </a:rPr>
-              <a:t> predict </a:t>
+              <a:t>:</a:t>
+            </a:r>
+          </a:p>
+          <a:p>
+            <a:pPr lvl="1" algn="just"/>
+            <a:r>
+              <a:rPr lang="en-US" dirty="0" err="1">
+                <a:latin typeface="Segoe UI" panose="020B0502040204020203" pitchFamily="34" charset="0"/>
+                <a:cs typeface="Segoe UI" panose="020B0502040204020203" pitchFamily="34" charset="0"/>
+              </a:rPr>
+              <a:t>Nhóm</a:t>
+            </a:r>
+            <a:r>
+              <a:rPr lang="en-US" dirty="0">
+                <a:latin typeface="Segoe UI" panose="020B0502040204020203" pitchFamily="34" charset="0"/>
+                <a:cs typeface="Segoe UI" panose="020B0502040204020203" pitchFamily="34" charset="0"/>
+              </a:rPr>
+              <a:t> </a:t>
+            </a:r>
+            <a:r>
+              <a:rPr lang="en-US" dirty="0" err="1">
+                <a:latin typeface="Segoe UI" panose="020B0502040204020203" pitchFamily="34" charset="0"/>
+                <a:cs typeface="Segoe UI" panose="020B0502040204020203" pitchFamily="34" charset="0"/>
+              </a:rPr>
+              <a:t>đã</a:t>
+            </a:r>
+            <a:r>
+              <a:rPr lang="en-US" dirty="0">
+                <a:latin typeface="Segoe UI" panose="020B0502040204020203" pitchFamily="34" charset="0"/>
+                <a:cs typeface="Segoe UI" panose="020B0502040204020203" pitchFamily="34" charset="0"/>
+              </a:rPr>
+              <a:t> </a:t>
+            </a:r>
+            <a:r>
+              <a:rPr lang="en-US" dirty="0" err="1">
+                <a:latin typeface="Segoe UI" panose="020B0502040204020203" pitchFamily="34" charset="0"/>
+                <a:cs typeface="Segoe UI" panose="020B0502040204020203" pitchFamily="34" charset="0"/>
+              </a:rPr>
+              <a:t>xây</a:t>
+            </a:r>
+            <a:r>
+              <a:rPr lang="en-US" dirty="0">
+                <a:latin typeface="Segoe UI" panose="020B0502040204020203" pitchFamily="34" charset="0"/>
+                <a:cs typeface="Segoe UI" panose="020B0502040204020203" pitchFamily="34" charset="0"/>
+              </a:rPr>
+              <a:t> </a:t>
+            </a:r>
+            <a:r>
+              <a:rPr lang="en-US" dirty="0" err="1">
+                <a:latin typeface="Segoe UI" panose="020B0502040204020203" pitchFamily="34" charset="0"/>
+                <a:cs typeface="Segoe UI" panose="020B0502040204020203" pitchFamily="34" charset="0"/>
+              </a:rPr>
+              <a:t>dựng</a:t>
+            </a:r>
+            <a:r>
+              <a:rPr lang="en-US" dirty="0">
+                <a:latin typeface="Segoe UI" panose="020B0502040204020203" pitchFamily="34" charset="0"/>
+                <a:cs typeface="Segoe UI" panose="020B0502040204020203" pitchFamily="34" charset="0"/>
+              </a:rPr>
+              <a:t> đ</a:t>
+            </a:r>
+            <a:r>
+              <a:rPr lang="vi-VN" dirty="0">
+                <a:latin typeface="Segoe UI" panose="020B0502040204020203" pitchFamily="34" charset="0"/>
+                <a:cs typeface="Segoe UI" panose="020B0502040204020203" pitchFamily="34" charset="0"/>
+              </a:rPr>
+              <a:t>ư</a:t>
+            </a:r>
+            <a:r>
+              <a:rPr lang="en-US" dirty="0" err="1">
+                <a:latin typeface="Segoe UI" panose="020B0502040204020203" pitchFamily="34" charset="0"/>
+                <a:cs typeface="Segoe UI" panose="020B0502040204020203" pitchFamily="34" charset="0"/>
+              </a:rPr>
+              <a:t>ợc</a:t>
+            </a:r>
+            <a:r>
+              <a:rPr lang="en-US" dirty="0">
+                <a:latin typeface="Segoe UI" panose="020B0502040204020203" pitchFamily="34" charset="0"/>
+                <a:cs typeface="Segoe UI" panose="020B0502040204020203" pitchFamily="34" charset="0"/>
+              </a:rPr>
+              <a:t> </a:t>
+            </a:r>
+            <a:r>
+              <a:rPr lang="en-US" dirty="0" err="1">
+                <a:latin typeface="Segoe UI" panose="020B0502040204020203" pitchFamily="34" charset="0"/>
+                <a:cs typeface="Segoe UI" panose="020B0502040204020203" pitchFamily="34" charset="0"/>
+              </a:rPr>
+              <a:t>mô</a:t>
+            </a:r>
+            <a:r>
+              <a:rPr lang="en-US" dirty="0">
+                <a:latin typeface="Segoe UI" panose="020B0502040204020203" pitchFamily="34" charset="0"/>
+                <a:cs typeface="Segoe UI" panose="020B0502040204020203" pitchFamily="34" charset="0"/>
+              </a:rPr>
+              <a:t> </a:t>
+            </a:r>
+            <a:r>
+              <a:rPr lang="en-US" dirty="0" err="1">
+                <a:latin typeface="Segoe UI" panose="020B0502040204020203" pitchFamily="34" charset="0"/>
+                <a:cs typeface="Segoe UI" panose="020B0502040204020203" pitchFamily="34" charset="0"/>
+              </a:rPr>
+              <a:t>hình</a:t>
+            </a:r>
+            <a:r>
+              <a:rPr lang="en-US" dirty="0">
+                <a:latin typeface="Segoe UI" panose="020B0502040204020203" pitchFamily="34" charset="0"/>
+                <a:cs typeface="Segoe UI" panose="020B0502040204020203" pitchFamily="34" charset="0"/>
+              </a:rPr>
+              <a:t> đ</a:t>
+            </a:r>
+            <a:r>
+              <a:rPr lang="vi-VN" dirty="0">
+                <a:latin typeface="Segoe UI" panose="020B0502040204020203" pitchFamily="34" charset="0"/>
+                <a:cs typeface="Segoe UI" panose="020B0502040204020203" pitchFamily="34" charset="0"/>
+              </a:rPr>
+              <a:t>ơ</a:t>
+            </a:r>
+            <a:r>
+              <a:rPr lang="en-US" dirty="0">
+                <a:latin typeface="Segoe UI" panose="020B0502040204020203" pitchFamily="34" charset="0"/>
+                <a:cs typeface="Segoe UI" panose="020B0502040204020203" pitchFamily="34" charset="0"/>
+              </a:rPr>
+              <a:t>n </a:t>
+            </a:r>
+            <a:r>
+              <a:rPr lang="en-US" dirty="0" err="1">
+                <a:latin typeface="Segoe UI" panose="020B0502040204020203" pitchFamily="34" charset="0"/>
+                <a:cs typeface="Segoe UI" panose="020B0502040204020203" pitchFamily="34" charset="0"/>
+              </a:rPr>
+              <a:t>giản</a:t>
+            </a:r>
+            <a:r>
+              <a:rPr lang="en-US" dirty="0">
+                <a:latin typeface="Segoe UI" panose="020B0502040204020203" pitchFamily="34" charset="0"/>
+                <a:cs typeface="Segoe UI" panose="020B0502040204020203" pitchFamily="34" charset="0"/>
+              </a:rPr>
+              <a:t> </a:t>
+            </a:r>
+            <a:r>
+              <a:rPr lang="en-US" dirty="0" err="1">
+                <a:latin typeface="Segoe UI" panose="020B0502040204020203" pitchFamily="34" charset="0"/>
+                <a:cs typeface="Segoe UI" panose="020B0502040204020203" pitchFamily="34" charset="0"/>
+              </a:rPr>
+              <a:t>để</a:t>
+            </a:r>
+            <a:r>
+              <a:rPr lang="en-US" dirty="0">
+                <a:latin typeface="Segoe UI" panose="020B0502040204020203" pitchFamily="34" charset="0"/>
+                <a:cs typeface="Segoe UI" panose="020B0502040204020203" pitchFamily="34" charset="0"/>
+              </a:rPr>
+              <a:t> </a:t>
+            </a:r>
+            <a:r>
+              <a:rPr lang="en-US" dirty="0" err="1">
+                <a:latin typeface="Segoe UI" panose="020B0502040204020203" pitchFamily="34" charset="0"/>
+                <a:cs typeface="Segoe UI" panose="020B0502040204020203" pitchFamily="34" charset="0"/>
+              </a:rPr>
+              <a:t>giải</a:t>
+            </a:r>
+            <a:r>
+              <a:rPr lang="en-US" dirty="0">
+                <a:latin typeface="Segoe UI" panose="020B0502040204020203" pitchFamily="34" charset="0"/>
+                <a:cs typeface="Segoe UI" panose="020B0502040204020203" pitchFamily="34" charset="0"/>
+              </a:rPr>
+              <a:t> </a:t>
+            </a:r>
+            <a:r>
+              <a:rPr lang="en-US" dirty="0" err="1">
+                <a:latin typeface="Segoe UI" panose="020B0502040204020203" pitchFamily="34" charset="0"/>
+                <a:cs typeface="Segoe UI" panose="020B0502040204020203" pitchFamily="34" charset="0"/>
+              </a:rPr>
+              <a:t>quyết</a:t>
+            </a:r>
+            <a:r>
+              <a:rPr lang="en-US" dirty="0">
+                <a:latin typeface="Segoe UI" panose="020B0502040204020203" pitchFamily="34" charset="0"/>
+                <a:cs typeface="Segoe UI" panose="020B0502040204020203" pitchFamily="34" charset="0"/>
+              </a:rPr>
+              <a:t> </a:t>
+            </a:r>
+            <a:r>
+              <a:rPr lang="en-US" dirty="0" err="1">
+                <a:latin typeface="Segoe UI" panose="020B0502040204020203" pitchFamily="34" charset="0"/>
+                <a:cs typeface="Segoe UI" panose="020B0502040204020203" pitchFamily="34" charset="0"/>
+              </a:rPr>
+              <a:t>câu</a:t>
+            </a:r>
+            <a:r>
+              <a:rPr lang="en-US" dirty="0">
+                <a:latin typeface="Segoe UI" panose="020B0502040204020203" pitchFamily="34" charset="0"/>
+                <a:cs typeface="Segoe UI" panose="020B0502040204020203" pitchFamily="34" charset="0"/>
+              </a:rPr>
+              <a:t> </a:t>
+            </a:r>
+            <a:r>
+              <a:rPr lang="en-US" dirty="0" err="1">
+                <a:latin typeface="Segoe UI" panose="020B0502040204020203" pitchFamily="34" charset="0"/>
+                <a:cs typeface="Segoe UI" panose="020B0502040204020203" pitchFamily="34" charset="0"/>
+              </a:rPr>
+              <a:t>hỏi</a:t>
+            </a:r>
+            <a:r>
+              <a:rPr lang="en-US" dirty="0">
+                <a:latin typeface="Segoe UI" panose="020B0502040204020203" pitchFamily="34" charset="0"/>
+                <a:cs typeface="Segoe UI" panose="020B0502040204020203" pitchFamily="34" charset="0"/>
+              </a:rPr>
+              <a:t> ban </a:t>
+            </a:r>
+            <a:r>
+              <a:rPr lang="en-US" dirty="0" err="1">
+                <a:latin typeface="Segoe UI" panose="020B0502040204020203" pitchFamily="34" charset="0"/>
+                <a:cs typeface="Segoe UI" panose="020B0502040204020203" pitchFamily="34" charset="0"/>
+              </a:rPr>
+              <a:t>đầu</a:t>
+            </a:r>
+            <a:r>
+              <a:rPr lang="en-US" dirty="0">
+                <a:latin typeface="Segoe UI" panose="020B0502040204020203" pitchFamily="34" charset="0"/>
+                <a:cs typeface="Segoe UI" panose="020B0502040204020203" pitchFamily="34" charset="0"/>
+              </a:rPr>
+              <a:t> </a:t>
+            </a:r>
+            <a:r>
+              <a:rPr lang="en-US" dirty="0" err="1">
+                <a:latin typeface="Segoe UI" panose="020B0502040204020203" pitchFamily="34" charset="0"/>
+                <a:cs typeface="Segoe UI" panose="020B0502040204020203" pitchFamily="34" charset="0"/>
+              </a:rPr>
+              <a:t>đặt</a:t>
+            </a:r>
+            <a:r>
+              <a:rPr lang="en-US" dirty="0">
+                <a:latin typeface="Segoe UI" panose="020B0502040204020203" pitchFamily="34" charset="0"/>
+                <a:cs typeface="Segoe UI" panose="020B0502040204020203" pitchFamily="34" charset="0"/>
+              </a:rPr>
+              <a:t> ra.</a:t>
+            </a:r>
+          </a:p>
+          <a:p>
+            <a:pPr lvl="1" algn="just"/>
+            <a:r>
+              <a:rPr lang="en-US" dirty="0" err="1">
+                <a:latin typeface="Segoe UI" panose="020B0502040204020203" pitchFamily="34" charset="0"/>
+                <a:cs typeface="Segoe UI" panose="020B0502040204020203" pitchFamily="34" charset="0"/>
+              </a:rPr>
+              <a:t>Mặc</a:t>
+            </a:r>
+            <a:r>
+              <a:rPr lang="en-US" dirty="0">
+                <a:latin typeface="Segoe UI" panose="020B0502040204020203" pitchFamily="34" charset="0"/>
+                <a:cs typeface="Segoe UI" panose="020B0502040204020203" pitchFamily="34" charset="0"/>
+              </a:rPr>
+              <a:t> </a:t>
+            </a:r>
+            <a:r>
+              <a:rPr lang="en-US" dirty="0" err="1">
+                <a:latin typeface="Segoe UI" panose="020B0502040204020203" pitchFamily="34" charset="0"/>
+                <a:cs typeface="Segoe UI" panose="020B0502040204020203" pitchFamily="34" charset="0"/>
+              </a:rPr>
+              <a:t>dù</a:t>
+            </a:r>
+            <a:r>
+              <a:rPr lang="en-US" dirty="0">
+                <a:latin typeface="Segoe UI" panose="020B0502040204020203" pitchFamily="34" charset="0"/>
+                <a:cs typeface="Segoe UI" panose="020B0502040204020203" pitchFamily="34" charset="0"/>
+              </a:rPr>
+              <a:t> </a:t>
+            </a:r>
+            <a:r>
+              <a:rPr lang="en-US" dirty="0" err="1">
+                <a:latin typeface="Segoe UI" panose="020B0502040204020203" pitchFamily="34" charset="0"/>
+                <a:cs typeface="Segoe UI" panose="020B0502040204020203" pitchFamily="34" charset="0"/>
+              </a:rPr>
+              <a:t>chỉ</a:t>
+            </a:r>
+            <a:r>
+              <a:rPr lang="en-US" dirty="0">
+                <a:latin typeface="Segoe UI" panose="020B0502040204020203" pitchFamily="34" charset="0"/>
+                <a:cs typeface="Segoe UI" panose="020B0502040204020203" pitchFamily="34" charset="0"/>
+              </a:rPr>
+              <a:t> </a:t>
             </a:r>
             <a:r>
               <a:rPr lang="en-US" dirty="0" err="1">
@@ -12150,21 +13620,252 @@
                 <a:latin typeface="Segoe UI" panose="020B0502040204020203" pitchFamily="34" charset="0"/>
                 <a:cs typeface="Segoe UI" panose="020B0502040204020203" pitchFamily="34" charset="0"/>
               </a:rPr>
-              <a:t>tập</a:t>
-            </a:r>
-            <a:r>
-              <a:rPr lang="en-US" dirty="0">
-                <a:latin typeface="Segoe UI" panose="020B0502040204020203" pitchFamily="34" charset="0"/>
-                <a:cs typeface="Segoe UI" panose="020B0502040204020203" pitchFamily="34" charset="0"/>
-              </a:rPr>
-              <a:t> test, </a:t>
-            </a:r>
-            <a:r>
-              <a:rPr lang="en-US" dirty="0" err="1">
-                <a:latin typeface="Segoe UI" panose="020B0502040204020203" pitchFamily="34" charset="0"/>
-                <a:cs typeface="Segoe UI" panose="020B0502040204020203" pitchFamily="34" charset="0"/>
-              </a:rPr>
-              <a:t>thu</a:t>
+              <a:t>quy</a:t>
+            </a:r>
+            <a:r>
+              <a:rPr lang="en-US" dirty="0">
+                <a:latin typeface="Segoe UI" panose="020B0502040204020203" pitchFamily="34" charset="0"/>
+                <a:cs typeface="Segoe UI" panose="020B0502040204020203" pitchFamily="34" charset="0"/>
+              </a:rPr>
+              <a:t> </a:t>
+            </a:r>
+            <a:r>
+              <a:rPr lang="en-US" dirty="0" err="1">
+                <a:latin typeface="Segoe UI" panose="020B0502040204020203" pitchFamily="34" charset="0"/>
+                <a:cs typeface="Segoe UI" panose="020B0502040204020203" pitchFamily="34" charset="0"/>
+              </a:rPr>
+              <a:t>mô</a:t>
+            </a:r>
+            <a:r>
+              <a:rPr lang="en-US" dirty="0">
+                <a:latin typeface="Segoe UI" panose="020B0502040204020203" pitchFamily="34" charset="0"/>
+                <a:cs typeface="Segoe UI" panose="020B0502040204020203" pitchFamily="34" charset="0"/>
+              </a:rPr>
+              <a:t> </a:t>
+            </a:r>
+            <a:r>
+              <a:rPr lang="en-US" dirty="0" err="1">
+                <a:latin typeface="Segoe UI" panose="020B0502040204020203" pitchFamily="34" charset="0"/>
+                <a:cs typeface="Segoe UI" panose="020B0502040204020203" pitchFamily="34" charset="0"/>
+              </a:rPr>
+              <a:t>nhỏ</a:t>
+            </a:r>
+            <a:r>
+              <a:rPr lang="en-US" dirty="0">
+                <a:latin typeface="Segoe UI" panose="020B0502040204020203" pitchFamily="34" charset="0"/>
+                <a:cs typeface="Segoe UI" panose="020B0502040204020203" pitchFamily="34" charset="0"/>
+              </a:rPr>
+              <a:t>, </a:t>
+            </a:r>
+            <a:r>
+              <a:rPr lang="en-US" dirty="0" err="1">
+                <a:latin typeface="Segoe UI" panose="020B0502040204020203" pitchFamily="34" charset="0"/>
+                <a:cs typeface="Segoe UI" panose="020B0502040204020203" pitchFamily="34" charset="0"/>
+              </a:rPr>
+              <a:t>dữ</a:t>
+            </a:r>
+            <a:r>
+              <a:rPr lang="en-US" dirty="0">
+                <a:latin typeface="Segoe UI" panose="020B0502040204020203" pitchFamily="34" charset="0"/>
+                <a:cs typeface="Segoe UI" panose="020B0502040204020203" pitchFamily="34" charset="0"/>
+              </a:rPr>
+              <a:t> </a:t>
+            </a:r>
+            <a:r>
+              <a:rPr lang="en-US" dirty="0" err="1">
+                <a:latin typeface="Segoe UI" panose="020B0502040204020203" pitchFamily="34" charset="0"/>
+                <a:cs typeface="Segoe UI" panose="020B0502040204020203" pitchFamily="34" charset="0"/>
+              </a:rPr>
+              <a:t>liệu</a:t>
+            </a:r>
+            <a:r>
+              <a:rPr lang="en-US" dirty="0">
+                <a:latin typeface="Segoe UI" panose="020B0502040204020203" pitchFamily="34" charset="0"/>
+                <a:cs typeface="Segoe UI" panose="020B0502040204020203" pitchFamily="34" charset="0"/>
+              </a:rPr>
+              <a:t> </a:t>
+            </a:r>
+            <a:r>
+              <a:rPr lang="en-US" dirty="0" err="1">
+                <a:latin typeface="Segoe UI" panose="020B0502040204020203" pitchFamily="34" charset="0"/>
+                <a:cs typeface="Segoe UI" panose="020B0502040204020203" pitchFamily="34" charset="0"/>
+              </a:rPr>
+              <a:t>ít</a:t>
+            </a:r>
+            <a:r>
+              <a:rPr lang="en-US" dirty="0">
+                <a:latin typeface="Segoe UI" panose="020B0502040204020203" pitchFamily="34" charset="0"/>
+                <a:cs typeface="Segoe UI" panose="020B0502040204020203" pitchFamily="34" charset="0"/>
+              </a:rPr>
+              <a:t> </a:t>
+            </a:r>
+            <a:r>
+              <a:rPr lang="en-US" dirty="0" err="1">
+                <a:latin typeface="Segoe UI" panose="020B0502040204020203" pitchFamily="34" charset="0"/>
+                <a:cs typeface="Segoe UI" panose="020B0502040204020203" pitchFamily="34" charset="0"/>
+              </a:rPr>
+              <a:t>nh</a:t>
+            </a:r>
+            <a:r>
+              <a:rPr lang="vi-VN" dirty="0">
+                <a:latin typeface="Segoe UI" panose="020B0502040204020203" pitchFamily="34" charset="0"/>
+                <a:cs typeface="Segoe UI" panose="020B0502040204020203" pitchFamily="34" charset="0"/>
+              </a:rPr>
+              <a:t>ư</a:t>
+            </a:r>
+            <a:r>
+              <a:rPr lang="en-US" dirty="0">
+                <a:latin typeface="Segoe UI" panose="020B0502040204020203" pitchFamily="34" charset="0"/>
+                <a:cs typeface="Segoe UI" panose="020B0502040204020203" pitchFamily="34" charset="0"/>
+              </a:rPr>
+              <a:t>ng </a:t>
+            </a:r>
+            <a:r>
+              <a:rPr lang="en-US" dirty="0" err="1">
+                <a:latin typeface="Segoe UI" panose="020B0502040204020203" pitchFamily="34" charset="0"/>
+                <a:cs typeface="Segoe UI" panose="020B0502040204020203" pitchFamily="34" charset="0"/>
+              </a:rPr>
+              <a:t>nhóm</a:t>
+            </a:r>
+            <a:r>
+              <a:rPr lang="en-US" dirty="0">
+                <a:latin typeface="Segoe UI" panose="020B0502040204020203" pitchFamily="34" charset="0"/>
+                <a:cs typeface="Segoe UI" panose="020B0502040204020203" pitchFamily="34" charset="0"/>
+              </a:rPr>
+              <a:t> tin </a:t>
+            </a:r>
+            <a:r>
+              <a:rPr lang="en-US" dirty="0" err="1">
+                <a:latin typeface="Segoe UI" panose="020B0502040204020203" pitchFamily="34" charset="0"/>
+                <a:cs typeface="Segoe UI" panose="020B0502040204020203" pitchFamily="34" charset="0"/>
+              </a:rPr>
+              <a:t>nếu</a:t>
+            </a:r>
+            <a:r>
+              <a:rPr lang="en-US" dirty="0">
+                <a:latin typeface="Segoe UI" panose="020B0502040204020203" pitchFamily="34" charset="0"/>
+                <a:cs typeface="Segoe UI" panose="020B0502040204020203" pitchFamily="34" charset="0"/>
+              </a:rPr>
+              <a:t> </a:t>
+            </a:r>
+            <a:r>
+              <a:rPr lang="en-US" dirty="0" err="1">
+                <a:latin typeface="Segoe UI" panose="020B0502040204020203" pitchFamily="34" charset="0"/>
+                <a:cs typeface="Segoe UI" panose="020B0502040204020203" pitchFamily="34" charset="0"/>
+              </a:rPr>
+              <a:t>tiếp</a:t>
+            </a:r>
+            <a:r>
+              <a:rPr lang="en-US" dirty="0">
+                <a:latin typeface="Segoe UI" panose="020B0502040204020203" pitchFamily="34" charset="0"/>
+                <a:cs typeface="Segoe UI" panose="020B0502040204020203" pitchFamily="34" charset="0"/>
+              </a:rPr>
+              <a:t> </a:t>
+            </a:r>
+            <a:r>
+              <a:rPr lang="en-US" dirty="0" err="1">
+                <a:latin typeface="Segoe UI" panose="020B0502040204020203" pitchFamily="34" charset="0"/>
+                <a:cs typeface="Segoe UI" panose="020B0502040204020203" pitchFamily="34" charset="0"/>
+              </a:rPr>
+              <a:t>tục</a:t>
+            </a:r>
+            <a:r>
+              <a:rPr lang="en-US" dirty="0">
+                <a:latin typeface="Segoe UI" panose="020B0502040204020203" pitchFamily="34" charset="0"/>
+                <a:cs typeface="Segoe UI" panose="020B0502040204020203" pitchFamily="34" charset="0"/>
+              </a:rPr>
+              <a:t> </a:t>
+            </a:r>
+            <a:r>
+              <a:rPr lang="en-US" dirty="0" err="1">
+                <a:latin typeface="Segoe UI" panose="020B0502040204020203" pitchFamily="34" charset="0"/>
+                <a:cs typeface="Segoe UI" panose="020B0502040204020203" pitchFamily="34" charset="0"/>
+              </a:rPr>
+              <a:t>thực</a:t>
+            </a:r>
+            <a:r>
+              <a:rPr lang="en-US" dirty="0">
+                <a:latin typeface="Segoe UI" panose="020B0502040204020203" pitchFamily="34" charset="0"/>
+                <a:cs typeface="Segoe UI" panose="020B0502040204020203" pitchFamily="34" charset="0"/>
+              </a:rPr>
+              <a:t> </a:t>
+            </a:r>
+            <a:r>
+              <a:rPr lang="en-US" dirty="0" err="1">
+                <a:latin typeface="Segoe UI" panose="020B0502040204020203" pitchFamily="34" charset="0"/>
+                <a:cs typeface="Segoe UI" panose="020B0502040204020203" pitchFamily="34" charset="0"/>
+              </a:rPr>
+              <a:t>hiện</a:t>
+            </a:r>
+            <a:r>
+              <a:rPr lang="en-US" dirty="0">
+                <a:latin typeface="Segoe UI" panose="020B0502040204020203" pitchFamily="34" charset="0"/>
+                <a:cs typeface="Segoe UI" panose="020B0502040204020203" pitchFamily="34" charset="0"/>
+              </a:rPr>
+              <a:t> </a:t>
+            </a:r>
+            <a:r>
+              <a:rPr lang="en-US" dirty="0" err="1">
+                <a:latin typeface="Segoe UI" panose="020B0502040204020203" pitchFamily="34" charset="0"/>
+                <a:cs typeface="Segoe UI" panose="020B0502040204020203" pitchFamily="34" charset="0"/>
+              </a:rPr>
+              <a:t>thì</a:t>
+            </a:r>
+            <a:r>
+              <a:rPr lang="en-US" dirty="0">
+                <a:latin typeface="Segoe UI" panose="020B0502040204020203" pitchFamily="34" charset="0"/>
+                <a:cs typeface="Segoe UI" panose="020B0502040204020203" pitchFamily="34" charset="0"/>
+              </a:rPr>
+              <a:t> </a:t>
+            </a:r>
+            <a:r>
+              <a:rPr lang="en-US" dirty="0" err="1">
+                <a:latin typeface="Segoe UI" panose="020B0502040204020203" pitchFamily="34" charset="0"/>
+                <a:cs typeface="Segoe UI" panose="020B0502040204020203" pitchFamily="34" charset="0"/>
+              </a:rPr>
+              <a:t>có</a:t>
+            </a:r>
+            <a:r>
+              <a:rPr lang="en-US" dirty="0">
+                <a:latin typeface="Segoe UI" panose="020B0502040204020203" pitchFamily="34" charset="0"/>
+                <a:cs typeface="Segoe UI" panose="020B0502040204020203" pitchFamily="34" charset="0"/>
+              </a:rPr>
+              <a:t> </a:t>
+            </a:r>
+            <a:r>
+              <a:rPr lang="en-US" dirty="0" err="1">
+                <a:latin typeface="Segoe UI" panose="020B0502040204020203" pitchFamily="34" charset="0"/>
+                <a:cs typeface="Segoe UI" panose="020B0502040204020203" pitchFamily="34" charset="0"/>
+              </a:rPr>
+              <a:t>thể</a:t>
+            </a:r>
+            <a:r>
+              <a:rPr lang="en-US" dirty="0">
+                <a:latin typeface="Segoe UI" panose="020B0502040204020203" pitchFamily="34" charset="0"/>
+                <a:cs typeface="Segoe UI" panose="020B0502040204020203" pitchFamily="34" charset="0"/>
+              </a:rPr>
+              <a:t> </a:t>
+            </a:r>
+            <a:r>
+              <a:rPr lang="en-US" dirty="0" err="1">
+                <a:latin typeface="Segoe UI" panose="020B0502040204020203" pitchFamily="34" charset="0"/>
+                <a:cs typeface="Segoe UI" panose="020B0502040204020203" pitchFamily="34" charset="0"/>
+              </a:rPr>
+              <a:t>áp</a:t>
+            </a:r>
+            <a:r>
+              <a:rPr lang="en-US" dirty="0">
+                <a:latin typeface="Segoe UI" panose="020B0502040204020203" pitchFamily="34" charset="0"/>
+                <a:cs typeface="Segoe UI" panose="020B0502040204020203" pitchFamily="34" charset="0"/>
+              </a:rPr>
+              <a:t> </a:t>
+            </a:r>
+            <a:r>
+              <a:rPr lang="en-US" dirty="0" err="1">
+                <a:latin typeface="Segoe UI" panose="020B0502040204020203" pitchFamily="34" charset="0"/>
+                <a:cs typeface="Segoe UI" panose="020B0502040204020203" pitchFamily="34" charset="0"/>
+              </a:rPr>
+              <a:t>dụng</a:t>
             </a:r>
             <a:r>
               <a:rPr lang="en-US" dirty="0">
@@ -12199,35 +13900,276 @@
                 <a:latin typeface="Segoe UI" panose="020B0502040204020203" pitchFamily="34" charset="0"/>
                 <a:cs typeface="Segoe UI" panose="020B0502040204020203" pitchFamily="34" charset="0"/>
               </a:rPr>
-              <a:t>kết</a:t>
-            </a:r>
-            <a:r>
-              <a:rPr lang="en-US" dirty="0">
-                <a:latin typeface="Segoe UI" panose="020B0502040204020203" pitchFamily="34" charset="0"/>
-                <a:cs typeface="Segoe UI" panose="020B0502040204020203" pitchFamily="34" charset="0"/>
-              </a:rPr>
-              <a:t> </a:t>
-            </a:r>
-            <a:r>
-              <a:rPr lang="en-US" dirty="0" err="1">
-                <a:latin typeface="Segoe UI" panose="020B0502040204020203" pitchFamily="34" charset="0"/>
-                <a:cs typeface="Segoe UI" panose="020B0502040204020203" pitchFamily="34" charset="0"/>
-              </a:rPr>
-              <a:t>quả</a:t>
-            </a:r>
-            <a:r>
-              <a:rPr lang="en-US" dirty="0">
-                <a:latin typeface="Segoe UI" panose="020B0502040204020203" pitchFamily="34" charset="0"/>
-                <a:cs typeface="Segoe UI" panose="020B0502040204020203" pitchFamily="34" charset="0"/>
-              </a:rPr>
-              <a:t> </a:t>
-            </a:r>
-            <a:r>
-              <a:rPr lang="en-US" dirty="0" err="1">
-                <a:latin typeface="Segoe UI" panose="020B0502040204020203" pitchFamily="34" charset="0"/>
-                <a:cs typeface="Segoe UI" panose="020B0502040204020203" pitchFamily="34" charset="0"/>
-              </a:rPr>
-              <a:t>sau</a:t>
+              <a:t>như</a:t>
+            </a:r>
+            <a:r>
+              <a:rPr lang="en-US" dirty="0">
+                <a:latin typeface="Segoe UI" panose="020B0502040204020203" pitchFamily="34" charset="0"/>
+                <a:cs typeface="Segoe UI" panose="020B0502040204020203" pitchFamily="34" charset="0"/>
+              </a:rPr>
+              <a:t> </a:t>
+            </a:r>
+            <a:r>
+              <a:rPr lang="en-US" dirty="0" err="1">
+                <a:latin typeface="Segoe UI" panose="020B0502040204020203" pitchFamily="34" charset="0"/>
+                <a:cs typeface="Segoe UI" panose="020B0502040204020203" pitchFamily="34" charset="0"/>
+              </a:rPr>
+              <a:t>động</a:t>
+            </a:r>
+            <a:r>
+              <a:rPr lang="en-US" dirty="0">
+                <a:latin typeface="Segoe UI" panose="020B0502040204020203" pitchFamily="34" charset="0"/>
+                <a:cs typeface="Segoe UI" panose="020B0502040204020203" pitchFamily="34" charset="0"/>
+              </a:rPr>
+              <a:t> </a:t>
+            </a:r>
+            <a:r>
+              <a:rPr lang="en-US" dirty="0" err="1">
+                <a:latin typeface="Segoe UI" panose="020B0502040204020203" pitchFamily="34" charset="0"/>
+                <a:cs typeface="Segoe UI" panose="020B0502040204020203" pitchFamily="34" charset="0"/>
+              </a:rPr>
+              <a:t>lực</a:t>
+            </a:r>
+            <a:r>
+              <a:rPr lang="en-US" dirty="0">
+                <a:latin typeface="Segoe UI" panose="020B0502040204020203" pitchFamily="34" charset="0"/>
+                <a:cs typeface="Segoe UI" panose="020B0502040204020203" pitchFamily="34" charset="0"/>
+              </a:rPr>
+              <a:t> </a:t>
+            </a:r>
+            <a:r>
+              <a:rPr lang="en-US" dirty="0" err="1">
+                <a:latin typeface="Segoe UI" panose="020B0502040204020203" pitchFamily="34" charset="0"/>
+                <a:cs typeface="Segoe UI" panose="020B0502040204020203" pitchFamily="34" charset="0"/>
+              </a:rPr>
+              <a:t>thực</a:t>
+            </a:r>
+            <a:r>
+              <a:rPr lang="en-US" dirty="0">
+                <a:latin typeface="Segoe UI" panose="020B0502040204020203" pitchFamily="34" charset="0"/>
+                <a:cs typeface="Segoe UI" panose="020B0502040204020203" pitchFamily="34" charset="0"/>
+              </a:rPr>
+              <a:t> </a:t>
+            </a:r>
+            <a:r>
+              <a:rPr lang="en-US" dirty="0" err="1">
+                <a:latin typeface="Segoe UI" panose="020B0502040204020203" pitchFamily="34" charset="0"/>
+                <a:cs typeface="Segoe UI" panose="020B0502040204020203" pitchFamily="34" charset="0"/>
+              </a:rPr>
+              <a:t>hiện</a:t>
+            </a:r>
+            <a:r>
+              <a:rPr lang="en-US" dirty="0">
+                <a:latin typeface="Segoe UI" panose="020B0502040204020203" pitchFamily="34" charset="0"/>
+                <a:cs typeface="Segoe UI" panose="020B0502040204020203" pitchFamily="34" charset="0"/>
+              </a:rPr>
+              <a:t> </a:t>
+            </a:r>
+            <a:r>
+              <a:rPr lang="en-US" dirty="0" err="1">
+                <a:latin typeface="Segoe UI" panose="020B0502040204020203" pitchFamily="34" charset="0"/>
+                <a:cs typeface="Segoe UI" panose="020B0502040204020203" pitchFamily="34" charset="0"/>
+              </a:rPr>
+              <a:t>của</a:t>
+            </a:r>
+            <a:r>
+              <a:rPr lang="en-US" dirty="0">
+                <a:latin typeface="Segoe UI" panose="020B0502040204020203" pitchFamily="34" charset="0"/>
+                <a:cs typeface="Segoe UI" panose="020B0502040204020203" pitchFamily="34" charset="0"/>
+              </a:rPr>
+              <a:t> </a:t>
+            </a:r>
+            <a:r>
+              <a:rPr lang="en-US" dirty="0" err="1">
+                <a:latin typeface="Segoe UI" panose="020B0502040204020203" pitchFamily="34" charset="0"/>
+                <a:cs typeface="Segoe UI" panose="020B0502040204020203" pitchFamily="34" charset="0"/>
+              </a:rPr>
+              <a:t>đề</a:t>
+            </a:r>
+            <a:r>
+              <a:rPr lang="en-US" dirty="0">
+                <a:latin typeface="Segoe UI" panose="020B0502040204020203" pitchFamily="34" charset="0"/>
+                <a:cs typeface="Segoe UI" panose="020B0502040204020203" pitchFamily="34" charset="0"/>
+              </a:rPr>
+              <a:t> </a:t>
+            </a:r>
+            <a:r>
+              <a:rPr lang="en-US" dirty="0" err="1">
+                <a:latin typeface="Segoe UI" panose="020B0502040204020203" pitchFamily="34" charset="0"/>
+                <a:cs typeface="Segoe UI" panose="020B0502040204020203" pitchFamily="34" charset="0"/>
+              </a:rPr>
+              <a:t>tài</a:t>
+            </a:r>
+            <a:r>
+              <a:rPr lang="en-US" dirty="0">
+                <a:latin typeface="Segoe UI" panose="020B0502040204020203" pitchFamily="34" charset="0"/>
+                <a:cs typeface="Segoe UI" panose="020B0502040204020203" pitchFamily="34" charset="0"/>
+              </a:rPr>
+              <a:t> </a:t>
+            </a:r>
+            <a:r>
+              <a:rPr lang="en-US" dirty="0" err="1">
+                <a:latin typeface="Segoe UI" panose="020B0502040204020203" pitchFamily="34" charset="0"/>
+                <a:cs typeface="Segoe UI" panose="020B0502040204020203" pitchFamily="34" charset="0"/>
+              </a:rPr>
+              <a:t>là</a:t>
+            </a:r>
+            <a:r>
+              <a:rPr lang="en-US" dirty="0">
+                <a:latin typeface="Segoe UI" panose="020B0502040204020203" pitchFamily="34" charset="0"/>
+                <a:cs typeface="Segoe UI" panose="020B0502040204020203" pitchFamily="34" charset="0"/>
+              </a:rPr>
+              <a:t> </a:t>
+            </a:r>
+            <a:r>
+              <a:rPr lang="en-US" dirty="0" err="1">
+                <a:latin typeface="Segoe UI" panose="020B0502040204020203" pitchFamily="34" charset="0"/>
+                <a:cs typeface="Segoe UI" panose="020B0502040204020203" pitchFamily="34" charset="0"/>
+              </a:rPr>
+              <a:t>giúp</a:t>
+            </a:r>
+            <a:r>
+              <a:rPr lang="en-US" dirty="0">
+                <a:latin typeface="Segoe UI" panose="020B0502040204020203" pitchFamily="34" charset="0"/>
+                <a:cs typeface="Segoe UI" panose="020B0502040204020203" pitchFamily="34" charset="0"/>
+              </a:rPr>
+              <a:t> đ</a:t>
+            </a:r>
+            <a:r>
+              <a:rPr lang="vi-VN" dirty="0">
+                <a:latin typeface="Segoe UI" panose="020B0502040204020203" pitchFamily="34" charset="0"/>
+                <a:cs typeface="Segoe UI" panose="020B0502040204020203" pitchFamily="34" charset="0"/>
+              </a:rPr>
+              <a:t>ơ</a:t>
+            </a:r>
+            <a:r>
+              <a:rPr lang="en-US" dirty="0">
+                <a:latin typeface="Segoe UI" panose="020B0502040204020203" pitchFamily="34" charset="0"/>
+                <a:cs typeface="Segoe UI" panose="020B0502040204020203" pitchFamily="34" charset="0"/>
+              </a:rPr>
+              <a:t>n </a:t>
+            </a:r>
+            <a:r>
+              <a:rPr lang="en-US" dirty="0" err="1">
+                <a:latin typeface="Segoe UI" panose="020B0502040204020203" pitchFamily="34" charset="0"/>
+                <a:cs typeface="Segoe UI" panose="020B0502040204020203" pitchFamily="34" charset="0"/>
+              </a:rPr>
+              <a:t>giản</a:t>
+            </a:r>
+            <a:r>
+              <a:rPr lang="en-US" dirty="0">
+                <a:latin typeface="Segoe UI" panose="020B0502040204020203" pitchFamily="34" charset="0"/>
+                <a:cs typeface="Segoe UI" panose="020B0502040204020203" pitchFamily="34" charset="0"/>
+              </a:rPr>
+              <a:t>, </a:t>
+            </a:r>
+            <a:r>
+              <a:rPr lang="en-US" dirty="0" err="1">
+                <a:latin typeface="Segoe UI" panose="020B0502040204020203" pitchFamily="34" charset="0"/>
+                <a:cs typeface="Segoe UI" panose="020B0502040204020203" pitchFamily="34" charset="0"/>
+              </a:rPr>
+              <a:t>tiết</a:t>
+            </a:r>
+            <a:r>
+              <a:rPr lang="en-US" dirty="0">
+                <a:latin typeface="Segoe UI" panose="020B0502040204020203" pitchFamily="34" charset="0"/>
+                <a:cs typeface="Segoe UI" panose="020B0502040204020203" pitchFamily="34" charset="0"/>
+              </a:rPr>
+              <a:t> </a:t>
+            </a:r>
+            <a:r>
+              <a:rPr lang="en-US" dirty="0" err="1">
+                <a:latin typeface="Segoe UI" panose="020B0502040204020203" pitchFamily="34" charset="0"/>
+                <a:cs typeface="Segoe UI" panose="020B0502040204020203" pitchFamily="34" charset="0"/>
+              </a:rPr>
+              <a:t>kiệm</a:t>
+            </a:r>
+            <a:r>
+              <a:rPr lang="en-US" dirty="0">
+                <a:latin typeface="Segoe UI" panose="020B0502040204020203" pitchFamily="34" charset="0"/>
+                <a:cs typeface="Segoe UI" panose="020B0502040204020203" pitchFamily="34" charset="0"/>
+              </a:rPr>
+              <a:t> </a:t>
+            </a:r>
+            <a:r>
+              <a:rPr lang="en-US" dirty="0" err="1">
+                <a:latin typeface="Segoe UI" panose="020B0502040204020203" pitchFamily="34" charset="0"/>
+                <a:cs typeface="Segoe UI" panose="020B0502040204020203" pitchFamily="34" charset="0"/>
+              </a:rPr>
+              <a:t>thời</a:t>
+            </a:r>
+            <a:r>
+              <a:rPr lang="en-US" dirty="0">
+                <a:latin typeface="Segoe UI" panose="020B0502040204020203" pitchFamily="34" charset="0"/>
+                <a:cs typeface="Segoe UI" panose="020B0502040204020203" pitchFamily="34" charset="0"/>
+              </a:rPr>
+              <a:t> </a:t>
+            </a:r>
+            <a:r>
+              <a:rPr lang="en-US" dirty="0" err="1">
+                <a:latin typeface="Segoe UI" panose="020B0502040204020203" pitchFamily="34" charset="0"/>
+                <a:cs typeface="Segoe UI" panose="020B0502040204020203" pitchFamily="34" charset="0"/>
+              </a:rPr>
+              <a:t>gian</a:t>
+            </a:r>
+            <a:r>
+              <a:rPr lang="en-US" dirty="0">
+                <a:latin typeface="Segoe UI" panose="020B0502040204020203" pitchFamily="34" charset="0"/>
+                <a:cs typeface="Segoe UI" panose="020B0502040204020203" pitchFamily="34" charset="0"/>
+              </a:rPr>
+              <a:t>.</a:t>
+            </a:r>
+          </a:p>
+          <a:p>
+            <a:pPr algn="just"/>
+            <a:r>
+              <a:rPr lang="en-US" dirty="0">
+                <a:latin typeface="Segoe UI" panose="020B0502040204020203" pitchFamily="34" charset="0"/>
+                <a:cs typeface="Segoe UI" panose="020B0502040204020203" pitchFamily="34" charset="0"/>
+              </a:rPr>
+              <a:t>Ch</a:t>
+            </a:r>
+            <a:r>
+              <a:rPr lang="vi-VN" dirty="0">
+                <a:latin typeface="Segoe UI" panose="020B0502040204020203" pitchFamily="34" charset="0"/>
+                <a:cs typeface="Segoe UI" panose="020B0502040204020203" pitchFamily="34" charset="0"/>
+              </a:rPr>
+              <a:t>ư</a:t>
+            </a:r>
+            <a:r>
+              <a:rPr lang="en-US" dirty="0">
+                <a:latin typeface="Segoe UI" panose="020B0502040204020203" pitchFamily="34" charset="0"/>
+                <a:cs typeface="Segoe UI" panose="020B0502040204020203" pitchFamily="34" charset="0"/>
+              </a:rPr>
+              <a:t>a </a:t>
+            </a:r>
+            <a:r>
+              <a:rPr lang="en-US" dirty="0" err="1">
+                <a:latin typeface="Segoe UI" panose="020B0502040204020203" pitchFamily="34" charset="0"/>
+                <a:cs typeface="Segoe UI" panose="020B0502040204020203" pitchFamily="34" charset="0"/>
+              </a:rPr>
+              <a:t>làm</a:t>
+            </a:r>
+            <a:r>
+              <a:rPr lang="en-US" dirty="0">
+                <a:latin typeface="Segoe UI" panose="020B0502040204020203" pitchFamily="34" charset="0"/>
+                <a:cs typeface="Segoe UI" panose="020B0502040204020203" pitchFamily="34" charset="0"/>
+              </a:rPr>
+              <a:t> đ</a:t>
+            </a:r>
+            <a:r>
+              <a:rPr lang="vi-VN" dirty="0">
+                <a:latin typeface="Segoe UI" panose="020B0502040204020203" pitchFamily="34" charset="0"/>
+                <a:cs typeface="Segoe UI" panose="020B0502040204020203" pitchFamily="34" charset="0"/>
+              </a:rPr>
+              <a:t>ư</a:t>
+            </a:r>
+            <a:r>
+              <a:rPr lang="en-US" dirty="0" err="1">
+                <a:latin typeface="Segoe UI" panose="020B0502040204020203" pitchFamily="34" charset="0"/>
+                <a:cs typeface="Segoe UI" panose="020B0502040204020203" pitchFamily="34" charset="0"/>
+              </a:rPr>
+              <a:t>ợc</a:t>
             </a:r>
             <a:r>
               <a:rPr lang="en-US" dirty="0">
@@ -12235,6 +14177,401 @@
                 <a:cs typeface="Segoe UI" panose="020B0502040204020203" pitchFamily="34" charset="0"/>
               </a:rPr>
               <a:t>:</a:t>
+            </a:r>
+          </a:p>
+          <a:p>
+            <a:pPr lvl="1" algn="just"/>
+            <a:r>
+              <a:rPr lang="en-US" dirty="0" err="1">
+                <a:latin typeface="Segoe UI" panose="020B0502040204020203" pitchFamily="34" charset="0"/>
+                <a:cs typeface="Segoe UI" panose="020B0502040204020203" pitchFamily="34" charset="0"/>
+              </a:rPr>
+              <a:t>Ngoài</a:t>
+            </a:r>
+            <a:r>
+              <a:rPr lang="en-US" dirty="0">
+                <a:latin typeface="Segoe UI" panose="020B0502040204020203" pitchFamily="34" charset="0"/>
+                <a:cs typeface="Segoe UI" panose="020B0502040204020203" pitchFamily="34" charset="0"/>
+              </a:rPr>
+              <a:t> </a:t>
+            </a:r>
+            <a:r>
+              <a:rPr lang="en-US" dirty="0" err="1">
+                <a:latin typeface="Segoe UI" panose="020B0502040204020203" pitchFamily="34" charset="0"/>
+                <a:cs typeface="Segoe UI" panose="020B0502040204020203" pitchFamily="34" charset="0"/>
+              </a:rPr>
+              <a:t>ph</a:t>
+            </a:r>
+            <a:r>
+              <a:rPr lang="vi-VN" dirty="0">
+                <a:latin typeface="Segoe UI" panose="020B0502040204020203" pitchFamily="34" charset="0"/>
+                <a:cs typeface="Segoe UI" panose="020B0502040204020203" pitchFamily="34" charset="0"/>
+              </a:rPr>
+              <a:t>ư</a:t>
+            </a:r>
+            <a:r>
+              <a:rPr lang="en-US" dirty="0" err="1">
+                <a:latin typeface="Segoe UI" panose="020B0502040204020203" pitchFamily="34" charset="0"/>
+                <a:cs typeface="Segoe UI" panose="020B0502040204020203" pitchFamily="34" charset="0"/>
+              </a:rPr>
+              <a:t>ơng</a:t>
+            </a:r>
+            <a:r>
+              <a:rPr lang="en-US" dirty="0">
+                <a:latin typeface="Segoe UI" panose="020B0502040204020203" pitchFamily="34" charset="0"/>
+                <a:cs typeface="Segoe UI" panose="020B0502040204020203" pitchFamily="34" charset="0"/>
+              </a:rPr>
+              <a:t> </a:t>
+            </a:r>
+            <a:r>
+              <a:rPr lang="en-US" dirty="0" err="1">
+                <a:latin typeface="Segoe UI" panose="020B0502040204020203" pitchFamily="34" charset="0"/>
+                <a:cs typeface="Segoe UI" panose="020B0502040204020203" pitchFamily="34" charset="0"/>
+              </a:rPr>
+              <a:t>pháp</a:t>
+            </a:r>
+            <a:r>
+              <a:rPr lang="en-US" dirty="0">
+                <a:latin typeface="Segoe UI" panose="020B0502040204020203" pitchFamily="34" charset="0"/>
+                <a:cs typeface="Segoe UI" panose="020B0502040204020203" pitchFamily="34" charset="0"/>
+              </a:rPr>
+              <a:t> </a:t>
+            </a:r>
+            <a:r>
+              <a:rPr lang="en-US" dirty="0" err="1">
+                <a:latin typeface="Segoe UI" panose="020B0502040204020203" pitchFamily="34" charset="0"/>
+                <a:cs typeface="Segoe UI" panose="020B0502040204020203" pitchFamily="34" charset="0"/>
+              </a:rPr>
+              <a:t>phân</a:t>
+            </a:r>
+            <a:r>
+              <a:rPr lang="en-US" dirty="0">
+                <a:latin typeface="Segoe UI" panose="020B0502040204020203" pitchFamily="34" charset="0"/>
+                <a:cs typeface="Segoe UI" panose="020B0502040204020203" pitchFamily="34" charset="0"/>
+              </a:rPr>
+              <a:t> </a:t>
+            </a:r>
+            <a:r>
+              <a:rPr lang="en-US" dirty="0" err="1">
+                <a:latin typeface="Segoe UI" panose="020B0502040204020203" pitchFamily="34" charset="0"/>
+                <a:cs typeface="Segoe UI" panose="020B0502040204020203" pitchFamily="34" charset="0"/>
+              </a:rPr>
+              <a:t>lớp</a:t>
+            </a:r>
+            <a:r>
+              <a:rPr lang="en-US" dirty="0">
+                <a:latin typeface="Segoe UI" panose="020B0502040204020203" pitchFamily="34" charset="0"/>
+                <a:cs typeface="Segoe UI" panose="020B0502040204020203" pitchFamily="34" charset="0"/>
+              </a:rPr>
+              <a:t> </a:t>
+            </a:r>
+            <a:r>
+              <a:rPr lang="en-US" dirty="0" err="1">
+                <a:latin typeface="Segoe UI" panose="020B0502040204020203" pitchFamily="34" charset="0"/>
+                <a:cs typeface="Segoe UI" panose="020B0502040204020203" pitchFamily="34" charset="0"/>
+              </a:rPr>
+              <a:t>bằng</a:t>
+            </a:r>
+            <a:r>
+              <a:rPr lang="en-US" dirty="0">
+                <a:latin typeface="Segoe UI" panose="020B0502040204020203" pitchFamily="34" charset="0"/>
+                <a:cs typeface="Segoe UI" panose="020B0502040204020203" pitchFamily="34" charset="0"/>
+              </a:rPr>
+              <a:t> </a:t>
+            </a:r>
+            <a:r>
+              <a:rPr lang="en-US" dirty="0" err="1">
+                <a:latin typeface="Segoe UI" panose="020B0502040204020203" pitchFamily="34" charset="0"/>
+                <a:cs typeface="Segoe UI" panose="020B0502040204020203" pitchFamily="34" charset="0"/>
+              </a:rPr>
+              <a:t>mô</a:t>
+            </a:r>
+            <a:r>
+              <a:rPr lang="en-US" dirty="0">
+                <a:latin typeface="Segoe UI" panose="020B0502040204020203" pitchFamily="34" charset="0"/>
+                <a:cs typeface="Segoe UI" panose="020B0502040204020203" pitchFamily="34" charset="0"/>
+              </a:rPr>
+              <a:t> </a:t>
+            </a:r>
+            <a:r>
+              <a:rPr lang="en-US" dirty="0" err="1">
+                <a:latin typeface="Segoe UI" panose="020B0502040204020203" pitchFamily="34" charset="0"/>
+                <a:cs typeface="Segoe UI" panose="020B0502040204020203" pitchFamily="34" charset="0"/>
+              </a:rPr>
+              <a:t>hình</a:t>
+            </a:r>
+            <a:r>
+              <a:rPr lang="en-US" dirty="0">
+                <a:latin typeface="Segoe UI" panose="020B0502040204020203" pitchFamily="34" charset="0"/>
+                <a:cs typeface="Segoe UI" panose="020B0502040204020203" pitchFamily="34" charset="0"/>
+              </a:rPr>
+              <a:t> MLP, </a:t>
+            </a:r>
+            <a:r>
+              <a:rPr lang="en-US" dirty="0" err="1">
+                <a:latin typeface="Segoe UI" panose="020B0502040204020203" pitchFamily="34" charset="0"/>
+                <a:cs typeface="Segoe UI" panose="020B0502040204020203" pitchFamily="34" charset="0"/>
+              </a:rPr>
+              <a:t>nhóm</a:t>
+            </a:r>
+            <a:r>
+              <a:rPr lang="en-US" dirty="0">
+                <a:latin typeface="Segoe UI" panose="020B0502040204020203" pitchFamily="34" charset="0"/>
+                <a:cs typeface="Segoe UI" panose="020B0502040204020203" pitchFamily="34" charset="0"/>
+              </a:rPr>
+              <a:t> </a:t>
+            </a:r>
+            <a:r>
+              <a:rPr lang="en-US" dirty="0" err="1">
+                <a:latin typeface="Segoe UI" panose="020B0502040204020203" pitchFamily="34" charset="0"/>
+                <a:cs typeface="Segoe UI" panose="020B0502040204020203" pitchFamily="34" charset="0"/>
+              </a:rPr>
+              <a:t>ch</a:t>
+            </a:r>
+            <a:r>
+              <a:rPr lang="vi-VN" dirty="0">
+                <a:latin typeface="Segoe UI" panose="020B0502040204020203" pitchFamily="34" charset="0"/>
+                <a:cs typeface="Segoe UI" panose="020B0502040204020203" pitchFamily="34" charset="0"/>
+              </a:rPr>
+              <a:t>ư</a:t>
+            </a:r>
+            <a:r>
+              <a:rPr lang="en-US" dirty="0">
+                <a:latin typeface="Segoe UI" panose="020B0502040204020203" pitchFamily="34" charset="0"/>
+                <a:cs typeface="Segoe UI" panose="020B0502040204020203" pitchFamily="34" charset="0"/>
+              </a:rPr>
+              <a:t>a </a:t>
+            </a:r>
+            <a:r>
+              <a:rPr lang="en-US" dirty="0" err="1">
+                <a:latin typeface="Segoe UI" panose="020B0502040204020203" pitchFamily="34" charset="0"/>
+                <a:cs typeface="Segoe UI" panose="020B0502040204020203" pitchFamily="34" charset="0"/>
+              </a:rPr>
+              <a:t>thử</a:t>
+            </a:r>
+            <a:r>
+              <a:rPr lang="en-US" dirty="0">
+                <a:latin typeface="Segoe UI" panose="020B0502040204020203" pitchFamily="34" charset="0"/>
+                <a:cs typeface="Segoe UI" panose="020B0502040204020203" pitchFamily="34" charset="0"/>
+              </a:rPr>
+              <a:t> </a:t>
+            </a:r>
+            <a:r>
+              <a:rPr lang="en-US" dirty="0" err="1">
+                <a:latin typeface="Segoe UI" panose="020B0502040204020203" pitchFamily="34" charset="0"/>
+                <a:cs typeface="Segoe UI" panose="020B0502040204020203" pitchFamily="34" charset="0"/>
+              </a:rPr>
+              <a:t>trên</a:t>
+            </a:r>
+            <a:r>
+              <a:rPr lang="en-US" dirty="0">
+                <a:latin typeface="Segoe UI" panose="020B0502040204020203" pitchFamily="34" charset="0"/>
+                <a:cs typeface="Segoe UI" panose="020B0502040204020203" pitchFamily="34" charset="0"/>
+              </a:rPr>
+              <a:t> </a:t>
+            </a:r>
+            <a:r>
+              <a:rPr lang="en-US" dirty="0" err="1">
+                <a:latin typeface="Segoe UI" panose="020B0502040204020203" pitchFamily="34" charset="0"/>
+                <a:cs typeface="Segoe UI" panose="020B0502040204020203" pitchFamily="34" charset="0"/>
+              </a:rPr>
+              <a:t>các</a:t>
+            </a:r>
+            <a:r>
+              <a:rPr lang="en-US" dirty="0">
+                <a:latin typeface="Segoe UI" panose="020B0502040204020203" pitchFamily="34" charset="0"/>
+                <a:cs typeface="Segoe UI" panose="020B0502040204020203" pitchFamily="34" charset="0"/>
+              </a:rPr>
+              <a:t> </a:t>
+            </a:r>
+            <a:r>
+              <a:rPr lang="en-US" dirty="0" err="1">
+                <a:latin typeface="Segoe UI" panose="020B0502040204020203" pitchFamily="34" charset="0"/>
+                <a:cs typeface="Segoe UI" panose="020B0502040204020203" pitchFamily="34" charset="0"/>
+              </a:rPr>
+              <a:t>ph</a:t>
+            </a:r>
+            <a:r>
+              <a:rPr lang="vi-VN" dirty="0">
+                <a:latin typeface="Segoe UI" panose="020B0502040204020203" pitchFamily="34" charset="0"/>
+                <a:cs typeface="Segoe UI" panose="020B0502040204020203" pitchFamily="34" charset="0"/>
+              </a:rPr>
+              <a:t>ư</a:t>
+            </a:r>
+            <a:r>
+              <a:rPr lang="en-US" dirty="0" err="1">
+                <a:latin typeface="Segoe UI" panose="020B0502040204020203" pitchFamily="34" charset="0"/>
+                <a:cs typeface="Segoe UI" panose="020B0502040204020203" pitchFamily="34" charset="0"/>
+              </a:rPr>
+              <a:t>ơng</a:t>
+            </a:r>
+            <a:r>
+              <a:rPr lang="en-US" dirty="0">
+                <a:latin typeface="Segoe UI" panose="020B0502040204020203" pitchFamily="34" charset="0"/>
+                <a:cs typeface="Segoe UI" panose="020B0502040204020203" pitchFamily="34" charset="0"/>
+              </a:rPr>
+              <a:t> </a:t>
+            </a:r>
+            <a:r>
+              <a:rPr lang="en-US" dirty="0" err="1">
+                <a:latin typeface="Segoe UI" panose="020B0502040204020203" pitchFamily="34" charset="0"/>
+                <a:cs typeface="Segoe UI" panose="020B0502040204020203" pitchFamily="34" charset="0"/>
+              </a:rPr>
+              <a:t>pháp</a:t>
+            </a:r>
+            <a:r>
+              <a:rPr lang="en-US" dirty="0">
+                <a:latin typeface="Segoe UI" panose="020B0502040204020203" pitchFamily="34" charset="0"/>
+                <a:cs typeface="Segoe UI" panose="020B0502040204020203" pitchFamily="34" charset="0"/>
+              </a:rPr>
+              <a:t> </a:t>
+            </a:r>
+            <a:r>
+              <a:rPr lang="en-US" dirty="0" err="1">
+                <a:latin typeface="Segoe UI" panose="020B0502040204020203" pitchFamily="34" charset="0"/>
+                <a:cs typeface="Segoe UI" panose="020B0502040204020203" pitchFamily="34" charset="0"/>
+              </a:rPr>
+              <a:t>phân</a:t>
+            </a:r>
+            <a:r>
+              <a:rPr lang="en-US" dirty="0">
+                <a:latin typeface="Segoe UI" panose="020B0502040204020203" pitchFamily="34" charset="0"/>
+                <a:cs typeface="Segoe UI" panose="020B0502040204020203" pitchFamily="34" charset="0"/>
+              </a:rPr>
+              <a:t> </a:t>
+            </a:r>
+            <a:r>
+              <a:rPr lang="en-US" dirty="0" err="1">
+                <a:latin typeface="Segoe UI" panose="020B0502040204020203" pitchFamily="34" charset="0"/>
+                <a:cs typeface="Segoe UI" panose="020B0502040204020203" pitchFamily="34" charset="0"/>
+              </a:rPr>
+              <a:t>lớp</a:t>
+            </a:r>
+            <a:r>
+              <a:rPr lang="en-US" dirty="0">
+                <a:latin typeface="Segoe UI" panose="020B0502040204020203" pitchFamily="34" charset="0"/>
+                <a:cs typeface="Segoe UI" panose="020B0502040204020203" pitchFamily="34" charset="0"/>
+              </a:rPr>
+              <a:t> </a:t>
+            </a:r>
+            <a:r>
+              <a:rPr lang="en-US" dirty="0" err="1">
+                <a:latin typeface="Segoe UI" panose="020B0502040204020203" pitchFamily="34" charset="0"/>
+                <a:cs typeface="Segoe UI" panose="020B0502040204020203" pitchFamily="34" charset="0"/>
+              </a:rPr>
+              <a:t>khác</a:t>
+            </a:r>
+            <a:r>
+              <a:rPr lang="en-US" dirty="0">
+                <a:latin typeface="Segoe UI" panose="020B0502040204020203" pitchFamily="34" charset="0"/>
+                <a:cs typeface="Segoe UI" panose="020B0502040204020203" pitchFamily="34" charset="0"/>
+              </a:rPr>
+              <a:t> </a:t>
+            </a:r>
+            <a:r>
+              <a:rPr lang="en-US" dirty="0" err="1">
+                <a:latin typeface="Segoe UI" panose="020B0502040204020203" pitchFamily="34" charset="0"/>
+                <a:cs typeface="Segoe UI" panose="020B0502040204020203" pitchFamily="34" charset="0"/>
+              </a:rPr>
+              <a:t>nên</a:t>
+            </a:r>
+            <a:r>
+              <a:rPr lang="en-US" dirty="0">
+                <a:latin typeface="Segoe UI" panose="020B0502040204020203" pitchFamily="34" charset="0"/>
+                <a:cs typeface="Segoe UI" panose="020B0502040204020203" pitchFamily="34" charset="0"/>
+              </a:rPr>
+              <a:t> </a:t>
+            </a:r>
+            <a:r>
+              <a:rPr lang="en-US" dirty="0" err="1">
+                <a:latin typeface="Segoe UI" panose="020B0502040204020203" pitchFamily="34" charset="0"/>
+                <a:cs typeface="Segoe UI" panose="020B0502040204020203" pitchFamily="34" charset="0"/>
+              </a:rPr>
+              <a:t>ch</a:t>
+            </a:r>
+            <a:r>
+              <a:rPr lang="vi-VN" dirty="0">
+                <a:latin typeface="Segoe UI" panose="020B0502040204020203" pitchFamily="34" charset="0"/>
+                <a:cs typeface="Segoe UI" panose="020B0502040204020203" pitchFamily="34" charset="0"/>
+              </a:rPr>
+              <a:t>ư</a:t>
+            </a:r>
+            <a:r>
+              <a:rPr lang="en-US" dirty="0">
+                <a:latin typeface="Segoe UI" panose="020B0502040204020203" pitchFamily="34" charset="0"/>
+                <a:cs typeface="Segoe UI" panose="020B0502040204020203" pitchFamily="34" charset="0"/>
+              </a:rPr>
+              <a:t>a </a:t>
+            </a:r>
+            <a:r>
+              <a:rPr lang="en-US" dirty="0" err="1">
+                <a:latin typeface="Segoe UI" panose="020B0502040204020203" pitchFamily="34" charset="0"/>
+                <a:cs typeface="Segoe UI" panose="020B0502040204020203" pitchFamily="34" charset="0"/>
+              </a:rPr>
+              <a:t>có</a:t>
+            </a:r>
+            <a:r>
+              <a:rPr lang="en-US" dirty="0">
+                <a:latin typeface="Segoe UI" panose="020B0502040204020203" pitchFamily="34" charset="0"/>
+                <a:cs typeface="Segoe UI" panose="020B0502040204020203" pitchFamily="34" charset="0"/>
+              </a:rPr>
+              <a:t> </a:t>
+            </a:r>
+            <a:r>
+              <a:rPr lang="en-US" dirty="0" err="1">
+                <a:latin typeface="Segoe UI" panose="020B0502040204020203" pitchFamily="34" charset="0"/>
+                <a:cs typeface="Segoe UI" panose="020B0502040204020203" pitchFamily="34" charset="0"/>
+              </a:rPr>
+              <a:t>sự</a:t>
+            </a:r>
+            <a:r>
+              <a:rPr lang="en-US" dirty="0">
+                <a:latin typeface="Segoe UI" panose="020B0502040204020203" pitchFamily="34" charset="0"/>
+                <a:cs typeface="Segoe UI" panose="020B0502040204020203" pitchFamily="34" charset="0"/>
+              </a:rPr>
+              <a:t> so </a:t>
+            </a:r>
+            <a:r>
+              <a:rPr lang="en-US" dirty="0" err="1">
+                <a:latin typeface="Segoe UI" panose="020B0502040204020203" pitchFamily="34" charset="0"/>
+                <a:cs typeface="Segoe UI" panose="020B0502040204020203" pitchFamily="34" charset="0"/>
+              </a:rPr>
+              <a:t>sánh</a:t>
+            </a:r>
+            <a:r>
+              <a:rPr lang="en-US" dirty="0">
+                <a:latin typeface="Segoe UI" panose="020B0502040204020203" pitchFamily="34" charset="0"/>
+                <a:cs typeface="Segoe UI" panose="020B0502040204020203" pitchFamily="34" charset="0"/>
+              </a:rPr>
+              <a:t> </a:t>
+            </a:r>
+            <a:r>
+              <a:rPr lang="en-US" dirty="0" err="1">
+                <a:latin typeface="Segoe UI" panose="020B0502040204020203" pitchFamily="34" charset="0"/>
+                <a:cs typeface="Segoe UI" panose="020B0502040204020203" pitchFamily="34" charset="0"/>
+              </a:rPr>
+              <a:t>đa</a:t>
+            </a:r>
+            <a:r>
+              <a:rPr lang="en-US" dirty="0">
+                <a:latin typeface="Segoe UI" panose="020B0502040204020203" pitchFamily="34" charset="0"/>
+                <a:cs typeface="Segoe UI" panose="020B0502040204020203" pitchFamily="34" charset="0"/>
+              </a:rPr>
+              <a:t> </a:t>
+            </a:r>
+            <a:r>
+              <a:rPr lang="en-US" dirty="0" err="1">
+                <a:latin typeface="Segoe UI" panose="020B0502040204020203" pitchFamily="34" charset="0"/>
+                <a:cs typeface="Segoe UI" panose="020B0502040204020203" pitchFamily="34" charset="0"/>
+              </a:rPr>
+              <a:t>dạng</a:t>
+            </a:r>
+            <a:r>
+              <a:rPr lang="en-US" dirty="0">
+                <a:latin typeface="Segoe UI" panose="020B0502040204020203" pitchFamily="34" charset="0"/>
+                <a:cs typeface="Segoe UI" panose="020B0502040204020203" pitchFamily="34" charset="0"/>
+              </a:rPr>
+              <a:t>.</a:t>
             </a:r>
           </a:p>
           <a:p>
@@ -12245,40 +14582,1352 @@
           </a:p>
         </p:txBody>
       </p:sp>
-      <p:pic>
-        <p:nvPicPr>
-          <p:cNvPr id="4" name="Picture 3">
+      <p:sp>
+        <p:nvSpPr>
+          <p:cNvPr id="4" name="Slide Number Placeholder 3">
             <a:extLst>
               <a:ext uri="{FF2B5EF4-FFF2-40B4-BE49-F238E27FC236}">
-                <a16:creationId xmlns:a16="http://schemas.microsoft.com/office/drawing/2014/main" id="{11DE3486-52C8-4320-8899-0F42A461897D}"/>
+                <a16:creationId xmlns:a16="http://schemas.microsoft.com/office/drawing/2014/main" id="{D852BF60-1A49-484E-826A-3CC370FEE450}"/>
               </a:ext>
             </a:extLst>
           </p:cNvPr>
-          <p:cNvPicPr>
-            <a:picLocks noChangeAspect="1"/>
-          </p:cNvPicPr>
-          <p:nvPr/>
-        </p:nvPicPr>
-        <p:blipFill>
-          <a:blip r:embed="rId2"/>
-          <a:stretch>
-            <a:fillRect/>
-          </a:stretch>
-        </p:blipFill>
-        <p:spPr>
-          <a:xfrm>
-            <a:off x="1184262" y="3194115"/>
-            <a:ext cx="6862458" cy="2974138"/>
-          </a:xfrm>
-          <a:prstGeom prst="rect">
-            <a:avLst/>
-          </a:prstGeom>
-        </p:spPr>
-      </p:pic>
+          <p:cNvSpPr>
+            <a:spLocks noGrp="1"/>
+          </p:cNvSpPr>
+          <p:nvPr>
+            <p:ph type="sldNum" sz="quarter" idx="12"/>
+          </p:nvPr>
+        </p:nvSpPr>
+        <p:spPr/>
+        <p:txBody>
+          <a:bodyPr/>
+          <a:lstStyle/>
+          <a:p>
+            <a:fld id="{E1CE7E26-F4E3-4CCB-96AD-EA8398DEF45F}" type="slidenum">
+              <a:rPr lang="en-US" smtClean="0">
+                <a:latin typeface="Segoe UI" panose="020B0502040204020203" pitchFamily="34" charset="0"/>
+                <a:cs typeface="Segoe UI" panose="020B0502040204020203" pitchFamily="34" charset="0"/>
+              </a:rPr>
+              <a:t>20</a:t>
+            </a:fld>
+            <a:endParaRPr lang="en-US">
+              <a:latin typeface="Segoe UI" panose="020B0502040204020203" pitchFamily="34" charset="0"/>
+              <a:cs typeface="Segoe UI" panose="020B0502040204020203" pitchFamily="34" charset="0"/>
+            </a:endParaRPr>
+          </a:p>
+        </p:txBody>
+      </p:sp>
     </p:spTree>
     <p:extLst>
       <p:ext uri="{BB962C8B-B14F-4D97-AF65-F5344CB8AC3E}">
-        <p14:creationId xmlns:p14="http://schemas.microsoft.com/office/powerpoint/2010/main" val="4139751284"/>
+        <p14:creationId xmlns:p14="http://schemas.microsoft.com/office/powerpoint/2010/main" val="2302128377"/>
+      </p:ext>
+    </p:extLst>
+  </p:cSld>
+  <p:clrMapOvr>
+    <a:masterClrMapping/>
+  </p:clrMapOvr>
+</p:sld>
+</file>
+
+<file path=ppt/slides/slide21.xml><?xml version="1.0" encoding="utf-8"?>
+<p:sld xmlns:a="http://schemas.openxmlformats.org/drawingml/2006/main" xmlns:r="http://schemas.openxmlformats.org/officeDocument/2006/relationships" xmlns:p="http://schemas.openxmlformats.org/presentationml/2006/main">
+  <p:cSld>
+    <p:spTree>
+      <p:nvGrpSpPr>
+        <p:cNvPr id="1" name=""/>
+        <p:cNvGrpSpPr/>
+        <p:nvPr/>
+      </p:nvGrpSpPr>
+      <p:grpSpPr>
+        <a:xfrm>
+          <a:off x="0" y="0"/>
+          <a:ext cx="0" cy="0"/>
+          <a:chOff x="0" y="0"/>
+          <a:chExt cx="0" cy="0"/>
+        </a:xfrm>
+      </p:grpSpPr>
+      <p:sp>
+        <p:nvSpPr>
+          <p:cNvPr id="2" name="Title 1">
+            <a:extLst>
+              <a:ext uri="{FF2B5EF4-FFF2-40B4-BE49-F238E27FC236}">
+                <a16:creationId xmlns:a16="http://schemas.microsoft.com/office/drawing/2014/main" id="{7DCC590C-5F20-4071-BA77-E073F4A24788}"/>
+              </a:ext>
+            </a:extLst>
+          </p:cNvPr>
+          <p:cNvSpPr>
+            <a:spLocks noGrp="1"/>
+          </p:cNvSpPr>
+          <p:nvPr>
+            <p:ph type="title"/>
+          </p:nvPr>
+        </p:nvSpPr>
+        <p:spPr>
+          <a:xfrm>
+            <a:off x="677334" y="609600"/>
+            <a:ext cx="8596668" cy="1320800"/>
+          </a:xfrm>
+        </p:spPr>
+        <p:txBody>
+          <a:bodyPr/>
+          <a:lstStyle/>
+          <a:p>
+            <a:r>
+              <a:rPr lang="en-US" dirty="0">
+                <a:latin typeface="Segoe UI" panose="020B0502040204020203" pitchFamily="34" charset="0"/>
+                <a:cs typeface="Segoe UI" panose="020B0502040204020203" pitchFamily="34" charset="0"/>
+              </a:rPr>
+              <a:t>TỔNG KẾT</a:t>
+            </a:r>
+          </a:p>
+        </p:txBody>
+      </p:sp>
+      <p:sp>
+        <p:nvSpPr>
+          <p:cNvPr id="3" name="Content Placeholder 2">
+            <a:extLst>
+              <a:ext uri="{FF2B5EF4-FFF2-40B4-BE49-F238E27FC236}">
+                <a16:creationId xmlns:a16="http://schemas.microsoft.com/office/drawing/2014/main" id="{28A01DEC-852C-4B17-B3C2-39CF01534CC2}"/>
+              </a:ext>
+            </a:extLst>
+          </p:cNvPr>
+          <p:cNvSpPr>
+            <a:spLocks noGrp="1"/>
+          </p:cNvSpPr>
+          <p:nvPr>
+            <p:ph idx="1"/>
+          </p:nvPr>
+        </p:nvSpPr>
+        <p:spPr/>
+        <p:txBody>
+          <a:bodyPr/>
+          <a:lstStyle/>
+          <a:p>
+            <a:pPr algn="just"/>
+            <a:r>
+              <a:rPr lang="en-US" dirty="0" err="1">
+                <a:latin typeface="Segoe UI" panose="020B0502040204020203" pitchFamily="34" charset="0"/>
+                <a:cs typeface="Segoe UI" panose="020B0502040204020203" pitchFamily="34" charset="0"/>
+              </a:rPr>
+              <a:t>Các</a:t>
+            </a:r>
+            <a:r>
+              <a:rPr lang="en-US" dirty="0">
+                <a:latin typeface="Segoe UI" panose="020B0502040204020203" pitchFamily="34" charset="0"/>
+                <a:cs typeface="Segoe UI" panose="020B0502040204020203" pitchFamily="34" charset="0"/>
+              </a:rPr>
+              <a:t> </a:t>
+            </a:r>
+            <a:r>
+              <a:rPr lang="en-US" dirty="0" err="1">
+                <a:latin typeface="Segoe UI" panose="020B0502040204020203" pitchFamily="34" charset="0"/>
+                <a:cs typeface="Segoe UI" panose="020B0502040204020203" pitchFamily="34" charset="0"/>
+              </a:rPr>
+              <a:t>vấn</a:t>
+            </a:r>
+            <a:r>
+              <a:rPr lang="en-US" dirty="0">
+                <a:latin typeface="Segoe UI" panose="020B0502040204020203" pitchFamily="34" charset="0"/>
+                <a:cs typeface="Segoe UI" panose="020B0502040204020203" pitchFamily="34" charset="0"/>
+              </a:rPr>
+              <a:t> </a:t>
+            </a:r>
+            <a:r>
+              <a:rPr lang="en-US" dirty="0" err="1">
+                <a:latin typeface="Segoe UI" panose="020B0502040204020203" pitchFamily="34" charset="0"/>
+                <a:cs typeface="Segoe UI" panose="020B0502040204020203" pitchFamily="34" charset="0"/>
+              </a:rPr>
+              <a:t>đề</a:t>
+            </a:r>
+            <a:r>
+              <a:rPr lang="en-US" dirty="0">
+                <a:latin typeface="Segoe UI" panose="020B0502040204020203" pitchFamily="34" charset="0"/>
+                <a:cs typeface="Segoe UI" panose="020B0502040204020203" pitchFamily="34" charset="0"/>
+              </a:rPr>
+              <a:t> </a:t>
+            </a:r>
+            <a:r>
+              <a:rPr lang="en-US" dirty="0" err="1">
+                <a:latin typeface="Segoe UI" panose="020B0502040204020203" pitchFamily="34" charset="0"/>
+                <a:cs typeface="Segoe UI" panose="020B0502040204020203" pitchFamily="34" charset="0"/>
+              </a:rPr>
+              <a:t>học</a:t>
+            </a:r>
+            <a:r>
+              <a:rPr lang="en-US" dirty="0">
+                <a:latin typeface="Segoe UI" panose="020B0502040204020203" pitchFamily="34" charset="0"/>
+                <a:cs typeface="Segoe UI" panose="020B0502040204020203" pitchFamily="34" charset="0"/>
+              </a:rPr>
+              <a:t> đ</a:t>
+            </a:r>
+            <a:r>
+              <a:rPr lang="vi-VN" dirty="0">
+                <a:latin typeface="Segoe UI" panose="020B0502040204020203" pitchFamily="34" charset="0"/>
+                <a:cs typeface="Segoe UI" panose="020B0502040204020203" pitchFamily="34" charset="0"/>
+              </a:rPr>
+              <a:t>ư</a:t>
+            </a:r>
+            <a:r>
+              <a:rPr lang="en-US" dirty="0" err="1">
+                <a:latin typeface="Segoe UI" panose="020B0502040204020203" pitchFamily="34" charset="0"/>
+                <a:cs typeface="Segoe UI" panose="020B0502040204020203" pitchFamily="34" charset="0"/>
+              </a:rPr>
+              <a:t>ợc</a:t>
+            </a:r>
+            <a:r>
+              <a:rPr lang="en-US" dirty="0">
+                <a:latin typeface="Segoe UI" panose="020B0502040204020203" pitchFamily="34" charset="0"/>
+                <a:cs typeface="Segoe UI" panose="020B0502040204020203" pitchFamily="34" charset="0"/>
+              </a:rPr>
+              <a:t>:</a:t>
+            </a:r>
+          </a:p>
+          <a:p>
+            <a:pPr lvl="1" algn="just"/>
+            <a:r>
+              <a:rPr lang="en-US" dirty="0" err="1">
+                <a:latin typeface="Segoe UI" panose="020B0502040204020203" pitchFamily="34" charset="0"/>
+                <a:cs typeface="Segoe UI" panose="020B0502040204020203" pitchFamily="34" charset="0"/>
+              </a:rPr>
+              <a:t>Về</a:t>
+            </a:r>
+            <a:r>
+              <a:rPr lang="en-US" dirty="0">
+                <a:latin typeface="Segoe UI" panose="020B0502040204020203" pitchFamily="34" charset="0"/>
+                <a:cs typeface="Segoe UI" panose="020B0502040204020203" pitchFamily="34" charset="0"/>
+              </a:rPr>
+              <a:t> </a:t>
+            </a:r>
+            <a:r>
+              <a:rPr lang="en-US" dirty="0" err="1">
+                <a:latin typeface="Segoe UI" panose="020B0502040204020203" pitchFamily="34" charset="0"/>
+                <a:cs typeface="Segoe UI" panose="020B0502040204020203" pitchFamily="34" charset="0"/>
+              </a:rPr>
+              <a:t>kiến</a:t>
+            </a:r>
+            <a:r>
+              <a:rPr lang="en-US" dirty="0">
+                <a:latin typeface="Segoe UI" panose="020B0502040204020203" pitchFamily="34" charset="0"/>
+                <a:cs typeface="Segoe UI" panose="020B0502040204020203" pitchFamily="34" charset="0"/>
+              </a:rPr>
+              <a:t> </a:t>
+            </a:r>
+            <a:r>
+              <a:rPr lang="en-US" dirty="0" err="1">
+                <a:latin typeface="Segoe UI" panose="020B0502040204020203" pitchFamily="34" charset="0"/>
+                <a:cs typeface="Segoe UI" panose="020B0502040204020203" pitchFamily="34" charset="0"/>
+              </a:rPr>
+              <a:t>thức</a:t>
+            </a:r>
+            <a:r>
+              <a:rPr lang="en-US" dirty="0">
+                <a:latin typeface="Segoe UI" panose="020B0502040204020203" pitchFamily="34" charset="0"/>
+                <a:cs typeface="Segoe UI" panose="020B0502040204020203" pitchFamily="34" charset="0"/>
+              </a:rPr>
+              <a:t>: </a:t>
+            </a:r>
+            <a:r>
+              <a:rPr lang="en-US" dirty="0" err="1">
+                <a:latin typeface="Segoe UI" panose="020B0502040204020203" pitchFamily="34" charset="0"/>
+                <a:cs typeface="Segoe UI" panose="020B0502040204020203" pitchFamily="34" charset="0"/>
+              </a:rPr>
+              <a:t>làm</a:t>
+            </a:r>
+            <a:r>
+              <a:rPr lang="en-US" dirty="0">
+                <a:latin typeface="Segoe UI" panose="020B0502040204020203" pitchFamily="34" charset="0"/>
+                <a:cs typeface="Segoe UI" panose="020B0502040204020203" pitchFamily="34" charset="0"/>
+              </a:rPr>
+              <a:t> </a:t>
+            </a:r>
+            <a:r>
+              <a:rPr lang="en-US" dirty="0" err="1">
+                <a:latin typeface="Segoe UI" panose="020B0502040204020203" pitchFamily="34" charset="0"/>
+                <a:cs typeface="Segoe UI" panose="020B0502040204020203" pitchFamily="34" charset="0"/>
+              </a:rPr>
+              <a:t>quen</a:t>
+            </a:r>
+            <a:r>
+              <a:rPr lang="en-US" dirty="0">
+                <a:latin typeface="Segoe UI" panose="020B0502040204020203" pitchFamily="34" charset="0"/>
+                <a:cs typeface="Segoe UI" panose="020B0502040204020203" pitchFamily="34" charset="0"/>
+              </a:rPr>
+              <a:t> đ</a:t>
+            </a:r>
+            <a:r>
+              <a:rPr lang="vi-VN" dirty="0">
+                <a:latin typeface="Segoe UI" panose="020B0502040204020203" pitchFamily="34" charset="0"/>
+                <a:cs typeface="Segoe UI" panose="020B0502040204020203" pitchFamily="34" charset="0"/>
+              </a:rPr>
+              <a:t>ư</a:t>
+            </a:r>
+            <a:r>
+              <a:rPr lang="en-US" dirty="0" err="1">
+                <a:latin typeface="Segoe UI" panose="020B0502040204020203" pitchFamily="34" charset="0"/>
+                <a:cs typeface="Segoe UI" panose="020B0502040204020203" pitchFamily="34" charset="0"/>
+              </a:rPr>
+              <a:t>ợc</a:t>
+            </a:r>
+            <a:r>
+              <a:rPr lang="en-US" dirty="0">
+                <a:latin typeface="Segoe UI" panose="020B0502040204020203" pitchFamily="34" charset="0"/>
+                <a:cs typeface="Segoe UI" panose="020B0502040204020203" pitchFamily="34" charset="0"/>
+              </a:rPr>
+              <a:t> </a:t>
+            </a:r>
+            <a:r>
+              <a:rPr lang="en-US" dirty="0" err="1">
+                <a:latin typeface="Segoe UI" panose="020B0502040204020203" pitchFamily="34" charset="0"/>
+                <a:cs typeface="Segoe UI" panose="020B0502040204020203" pitchFamily="34" charset="0"/>
+              </a:rPr>
+              <a:t>một</a:t>
+            </a:r>
+            <a:r>
+              <a:rPr lang="en-US" dirty="0">
+                <a:latin typeface="Segoe UI" panose="020B0502040204020203" pitchFamily="34" charset="0"/>
+                <a:cs typeface="Segoe UI" panose="020B0502040204020203" pitchFamily="34" charset="0"/>
+              </a:rPr>
+              <a:t> </a:t>
+            </a:r>
+            <a:r>
+              <a:rPr lang="en-US" dirty="0" err="1">
+                <a:latin typeface="Segoe UI" panose="020B0502040204020203" pitchFamily="34" charset="0"/>
+                <a:cs typeface="Segoe UI" panose="020B0502040204020203" pitchFamily="34" charset="0"/>
+              </a:rPr>
+              <a:t>số</a:t>
+            </a:r>
+            <a:r>
+              <a:rPr lang="en-US" dirty="0">
+                <a:latin typeface="Segoe UI" panose="020B0502040204020203" pitchFamily="34" charset="0"/>
+                <a:cs typeface="Segoe UI" panose="020B0502040204020203" pitchFamily="34" charset="0"/>
+              </a:rPr>
+              <a:t> </a:t>
+            </a:r>
+            <a:r>
+              <a:rPr lang="en-US" dirty="0" err="1">
+                <a:latin typeface="Segoe UI" panose="020B0502040204020203" pitchFamily="34" charset="0"/>
+                <a:cs typeface="Segoe UI" panose="020B0502040204020203" pitchFamily="34" charset="0"/>
+              </a:rPr>
+              <a:t>ph</a:t>
+            </a:r>
+            <a:r>
+              <a:rPr lang="vi-VN" dirty="0">
+                <a:latin typeface="Segoe UI" panose="020B0502040204020203" pitchFamily="34" charset="0"/>
+                <a:cs typeface="Segoe UI" panose="020B0502040204020203" pitchFamily="34" charset="0"/>
+              </a:rPr>
+              <a:t>ư</a:t>
+            </a:r>
+            <a:r>
+              <a:rPr lang="en-US" dirty="0" err="1">
+                <a:latin typeface="Segoe UI" panose="020B0502040204020203" pitchFamily="34" charset="0"/>
+                <a:cs typeface="Segoe UI" panose="020B0502040204020203" pitchFamily="34" charset="0"/>
+              </a:rPr>
+              <a:t>ơng</a:t>
+            </a:r>
+            <a:r>
+              <a:rPr lang="en-US" dirty="0">
+                <a:latin typeface="Segoe UI" panose="020B0502040204020203" pitchFamily="34" charset="0"/>
+                <a:cs typeface="Segoe UI" panose="020B0502040204020203" pitchFamily="34" charset="0"/>
+              </a:rPr>
+              <a:t> </a:t>
+            </a:r>
+            <a:r>
+              <a:rPr lang="en-US" dirty="0" err="1">
+                <a:latin typeface="Segoe UI" panose="020B0502040204020203" pitchFamily="34" charset="0"/>
+                <a:cs typeface="Segoe UI" panose="020B0502040204020203" pitchFamily="34" charset="0"/>
+              </a:rPr>
+              <a:t>pháp</a:t>
+            </a:r>
+            <a:r>
+              <a:rPr lang="en-US" dirty="0">
+                <a:latin typeface="Segoe UI" panose="020B0502040204020203" pitchFamily="34" charset="0"/>
+                <a:cs typeface="Segoe UI" panose="020B0502040204020203" pitchFamily="34" charset="0"/>
+              </a:rPr>
+              <a:t> </a:t>
+            </a:r>
+            <a:r>
+              <a:rPr lang="en-US" dirty="0" err="1">
+                <a:latin typeface="Segoe UI" panose="020B0502040204020203" pitchFamily="34" charset="0"/>
+                <a:cs typeface="Segoe UI" panose="020B0502040204020203" pitchFamily="34" charset="0"/>
+              </a:rPr>
+              <a:t>trong</a:t>
+            </a:r>
+            <a:r>
+              <a:rPr lang="en-US" dirty="0">
+                <a:latin typeface="Segoe UI" panose="020B0502040204020203" pitchFamily="34" charset="0"/>
+                <a:cs typeface="Segoe UI" panose="020B0502040204020203" pitchFamily="34" charset="0"/>
+              </a:rPr>
+              <a:t> </a:t>
+            </a:r>
+            <a:r>
+              <a:rPr lang="en-US" dirty="0" err="1">
+                <a:latin typeface="Segoe UI" panose="020B0502040204020203" pitchFamily="34" charset="0"/>
+                <a:cs typeface="Segoe UI" panose="020B0502040204020203" pitchFamily="34" charset="0"/>
+              </a:rPr>
+              <a:t>mảng</a:t>
+            </a:r>
+            <a:r>
+              <a:rPr lang="en-US" dirty="0">
+                <a:latin typeface="Segoe UI" panose="020B0502040204020203" pitchFamily="34" charset="0"/>
+                <a:cs typeface="Segoe UI" panose="020B0502040204020203" pitchFamily="34" charset="0"/>
+              </a:rPr>
+              <a:t> </a:t>
+            </a:r>
+            <a:r>
+              <a:rPr lang="en-US" dirty="0" err="1">
+                <a:latin typeface="Segoe UI" panose="020B0502040204020203" pitchFamily="34" charset="0"/>
+                <a:cs typeface="Segoe UI" panose="020B0502040204020203" pitchFamily="34" charset="0"/>
+              </a:rPr>
+              <a:t>Xử</a:t>
+            </a:r>
+            <a:r>
+              <a:rPr lang="en-US" dirty="0">
+                <a:latin typeface="Segoe UI" panose="020B0502040204020203" pitchFamily="34" charset="0"/>
+                <a:cs typeface="Segoe UI" panose="020B0502040204020203" pitchFamily="34" charset="0"/>
+              </a:rPr>
+              <a:t> </a:t>
+            </a:r>
+            <a:r>
+              <a:rPr lang="en-US" dirty="0" err="1">
+                <a:latin typeface="Segoe UI" panose="020B0502040204020203" pitchFamily="34" charset="0"/>
+                <a:cs typeface="Segoe UI" panose="020B0502040204020203" pitchFamily="34" charset="0"/>
+              </a:rPr>
+              <a:t>lý</a:t>
+            </a:r>
+            <a:r>
+              <a:rPr lang="en-US" dirty="0">
+                <a:latin typeface="Segoe UI" panose="020B0502040204020203" pitchFamily="34" charset="0"/>
+                <a:cs typeface="Segoe UI" panose="020B0502040204020203" pitchFamily="34" charset="0"/>
+              </a:rPr>
+              <a:t> </a:t>
+            </a:r>
+            <a:r>
+              <a:rPr lang="en-US" dirty="0" err="1">
+                <a:latin typeface="Segoe UI" panose="020B0502040204020203" pitchFamily="34" charset="0"/>
+                <a:cs typeface="Segoe UI" panose="020B0502040204020203" pitchFamily="34" charset="0"/>
+              </a:rPr>
+              <a:t>ngôn</a:t>
+            </a:r>
+            <a:r>
+              <a:rPr lang="en-US" dirty="0">
+                <a:latin typeface="Segoe UI" panose="020B0502040204020203" pitchFamily="34" charset="0"/>
+                <a:cs typeface="Segoe UI" panose="020B0502040204020203" pitchFamily="34" charset="0"/>
+              </a:rPr>
+              <a:t> </a:t>
+            </a:r>
+            <a:r>
+              <a:rPr lang="en-US" dirty="0" err="1">
+                <a:latin typeface="Segoe UI" panose="020B0502040204020203" pitchFamily="34" charset="0"/>
+                <a:cs typeface="Segoe UI" panose="020B0502040204020203" pitchFamily="34" charset="0"/>
+              </a:rPr>
+              <a:t>ngữ</a:t>
+            </a:r>
+            <a:r>
+              <a:rPr lang="en-US" dirty="0">
+                <a:latin typeface="Segoe UI" panose="020B0502040204020203" pitchFamily="34" charset="0"/>
+                <a:cs typeface="Segoe UI" panose="020B0502040204020203" pitchFamily="34" charset="0"/>
+              </a:rPr>
+              <a:t> </a:t>
+            </a:r>
+            <a:r>
+              <a:rPr lang="en-US" dirty="0" err="1">
+                <a:latin typeface="Segoe UI" panose="020B0502040204020203" pitchFamily="34" charset="0"/>
+                <a:cs typeface="Segoe UI" panose="020B0502040204020203" pitchFamily="34" charset="0"/>
+              </a:rPr>
+              <a:t>tự</a:t>
+            </a:r>
+            <a:r>
+              <a:rPr lang="en-US" dirty="0">
+                <a:latin typeface="Segoe UI" panose="020B0502040204020203" pitchFamily="34" charset="0"/>
+                <a:cs typeface="Segoe UI" panose="020B0502040204020203" pitchFamily="34" charset="0"/>
+              </a:rPr>
+              <a:t> </a:t>
+            </a:r>
+            <a:r>
+              <a:rPr lang="en-US" dirty="0" err="1">
+                <a:latin typeface="Segoe UI" panose="020B0502040204020203" pitchFamily="34" charset="0"/>
+                <a:cs typeface="Segoe UI" panose="020B0502040204020203" pitchFamily="34" charset="0"/>
+              </a:rPr>
+              <a:t>nhiên</a:t>
+            </a:r>
+            <a:r>
+              <a:rPr lang="en-US" dirty="0">
+                <a:latin typeface="Segoe UI" panose="020B0502040204020203" pitchFamily="34" charset="0"/>
+                <a:cs typeface="Segoe UI" panose="020B0502040204020203" pitchFamily="34" charset="0"/>
+              </a:rPr>
+              <a:t> – </a:t>
+            </a:r>
+            <a:r>
+              <a:rPr lang="en-US" dirty="0" err="1">
+                <a:latin typeface="Segoe UI" panose="020B0502040204020203" pitchFamily="34" charset="0"/>
+                <a:cs typeface="Segoe UI" panose="020B0502040204020203" pitchFamily="34" charset="0"/>
+              </a:rPr>
+              <a:t>lĩnh</a:t>
+            </a:r>
+            <a:r>
+              <a:rPr lang="en-US" dirty="0">
+                <a:latin typeface="Segoe UI" panose="020B0502040204020203" pitchFamily="34" charset="0"/>
+                <a:cs typeface="Segoe UI" panose="020B0502040204020203" pitchFamily="34" charset="0"/>
+              </a:rPr>
+              <a:t> </a:t>
+            </a:r>
+            <a:r>
+              <a:rPr lang="en-US" dirty="0" err="1">
+                <a:latin typeface="Segoe UI" panose="020B0502040204020203" pitchFamily="34" charset="0"/>
+                <a:cs typeface="Segoe UI" panose="020B0502040204020203" pitchFamily="34" charset="0"/>
+              </a:rPr>
+              <a:t>vực</a:t>
+            </a:r>
+            <a:r>
+              <a:rPr lang="en-US" dirty="0">
+                <a:latin typeface="Segoe UI" panose="020B0502040204020203" pitchFamily="34" charset="0"/>
+                <a:cs typeface="Segoe UI" panose="020B0502040204020203" pitchFamily="34" charset="0"/>
+              </a:rPr>
+              <a:t> </a:t>
+            </a:r>
+            <a:r>
+              <a:rPr lang="en-US" dirty="0" err="1">
+                <a:latin typeface="Segoe UI" panose="020B0502040204020203" pitchFamily="34" charset="0"/>
+                <a:cs typeface="Segoe UI" panose="020B0502040204020203" pitchFamily="34" charset="0"/>
+              </a:rPr>
+              <a:t>mà</a:t>
+            </a:r>
+            <a:r>
+              <a:rPr lang="en-US" dirty="0">
+                <a:latin typeface="Segoe UI" panose="020B0502040204020203" pitchFamily="34" charset="0"/>
+                <a:cs typeface="Segoe UI" panose="020B0502040204020203" pitchFamily="34" charset="0"/>
+              </a:rPr>
+              <a:t> tr</a:t>
+            </a:r>
+            <a:r>
+              <a:rPr lang="vi-VN" dirty="0">
+                <a:latin typeface="Segoe UI" panose="020B0502040204020203" pitchFamily="34" charset="0"/>
+                <a:cs typeface="Segoe UI" panose="020B0502040204020203" pitchFamily="34" charset="0"/>
+              </a:rPr>
+              <a:t>ư</a:t>
+            </a:r>
+            <a:r>
+              <a:rPr lang="en-US" dirty="0" err="1">
+                <a:latin typeface="Segoe UI" panose="020B0502040204020203" pitchFamily="34" charset="0"/>
+                <a:cs typeface="Segoe UI" panose="020B0502040204020203" pitchFamily="34" charset="0"/>
+              </a:rPr>
+              <a:t>ớc</a:t>
+            </a:r>
+            <a:r>
+              <a:rPr lang="en-US" dirty="0">
+                <a:latin typeface="Segoe UI" panose="020B0502040204020203" pitchFamily="34" charset="0"/>
+                <a:cs typeface="Segoe UI" panose="020B0502040204020203" pitchFamily="34" charset="0"/>
+              </a:rPr>
+              <a:t> </a:t>
+            </a:r>
+            <a:r>
+              <a:rPr lang="en-US" dirty="0" err="1">
+                <a:latin typeface="Segoe UI" panose="020B0502040204020203" pitchFamily="34" charset="0"/>
+                <a:cs typeface="Segoe UI" panose="020B0502040204020203" pitchFamily="34" charset="0"/>
+              </a:rPr>
+              <a:t>đây</a:t>
+            </a:r>
+            <a:r>
+              <a:rPr lang="en-US" dirty="0">
+                <a:latin typeface="Segoe UI" panose="020B0502040204020203" pitchFamily="34" charset="0"/>
+                <a:cs typeface="Segoe UI" panose="020B0502040204020203" pitchFamily="34" charset="0"/>
+              </a:rPr>
+              <a:t> </a:t>
+            </a:r>
+            <a:r>
+              <a:rPr lang="en-US" dirty="0" err="1">
+                <a:latin typeface="Segoe UI" panose="020B0502040204020203" pitchFamily="34" charset="0"/>
+                <a:cs typeface="Segoe UI" panose="020B0502040204020203" pitchFamily="34" charset="0"/>
+              </a:rPr>
+              <a:t>các</a:t>
+            </a:r>
+            <a:r>
+              <a:rPr lang="en-US" dirty="0">
+                <a:latin typeface="Segoe UI" panose="020B0502040204020203" pitchFamily="34" charset="0"/>
+                <a:cs typeface="Segoe UI" panose="020B0502040204020203" pitchFamily="34" charset="0"/>
+              </a:rPr>
+              <a:t> </a:t>
+            </a:r>
+            <a:r>
+              <a:rPr lang="en-US" dirty="0" err="1">
+                <a:latin typeface="Segoe UI" panose="020B0502040204020203" pitchFamily="34" charset="0"/>
+                <a:cs typeface="Segoe UI" panose="020B0502040204020203" pitchFamily="34" charset="0"/>
+              </a:rPr>
+              <a:t>thành</a:t>
+            </a:r>
+            <a:r>
+              <a:rPr lang="en-US" dirty="0">
+                <a:latin typeface="Segoe UI" panose="020B0502040204020203" pitchFamily="34" charset="0"/>
+                <a:cs typeface="Segoe UI" panose="020B0502040204020203" pitchFamily="34" charset="0"/>
+              </a:rPr>
+              <a:t> </a:t>
+            </a:r>
+            <a:r>
+              <a:rPr lang="en-US" dirty="0" err="1">
+                <a:latin typeface="Segoe UI" panose="020B0502040204020203" pitchFamily="34" charset="0"/>
+                <a:cs typeface="Segoe UI" panose="020B0502040204020203" pitchFamily="34" charset="0"/>
+              </a:rPr>
+              <a:t>viên</a:t>
+            </a:r>
+            <a:r>
+              <a:rPr lang="en-US" dirty="0">
+                <a:latin typeface="Segoe UI" panose="020B0502040204020203" pitchFamily="34" charset="0"/>
+                <a:cs typeface="Segoe UI" panose="020B0502040204020203" pitchFamily="34" charset="0"/>
+              </a:rPr>
+              <a:t> </a:t>
+            </a:r>
+            <a:r>
+              <a:rPr lang="en-US" dirty="0" err="1">
+                <a:latin typeface="Segoe UI" panose="020B0502040204020203" pitchFamily="34" charset="0"/>
+                <a:cs typeface="Segoe UI" panose="020B0502040204020203" pitchFamily="34" charset="0"/>
+              </a:rPr>
+              <a:t>trong</a:t>
+            </a:r>
+            <a:r>
+              <a:rPr lang="en-US" dirty="0">
+                <a:latin typeface="Segoe UI" panose="020B0502040204020203" pitchFamily="34" charset="0"/>
+                <a:cs typeface="Segoe UI" panose="020B0502040204020203" pitchFamily="34" charset="0"/>
+              </a:rPr>
+              <a:t> </a:t>
+            </a:r>
+            <a:r>
+              <a:rPr lang="en-US" dirty="0" err="1">
+                <a:latin typeface="Segoe UI" panose="020B0502040204020203" pitchFamily="34" charset="0"/>
+                <a:cs typeface="Segoe UI" panose="020B0502040204020203" pitchFamily="34" charset="0"/>
+              </a:rPr>
+              <a:t>nhóm</a:t>
+            </a:r>
+            <a:r>
+              <a:rPr lang="en-US" dirty="0">
+                <a:latin typeface="Segoe UI" panose="020B0502040204020203" pitchFamily="34" charset="0"/>
+                <a:cs typeface="Segoe UI" panose="020B0502040204020203" pitchFamily="34" charset="0"/>
+              </a:rPr>
+              <a:t> </a:t>
+            </a:r>
+            <a:r>
+              <a:rPr lang="en-US" dirty="0" err="1">
+                <a:latin typeface="Segoe UI" panose="020B0502040204020203" pitchFamily="34" charset="0"/>
+                <a:cs typeface="Segoe UI" panose="020B0502040204020203" pitchFamily="34" charset="0"/>
+              </a:rPr>
+              <a:t>đều</a:t>
+            </a:r>
+            <a:r>
+              <a:rPr lang="en-US" dirty="0">
+                <a:latin typeface="Segoe UI" panose="020B0502040204020203" pitchFamily="34" charset="0"/>
+                <a:cs typeface="Segoe UI" panose="020B0502040204020203" pitchFamily="34" charset="0"/>
+              </a:rPr>
+              <a:t> </a:t>
+            </a:r>
+            <a:r>
+              <a:rPr lang="en-US" dirty="0" err="1">
+                <a:latin typeface="Segoe UI" panose="020B0502040204020203" pitchFamily="34" charset="0"/>
+                <a:cs typeface="Segoe UI" panose="020B0502040204020203" pitchFamily="34" charset="0"/>
+              </a:rPr>
+              <a:t>ch</a:t>
+            </a:r>
+            <a:r>
+              <a:rPr lang="vi-VN" dirty="0">
+                <a:latin typeface="Segoe UI" panose="020B0502040204020203" pitchFamily="34" charset="0"/>
+                <a:cs typeface="Segoe UI" panose="020B0502040204020203" pitchFamily="34" charset="0"/>
+              </a:rPr>
+              <a:t>ư</a:t>
+            </a:r>
+            <a:r>
+              <a:rPr lang="en-US" dirty="0">
+                <a:latin typeface="Segoe UI" panose="020B0502040204020203" pitchFamily="34" charset="0"/>
+                <a:cs typeface="Segoe UI" panose="020B0502040204020203" pitchFamily="34" charset="0"/>
+              </a:rPr>
+              <a:t>a </a:t>
+            </a:r>
+            <a:r>
+              <a:rPr lang="en-US" dirty="0" err="1">
+                <a:latin typeface="Segoe UI" panose="020B0502040204020203" pitchFamily="34" charset="0"/>
+                <a:cs typeface="Segoe UI" panose="020B0502040204020203" pitchFamily="34" charset="0"/>
+              </a:rPr>
+              <a:t>biết</a:t>
+            </a:r>
+            <a:r>
+              <a:rPr lang="en-US" dirty="0">
+                <a:latin typeface="Segoe UI" panose="020B0502040204020203" pitchFamily="34" charset="0"/>
+                <a:cs typeface="Segoe UI" panose="020B0502040204020203" pitchFamily="34" charset="0"/>
+              </a:rPr>
+              <a:t> qua.</a:t>
+            </a:r>
+          </a:p>
+          <a:p>
+            <a:pPr lvl="1" algn="just"/>
+            <a:r>
+              <a:rPr lang="en-US" dirty="0" err="1">
+                <a:latin typeface="Segoe UI" panose="020B0502040204020203" pitchFamily="34" charset="0"/>
+                <a:cs typeface="Segoe UI" panose="020B0502040204020203" pitchFamily="34" charset="0"/>
+              </a:rPr>
+              <a:t>Về</a:t>
+            </a:r>
+            <a:r>
+              <a:rPr lang="en-US" dirty="0">
+                <a:latin typeface="Segoe UI" panose="020B0502040204020203" pitchFamily="34" charset="0"/>
+                <a:cs typeface="Segoe UI" panose="020B0502040204020203" pitchFamily="34" charset="0"/>
+              </a:rPr>
+              <a:t> </a:t>
+            </a:r>
+            <a:r>
+              <a:rPr lang="en-US" dirty="0" err="1">
+                <a:latin typeface="Segoe UI" panose="020B0502040204020203" pitchFamily="34" charset="0"/>
+                <a:cs typeface="Segoe UI" panose="020B0502040204020203" pitchFamily="34" charset="0"/>
+              </a:rPr>
+              <a:t>cách</a:t>
+            </a:r>
+            <a:r>
+              <a:rPr lang="en-US" dirty="0">
+                <a:latin typeface="Segoe UI" panose="020B0502040204020203" pitchFamily="34" charset="0"/>
+                <a:cs typeface="Segoe UI" panose="020B0502040204020203" pitchFamily="34" charset="0"/>
+              </a:rPr>
+              <a:t> </a:t>
+            </a:r>
+            <a:r>
+              <a:rPr lang="en-US" dirty="0" err="1">
+                <a:latin typeface="Segoe UI" panose="020B0502040204020203" pitchFamily="34" charset="0"/>
+                <a:cs typeface="Segoe UI" panose="020B0502040204020203" pitchFamily="34" charset="0"/>
+              </a:rPr>
+              <a:t>thức</a:t>
+            </a:r>
+            <a:r>
+              <a:rPr lang="en-US" dirty="0">
+                <a:latin typeface="Segoe UI" panose="020B0502040204020203" pitchFamily="34" charset="0"/>
+                <a:cs typeface="Segoe UI" panose="020B0502040204020203" pitchFamily="34" charset="0"/>
+              </a:rPr>
+              <a:t> </a:t>
+            </a:r>
+            <a:r>
+              <a:rPr lang="en-US" dirty="0" err="1">
+                <a:latin typeface="Segoe UI" panose="020B0502040204020203" pitchFamily="34" charset="0"/>
+                <a:cs typeface="Segoe UI" panose="020B0502040204020203" pitchFamily="34" charset="0"/>
+              </a:rPr>
+              <a:t>làm</a:t>
+            </a:r>
+            <a:r>
+              <a:rPr lang="en-US" dirty="0">
+                <a:latin typeface="Segoe UI" panose="020B0502040204020203" pitchFamily="34" charset="0"/>
+                <a:cs typeface="Segoe UI" panose="020B0502040204020203" pitchFamily="34" charset="0"/>
+              </a:rPr>
+              <a:t> </a:t>
+            </a:r>
+            <a:r>
+              <a:rPr lang="en-US" dirty="0" err="1">
+                <a:latin typeface="Segoe UI" panose="020B0502040204020203" pitchFamily="34" charset="0"/>
+                <a:cs typeface="Segoe UI" panose="020B0502040204020203" pitchFamily="34" charset="0"/>
+              </a:rPr>
+              <a:t>việc</a:t>
+            </a:r>
+            <a:r>
+              <a:rPr lang="en-US" dirty="0">
+                <a:latin typeface="Segoe UI" panose="020B0502040204020203" pitchFamily="34" charset="0"/>
+                <a:cs typeface="Segoe UI" panose="020B0502040204020203" pitchFamily="34" charset="0"/>
+              </a:rPr>
+              <a:t> </a:t>
+            </a:r>
+            <a:r>
+              <a:rPr lang="en-US" dirty="0" err="1">
+                <a:latin typeface="Segoe UI" panose="020B0502040204020203" pitchFamily="34" charset="0"/>
+                <a:cs typeface="Segoe UI" panose="020B0502040204020203" pitchFamily="34" charset="0"/>
+              </a:rPr>
+              <a:t>nhóm</a:t>
+            </a:r>
+            <a:r>
+              <a:rPr lang="en-US" dirty="0">
+                <a:latin typeface="Segoe UI" panose="020B0502040204020203" pitchFamily="34" charset="0"/>
+                <a:cs typeface="Segoe UI" panose="020B0502040204020203" pitchFamily="34" charset="0"/>
+              </a:rPr>
+              <a:t>:</a:t>
+            </a:r>
+          </a:p>
+          <a:p>
+            <a:pPr lvl="2" algn="just"/>
+            <a:r>
+              <a:rPr lang="en-US" dirty="0" err="1">
+                <a:latin typeface="Segoe UI" panose="020B0502040204020203" pitchFamily="34" charset="0"/>
+                <a:cs typeface="Segoe UI" panose="020B0502040204020203" pitchFamily="34" charset="0"/>
+              </a:rPr>
+              <a:t>Nên</a:t>
+            </a:r>
+            <a:r>
+              <a:rPr lang="en-US" dirty="0">
+                <a:latin typeface="Segoe UI" panose="020B0502040204020203" pitchFamily="34" charset="0"/>
+                <a:cs typeface="Segoe UI" panose="020B0502040204020203" pitchFamily="34" charset="0"/>
+              </a:rPr>
+              <a:t> </a:t>
+            </a:r>
+            <a:r>
+              <a:rPr lang="en-US" dirty="0" err="1">
+                <a:latin typeface="Segoe UI" panose="020B0502040204020203" pitchFamily="34" charset="0"/>
+                <a:cs typeface="Segoe UI" panose="020B0502040204020203" pitchFamily="34" charset="0"/>
+              </a:rPr>
+              <a:t>thực</a:t>
+            </a:r>
+            <a:r>
+              <a:rPr lang="en-US" dirty="0">
+                <a:latin typeface="Segoe UI" panose="020B0502040204020203" pitchFamily="34" charset="0"/>
+                <a:cs typeface="Segoe UI" panose="020B0502040204020203" pitchFamily="34" charset="0"/>
+              </a:rPr>
+              <a:t> </a:t>
+            </a:r>
+            <a:r>
+              <a:rPr lang="en-US" dirty="0" err="1">
+                <a:latin typeface="Segoe UI" panose="020B0502040204020203" pitchFamily="34" charset="0"/>
+                <a:cs typeface="Segoe UI" panose="020B0502040204020203" pitchFamily="34" charset="0"/>
+              </a:rPr>
+              <a:t>hiện</a:t>
+            </a:r>
+            <a:r>
+              <a:rPr lang="en-US" dirty="0">
+                <a:latin typeface="Segoe UI" panose="020B0502040204020203" pitchFamily="34" charset="0"/>
+                <a:cs typeface="Segoe UI" panose="020B0502040204020203" pitchFamily="34" charset="0"/>
+              </a:rPr>
+              <a:t> </a:t>
+            </a:r>
+            <a:r>
+              <a:rPr lang="en-US" dirty="0" err="1">
+                <a:latin typeface="Segoe UI" panose="020B0502040204020203" pitchFamily="34" charset="0"/>
+                <a:cs typeface="Segoe UI" panose="020B0502040204020203" pitchFamily="34" charset="0"/>
+              </a:rPr>
+              <a:t>sớm</a:t>
+            </a:r>
+            <a:r>
+              <a:rPr lang="en-US" dirty="0">
+                <a:latin typeface="Segoe UI" panose="020B0502040204020203" pitchFamily="34" charset="0"/>
+                <a:cs typeface="Segoe UI" panose="020B0502040204020203" pitchFamily="34" charset="0"/>
+              </a:rPr>
+              <a:t> h</a:t>
+            </a:r>
+            <a:r>
+              <a:rPr lang="vi-VN" dirty="0">
+                <a:latin typeface="Segoe UI" panose="020B0502040204020203" pitchFamily="34" charset="0"/>
+                <a:cs typeface="Segoe UI" panose="020B0502040204020203" pitchFamily="34" charset="0"/>
+              </a:rPr>
+              <a:t>ơ</a:t>
+            </a:r>
+            <a:r>
+              <a:rPr lang="en-US" dirty="0">
+                <a:latin typeface="Segoe UI" panose="020B0502040204020203" pitchFamily="34" charset="0"/>
+                <a:cs typeface="Segoe UI" panose="020B0502040204020203" pitchFamily="34" charset="0"/>
+              </a:rPr>
+              <a:t>n </a:t>
+            </a:r>
+            <a:r>
+              <a:rPr lang="en-US" dirty="0" err="1">
+                <a:latin typeface="Segoe UI" panose="020B0502040204020203" pitchFamily="34" charset="0"/>
+                <a:cs typeface="Segoe UI" panose="020B0502040204020203" pitchFamily="34" charset="0"/>
+              </a:rPr>
+              <a:t>để</a:t>
+            </a:r>
+            <a:r>
+              <a:rPr lang="en-US" dirty="0">
+                <a:latin typeface="Segoe UI" panose="020B0502040204020203" pitchFamily="34" charset="0"/>
+                <a:cs typeface="Segoe UI" panose="020B0502040204020203" pitchFamily="34" charset="0"/>
+              </a:rPr>
+              <a:t> </a:t>
+            </a:r>
+            <a:r>
+              <a:rPr lang="en-US" dirty="0" err="1">
+                <a:latin typeface="Segoe UI" panose="020B0502040204020203" pitchFamily="34" charset="0"/>
+                <a:cs typeface="Segoe UI" panose="020B0502040204020203" pitchFamily="34" charset="0"/>
+              </a:rPr>
+              <a:t>khi</a:t>
+            </a:r>
+            <a:r>
+              <a:rPr lang="en-US" dirty="0">
+                <a:latin typeface="Segoe UI" panose="020B0502040204020203" pitchFamily="34" charset="0"/>
+                <a:cs typeface="Segoe UI" panose="020B0502040204020203" pitchFamily="34" charset="0"/>
+              </a:rPr>
+              <a:t> </a:t>
+            </a:r>
+            <a:r>
+              <a:rPr lang="en-US" dirty="0" err="1">
+                <a:latin typeface="Segoe UI" panose="020B0502040204020203" pitchFamily="34" charset="0"/>
+                <a:cs typeface="Segoe UI" panose="020B0502040204020203" pitchFamily="34" charset="0"/>
+              </a:rPr>
+              <a:t>có</a:t>
+            </a:r>
+            <a:r>
+              <a:rPr lang="en-US" dirty="0">
+                <a:latin typeface="Segoe UI" panose="020B0502040204020203" pitchFamily="34" charset="0"/>
+                <a:cs typeface="Segoe UI" panose="020B0502040204020203" pitchFamily="34" charset="0"/>
+              </a:rPr>
+              <a:t> </a:t>
+            </a:r>
+            <a:r>
+              <a:rPr lang="en-US" dirty="0" err="1">
+                <a:latin typeface="Segoe UI" panose="020B0502040204020203" pitchFamily="34" charset="0"/>
+                <a:cs typeface="Segoe UI" panose="020B0502040204020203" pitchFamily="34" charset="0"/>
+              </a:rPr>
+              <a:t>lỗi</a:t>
+            </a:r>
+            <a:r>
+              <a:rPr lang="en-US" dirty="0">
+                <a:latin typeface="Segoe UI" panose="020B0502040204020203" pitchFamily="34" charset="0"/>
+                <a:cs typeface="Segoe UI" panose="020B0502040204020203" pitchFamily="34" charset="0"/>
+              </a:rPr>
+              <a:t> </a:t>
+            </a:r>
+            <a:r>
+              <a:rPr lang="en-US" dirty="0" err="1">
+                <a:latin typeface="Segoe UI" panose="020B0502040204020203" pitchFamily="34" charset="0"/>
+                <a:cs typeface="Segoe UI" panose="020B0502040204020203" pitchFamily="34" charset="0"/>
+              </a:rPr>
+              <a:t>có</a:t>
+            </a:r>
+            <a:r>
+              <a:rPr lang="en-US" dirty="0">
+                <a:latin typeface="Segoe UI" panose="020B0502040204020203" pitchFamily="34" charset="0"/>
+                <a:cs typeface="Segoe UI" panose="020B0502040204020203" pitchFamily="34" charset="0"/>
+              </a:rPr>
+              <a:t> </a:t>
+            </a:r>
+            <a:r>
+              <a:rPr lang="en-US" dirty="0" err="1">
+                <a:latin typeface="Segoe UI" panose="020B0502040204020203" pitchFamily="34" charset="0"/>
+                <a:cs typeface="Segoe UI" panose="020B0502040204020203" pitchFamily="34" charset="0"/>
+              </a:rPr>
+              <a:t>thể</a:t>
+            </a:r>
+            <a:r>
+              <a:rPr lang="en-US" dirty="0">
+                <a:latin typeface="Segoe UI" panose="020B0502040204020203" pitchFamily="34" charset="0"/>
+                <a:cs typeface="Segoe UI" panose="020B0502040204020203" pitchFamily="34" charset="0"/>
+              </a:rPr>
+              <a:t> </a:t>
+            </a:r>
+            <a:r>
+              <a:rPr lang="en-US" dirty="0" err="1">
+                <a:latin typeface="Segoe UI" panose="020B0502040204020203" pitchFamily="34" charset="0"/>
+                <a:cs typeface="Segoe UI" panose="020B0502040204020203" pitchFamily="34" charset="0"/>
+              </a:rPr>
+              <a:t>có</a:t>
+            </a:r>
+            <a:r>
+              <a:rPr lang="en-US" dirty="0">
+                <a:latin typeface="Segoe UI" panose="020B0502040204020203" pitchFamily="34" charset="0"/>
+                <a:cs typeface="Segoe UI" panose="020B0502040204020203" pitchFamily="34" charset="0"/>
+              </a:rPr>
+              <a:t> </a:t>
+            </a:r>
+            <a:r>
+              <a:rPr lang="en-US" dirty="0" err="1">
+                <a:latin typeface="Segoe UI" panose="020B0502040204020203" pitchFamily="34" charset="0"/>
+                <a:cs typeface="Segoe UI" panose="020B0502040204020203" pitchFamily="34" charset="0"/>
+              </a:rPr>
+              <a:t>thời</a:t>
+            </a:r>
+            <a:r>
+              <a:rPr lang="en-US" dirty="0">
+                <a:latin typeface="Segoe UI" panose="020B0502040204020203" pitchFamily="34" charset="0"/>
+                <a:cs typeface="Segoe UI" panose="020B0502040204020203" pitchFamily="34" charset="0"/>
+              </a:rPr>
+              <a:t> </a:t>
+            </a:r>
+            <a:r>
+              <a:rPr lang="en-US" dirty="0" err="1">
+                <a:latin typeface="Segoe UI" panose="020B0502040204020203" pitchFamily="34" charset="0"/>
+                <a:cs typeface="Segoe UI" panose="020B0502040204020203" pitchFamily="34" charset="0"/>
+              </a:rPr>
+              <a:t>gian</a:t>
+            </a:r>
+            <a:r>
+              <a:rPr lang="en-US" dirty="0">
+                <a:latin typeface="Segoe UI" panose="020B0502040204020203" pitchFamily="34" charset="0"/>
+                <a:cs typeface="Segoe UI" panose="020B0502040204020203" pitchFamily="34" charset="0"/>
+              </a:rPr>
+              <a:t> </a:t>
+            </a:r>
+            <a:r>
+              <a:rPr lang="en-US" dirty="0" err="1">
+                <a:latin typeface="Segoe UI" panose="020B0502040204020203" pitchFamily="34" charset="0"/>
+                <a:cs typeface="Segoe UI" panose="020B0502040204020203" pitchFamily="34" charset="0"/>
+              </a:rPr>
+              <a:t>khắc</a:t>
+            </a:r>
+            <a:r>
+              <a:rPr lang="en-US" dirty="0">
+                <a:latin typeface="Segoe UI" panose="020B0502040204020203" pitchFamily="34" charset="0"/>
+                <a:cs typeface="Segoe UI" panose="020B0502040204020203" pitchFamily="34" charset="0"/>
+              </a:rPr>
+              <a:t> </a:t>
+            </a:r>
+            <a:r>
+              <a:rPr lang="en-US" dirty="0" err="1">
+                <a:latin typeface="Segoe UI" panose="020B0502040204020203" pitchFamily="34" charset="0"/>
+                <a:cs typeface="Segoe UI" panose="020B0502040204020203" pitchFamily="34" charset="0"/>
+              </a:rPr>
+              <a:t>phục</a:t>
+            </a:r>
+            <a:r>
+              <a:rPr lang="en-US" dirty="0">
+                <a:latin typeface="Segoe UI" panose="020B0502040204020203" pitchFamily="34" charset="0"/>
+                <a:cs typeface="Segoe UI" panose="020B0502040204020203" pitchFamily="34" charset="0"/>
+              </a:rPr>
+              <a:t>.</a:t>
+            </a:r>
+          </a:p>
+          <a:p>
+            <a:pPr lvl="2" algn="just"/>
+            <a:r>
+              <a:rPr lang="en-US" dirty="0" err="1">
+                <a:latin typeface="Segoe UI" panose="020B0502040204020203" pitchFamily="34" charset="0"/>
+                <a:cs typeface="Segoe UI" panose="020B0502040204020203" pitchFamily="34" charset="0"/>
+              </a:rPr>
+              <a:t>Nên</a:t>
+            </a:r>
+            <a:r>
+              <a:rPr lang="en-US" dirty="0">
+                <a:latin typeface="Segoe UI" panose="020B0502040204020203" pitchFamily="34" charset="0"/>
+                <a:cs typeface="Segoe UI" panose="020B0502040204020203" pitchFamily="34" charset="0"/>
+              </a:rPr>
+              <a:t> </a:t>
+            </a:r>
+            <a:r>
+              <a:rPr lang="en-US" dirty="0" err="1">
+                <a:latin typeface="Segoe UI" panose="020B0502040204020203" pitchFamily="34" charset="0"/>
+                <a:cs typeface="Segoe UI" panose="020B0502040204020203" pitchFamily="34" charset="0"/>
+              </a:rPr>
+              <a:t>lên</a:t>
+            </a:r>
+            <a:r>
+              <a:rPr lang="en-US" dirty="0">
+                <a:latin typeface="Segoe UI" panose="020B0502040204020203" pitchFamily="34" charset="0"/>
+                <a:cs typeface="Segoe UI" panose="020B0502040204020203" pitchFamily="34" charset="0"/>
+              </a:rPr>
+              <a:t> </a:t>
+            </a:r>
+            <a:r>
+              <a:rPr lang="en-US" dirty="0" err="1">
+                <a:latin typeface="Segoe UI" panose="020B0502040204020203" pitchFamily="34" charset="0"/>
+                <a:cs typeface="Segoe UI" panose="020B0502040204020203" pitchFamily="34" charset="0"/>
+              </a:rPr>
+              <a:t>kế</a:t>
+            </a:r>
+            <a:r>
+              <a:rPr lang="en-US" dirty="0">
+                <a:latin typeface="Segoe UI" panose="020B0502040204020203" pitchFamily="34" charset="0"/>
+                <a:cs typeface="Segoe UI" panose="020B0502040204020203" pitchFamily="34" charset="0"/>
+              </a:rPr>
+              <a:t> </a:t>
+            </a:r>
+            <a:r>
+              <a:rPr lang="en-US" dirty="0" err="1">
+                <a:latin typeface="Segoe UI" panose="020B0502040204020203" pitchFamily="34" charset="0"/>
+                <a:cs typeface="Segoe UI" panose="020B0502040204020203" pitchFamily="34" charset="0"/>
+              </a:rPr>
+              <a:t>hoạch</a:t>
+            </a:r>
+            <a:r>
+              <a:rPr lang="en-US" dirty="0">
+                <a:latin typeface="Segoe UI" panose="020B0502040204020203" pitchFamily="34" charset="0"/>
+                <a:cs typeface="Segoe UI" panose="020B0502040204020203" pitchFamily="34" charset="0"/>
+              </a:rPr>
+              <a:t>, </a:t>
+            </a:r>
+            <a:r>
+              <a:rPr lang="en-US" dirty="0" err="1">
+                <a:latin typeface="Segoe UI" panose="020B0502040204020203" pitchFamily="34" charset="0"/>
+                <a:cs typeface="Segoe UI" panose="020B0502040204020203" pitchFamily="34" charset="0"/>
+              </a:rPr>
+              <a:t>vạch</a:t>
+            </a:r>
+            <a:r>
+              <a:rPr lang="en-US" dirty="0">
+                <a:latin typeface="Segoe UI" panose="020B0502040204020203" pitchFamily="34" charset="0"/>
+                <a:cs typeface="Segoe UI" panose="020B0502040204020203" pitchFamily="34" charset="0"/>
+              </a:rPr>
+              <a:t> ra </a:t>
+            </a:r>
+            <a:r>
+              <a:rPr lang="en-US" dirty="0" err="1">
+                <a:latin typeface="Segoe UI" panose="020B0502040204020203" pitchFamily="34" charset="0"/>
+                <a:cs typeface="Segoe UI" panose="020B0502040204020203" pitchFamily="34" charset="0"/>
+              </a:rPr>
+              <a:t>các</a:t>
+            </a:r>
+            <a:r>
+              <a:rPr lang="en-US" dirty="0">
+                <a:latin typeface="Segoe UI" panose="020B0502040204020203" pitchFamily="34" charset="0"/>
+                <a:cs typeface="Segoe UI" panose="020B0502040204020203" pitchFamily="34" charset="0"/>
+              </a:rPr>
+              <a:t> ý </a:t>
+            </a:r>
+            <a:r>
+              <a:rPr lang="en-US" dirty="0" err="1">
+                <a:latin typeface="Segoe UI" panose="020B0502040204020203" pitchFamily="34" charset="0"/>
+                <a:cs typeface="Segoe UI" panose="020B0502040204020203" pitchFamily="34" charset="0"/>
+              </a:rPr>
+              <a:t>chính</a:t>
+            </a:r>
+            <a:r>
+              <a:rPr lang="en-US" dirty="0">
+                <a:latin typeface="Segoe UI" panose="020B0502040204020203" pitchFamily="34" charset="0"/>
+                <a:cs typeface="Segoe UI" panose="020B0502040204020203" pitchFamily="34" charset="0"/>
+              </a:rPr>
+              <a:t> </a:t>
+            </a:r>
+            <a:r>
+              <a:rPr lang="en-US" dirty="0" err="1">
+                <a:latin typeface="Segoe UI" panose="020B0502040204020203" pitchFamily="34" charset="0"/>
+                <a:cs typeface="Segoe UI" panose="020B0502040204020203" pitchFamily="34" charset="0"/>
+              </a:rPr>
+              <a:t>rõ</a:t>
+            </a:r>
+            <a:r>
+              <a:rPr lang="en-US" dirty="0">
+                <a:latin typeface="Segoe UI" panose="020B0502040204020203" pitchFamily="34" charset="0"/>
+                <a:cs typeface="Segoe UI" panose="020B0502040204020203" pitchFamily="34" charset="0"/>
+              </a:rPr>
+              <a:t> </a:t>
+            </a:r>
+            <a:r>
+              <a:rPr lang="en-US" dirty="0" err="1">
+                <a:latin typeface="Segoe UI" panose="020B0502040204020203" pitchFamily="34" charset="0"/>
+                <a:cs typeface="Segoe UI" panose="020B0502040204020203" pitchFamily="34" charset="0"/>
+              </a:rPr>
+              <a:t>ràng</a:t>
+            </a:r>
+            <a:r>
+              <a:rPr lang="en-US" dirty="0">
+                <a:latin typeface="Segoe UI" panose="020B0502040204020203" pitchFamily="34" charset="0"/>
+                <a:cs typeface="Segoe UI" panose="020B0502040204020203" pitchFamily="34" charset="0"/>
+              </a:rPr>
+              <a:t> h</a:t>
+            </a:r>
+            <a:r>
+              <a:rPr lang="vi-VN" dirty="0">
+                <a:latin typeface="Segoe UI" panose="020B0502040204020203" pitchFamily="34" charset="0"/>
+                <a:cs typeface="Segoe UI" panose="020B0502040204020203" pitchFamily="34" charset="0"/>
+              </a:rPr>
+              <a:t>ơ</a:t>
+            </a:r>
+            <a:r>
+              <a:rPr lang="en-US" dirty="0">
+                <a:latin typeface="Segoe UI" panose="020B0502040204020203" pitchFamily="34" charset="0"/>
+                <a:cs typeface="Segoe UI" panose="020B0502040204020203" pitchFamily="34" charset="0"/>
+              </a:rPr>
+              <a:t>n.</a:t>
+            </a:r>
+          </a:p>
+        </p:txBody>
+      </p:sp>
+      <p:sp>
+        <p:nvSpPr>
+          <p:cNvPr id="4" name="Slide Number Placeholder 3">
+            <a:extLst>
+              <a:ext uri="{FF2B5EF4-FFF2-40B4-BE49-F238E27FC236}">
+                <a16:creationId xmlns:a16="http://schemas.microsoft.com/office/drawing/2014/main" id="{9E54E0C6-ABA5-4919-8A22-E3CACC5D6A3D}"/>
+              </a:ext>
+            </a:extLst>
+          </p:cNvPr>
+          <p:cNvSpPr>
+            <a:spLocks noGrp="1"/>
+          </p:cNvSpPr>
+          <p:nvPr>
+            <p:ph type="sldNum" sz="quarter" idx="12"/>
+          </p:nvPr>
+        </p:nvSpPr>
+        <p:spPr/>
+        <p:txBody>
+          <a:bodyPr/>
+          <a:lstStyle/>
+          <a:p>
+            <a:fld id="{E1CE7E26-F4E3-4CCB-96AD-EA8398DEF45F}" type="slidenum">
+              <a:rPr lang="en-US" smtClean="0"/>
+              <a:t>21</a:t>
+            </a:fld>
+            <a:endParaRPr lang="en-US"/>
+          </a:p>
+        </p:txBody>
+      </p:sp>
+    </p:spTree>
+    <p:extLst>
+      <p:ext uri="{BB962C8B-B14F-4D97-AF65-F5344CB8AC3E}">
+        <p14:creationId xmlns:p14="http://schemas.microsoft.com/office/powerpoint/2010/main" val="3102409429"/>
+      </p:ext>
+    </p:extLst>
+  </p:cSld>
+  <p:clrMapOvr>
+    <a:masterClrMapping/>
+  </p:clrMapOvr>
+</p:sld>
+</file>
+
+<file path=ppt/slides/slide22.xml><?xml version="1.0" encoding="utf-8"?>
+<p:sld xmlns:a="http://schemas.openxmlformats.org/drawingml/2006/main" xmlns:r="http://schemas.openxmlformats.org/officeDocument/2006/relationships" xmlns:p="http://schemas.openxmlformats.org/presentationml/2006/main">
+  <p:cSld>
+    <p:spTree>
+      <p:nvGrpSpPr>
+        <p:cNvPr id="1" name=""/>
+        <p:cNvGrpSpPr/>
+        <p:nvPr/>
+      </p:nvGrpSpPr>
+      <p:grpSpPr>
+        <a:xfrm>
+          <a:off x="0" y="0"/>
+          <a:ext cx="0" cy="0"/>
+          <a:chOff x="0" y="0"/>
+          <a:chExt cx="0" cy="0"/>
+        </a:xfrm>
+      </p:grpSpPr>
+      <p:sp>
+        <p:nvSpPr>
+          <p:cNvPr id="2" name="Title 1">
+            <a:extLst>
+              <a:ext uri="{FF2B5EF4-FFF2-40B4-BE49-F238E27FC236}">
+                <a16:creationId xmlns:a16="http://schemas.microsoft.com/office/drawing/2014/main" id="{95C5AA2D-5682-489E-9BEE-93B6175B4FC9}"/>
+              </a:ext>
+            </a:extLst>
+          </p:cNvPr>
+          <p:cNvSpPr>
+            <a:spLocks noGrp="1"/>
+          </p:cNvSpPr>
+          <p:nvPr>
+            <p:ph type="title"/>
+          </p:nvPr>
+        </p:nvSpPr>
+        <p:spPr>
+          <a:xfrm>
+            <a:off x="677334" y="609600"/>
+            <a:ext cx="8596668" cy="1320800"/>
+          </a:xfrm>
+        </p:spPr>
+        <p:txBody>
+          <a:bodyPr/>
+          <a:lstStyle/>
+          <a:p>
+            <a:r>
+              <a:rPr lang="en-US" dirty="0">
+                <a:latin typeface="Segoe UI" panose="020B0502040204020203" pitchFamily="34" charset="0"/>
+                <a:cs typeface="Segoe UI" panose="020B0502040204020203" pitchFamily="34" charset="0"/>
+              </a:rPr>
+              <a:t>TỔNG KẾT</a:t>
+            </a:r>
+          </a:p>
+        </p:txBody>
+      </p:sp>
+      <p:sp>
+        <p:nvSpPr>
+          <p:cNvPr id="3" name="Content Placeholder 2">
+            <a:extLst>
+              <a:ext uri="{FF2B5EF4-FFF2-40B4-BE49-F238E27FC236}">
+                <a16:creationId xmlns:a16="http://schemas.microsoft.com/office/drawing/2014/main" id="{A4465289-E9AA-43E6-A8A7-1A183DF525C8}"/>
+              </a:ext>
+            </a:extLst>
+          </p:cNvPr>
+          <p:cNvSpPr>
+            <a:spLocks noGrp="1"/>
+          </p:cNvSpPr>
+          <p:nvPr>
+            <p:ph idx="1"/>
+          </p:nvPr>
+        </p:nvSpPr>
+        <p:spPr/>
+        <p:txBody>
+          <a:bodyPr/>
+          <a:lstStyle/>
+          <a:p>
+            <a:r>
+              <a:rPr lang="en-US" dirty="0" err="1">
+                <a:latin typeface="Segoe UI" panose="020B0502040204020203" pitchFamily="34" charset="0"/>
+                <a:cs typeface="Segoe UI" panose="020B0502040204020203" pitchFamily="34" charset="0"/>
+              </a:rPr>
+              <a:t>Câu</a:t>
+            </a:r>
+            <a:r>
+              <a:rPr lang="en-US" dirty="0">
+                <a:latin typeface="Segoe UI" panose="020B0502040204020203" pitchFamily="34" charset="0"/>
+                <a:cs typeface="Segoe UI" panose="020B0502040204020203" pitchFamily="34" charset="0"/>
+              </a:rPr>
+              <a:t> </a:t>
+            </a:r>
+            <a:r>
+              <a:rPr lang="en-US" dirty="0" err="1">
+                <a:latin typeface="Segoe UI" panose="020B0502040204020203" pitchFamily="34" charset="0"/>
+                <a:cs typeface="Segoe UI" panose="020B0502040204020203" pitchFamily="34" charset="0"/>
+              </a:rPr>
+              <a:t>hỏi</a:t>
+            </a:r>
+            <a:r>
+              <a:rPr lang="en-US" dirty="0">
+                <a:latin typeface="Segoe UI" panose="020B0502040204020203" pitchFamily="34" charset="0"/>
+                <a:cs typeface="Segoe UI" panose="020B0502040204020203" pitchFamily="34" charset="0"/>
+              </a:rPr>
+              <a:t>: </a:t>
+            </a:r>
+            <a:r>
+              <a:rPr lang="en-US" dirty="0" err="1">
+                <a:latin typeface="Segoe UI" panose="020B0502040204020203" pitchFamily="34" charset="0"/>
+                <a:cs typeface="Segoe UI" panose="020B0502040204020203" pitchFamily="34" charset="0"/>
+              </a:rPr>
+              <a:t>Không</a:t>
+            </a:r>
+            <a:r>
+              <a:rPr lang="en-US" dirty="0">
+                <a:latin typeface="Segoe UI" panose="020B0502040204020203" pitchFamily="34" charset="0"/>
+                <a:cs typeface="Segoe UI" panose="020B0502040204020203" pitchFamily="34" charset="0"/>
+              </a:rPr>
+              <a:t> </a:t>
+            </a:r>
+            <a:r>
+              <a:rPr lang="en-US" dirty="0" err="1">
+                <a:latin typeface="Segoe UI" panose="020B0502040204020203" pitchFamily="34" charset="0"/>
+                <a:cs typeface="Segoe UI" panose="020B0502040204020203" pitchFamily="34" charset="0"/>
+              </a:rPr>
+              <a:t>có</a:t>
+            </a:r>
+            <a:r>
+              <a:rPr lang="en-US" dirty="0">
+                <a:latin typeface="Segoe UI" panose="020B0502040204020203" pitchFamily="34" charset="0"/>
+                <a:cs typeface="Segoe UI" panose="020B0502040204020203" pitchFamily="34" charset="0"/>
+              </a:rPr>
+              <a:t>.</a:t>
+            </a:r>
+          </a:p>
+        </p:txBody>
+      </p:sp>
+      <p:sp>
+        <p:nvSpPr>
+          <p:cNvPr id="4" name="Slide Number Placeholder 3">
+            <a:extLst>
+              <a:ext uri="{FF2B5EF4-FFF2-40B4-BE49-F238E27FC236}">
+                <a16:creationId xmlns:a16="http://schemas.microsoft.com/office/drawing/2014/main" id="{B82F7314-AE39-4755-B645-1B21BBED12B6}"/>
+              </a:ext>
+            </a:extLst>
+          </p:cNvPr>
+          <p:cNvSpPr>
+            <a:spLocks noGrp="1"/>
+          </p:cNvSpPr>
+          <p:nvPr>
+            <p:ph type="sldNum" sz="quarter" idx="12"/>
+          </p:nvPr>
+        </p:nvSpPr>
+        <p:spPr/>
+        <p:txBody>
+          <a:bodyPr/>
+          <a:lstStyle/>
+          <a:p>
+            <a:fld id="{E1CE7E26-F4E3-4CCB-96AD-EA8398DEF45F}" type="slidenum">
+              <a:rPr lang="en-US" smtClean="0">
+                <a:latin typeface="Segoe UI" panose="020B0502040204020203" pitchFamily="34" charset="0"/>
+                <a:cs typeface="Segoe UI" panose="020B0502040204020203" pitchFamily="34" charset="0"/>
+              </a:rPr>
+              <a:t>22</a:t>
+            </a:fld>
+            <a:endParaRPr lang="en-US">
+              <a:latin typeface="Segoe UI" panose="020B0502040204020203" pitchFamily="34" charset="0"/>
+              <a:cs typeface="Segoe UI" panose="020B0502040204020203" pitchFamily="34" charset="0"/>
+            </a:endParaRPr>
+          </a:p>
+        </p:txBody>
+      </p:sp>
+    </p:spTree>
+    <p:extLst>
+      <p:ext uri="{BB962C8B-B14F-4D97-AF65-F5344CB8AC3E}">
+        <p14:creationId xmlns:p14="http://schemas.microsoft.com/office/powerpoint/2010/main" val="3190792175"/>
       </p:ext>
     </p:extLst>
   </p:cSld>
@@ -12403,6 +16052,35 @@
               </a:rPr>
               <a:t>http://gd1.bvdaihoc.com.vn/faqs_all.asp</a:t>
             </a:r>
+          </a:p>
+        </p:txBody>
+      </p:sp>
+      <p:sp>
+        <p:nvSpPr>
+          <p:cNvPr id="3" name="Slide Number Placeholder 2">
+            <a:extLst>
+              <a:ext uri="{FF2B5EF4-FFF2-40B4-BE49-F238E27FC236}">
+                <a16:creationId xmlns:a16="http://schemas.microsoft.com/office/drawing/2014/main" id="{F1F72AB8-97B7-4EA0-8C9D-3BAFBDA82FA3}"/>
+              </a:ext>
+            </a:extLst>
+          </p:cNvPr>
+          <p:cNvSpPr>
+            <a:spLocks noGrp="1"/>
+          </p:cNvSpPr>
+          <p:nvPr>
+            <p:ph type="sldNum" sz="quarter" idx="12"/>
+          </p:nvPr>
+        </p:nvSpPr>
+        <p:spPr/>
+        <p:txBody>
+          <a:bodyPr/>
+          <a:lstStyle/>
+          <a:p>
+            <a:fld id="{E1CE7E26-F4E3-4CCB-96AD-EA8398DEF45F}" type="slidenum">
+              <a:rPr lang="en-US" smtClean="0"/>
+              <a:t>3</a:t>
+            </a:fld>
+            <a:endParaRPr lang="en-US"/>
           </a:p>
         </p:txBody>
       </p:sp>
@@ -12635,6 +16313,35 @@
           </a:p>
         </p:txBody>
       </p:sp>
+      <p:sp>
+        <p:nvSpPr>
+          <p:cNvPr id="4" name="Slide Number Placeholder 3">
+            <a:extLst>
+              <a:ext uri="{FF2B5EF4-FFF2-40B4-BE49-F238E27FC236}">
+                <a16:creationId xmlns:a16="http://schemas.microsoft.com/office/drawing/2014/main" id="{B8CB8B59-15FA-4B21-A8A7-BBF1BC7D1598}"/>
+              </a:ext>
+            </a:extLst>
+          </p:cNvPr>
+          <p:cNvSpPr>
+            <a:spLocks noGrp="1"/>
+          </p:cNvSpPr>
+          <p:nvPr>
+            <p:ph type="sldNum" sz="quarter" idx="12"/>
+          </p:nvPr>
+        </p:nvSpPr>
+        <p:spPr/>
+        <p:txBody>
+          <a:bodyPr/>
+          <a:lstStyle/>
+          <a:p>
+            <a:fld id="{E1CE7E26-F4E3-4CCB-96AD-EA8398DEF45F}" type="slidenum">
+              <a:rPr lang="en-US" smtClean="0"/>
+              <a:t>4</a:t>
+            </a:fld>
+            <a:endParaRPr lang="en-US"/>
+          </a:p>
+        </p:txBody>
+      </p:sp>
     </p:spTree>
     <p:extLst>
       <p:ext uri="{BB962C8B-B14F-4D97-AF65-F5344CB8AC3E}">
@@ -13296,6 +17003,35 @@
               <a:latin typeface="Segoe UI" panose="020B0502040204020203" pitchFamily="34" charset="0"/>
               <a:cs typeface="Segoe UI" panose="020B0502040204020203" pitchFamily="34" charset="0"/>
             </a:endParaRPr>
+          </a:p>
+        </p:txBody>
+      </p:sp>
+      <p:sp>
+        <p:nvSpPr>
+          <p:cNvPr id="3" name="Slide Number Placeholder 2">
+            <a:extLst>
+              <a:ext uri="{FF2B5EF4-FFF2-40B4-BE49-F238E27FC236}">
+                <a16:creationId xmlns:a16="http://schemas.microsoft.com/office/drawing/2014/main" id="{E7758CDB-9673-4FA1-9521-4F520BF11BF0}"/>
+              </a:ext>
+            </a:extLst>
+          </p:cNvPr>
+          <p:cNvSpPr>
+            <a:spLocks noGrp="1"/>
+          </p:cNvSpPr>
+          <p:nvPr>
+            <p:ph type="sldNum" sz="quarter" idx="12"/>
+          </p:nvPr>
+        </p:nvSpPr>
+        <p:spPr/>
+        <p:txBody>
+          <a:bodyPr/>
+          <a:lstStyle/>
+          <a:p>
+            <a:fld id="{E1CE7E26-F4E3-4CCB-96AD-EA8398DEF45F}" type="slidenum">
+              <a:rPr lang="en-US" smtClean="0"/>
+              <a:t>5</a:t>
+            </a:fld>
+            <a:endParaRPr lang="en-US"/>
           </a:p>
         </p:txBody>
       </p:sp>
@@ -13474,6 +17210,35 @@
           </a:p>
         </p:txBody>
       </p:sp>
+      <p:sp>
+        <p:nvSpPr>
+          <p:cNvPr id="4" name="Slide Number Placeholder 3">
+            <a:extLst>
+              <a:ext uri="{FF2B5EF4-FFF2-40B4-BE49-F238E27FC236}">
+                <a16:creationId xmlns:a16="http://schemas.microsoft.com/office/drawing/2014/main" id="{82E94887-70FB-47D1-99CA-13CE50320BF3}"/>
+              </a:ext>
+            </a:extLst>
+          </p:cNvPr>
+          <p:cNvSpPr>
+            <a:spLocks noGrp="1"/>
+          </p:cNvSpPr>
+          <p:nvPr>
+            <p:ph type="sldNum" sz="quarter" idx="12"/>
+          </p:nvPr>
+        </p:nvSpPr>
+        <p:spPr/>
+        <p:txBody>
+          <a:bodyPr/>
+          <a:lstStyle/>
+          <a:p>
+            <a:fld id="{E1CE7E26-F4E3-4CCB-96AD-EA8398DEF45F}" type="slidenum">
+              <a:rPr lang="en-US" smtClean="0"/>
+              <a:t>6</a:t>
+            </a:fld>
+            <a:endParaRPr lang="en-US"/>
+          </a:p>
+        </p:txBody>
+      </p:sp>
     </p:spTree>
     <p:extLst>
       <p:ext uri="{BB962C8B-B14F-4D97-AF65-F5344CB8AC3E}">
@@ -13663,6 +17428,35 @@
               <a:latin typeface="Segoe UI" panose="020B0502040204020203" pitchFamily="34" charset="0"/>
               <a:cs typeface="Segoe UI" panose="020B0502040204020203" pitchFamily="34" charset="0"/>
             </a:endParaRPr>
+          </a:p>
+        </p:txBody>
+      </p:sp>
+      <p:sp>
+        <p:nvSpPr>
+          <p:cNvPr id="4" name="Slide Number Placeholder 3">
+            <a:extLst>
+              <a:ext uri="{FF2B5EF4-FFF2-40B4-BE49-F238E27FC236}">
+                <a16:creationId xmlns:a16="http://schemas.microsoft.com/office/drawing/2014/main" id="{64DAD79E-FA84-48E1-9A1D-7FCFFB473F89}"/>
+              </a:ext>
+            </a:extLst>
+          </p:cNvPr>
+          <p:cNvSpPr>
+            <a:spLocks noGrp="1"/>
+          </p:cNvSpPr>
+          <p:nvPr>
+            <p:ph type="sldNum" sz="quarter" idx="12"/>
+          </p:nvPr>
+        </p:nvSpPr>
+        <p:spPr/>
+        <p:txBody>
+          <a:bodyPr/>
+          <a:lstStyle/>
+          <a:p>
+            <a:fld id="{E1CE7E26-F4E3-4CCB-96AD-EA8398DEF45F}" type="slidenum">
+              <a:rPr lang="en-US" smtClean="0"/>
+              <a:t>7</a:t>
+            </a:fld>
+            <a:endParaRPr lang="en-US"/>
           </a:p>
         </p:txBody>
       </p:sp>
@@ -13730,13 +17524,71 @@
           <a:lstStyle/>
           <a:p>
             <a:r>
-              <a:rPr lang="en-US"/>
-              <a:t>Mô tả dữ liệu?</a:t>
+              <a:rPr lang="en-US" dirty="0" err="1">
+                <a:latin typeface="Segoe UI" panose="020B0502040204020203" pitchFamily="34" charset="0"/>
+                <a:cs typeface="Segoe UI" panose="020B0502040204020203" pitchFamily="34" charset="0"/>
+              </a:rPr>
+              <a:t>Mô</a:t>
+            </a:r>
+            <a:r>
+              <a:rPr lang="en-US" dirty="0">
+                <a:latin typeface="Segoe UI" panose="020B0502040204020203" pitchFamily="34" charset="0"/>
+                <a:cs typeface="Segoe UI" panose="020B0502040204020203" pitchFamily="34" charset="0"/>
+              </a:rPr>
+              <a:t> </a:t>
+            </a:r>
+            <a:r>
+              <a:rPr lang="en-US" dirty="0" err="1">
+                <a:latin typeface="Segoe UI" panose="020B0502040204020203" pitchFamily="34" charset="0"/>
+                <a:cs typeface="Segoe UI" panose="020B0502040204020203" pitchFamily="34" charset="0"/>
+              </a:rPr>
+              <a:t>tả</a:t>
+            </a:r>
+            <a:r>
+              <a:rPr lang="en-US" dirty="0">
+                <a:latin typeface="Segoe UI" panose="020B0502040204020203" pitchFamily="34" charset="0"/>
+                <a:cs typeface="Segoe UI" panose="020B0502040204020203" pitchFamily="34" charset="0"/>
+              </a:rPr>
+              <a:t> </a:t>
+            </a:r>
+            <a:r>
+              <a:rPr lang="en-US" dirty="0" err="1">
+                <a:latin typeface="Segoe UI" panose="020B0502040204020203" pitchFamily="34" charset="0"/>
+                <a:cs typeface="Segoe UI" panose="020B0502040204020203" pitchFamily="34" charset="0"/>
+              </a:rPr>
+              <a:t>dữ</a:t>
+            </a:r>
+            <a:r>
+              <a:rPr lang="en-US" dirty="0">
+                <a:latin typeface="Segoe UI" panose="020B0502040204020203" pitchFamily="34" charset="0"/>
+                <a:cs typeface="Segoe UI" panose="020B0502040204020203" pitchFamily="34" charset="0"/>
+              </a:rPr>
+              <a:t> </a:t>
+            </a:r>
+            <a:r>
+              <a:rPr lang="en-US" dirty="0" err="1">
+                <a:latin typeface="Segoe UI" panose="020B0502040204020203" pitchFamily="34" charset="0"/>
+                <a:cs typeface="Segoe UI" panose="020B0502040204020203" pitchFamily="34" charset="0"/>
+              </a:rPr>
+              <a:t>liệu</a:t>
+            </a:r>
+            <a:r>
+              <a:rPr lang="en-US" dirty="0">
+                <a:latin typeface="Segoe UI" panose="020B0502040204020203" pitchFamily="34" charset="0"/>
+                <a:cs typeface="Segoe UI" panose="020B0502040204020203" pitchFamily="34" charset="0"/>
+              </a:rPr>
+              <a:t>?</a:t>
             </a:r>
             <a:br>
-              <a:rPr lang="en-US"/>
+              <a:rPr lang="en-US" dirty="0">
+                <a:latin typeface="Segoe UI" panose="020B0502040204020203" pitchFamily="34" charset="0"/>
+                <a:cs typeface="Segoe UI" panose="020B0502040204020203" pitchFamily="34" charset="0"/>
+              </a:rPr>
             </a:br>
-            <a:endParaRPr lang="en-US"/>
+            <a:endParaRPr lang="en-US" dirty="0">
+              <a:latin typeface="Segoe UI" panose="020B0502040204020203" pitchFamily="34" charset="0"/>
+              <a:cs typeface="Segoe UI" panose="020B0502040204020203" pitchFamily="34" charset="0"/>
+            </a:endParaRPr>
           </a:p>
         </p:txBody>
       </p:sp>
@@ -13764,105 +17616,209 @@
           <a:lstStyle/>
           <a:p>
             <a:r>
-              <a:rPr lang="vi-VN"/>
+              <a:rPr lang="vi-VN">
+                <a:latin typeface="Segoe UI" panose="020B0502040204020203" pitchFamily="34" charset="0"/>
+                <a:cs typeface="Segoe UI" panose="020B0502040204020203" pitchFamily="34" charset="0"/>
+              </a:rPr>
               <a:t>Như đã trình bày, nhóm chỉ thu thập và làm việc trên 3 loại </a:t>
             </a:r>
             <a:r>
-              <a:rPr lang="vi-VN" b="1"/>
+              <a:rPr lang="vi-VN" b="1">
+                <a:latin typeface="Segoe UI" panose="020B0502040204020203" pitchFamily="34" charset="0"/>
+                <a:cs typeface="Segoe UI" panose="020B0502040204020203" pitchFamily="34" charset="0"/>
+              </a:rPr>
               <a:t>Dị ứng - Miễn dịch lâm sàng</a:t>
             </a:r>
             <a:r>
-              <a:rPr lang="vi-VN"/>
+              <a:rPr lang="vi-VN">
+                <a:latin typeface="Segoe UI" panose="020B0502040204020203" pitchFamily="34" charset="0"/>
+                <a:cs typeface="Segoe UI" panose="020B0502040204020203" pitchFamily="34" charset="0"/>
+              </a:rPr>
               <a:t>, </a:t>
             </a:r>
             <a:r>
-              <a:rPr lang="vi-VN" b="1"/>
+              <a:rPr lang="vi-VN" b="1">
+                <a:latin typeface="Segoe UI" panose="020B0502040204020203" pitchFamily="34" charset="0"/>
+                <a:cs typeface="Segoe UI" panose="020B0502040204020203" pitchFamily="34" charset="0"/>
+              </a:rPr>
               <a:t>Phổi</a:t>
             </a:r>
             <a:r>
-              <a:rPr lang="vi-VN"/>
+              <a:rPr lang="vi-VN">
+                <a:latin typeface="Segoe UI" panose="020B0502040204020203" pitchFamily="34" charset="0"/>
+                <a:cs typeface="Segoe UI" panose="020B0502040204020203" pitchFamily="34" charset="0"/>
+              </a:rPr>
               <a:t> và </a:t>
             </a:r>
             <a:r>
-              <a:rPr lang="vi-VN" b="1"/>
+              <a:rPr lang="vi-VN" b="1">
+                <a:latin typeface="Segoe UI" panose="020B0502040204020203" pitchFamily="34" charset="0"/>
+                <a:cs typeface="Segoe UI" panose="020B0502040204020203" pitchFamily="34" charset="0"/>
+              </a:rPr>
               <a:t>Tai mũi họng</a:t>
             </a:r>
             <a:r>
-              <a:rPr lang="vi-VN"/>
+              <a:rPr lang="vi-VN">
+                <a:latin typeface="Segoe UI" panose="020B0502040204020203" pitchFamily="34" charset="0"/>
+                <a:cs typeface="Segoe UI" panose="020B0502040204020203" pitchFamily="34" charset="0"/>
+              </a:rPr>
               <a:t>. </a:t>
             </a:r>
-            <a:endParaRPr lang="en-US"/>
-          </a:p>
-          <a:p>
-            <a:r>
-              <a:rPr lang="vi-VN"/>
+            <a:endParaRPr lang="en-US">
+              <a:latin typeface="Segoe UI" panose="020B0502040204020203" pitchFamily="34" charset="0"/>
+              <a:cs typeface="Segoe UI" panose="020B0502040204020203" pitchFamily="34" charset="0"/>
+            </a:endParaRPr>
+          </a:p>
+          <a:p>
+            <a:r>
+              <a:rPr lang="vi-VN">
+                <a:latin typeface="Segoe UI" panose="020B0502040204020203" pitchFamily="34" charset="0"/>
+                <a:cs typeface="Segoe UI" panose="020B0502040204020203" pitchFamily="34" charset="0"/>
+              </a:rPr>
               <a:t>Sau khi thu thập, nhóm có được 1159 câu hỏi, phân chia theo loại của chúng như sau:</a:t>
             </a:r>
           </a:p>
           <a:p>
             <a:pPr lvl="1"/>
             <a:r>
-              <a:rPr lang="vi-VN" b="1"/>
+              <a:rPr lang="vi-VN" b="1">
+                <a:latin typeface="Segoe UI" panose="020B0502040204020203" pitchFamily="34" charset="0"/>
+                <a:cs typeface="Segoe UI" panose="020B0502040204020203" pitchFamily="34" charset="0"/>
+              </a:rPr>
               <a:t>Dị ứng - Miễn dịch lâm sàng</a:t>
             </a:r>
             <a:r>
-              <a:rPr lang="vi-VN"/>
+              <a:rPr lang="vi-VN">
+                <a:latin typeface="Segoe UI" panose="020B0502040204020203" pitchFamily="34" charset="0"/>
+                <a:cs typeface="Segoe UI" panose="020B0502040204020203" pitchFamily="34" charset="0"/>
+              </a:rPr>
               <a:t>: có 225 câu hỏi</a:t>
             </a:r>
           </a:p>
           <a:p>
             <a:pPr lvl="1"/>
             <a:r>
-              <a:rPr lang="vi-VN" b="1"/>
+              <a:rPr lang="vi-VN" b="1">
+                <a:latin typeface="Segoe UI" panose="020B0502040204020203" pitchFamily="34" charset="0"/>
+                <a:cs typeface="Segoe UI" panose="020B0502040204020203" pitchFamily="34" charset="0"/>
+              </a:rPr>
               <a:t>Phổi</a:t>
             </a:r>
             <a:r>
-              <a:rPr lang="vi-VN"/>
+              <a:rPr lang="vi-VN">
+                <a:latin typeface="Segoe UI" panose="020B0502040204020203" pitchFamily="34" charset="0"/>
+                <a:cs typeface="Segoe UI" panose="020B0502040204020203" pitchFamily="34" charset="0"/>
+              </a:rPr>
               <a:t>: có 210 câu hỏi</a:t>
             </a:r>
           </a:p>
           <a:p>
             <a:pPr lvl="1"/>
             <a:r>
-              <a:rPr lang="vi-VN" b="1"/>
+              <a:rPr lang="vi-VN" b="1">
+                <a:latin typeface="Segoe UI" panose="020B0502040204020203" pitchFamily="34" charset="0"/>
+                <a:cs typeface="Segoe UI" panose="020B0502040204020203" pitchFamily="34" charset="0"/>
+              </a:rPr>
               <a:t>Tai, mũi, họng</a:t>
             </a:r>
             <a:r>
-              <a:rPr lang="vi-VN"/>
+              <a:rPr lang="vi-VN">
+                <a:latin typeface="Segoe UI" panose="020B0502040204020203" pitchFamily="34" charset="0"/>
+                <a:cs typeface="Segoe UI" panose="020B0502040204020203" pitchFamily="34" charset="0"/>
+              </a:rPr>
               <a:t>: có 724 câu hỏi</a:t>
             </a:r>
           </a:p>
           <a:p>
             <a:r>
-              <a:rPr lang="vi-VN"/>
+              <a:rPr lang="vi-VN">
+                <a:latin typeface="Segoe UI" panose="020B0502040204020203" pitchFamily="34" charset="0"/>
+                <a:cs typeface="Segoe UI" panose="020B0502040204020203" pitchFamily="34" charset="0"/>
+              </a:rPr>
               <a:t>Dữ liệu được lưu xuống file gồm 2 cột: cột thứ nhất là nội dung câu hỏi, cột thứ hai</a:t>
             </a:r>
             <a:r>
-              <a:rPr lang="en-US"/>
+              <a:rPr lang="en-US">
+                <a:latin typeface="Segoe UI" panose="020B0502040204020203" pitchFamily="34" charset="0"/>
+                <a:cs typeface="Segoe UI" panose="020B0502040204020203" pitchFamily="34" charset="0"/>
+              </a:rPr>
               <a:t> là chuyên khoa t</a:t>
             </a:r>
             <a:r>
-              <a:rPr lang="vi-VN"/>
+              <a:rPr lang="vi-VN">
+                <a:latin typeface="Segoe UI" panose="020B0502040204020203" pitchFamily="34" charset="0"/>
+                <a:cs typeface="Segoe UI" panose="020B0502040204020203" pitchFamily="34" charset="0"/>
+              </a:rPr>
               <a:t>ư</a:t>
             </a:r>
             <a:r>
-              <a:rPr lang="en-US"/>
+              <a:rPr lang="en-US">
+                <a:latin typeface="Segoe UI" panose="020B0502040204020203" pitchFamily="34" charset="0"/>
+                <a:cs typeface="Segoe UI" panose="020B0502040204020203" pitchFamily="34" charset="0"/>
+              </a:rPr>
               <a:t>ơng ứng câu hỏi</a:t>
             </a:r>
             <a:r>
-              <a:rPr lang="vi-VN"/>
+              <a:rPr lang="vi-VN">
+                <a:latin typeface="Segoe UI" panose="020B0502040204020203" pitchFamily="34" charset="0"/>
+                <a:cs typeface="Segoe UI" panose="020B0502040204020203" pitchFamily="34" charset="0"/>
+              </a:rPr>
               <a:t>. </a:t>
             </a:r>
-            <a:endParaRPr lang="en-US"/>
-          </a:p>
-          <a:p>
-            <a:r>
-              <a:rPr lang="vi-VN"/>
+            <a:endParaRPr lang="en-US">
+              <a:latin typeface="Segoe UI" panose="020B0502040204020203" pitchFamily="34" charset="0"/>
+              <a:cs typeface="Segoe UI" panose="020B0502040204020203" pitchFamily="34" charset="0"/>
+            </a:endParaRPr>
+          </a:p>
+          <a:p>
+            <a:r>
+              <a:rPr lang="vi-VN">
+                <a:latin typeface="Segoe UI" panose="020B0502040204020203" pitchFamily="34" charset="0"/>
+                <a:cs typeface="Segoe UI" panose="020B0502040204020203" pitchFamily="34" charset="0"/>
+              </a:rPr>
               <a:t>Quy ước "Dị ứng - Miễn dịch lâm sàng" là 0, "Phổi" là 1 và "Tai mũi họng" là 2.</a:t>
             </a:r>
           </a:p>
           <a:p>
-            <a:endParaRPr lang="en-US"/>
+            <a:endParaRPr lang="en-US">
+              <a:latin typeface="Segoe UI" panose="020B0502040204020203" pitchFamily="34" charset="0"/>
+              <a:cs typeface="Segoe UI" panose="020B0502040204020203" pitchFamily="34" charset="0"/>
+            </a:endParaRPr>
+          </a:p>
+        </p:txBody>
+      </p:sp>
+      <p:sp>
+        <p:nvSpPr>
+          <p:cNvPr id="4" name="Slide Number Placeholder 3">
+            <a:extLst>
+              <a:ext uri="{FF2B5EF4-FFF2-40B4-BE49-F238E27FC236}">
+                <a16:creationId xmlns:a16="http://schemas.microsoft.com/office/drawing/2014/main" id="{B5071012-BAB3-4E39-B843-B160DA070B06}"/>
+              </a:ext>
+            </a:extLst>
+          </p:cNvPr>
+          <p:cNvSpPr>
+            <a:spLocks noGrp="1"/>
+          </p:cNvSpPr>
+          <p:nvPr>
+            <p:ph type="sldNum" sz="quarter" idx="12"/>
+          </p:nvPr>
+        </p:nvSpPr>
+        <p:spPr/>
+        <p:txBody>
+          <a:bodyPr/>
+          <a:lstStyle/>
+          <a:p>
+            <a:fld id="{E1CE7E26-F4E3-4CCB-96AD-EA8398DEF45F}" type="slidenum">
+              <a:rPr lang="en-US" smtClean="0">
+                <a:latin typeface="Segoe UI" panose="020B0502040204020203" pitchFamily="34" charset="0"/>
+                <a:cs typeface="Segoe UI" panose="020B0502040204020203" pitchFamily="34" charset="0"/>
+              </a:rPr>
+              <a:t>8</a:t>
+            </a:fld>
+            <a:endParaRPr lang="en-US">
+              <a:latin typeface="Segoe UI" panose="020B0502040204020203" pitchFamily="34" charset="0"/>
+              <a:cs typeface="Segoe UI" panose="020B0502040204020203" pitchFamily="34" charset="0"/>
+            </a:endParaRPr>
           </a:p>
         </p:txBody>
       </p:sp>
@@ -13963,14 +17919,43 @@
         </p:blipFill>
         <p:spPr>
           <a:xfrm>
-            <a:off x="1279316" y="2160588"/>
-            <a:ext cx="7393406" cy="3881437"/>
+            <a:off x="677334" y="1402774"/>
+            <a:ext cx="8520218" cy="4472998"/>
           </a:xfrm>
           <a:prstGeom prst="rect">
             <a:avLst/>
           </a:prstGeom>
         </p:spPr>
       </p:pic>
+      <p:sp>
+        <p:nvSpPr>
+          <p:cNvPr id="3" name="Slide Number Placeholder 2">
+            <a:extLst>
+              <a:ext uri="{FF2B5EF4-FFF2-40B4-BE49-F238E27FC236}">
+                <a16:creationId xmlns:a16="http://schemas.microsoft.com/office/drawing/2014/main" id="{88ABEA12-8D4E-4363-829F-0F4EC0013B00}"/>
+              </a:ext>
+            </a:extLst>
+          </p:cNvPr>
+          <p:cNvSpPr>
+            <a:spLocks noGrp="1"/>
+          </p:cNvSpPr>
+          <p:nvPr>
+            <p:ph type="sldNum" sz="quarter" idx="12"/>
+          </p:nvPr>
+        </p:nvSpPr>
+        <p:spPr/>
+        <p:txBody>
+          <a:bodyPr/>
+          <a:lstStyle/>
+          <a:p>
+            <a:fld id="{E1CE7E26-F4E3-4CCB-96AD-EA8398DEF45F}" type="slidenum">
+              <a:rPr lang="en-US" smtClean="0"/>
+              <a:t>9</a:t>
+            </a:fld>
+            <a:endParaRPr lang="en-US"/>
+          </a:p>
+        </p:txBody>
+      </p:sp>
     </p:spTree>
     <p:extLst>
       <p:ext uri="{BB962C8B-B14F-4D97-AF65-F5344CB8AC3E}">
@@ -14251,4 +18236,299 @@
     </a:ext>
   </a:extLst>
 </a:theme>
+</file>
+
+<file path=ppt/theme/theme2.xml><?xml version="1.0" encoding="utf-8"?>
+<a:theme xmlns:a="http://schemas.openxmlformats.org/drawingml/2006/main" name="Office Theme">
+  <a:themeElements>
+    <a:clrScheme name="Office">
+      <a:dk1>
+        <a:sysClr val="windowText" lastClr="000000"/>
+      </a:dk1>
+      <a:lt1>
+        <a:sysClr val="window" lastClr="FFFFFF"/>
+      </a:lt1>
+      <a:dk2>
+        <a:srgbClr val="44546A"/>
+      </a:dk2>
+      <a:lt2>
+        <a:srgbClr val="E7E6E6"/>
+      </a:lt2>
+      <a:accent1>
+        <a:srgbClr val="4472C4"/>
+      </a:accent1>
+      <a:accent2>
+        <a:srgbClr val="ED7D31"/>
+      </a:accent2>
+      <a:accent3>
+        <a:srgbClr val="A5A5A5"/>
+      </a:accent3>
+      <a:accent4>
+        <a:srgbClr val="FFC000"/>
+      </a:accent4>
+      <a:accent5>
+        <a:srgbClr val="5B9BD5"/>
+      </a:accent5>
+      <a:accent6>
+        <a:srgbClr val="70AD47"/>
+      </a:accent6>
+      <a:hlink>
+        <a:srgbClr val="0563C1"/>
+      </a:hlink>
+      <a:folHlink>
+        <a:srgbClr val="954F72"/>
+      </a:folHlink>
+    </a:clrScheme>
+    <a:fontScheme name="Office">
+      <a:majorFont>
+        <a:latin typeface="Calibri Light" panose="020F0302020204030204"/>
+        <a:ea typeface=""/>
+        <a:cs typeface=""/>
+        <a:font script="Jpan" typeface="游ゴシック Light"/>
+        <a:font script="Hang" typeface="맑은 고딕"/>
+        <a:font script="Hans" typeface="等线 Light"/>
+        <a:font script="Hant" typeface="新細明體"/>
+        <a:font script="Arab" typeface="Times New Roman"/>
+        <a:font script="Hebr" typeface="Times New Roman"/>
+        <a:font script="Thai" typeface="Angsana New"/>
+        <a:font script="Ethi" typeface="Nyala"/>
+        <a:font script="Beng" typeface="Vrinda"/>
+        <a:font script="Gujr" typeface="Shruti"/>
+        <a:font script="Khmr" typeface="MoolBoran"/>
+        <a:font script="Knda" typeface="Tunga"/>
+        <a:font script="Guru" typeface="Raavi"/>
+        <a:font script="Cans" typeface="Euphemia"/>
+        <a:font script="Cher" typeface="Plantagenet Cherokee"/>
+        <a:font script="Yiii" typeface="Microsoft Yi Baiti"/>
+        <a:font script="Tibt" typeface="Microsoft Himalaya"/>
+        <a:font script="Thaa" typeface="MV Boli"/>
+        <a:font script="Deva" typeface="Mangal"/>
+        <a:font script="Telu" typeface="Gautami"/>
+        <a:font script="Taml" typeface="Latha"/>
+        <a:font script="Syrc" typeface="Estrangelo Edessa"/>
+        <a:font script="Orya" typeface="Kalinga"/>
+        <a:font script="Mlym" typeface="Kartika"/>
+        <a:font script="Laoo" typeface="DokChampa"/>
+        <a:font script="Sinh" typeface="Iskoola Pota"/>
+        <a:font script="Mong" typeface="Mongolian Baiti"/>
+        <a:font script="Viet" typeface="Times New Roman"/>
+        <a:font script="Uigh" typeface="Microsoft Uighur"/>
+        <a:font script="Geor" typeface="Sylfaen"/>
+        <a:font script="Armn" typeface="Arial"/>
+        <a:font script="Bugi" typeface="Leelawadee UI"/>
+        <a:font script="Bopo" typeface="Microsoft JhengHei"/>
+        <a:font script="Java" typeface="Javanese Text"/>
+        <a:font script="Lisu" typeface="Segoe UI"/>
+        <a:font script="Mymr" typeface="Myanmar Text"/>
+        <a:font script="Nkoo" typeface="Ebrima"/>
+        <a:font script="Olck" typeface="Nirmala UI"/>
+        <a:font script="Osma" typeface="Ebrima"/>
+        <a:font script="Phag" typeface="Phagspa"/>
+        <a:font script="Syrn" typeface="Estrangelo Edessa"/>
+        <a:font script="Syrj" typeface="Estrangelo Edessa"/>
+        <a:font script="Syre" typeface="Estrangelo Edessa"/>
+        <a:font script="Sora" typeface="Nirmala UI"/>
+        <a:font script="Tale" typeface="Microsoft Tai Le"/>
+        <a:font script="Talu" typeface="Microsoft New Tai Lue"/>
+        <a:font script="Tfng" typeface="Ebrima"/>
+      </a:majorFont>
+      <a:minorFont>
+        <a:latin typeface="Calibri" panose="020F0502020204030204"/>
+        <a:ea typeface=""/>
+        <a:cs typeface=""/>
+        <a:font script="Jpan" typeface="游ゴシック"/>
+        <a:font script="Hang" typeface="맑은 고딕"/>
+        <a:font script="Hans" typeface="等线"/>
+        <a:font script="Hant" typeface="新細明體"/>
+        <a:font script="Arab" typeface="Arial"/>
+        <a:font script="Hebr" typeface="Arial"/>
+        <a:font script="Thai" typeface="Cordia New"/>
+        <a:font script="Ethi" typeface="Nyala"/>
+        <a:font script="Beng" typeface="Vrinda"/>
+        <a:font script="Gujr" typeface="Shruti"/>
+        <a:font script="Khmr" typeface="DaunPenh"/>
+        <a:font script="Knda" typeface="Tunga"/>
+        <a:font script="Guru" typeface="Raavi"/>
+        <a:font script="Cans" typeface="Euphemia"/>
+        <a:font script="Cher" typeface="Plantagenet Cherokee"/>
+        <a:font script="Yiii" typeface="Microsoft Yi Baiti"/>
+        <a:font script="Tibt" typeface="Microsoft Himalaya"/>
+        <a:font script="Thaa" typeface="MV Boli"/>
+        <a:font script="Deva" typeface="Mangal"/>
+        <a:font script="Telu" typeface="Gautami"/>
+        <a:font script="Taml" typeface="Latha"/>
+        <a:font script="Syrc" typeface="Estrangelo Edessa"/>
+        <a:font script="Orya" typeface="Kalinga"/>
+        <a:font script="Mlym" typeface="Kartika"/>
+        <a:font script="Laoo" typeface="DokChampa"/>
+        <a:font script="Sinh" typeface="Iskoola Pota"/>
+        <a:font script="Mong" typeface="Mongolian Baiti"/>
+        <a:font script="Viet" typeface="Arial"/>
+        <a:font script="Uigh" typeface="Microsoft Uighur"/>
+        <a:font script="Geor" typeface="Sylfaen"/>
+        <a:font script="Armn" typeface="Arial"/>
+        <a:font script="Bugi" typeface="Leelawadee UI"/>
+        <a:font script="Bopo" typeface="Microsoft JhengHei"/>
+        <a:font script="Java" typeface="Javanese Text"/>
+        <a:font script="Lisu" typeface="Segoe UI"/>
+        <a:font script="Mymr" typeface="Myanmar Text"/>
+        <a:font script="Nkoo" typeface="Ebrima"/>
+        <a:font script="Olck" typeface="Nirmala UI"/>
+        <a:font script="Osma" typeface="Ebrima"/>
+        <a:font script="Phag" typeface="Phagspa"/>
+        <a:font script="Syrn" typeface="Estrangelo Edessa"/>
+        <a:font script="Syrj" typeface="Estrangelo Edessa"/>
+        <a:font script="Syre" typeface="Estrangelo Edessa"/>
+        <a:font script="Sora" typeface="Nirmala UI"/>
+        <a:font script="Tale" typeface="Microsoft Tai Le"/>
+        <a:font script="Talu" typeface="Microsoft New Tai Lue"/>
+        <a:font script="Tfng" typeface="Ebrima"/>
+      </a:minorFont>
+    </a:fontScheme>
+    <a:fmtScheme name="Office">
+      <a:fillStyleLst>
+        <a:solidFill>
+          <a:schemeClr val="phClr"/>
+        </a:solidFill>
+        <a:gradFill rotWithShape="1">
+          <a:gsLst>
+            <a:gs pos="0">
+              <a:schemeClr val="phClr">
+                <a:lumMod val="110000"/>
+                <a:satMod val="105000"/>
+                <a:tint val="67000"/>
+              </a:schemeClr>
+            </a:gs>
+            <a:gs pos="50000">
+              <a:schemeClr val="phClr">
+                <a:lumMod val="105000"/>
+                <a:satMod val="103000"/>
+                <a:tint val="73000"/>
+              </a:schemeClr>
+            </a:gs>
+            <a:gs pos="100000">
+              <a:schemeClr val="phClr">
+                <a:lumMod val="105000"/>
+                <a:satMod val="109000"/>
+                <a:tint val="81000"/>
+              </a:schemeClr>
+            </a:gs>
+          </a:gsLst>
+          <a:lin ang="5400000" scaled="0"/>
+        </a:gradFill>
+        <a:gradFill rotWithShape="1">
+          <a:gsLst>
+            <a:gs pos="0">
+              <a:schemeClr val="phClr">
+                <a:satMod val="103000"/>
+                <a:lumMod val="102000"/>
+                <a:tint val="94000"/>
+              </a:schemeClr>
+            </a:gs>
+            <a:gs pos="50000">
+              <a:schemeClr val="phClr">
+                <a:satMod val="110000"/>
+                <a:lumMod val="100000"/>
+                <a:shade val="100000"/>
+              </a:schemeClr>
+            </a:gs>
+            <a:gs pos="100000">
+              <a:schemeClr val="phClr">
+                <a:lumMod val="99000"/>
+                <a:satMod val="120000"/>
+                <a:shade val="78000"/>
+              </a:schemeClr>
+            </a:gs>
+          </a:gsLst>
+          <a:lin ang="5400000" scaled="0"/>
+        </a:gradFill>
+      </a:fillStyleLst>
+      <a:lnStyleLst>
+        <a:ln w="6350" cap="flat" cmpd="sng" algn="ctr">
+          <a:solidFill>
+            <a:schemeClr val="phClr"/>
+          </a:solidFill>
+          <a:prstDash val="solid"/>
+          <a:miter lim="800000"/>
+        </a:ln>
+        <a:ln w="12700" cap="flat" cmpd="sng" algn="ctr">
+          <a:solidFill>
+            <a:schemeClr val="phClr"/>
+          </a:solidFill>
+          <a:prstDash val="solid"/>
+          <a:miter lim="800000"/>
+        </a:ln>
+        <a:ln w="19050" cap="flat" cmpd="sng" algn="ctr">
+          <a:solidFill>
+            <a:schemeClr val="phClr"/>
+          </a:solidFill>
+          <a:prstDash val="solid"/>
+          <a:miter lim="800000"/>
+        </a:ln>
+      </a:lnStyleLst>
+      <a:effectStyleLst>
+        <a:effectStyle>
+          <a:effectLst/>
+        </a:effectStyle>
+        <a:effectStyle>
+          <a:effectLst/>
+        </a:effectStyle>
+        <a:effectStyle>
+          <a:effectLst>
+            <a:outerShdw blurRad="57150" dist="19050" dir="5400000" algn="ctr" rotWithShape="0">
+              <a:srgbClr val="000000">
+                <a:alpha val="63000"/>
+              </a:srgbClr>
+            </a:outerShdw>
+          </a:effectLst>
+        </a:effectStyle>
+      </a:effectStyleLst>
+      <a:bgFillStyleLst>
+        <a:solidFill>
+          <a:schemeClr val="phClr"/>
+        </a:solidFill>
+        <a:solidFill>
+          <a:schemeClr val="phClr">
+            <a:tint val="95000"/>
+            <a:satMod val="170000"/>
+          </a:schemeClr>
+        </a:solidFill>
+        <a:gradFill rotWithShape="1">
+          <a:gsLst>
+            <a:gs pos="0">
+              <a:schemeClr val="phClr">
+                <a:tint val="93000"/>
+                <a:satMod val="150000"/>
+                <a:shade val="98000"/>
+                <a:lumMod val="102000"/>
+              </a:schemeClr>
+            </a:gs>
+            <a:gs pos="50000">
+              <a:schemeClr val="phClr">
+                <a:tint val="98000"/>
+                <a:satMod val="130000"/>
+                <a:shade val="90000"/>
+                <a:lumMod val="103000"/>
+              </a:schemeClr>
+            </a:gs>
+            <a:gs pos="100000">
+              <a:schemeClr val="phClr">
+                <a:shade val="63000"/>
+                <a:satMod val="120000"/>
+              </a:schemeClr>
+            </a:gs>
+          </a:gsLst>
+          <a:lin ang="5400000" scaled="0"/>
+        </a:gradFill>
+      </a:bgFillStyleLst>
+    </a:fmtScheme>
+  </a:themeElements>
+  <a:objectDefaults/>
+  <a:extraClrSchemeLst/>
+  <a:extLst>
+    <a:ext uri="{05A4C25C-085E-4340-85A3-A5531E510DB2}">
+      <thm15:themeFamily xmlns:thm15="http://schemas.microsoft.com/office/thememl/2012/main" name="Office Theme" id="{62F939B6-93AF-4DB8-9C6B-D6C7DFDC589F}" vid="{4A3C46E8-61CC-4603-A589-7422A47A8E4A}"/>
+    </a:ext>
+  </a:extLst>
+</a:theme>
 </file>